--- a/Device Screen.pptx
+++ b/Device Screen.pptx
@@ -5,10 +5,11 @@
     <p:sldMasterId id="2147483648" r:id="rId1"/>
   </p:sldMasterIdLst>
   <p:sldIdLst>
-    <p:sldId id="256" r:id="rId2"/>
-    <p:sldId id="257" r:id="rId3"/>
-    <p:sldId id="258" r:id="rId4"/>
-    <p:sldId id="259" r:id="rId5"/>
+    <p:sldId id="260" r:id="rId2"/>
+    <p:sldId id="256" r:id="rId3"/>
+    <p:sldId id="257" r:id="rId4"/>
+    <p:sldId id="258" r:id="rId5"/>
+    <p:sldId id="259" r:id="rId6"/>
   </p:sldIdLst>
   <p:sldSz cx="12192000" cy="6858000"/>
   <p:notesSz cx="6858000" cy="9144000"/>
@@ -246,7 +247,7 @@
           <a:p>
             <a:fld id="{BBC792A3-0523-3F47-BDD7-FCD0014C791B}" type="datetimeFigureOut">
               <a:rPr lang="en-US" smtClean="0"/>
-              <a:t>1/31/16</a:t>
+              <a:t>2/14/16</a:t>
             </a:fld>
             <a:endParaRPr lang="en-US"/>
           </a:p>
@@ -416,7 +417,7 @@
           <a:p>
             <a:fld id="{BBC792A3-0523-3F47-BDD7-FCD0014C791B}" type="datetimeFigureOut">
               <a:rPr lang="en-US" smtClean="0"/>
-              <a:t>1/31/16</a:t>
+              <a:t>2/14/16</a:t>
             </a:fld>
             <a:endParaRPr lang="en-US"/>
           </a:p>
@@ -596,7 +597,7 @@
           <a:p>
             <a:fld id="{BBC792A3-0523-3F47-BDD7-FCD0014C791B}" type="datetimeFigureOut">
               <a:rPr lang="en-US" smtClean="0"/>
-              <a:t>1/31/16</a:t>
+              <a:t>2/14/16</a:t>
             </a:fld>
             <a:endParaRPr lang="en-US"/>
           </a:p>
@@ -766,7 +767,7 @@
           <a:p>
             <a:fld id="{BBC792A3-0523-3F47-BDD7-FCD0014C791B}" type="datetimeFigureOut">
               <a:rPr lang="en-US" smtClean="0"/>
-              <a:t>1/31/16</a:t>
+              <a:t>2/14/16</a:t>
             </a:fld>
             <a:endParaRPr lang="en-US"/>
           </a:p>
@@ -1012,7 +1013,7 @@
           <a:p>
             <a:fld id="{BBC792A3-0523-3F47-BDD7-FCD0014C791B}" type="datetimeFigureOut">
               <a:rPr lang="en-US" smtClean="0"/>
-              <a:t>1/31/16</a:t>
+              <a:t>2/14/16</a:t>
             </a:fld>
             <a:endParaRPr lang="en-US"/>
           </a:p>
@@ -1244,7 +1245,7 @@
           <a:p>
             <a:fld id="{BBC792A3-0523-3F47-BDD7-FCD0014C791B}" type="datetimeFigureOut">
               <a:rPr lang="en-US" smtClean="0"/>
-              <a:t>1/31/16</a:t>
+              <a:t>2/14/16</a:t>
             </a:fld>
             <a:endParaRPr lang="en-US"/>
           </a:p>
@@ -1611,7 +1612,7 @@
           <a:p>
             <a:fld id="{BBC792A3-0523-3F47-BDD7-FCD0014C791B}" type="datetimeFigureOut">
               <a:rPr lang="en-US" smtClean="0"/>
-              <a:t>1/31/16</a:t>
+              <a:t>2/14/16</a:t>
             </a:fld>
             <a:endParaRPr lang="en-US"/>
           </a:p>
@@ -1729,7 +1730,7 @@
           <a:p>
             <a:fld id="{BBC792A3-0523-3F47-BDD7-FCD0014C791B}" type="datetimeFigureOut">
               <a:rPr lang="en-US" smtClean="0"/>
-              <a:t>1/31/16</a:t>
+              <a:t>2/14/16</a:t>
             </a:fld>
             <a:endParaRPr lang="en-US"/>
           </a:p>
@@ -1824,7 +1825,7 @@
           <a:p>
             <a:fld id="{BBC792A3-0523-3F47-BDD7-FCD0014C791B}" type="datetimeFigureOut">
               <a:rPr lang="en-US" smtClean="0"/>
-              <a:t>1/31/16</a:t>
+              <a:t>2/14/16</a:t>
             </a:fld>
             <a:endParaRPr lang="en-US"/>
           </a:p>
@@ -2101,7 +2102,7 @@
           <a:p>
             <a:fld id="{BBC792A3-0523-3F47-BDD7-FCD0014C791B}" type="datetimeFigureOut">
               <a:rPr lang="en-US" smtClean="0"/>
-              <a:t>1/31/16</a:t>
+              <a:t>2/14/16</a:t>
             </a:fld>
             <a:endParaRPr lang="en-US"/>
           </a:p>
@@ -2354,7 +2355,7 @@
           <a:p>
             <a:fld id="{BBC792A3-0523-3F47-BDD7-FCD0014C791B}" type="datetimeFigureOut">
               <a:rPr lang="en-US" smtClean="0"/>
-              <a:t>1/31/16</a:t>
+              <a:t>2/14/16</a:t>
             </a:fld>
             <a:endParaRPr lang="en-US"/>
           </a:p>
@@ -2567,7 +2568,7 @@
           <a:p>
             <a:fld id="{BBC792A3-0523-3F47-BDD7-FCD0014C791B}" type="datetimeFigureOut">
               <a:rPr lang="en-US" smtClean="0"/>
-              <a:t>1/31/16</a:t>
+              <a:t>2/14/16</a:t>
             </a:fld>
             <a:endParaRPr lang="en-US"/>
           </a:p>
@@ -2980,7 +2981,7 @@
         </p:nvSpPr>
         <p:spPr>
           <a:xfrm>
-            <a:off x="1248228" y="478972"/>
+            <a:off x="4281714" y="493487"/>
             <a:ext cx="3657600" cy="5943600"/>
           </a:xfrm>
           <a:prstGeom prst="frame">
@@ -3021,21 +3022,50 @@
       </p:sp>
       <p:sp>
         <p:nvSpPr>
-          <p:cNvPr id="3" name="Frame 2"/>
+          <p:cNvPr id="4" name="TextBox 3"/>
+          <p:cNvSpPr txBox="1"/>
+          <p:nvPr/>
+        </p:nvSpPr>
+        <p:spPr>
+          <a:xfrm>
+            <a:off x="5643527" y="143720"/>
+            <a:ext cx="881075" cy="369332"/>
+          </a:xfrm>
+          <a:prstGeom prst="rect">
+            <a:avLst/>
+          </a:prstGeom>
+          <a:noFill/>
+        </p:spPr>
+        <p:txBody>
+          <a:bodyPr wrap="none" rtlCol="0">
+            <a:spAutoFit/>
+          </a:bodyPr>
+          <a:lstStyle/>
+          <a:p>
+            <a:r>
+              <a:rPr lang="en-US" dirty="0" smtClean="0"/>
+              <a:t>View_1</a:t>
+            </a:r>
+            <a:endParaRPr lang="en-US" dirty="0"/>
+          </a:p>
+        </p:txBody>
+      </p:sp>
+      <p:sp>
+        <p:nvSpPr>
+          <p:cNvPr id="6" name="Frame 5"/>
           <p:cNvSpPr/>
           <p:nvPr/>
         </p:nvSpPr>
         <p:spPr>
           <a:xfrm>
-            <a:off x="7104742" y="478972"/>
-            <a:ext cx="3657600" cy="5943600"/>
+            <a:off x="4681622" y="4225804"/>
+            <a:ext cx="2891970" cy="629190"/>
           </a:xfrm>
           <a:prstGeom prst="frame">
             <a:avLst>
-              <a:gd name="adj1" fmla="val 992"/>
+              <a:gd name="adj1" fmla="val 0"/>
             </a:avLst>
           </a:prstGeom>
-          <a:ln/>
         </p:spPr>
         <p:style>
           <a:lnRef idx="2">
@@ -3068,14 +3098,52 @@
       </p:sp>
       <p:sp>
         <p:nvSpPr>
-          <p:cNvPr id="4" name="Frame 3"/>
+          <p:cNvPr id="7" name="TextBox 6"/>
+          <p:cNvSpPr txBox="1"/>
+          <p:nvPr/>
+        </p:nvSpPr>
+        <p:spPr>
+          <a:xfrm>
+            <a:off x="5645914" y="4298207"/>
+            <a:ext cx="963386" cy="523220"/>
+          </a:xfrm>
+          <a:prstGeom prst="rect">
+            <a:avLst/>
+          </a:prstGeom>
+          <a:noFill/>
+        </p:spPr>
+        <p:txBody>
+          <a:bodyPr wrap="square" rtlCol="0">
+            <a:spAutoFit/>
+          </a:bodyPr>
+          <a:lstStyle/>
+          <a:p>
+            <a:pPr algn="ctr"/>
+            <a:r>
+              <a:rPr lang="en-US" sz="1400" dirty="0" smtClean="0"/>
+              <a:t>LOG IN</a:t>
+            </a:r>
+          </a:p>
+          <a:p>
+            <a:pPr algn="ctr"/>
+            <a:r>
+              <a:rPr lang="en-US" sz="1400" dirty="0" smtClean="0"/>
+              <a:t>B_1</a:t>
+            </a:r>
+            <a:endParaRPr lang="en-US" sz="1400" dirty="0"/>
+          </a:p>
+        </p:txBody>
+      </p:sp>
+      <p:sp>
+        <p:nvSpPr>
+          <p:cNvPr id="8" name="Frame 7"/>
           <p:cNvSpPr/>
           <p:nvPr/>
         </p:nvSpPr>
         <p:spPr>
           <a:xfrm>
-            <a:off x="2264230" y="2815772"/>
-            <a:ext cx="2285090" cy="406400"/>
+            <a:off x="5312228" y="1889628"/>
+            <a:ext cx="1640114" cy="1279071"/>
           </a:xfrm>
           <a:prstGeom prst="frame">
             <a:avLst>
@@ -3114,14 +3182,59 @@
       </p:sp>
       <p:sp>
         <p:nvSpPr>
-          <p:cNvPr id="5" name="Frame 4"/>
+          <p:cNvPr id="9" name="TextBox 8"/>
+          <p:cNvSpPr txBox="1"/>
+          <p:nvPr/>
+        </p:nvSpPr>
+        <p:spPr>
+          <a:xfrm>
+            <a:off x="5470523" y="2159831"/>
+            <a:ext cx="1309008" cy="738664"/>
+          </a:xfrm>
+          <a:prstGeom prst="rect">
+            <a:avLst/>
+          </a:prstGeom>
+          <a:noFill/>
+        </p:spPr>
+        <p:txBody>
+          <a:bodyPr wrap="square" rtlCol="0">
+            <a:spAutoFit/>
+          </a:bodyPr>
+          <a:lstStyle/>
+          <a:p>
+            <a:pPr algn="ctr"/>
+            <a:r>
+              <a:rPr lang="en-US" sz="1400" dirty="0" smtClean="0"/>
+              <a:t>FLASHCARD</a:t>
+            </a:r>
+          </a:p>
+          <a:p>
+            <a:pPr algn="ctr"/>
+            <a:r>
+              <a:rPr lang="en-US" sz="1400" dirty="0" smtClean="0"/>
+              <a:t>APP</a:t>
+            </a:r>
+          </a:p>
+          <a:p>
+            <a:pPr algn="ctr"/>
+            <a:r>
+              <a:rPr lang="en-US" sz="1400" dirty="0" smtClean="0"/>
+              <a:t>LOGO</a:t>
+            </a:r>
+            <a:endParaRPr lang="en-US" sz="1400" dirty="0"/>
+          </a:p>
+        </p:txBody>
+      </p:sp>
+      <p:sp>
+        <p:nvSpPr>
+          <p:cNvPr id="10" name="Frame 9"/>
           <p:cNvSpPr/>
           <p:nvPr/>
         </p:nvSpPr>
         <p:spPr>
           <a:xfrm>
-            <a:off x="2264229" y="3581401"/>
-            <a:ext cx="2285090" cy="406400"/>
+            <a:off x="4681622" y="5171194"/>
+            <a:ext cx="2891970" cy="629190"/>
           </a:xfrm>
           <a:prstGeom prst="frame">
             <a:avLst>
@@ -3160,20 +3273,224 @@
       </p:sp>
       <p:sp>
         <p:nvSpPr>
-          <p:cNvPr id="6" name="Frame 5"/>
+          <p:cNvPr id="11" name="TextBox 10"/>
+          <p:cNvSpPr txBox="1"/>
+          <p:nvPr/>
+        </p:nvSpPr>
+        <p:spPr>
+          <a:xfrm>
+            <a:off x="5645914" y="5243597"/>
+            <a:ext cx="963386" cy="523220"/>
+          </a:xfrm>
+          <a:prstGeom prst="rect">
+            <a:avLst/>
+          </a:prstGeom>
+          <a:noFill/>
+        </p:spPr>
+        <p:txBody>
+          <a:bodyPr wrap="square" rtlCol="0">
+            <a:spAutoFit/>
+          </a:bodyPr>
+          <a:lstStyle/>
+          <a:p>
+            <a:pPr algn="ctr"/>
+            <a:r>
+              <a:rPr lang="en-US" sz="1400" dirty="0" smtClean="0"/>
+              <a:t>SIGN UP</a:t>
+            </a:r>
+          </a:p>
+          <a:p>
+            <a:pPr algn="ctr"/>
+            <a:r>
+              <a:rPr lang="en-US" sz="1400" dirty="0" smtClean="0"/>
+              <a:t>B_2</a:t>
+            </a:r>
+            <a:endParaRPr lang="en-US" sz="1400" dirty="0"/>
+          </a:p>
+        </p:txBody>
+      </p:sp>
+      <p:cxnSp>
+        <p:nvCxnSpPr>
+          <p:cNvPr id="13" name="Straight Arrow Connector 12"/>
+          <p:cNvCxnSpPr>
+            <a:stCxn id="6" idx="3"/>
+          </p:cNvCxnSpPr>
+          <p:nvPr/>
+        </p:nvCxnSpPr>
+        <p:spPr>
+          <a:xfrm>
+            <a:off x="7573592" y="4540399"/>
+            <a:ext cx="917265" cy="2572"/>
+          </a:xfrm>
+          <a:prstGeom prst="straightConnector1">
+            <a:avLst/>
+          </a:prstGeom>
+          <a:ln>
+            <a:tailEnd type="triangle"/>
+          </a:ln>
+        </p:spPr>
+        <p:style>
+          <a:lnRef idx="1">
+            <a:schemeClr val="dk1"/>
+          </a:lnRef>
+          <a:fillRef idx="0">
+            <a:schemeClr val="dk1"/>
+          </a:fillRef>
+          <a:effectRef idx="0">
+            <a:schemeClr val="dk1"/>
+          </a:effectRef>
+          <a:fontRef idx="minor">
+            <a:schemeClr val="tx1"/>
+          </a:fontRef>
+        </p:style>
+      </p:cxnSp>
+      <p:cxnSp>
+        <p:nvCxnSpPr>
+          <p:cNvPr id="14" name="Straight Arrow Connector 13"/>
+          <p:cNvCxnSpPr/>
+          <p:nvPr/>
+        </p:nvCxnSpPr>
+        <p:spPr>
+          <a:xfrm>
+            <a:off x="7573592" y="5485789"/>
+            <a:ext cx="917265" cy="2572"/>
+          </a:xfrm>
+          <a:prstGeom prst="straightConnector1">
+            <a:avLst/>
+          </a:prstGeom>
+          <a:ln>
+            <a:tailEnd type="triangle"/>
+          </a:ln>
+        </p:spPr>
+        <p:style>
+          <a:lnRef idx="1">
+            <a:schemeClr val="dk1"/>
+          </a:lnRef>
+          <a:fillRef idx="0">
+            <a:schemeClr val="dk1"/>
+          </a:fillRef>
+          <a:effectRef idx="0">
+            <a:schemeClr val="dk1"/>
+          </a:effectRef>
+          <a:fontRef idx="minor">
+            <a:schemeClr val="tx1"/>
+          </a:fontRef>
+        </p:style>
+      </p:cxnSp>
+      <p:sp>
+        <p:nvSpPr>
+          <p:cNvPr id="15" name="TextBox 14"/>
+          <p:cNvSpPr txBox="1"/>
+          <p:nvPr/>
+        </p:nvSpPr>
+        <p:spPr>
+          <a:xfrm>
+            <a:off x="8490856" y="4405928"/>
+            <a:ext cx="727379" cy="307777"/>
+          </a:xfrm>
+          <a:prstGeom prst="rect">
+            <a:avLst/>
+          </a:prstGeom>
+          <a:noFill/>
+        </p:spPr>
+        <p:txBody>
+          <a:bodyPr wrap="none" rtlCol="0">
+            <a:spAutoFit/>
+          </a:bodyPr>
+          <a:lstStyle/>
+          <a:p>
+            <a:r>
+              <a:rPr lang="en-US" sz="1400" dirty="0" smtClean="0"/>
+              <a:t>View_2</a:t>
+            </a:r>
+            <a:endParaRPr lang="en-US" sz="1400" dirty="0"/>
+          </a:p>
+        </p:txBody>
+      </p:sp>
+      <p:sp>
+        <p:nvSpPr>
+          <p:cNvPr id="17" name="TextBox 16"/>
+          <p:cNvSpPr txBox="1"/>
+          <p:nvPr/>
+        </p:nvSpPr>
+        <p:spPr>
+          <a:xfrm>
+            <a:off x="8490856" y="5331900"/>
+            <a:ext cx="727379" cy="307777"/>
+          </a:xfrm>
+          <a:prstGeom prst="rect">
+            <a:avLst/>
+          </a:prstGeom>
+          <a:noFill/>
+        </p:spPr>
+        <p:txBody>
+          <a:bodyPr wrap="none" rtlCol="0">
+            <a:spAutoFit/>
+          </a:bodyPr>
+          <a:lstStyle/>
+          <a:p>
+            <a:r>
+              <a:rPr lang="en-US" sz="1400" dirty="0" smtClean="0"/>
+              <a:t>View_3</a:t>
+            </a:r>
+            <a:endParaRPr lang="en-US" sz="1400" dirty="0"/>
+          </a:p>
+        </p:txBody>
+      </p:sp>
+    </p:spTree>
+    <p:extLst>
+      <p:ext uri="{BB962C8B-B14F-4D97-AF65-F5344CB8AC3E}">
+        <p14:creationId xmlns:p14="http://schemas.microsoft.com/office/powerpoint/2010/main" val="410985467"/>
+      </p:ext>
+    </p:extLst>
+  </p:cSld>
+  <p:clrMapOvr>
+    <a:masterClrMapping/>
+  </p:clrMapOvr>
+  <p:timing>
+    <p:tnLst>
+      <p:par>
+        <p:cTn id="1" dur="indefinite" restart="never" nodeType="tmRoot"/>
+      </p:par>
+    </p:tnLst>
+  </p:timing>
+</p:sld>
+</file>
+
+<file path=ppt/slides/slide2.xml><?xml version="1.0" encoding="utf-8"?>
+<p:sld xmlns:a="http://schemas.openxmlformats.org/drawingml/2006/main" xmlns:r="http://schemas.openxmlformats.org/officeDocument/2006/relationships" xmlns:p="http://schemas.openxmlformats.org/presentationml/2006/main">
+  <p:cSld>
+    <p:spTree>
+      <p:nvGrpSpPr>
+        <p:cNvPr id="1" name=""/>
+        <p:cNvGrpSpPr/>
+        <p:nvPr/>
+      </p:nvGrpSpPr>
+      <p:grpSpPr>
+        <a:xfrm>
+          <a:off x="0" y="0"/>
+          <a:ext cx="0" cy="0"/>
+          <a:chOff x="0" y="0"/>
+          <a:chExt cx="0" cy="0"/>
+        </a:xfrm>
+      </p:grpSpPr>
+      <p:sp>
+        <p:nvSpPr>
+          <p:cNvPr id="2" name="Frame 1"/>
           <p:cNvSpPr/>
           <p:nvPr/>
         </p:nvSpPr>
         <p:spPr>
           <a:xfrm>
-            <a:off x="2264229" y="1090386"/>
-            <a:ext cx="1640114" cy="1279071"/>
+            <a:off x="1248228" y="478972"/>
+            <a:ext cx="3657600" cy="5943600"/>
           </a:xfrm>
           <a:prstGeom prst="frame">
             <a:avLst>
-              <a:gd name="adj1" fmla="val 0"/>
+              <a:gd name="adj1" fmla="val 992"/>
             </a:avLst>
           </a:prstGeom>
+          <a:ln/>
         </p:spPr>
         <p:style>
           <a:lnRef idx="2">
@@ -3206,20 +3523,21 @@
       </p:sp>
       <p:sp>
         <p:nvSpPr>
-          <p:cNvPr id="7" name="Frame 6"/>
+          <p:cNvPr id="3" name="Frame 2"/>
           <p:cNvSpPr/>
           <p:nvPr/>
         </p:nvSpPr>
         <p:spPr>
           <a:xfrm>
-            <a:off x="1657349" y="4368508"/>
-            <a:ext cx="2891970" cy="452584"/>
+            <a:off x="7104742" y="478972"/>
+            <a:ext cx="3657600" cy="5943600"/>
           </a:xfrm>
           <a:prstGeom prst="frame">
             <a:avLst>
-              <a:gd name="adj1" fmla="val 0"/>
+              <a:gd name="adj1" fmla="val 992"/>
             </a:avLst>
           </a:prstGeom>
+          <a:ln/>
         </p:spPr>
         <p:style>
           <a:lnRef idx="2">
@@ -3252,14 +3570,14 @@
       </p:sp>
       <p:sp>
         <p:nvSpPr>
-          <p:cNvPr id="10" name="Frame 9"/>
+          <p:cNvPr id="4" name="Frame 3"/>
           <p:cNvSpPr/>
           <p:nvPr/>
         </p:nvSpPr>
         <p:spPr>
           <a:xfrm>
-            <a:off x="7503885" y="914400"/>
-            <a:ext cx="1132115" cy="815521"/>
+            <a:off x="2264230" y="2655661"/>
+            <a:ext cx="2285090" cy="406400"/>
           </a:xfrm>
           <a:prstGeom prst="frame">
             <a:avLst>
@@ -3298,14 +3616,14 @@
       </p:sp>
       <p:sp>
         <p:nvSpPr>
-          <p:cNvPr id="11" name="Frame 10"/>
+          <p:cNvPr id="5" name="Frame 4"/>
           <p:cNvSpPr/>
           <p:nvPr/>
         </p:nvSpPr>
         <p:spPr>
           <a:xfrm>
-            <a:off x="9245601" y="914400"/>
-            <a:ext cx="1150254" cy="815521"/>
+            <a:off x="2264229" y="3421290"/>
+            <a:ext cx="2285090" cy="406400"/>
           </a:xfrm>
           <a:prstGeom prst="frame">
             <a:avLst>
@@ -3344,14 +3662,14 @@
       </p:sp>
       <p:sp>
         <p:nvSpPr>
-          <p:cNvPr id="14" name="Frame 13"/>
+          <p:cNvPr id="7" name="Frame 6"/>
           <p:cNvSpPr/>
           <p:nvPr/>
         </p:nvSpPr>
         <p:spPr>
           <a:xfrm>
-            <a:off x="8178800" y="3599546"/>
-            <a:ext cx="2416627" cy="332721"/>
+            <a:off x="1657349" y="4368508"/>
+            <a:ext cx="2891970" cy="452584"/>
           </a:xfrm>
           <a:prstGeom prst="frame">
             <a:avLst>
@@ -3390,14 +3708,14 @@
       </p:sp>
       <p:sp>
         <p:nvSpPr>
-          <p:cNvPr id="15" name="Frame 14"/>
+          <p:cNvPr id="10" name="Frame 9"/>
           <p:cNvSpPr/>
           <p:nvPr/>
         </p:nvSpPr>
         <p:spPr>
           <a:xfrm>
-            <a:off x="8178800" y="3063172"/>
-            <a:ext cx="2416627" cy="315029"/>
+            <a:off x="7503885" y="914400"/>
+            <a:ext cx="1132115" cy="815521"/>
           </a:xfrm>
           <a:prstGeom prst="frame">
             <a:avLst>
@@ -3436,14 +3754,14 @@
       </p:sp>
       <p:sp>
         <p:nvSpPr>
-          <p:cNvPr id="16" name="Frame 15"/>
+          <p:cNvPr id="11" name="Frame 10"/>
           <p:cNvSpPr/>
           <p:nvPr/>
         </p:nvSpPr>
         <p:spPr>
           <a:xfrm>
-            <a:off x="8178800" y="2547423"/>
-            <a:ext cx="2411488" cy="328753"/>
+            <a:off x="9245601" y="914400"/>
+            <a:ext cx="1150254" cy="815521"/>
           </a:xfrm>
           <a:prstGeom prst="frame">
             <a:avLst>
@@ -3482,14 +3800,14 @@
       </p:sp>
       <p:sp>
         <p:nvSpPr>
-          <p:cNvPr id="17" name="Frame 16"/>
+          <p:cNvPr id="14" name="Frame 13"/>
           <p:cNvSpPr/>
           <p:nvPr/>
         </p:nvSpPr>
         <p:spPr>
           <a:xfrm>
-            <a:off x="8178799" y="4165606"/>
-            <a:ext cx="2416627" cy="362852"/>
+            <a:off x="8178800" y="3599546"/>
+            <a:ext cx="2416627" cy="332721"/>
           </a:xfrm>
           <a:prstGeom prst="frame">
             <a:avLst>
@@ -3528,18 +3846,18 @@
       </p:sp>
       <p:sp>
         <p:nvSpPr>
-          <p:cNvPr id="19" name="Frame 18"/>
+          <p:cNvPr id="15" name="Frame 14"/>
           <p:cNvSpPr/>
           <p:nvPr/>
         </p:nvSpPr>
         <p:spPr>
           <a:xfrm>
-            <a:off x="7561941" y="4731655"/>
-            <a:ext cx="188688" cy="181431"/>
+            <a:off x="8178800" y="3063172"/>
+            <a:ext cx="2416627" cy="315029"/>
           </a:xfrm>
           <a:prstGeom prst="frame">
             <a:avLst>
-              <a:gd name="adj1" fmla="val 219"/>
+              <a:gd name="adj1" fmla="val 0"/>
             </a:avLst>
           </a:prstGeom>
         </p:spPr>
@@ -3574,18 +3892,18 @@
       </p:sp>
       <p:sp>
         <p:nvSpPr>
-          <p:cNvPr id="20" name="Frame 19"/>
+          <p:cNvPr id="16" name="Frame 15"/>
           <p:cNvSpPr/>
           <p:nvPr/>
         </p:nvSpPr>
         <p:spPr>
           <a:xfrm>
-            <a:off x="7565573" y="5152572"/>
-            <a:ext cx="185056" cy="188685"/>
+            <a:off x="8178800" y="2547423"/>
+            <a:ext cx="2411488" cy="328753"/>
           </a:xfrm>
           <a:prstGeom prst="frame">
             <a:avLst>
-              <a:gd name="adj1" fmla="val 219"/>
+              <a:gd name="adj1" fmla="val 0"/>
             </a:avLst>
           </a:prstGeom>
         </p:spPr>
@@ -3620,14 +3938,14 @@
       </p:sp>
       <p:sp>
         <p:nvSpPr>
-          <p:cNvPr id="21" name="Frame 20"/>
+          <p:cNvPr id="17" name="Frame 16"/>
           <p:cNvSpPr/>
           <p:nvPr/>
         </p:nvSpPr>
         <p:spPr>
           <a:xfrm>
-            <a:off x="8100784" y="5539013"/>
-            <a:ext cx="1665515" cy="466276"/>
+            <a:off x="8178799" y="4165606"/>
+            <a:ext cx="2416627" cy="362852"/>
           </a:xfrm>
           <a:prstGeom prst="frame">
             <a:avLst>
@@ -3666,14 +3984,152 @@
       </p:sp>
       <p:sp>
         <p:nvSpPr>
+          <p:cNvPr id="19" name="Frame 18"/>
+          <p:cNvSpPr/>
+          <p:nvPr/>
+        </p:nvSpPr>
+        <p:spPr>
+          <a:xfrm>
+            <a:off x="7561941" y="4731655"/>
+            <a:ext cx="188688" cy="181431"/>
+          </a:xfrm>
+          <a:prstGeom prst="frame">
+            <a:avLst>
+              <a:gd name="adj1" fmla="val 219"/>
+            </a:avLst>
+          </a:prstGeom>
+        </p:spPr>
+        <p:style>
+          <a:lnRef idx="2">
+            <a:schemeClr val="dk1">
+              <a:shade val="50000"/>
+            </a:schemeClr>
+          </a:lnRef>
+          <a:fillRef idx="1">
+            <a:schemeClr val="dk1"/>
+          </a:fillRef>
+          <a:effectRef idx="0">
+            <a:schemeClr val="dk1"/>
+          </a:effectRef>
+          <a:fontRef idx="minor">
+            <a:schemeClr val="lt1"/>
+          </a:fontRef>
+        </p:style>
+        <p:txBody>
+          <a:bodyPr rtlCol="0" anchor="ctr"/>
+          <a:lstStyle/>
+          <a:p>
+            <a:pPr algn="ctr"/>
+            <a:endParaRPr lang="en-US">
+              <a:solidFill>
+                <a:schemeClr val="tx1"/>
+              </a:solidFill>
+            </a:endParaRPr>
+          </a:p>
+        </p:txBody>
+      </p:sp>
+      <p:sp>
+        <p:nvSpPr>
+          <p:cNvPr id="20" name="Frame 19"/>
+          <p:cNvSpPr/>
+          <p:nvPr/>
+        </p:nvSpPr>
+        <p:spPr>
+          <a:xfrm>
+            <a:off x="7565573" y="5152572"/>
+            <a:ext cx="185056" cy="188685"/>
+          </a:xfrm>
+          <a:prstGeom prst="frame">
+            <a:avLst>
+              <a:gd name="adj1" fmla="val 219"/>
+            </a:avLst>
+          </a:prstGeom>
+        </p:spPr>
+        <p:style>
+          <a:lnRef idx="2">
+            <a:schemeClr val="dk1">
+              <a:shade val="50000"/>
+            </a:schemeClr>
+          </a:lnRef>
+          <a:fillRef idx="1">
+            <a:schemeClr val="dk1"/>
+          </a:fillRef>
+          <a:effectRef idx="0">
+            <a:schemeClr val="dk1"/>
+          </a:effectRef>
+          <a:fontRef idx="minor">
+            <a:schemeClr val="lt1"/>
+          </a:fontRef>
+        </p:style>
+        <p:txBody>
+          <a:bodyPr rtlCol="0" anchor="ctr"/>
+          <a:lstStyle/>
+          <a:p>
+            <a:pPr algn="ctr"/>
+            <a:endParaRPr lang="en-US">
+              <a:solidFill>
+                <a:schemeClr val="tx1"/>
+              </a:solidFill>
+            </a:endParaRPr>
+          </a:p>
+        </p:txBody>
+      </p:sp>
+      <p:sp>
+        <p:nvSpPr>
+          <p:cNvPr id="21" name="Frame 20"/>
+          <p:cNvSpPr/>
+          <p:nvPr/>
+        </p:nvSpPr>
+        <p:spPr>
+          <a:xfrm>
+            <a:off x="8100784" y="5539013"/>
+            <a:ext cx="1665515" cy="466276"/>
+          </a:xfrm>
+          <a:prstGeom prst="frame">
+            <a:avLst>
+              <a:gd name="adj1" fmla="val 0"/>
+            </a:avLst>
+          </a:prstGeom>
+        </p:spPr>
+        <p:style>
+          <a:lnRef idx="2">
+            <a:schemeClr val="dk1">
+              <a:shade val="50000"/>
+            </a:schemeClr>
+          </a:lnRef>
+          <a:fillRef idx="1">
+            <a:schemeClr val="dk1"/>
+          </a:fillRef>
+          <a:effectRef idx="0">
+            <a:schemeClr val="dk1"/>
+          </a:effectRef>
+          <a:fontRef idx="minor">
+            <a:schemeClr val="lt1"/>
+          </a:fontRef>
+        </p:style>
+        <p:txBody>
+          <a:bodyPr rtlCol="0" anchor="ctr"/>
+          <a:lstStyle/>
+          <a:p>
+            <a:pPr algn="ctr"/>
+            <a:endParaRPr lang="en-US">
+              <a:solidFill>
+                <a:schemeClr val="tx1"/>
+              </a:solidFill>
+            </a:endParaRPr>
+          </a:p>
+        </p:txBody>
+      </p:sp>
+      <p:sp>
+        <p:nvSpPr>
           <p:cNvPr id="22" name="TextBox 21"/>
           <p:cNvSpPr txBox="1"/>
           <p:nvPr/>
         </p:nvSpPr>
         <p:spPr>
           <a:xfrm>
-            <a:off x="1307195" y="2880472"/>
-            <a:ext cx="986970" cy="276999"/>
+            <a:off x="1322917" y="2655661"/>
+            <a:ext cx="986970" cy="461665"/>
           </a:xfrm>
           <a:prstGeom prst="rect">
             <a:avLst/>
@@ -3691,6 +4147,13 @@
               <a:rPr lang="en-US" sz="1200" dirty="0" smtClean="0"/>
               <a:t>Username</a:t>
             </a:r>
+          </a:p>
+          <a:p>
+            <a:pPr algn="ctr"/>
+            <a:r>
+              <a:rPr lang="en-US" sz="1200" dirty="0" smtClean="0"/>
+              <a:t>or Email</a:t>
+            </a:r>
             <a:endParaRPr lang="en-US" sz="1200" dirty="0"/>
           </a:p>
         </p:txBody>
@@ -3703,7 +4166,7 @@
         </p:nvSpPr>
         <p:spPr>
           <a:xfrm>
-            <a:off x="1300844" y="3624490"/>
+            <a:off x="1300844" y="3464379"/>
             <a:ext cx="963386" cy="276999"/>
           </a:xfrm>
           <a:prstGeom prst="rect">
@@ -3734,8 +4197,8 @@
         </p:nvSpPr>
         <p:spPr>
           <a:xfrm>
-            <a:off x="7585529" y="946511"/>
-            <a:ext cx="963386" cy="738664"/>
+            <a:off x="7585529" y="917279"/>
+            <a:ext cx="963386" cy="830997"/>
           </a:xfrm>
           <a:prstGeom prst="rect">
             <a:avLst/>
@@ -3750,10 +4213,17 @@
           <a:p>
             <a:pPr algn="ctr"/>
             <a:r>
-              <a:rPr lang="en-US" sz="1400" dirty="0" smtClean="0"/>
+              <a:rPr lang="en-US" sz="1200" dirty="0" smtClean="0"/>
               <a:t>SIGN UP with Facebook</a:t>
             </a:r>
-            <a:endParaRPr lang="en-US" sz="1400" dirty="0"/>
+          </a:p>
+          <a:p>
+            <a:pPr algn="ctr"/>
+            <a:r>
+              <a:rPr lang="en-US" sz="1200" dirty="0" smtClean="0"/>
+              <a:t>B_1</a:t>
+            </a:r>
+            <a:endParaRPr lang="en-US" sz="1200" dirty="0"/>
           </a:p>
         </p:txBody>
       </p:sp>
@@ -3765,8 +4235,8 @@
         </p:nvSpPr>
         <p:spPr>
           <a:xfrm>
-            <a:off x="8451848" y="5618262"/>
-            <a:ext cx="963386" cy="307777"/>
+            <a:off x="8465986" y="5550163"/>
+            <a:ext cx="963386" cy="461665"/>
           </a:xfrm>
           <a:prstGeom prst="rect">
             <a:avLst/>
@@ -3781,23 +4251,30 @@
           <a:p>
             <a:pPr algn="ctr"/>
             <a:r>
-              <a:rPr lang="en-US" sz="1400" dirty="0" smtClean="0"/>
+              <a:rPr lang="en-US" sz="1200" dirty="0" smtClean="0"/>
               <a:t>SIGN UP</a:t>
             </a:r>
-            <a:endParaRPr lang="en-US" sz="1400" dirty="0"/>
-          </a:p>
-        </p:txBody>
-      </p:sp>
-      <p:sp>
-        <p:nvSpPr>
-          <p:cNvPr id="27" name="TextBox 26"/>
+          </a:p>
+          <a:p>
+            <a:pPr algn="ctr"/>
+            <a:r>
+              <a:rPr lang="en-US" sz="1200" dirty="0" smtClean="0"/>
+              <a:t>B_4</a:t>
+            </a:r>
+            <a:endParaRPr lang="en-US" sz="1200" dirty="0"/>
+          </a:p>
+        </p:txBody>
+      </p:sp>
+      <p:sp>
+        <p:nvSpPr>
+          <p:cNvPr id="29" name="TextBox 28"/>
           <p:cNvSpPr txBox="1"/>
           <p:nvPr/>
         </p:nvSpPr>
         <p:spPr>
           <a:xfrm>
-            <a:off x="2422524" y="1360589"/>
-            <a:ext cx="1309008" cy="738664"/>
+            <a:off x="9339035" y="928150"/>
+            <a:ext cx="963386" cy="830997"/>
           </a:xfrm>
           <a:prstGeom prst="rect">
             <a:avLst/>
@@ -3812,55 +4289,17 @@
           <a:p>
             <a:pPr algn="ctr"/>
             <a:r>
-              <a:rPr lang="en-US" sz="1400" dirty="0" smtClean="0"/>
-              <a:t>LOGO</a:t>
+              <a:rPr lang="en-US" sz="1200" dirty="0" smtClean="0"/>
+              <a:t>SIGN UP with Google+</a:t>
             </a:r>
           </a:p>
           <a:p>
             <a:pPr algn="ctr"/>
             <a:r>
-              <a:rPr lang="en-US" sz="1400" dirty="0" smtClean="0"/>
-              <a:t>+</a:t>
-            </a:r>
-          </a:p>
-          <a:p>
-            <a:pPr algn="ctr"/>
-            <a:r>
-              <a:rPr lang="en-US" sz="1400" dirty="0" smtClean="0"/>
-              <a:t>Flashcards</a:t>
-            </a:r>
-            <a:endParaRPr lang="en-US" sz="1400" dirty="0"/>
-          </a:p>
-        </p:txBody>
-      </p:sp>
-      <p:sp>
-        <p:nvSpPr>
-          <p:cNvPr id="29" name="TextBox 28"/>
-          <p:cNvSpPr txBox="1"/>
-          <p:nvPr/>
-        </p:nvSpPr>
-        <p:spPr>
-          <a:xfrm>
-            <a:off x="9339035" y="957117"/>
-            <a:ext cx="963386" cy="738664"/>
-          </a:xfrm>
-          <a:prstGeom prst="rect">
-            <a:avLst/>
-          </a:prstGeom>
-          <a:noFill/>
-        </p:spPr>
-        <p:txBody>
-          <a:bodyPr wrap="square" rtlCol="0">
-            <a:spAutoFit/>
-          </a:bodyPr>
-          <a:lstStyle/>
-          <a:p>
-            <a:pPr algn="ctr"/>
-            <a:r>
-              <a:rPr lang="en-US" sz="1400" dirty="0" smtClean="0"/>
-              <a:t>SIGN UP with Google+</a:t>
-            </a:r>
-            <a:endParaRPr lang="en-US" sz="1400" dirty="0"/>
+              <a:rPr lang="en-US" sz="1200" dirty="0" smtClean="0"/>
+              <a:t>B_2</a:t>
+            </a:r>
+            <a:endParaRPr lang="en-US" sz="1200" dirty="0"/>
           </a:p>
         </p:txBody>
       </p:sp>
@@ -3963,8 +4402,8 @@
         </p:nvSpPr>
         <p:spPr>
           <a:xfrm>
-            <a:off x="2566306" y="4446521"/>
-            <a:ext cx="963386" cy="307777"/>
+            <a:off x="2567212" y="4368508"/>
+            <a:ext cx="963386" cy="461665"/>
           </a:xfrm>
           <a:prstGeom prst="rect">
             <a:avLst/>
@@ -3979,10 +4418,17 @@
           <a:p>
             <a:pPr algn="ctr"/>
             <a:r>
-              <a:rPr lang="en-US" sz="1400" smtClean="0"/>
+              <a:rPr lang="en-US" sz="1200" dirty="0" smtClean="0"/>
               <a:t>LOG IN</a:t>
             </a:r>
-            <a:endParaRPr lang="en-US" sz="1400" dirty="0"/>
+          </a:p>
+          <a:p>
+            <a:pPr algn="ctr"/>
+            <a:r>
+              <a:rPr lang="en-US" sz="1200" dirty="0" smtClean="0"/>
+              <a:t>B_3</a:t>
+            </a:r>
+            <a:endParaRPr lang="en-US" sz="1200" dirty="0"/>
           </a:p>
         </p:txBody>
       </p:sp>
@@ -4246,7 +4692,7 @@
         </p:nvSpPr>
         <p:spPr>
           <a:xfrm>
-            <a:off x="1657349" y="5190170"/>
+            <a:off x="1643745" y="1162010"/>
             <a:ext cx="1132115" cy="815521"/>
           </a:xfrm>
           <a:prstGeom prst="frame">
@@ -4292,7 +4738,7 @@
         </p:nvSpPr>
         <p:spPr>
           <a:xfrm>
-            <a:off x="3399065" y="5190170"/>
+            <a:off x="3385461" y="1162010"/>
             <a:ext cx="1150254" cy="815521"/>
           </a:xfrm>
           <a:prstGeom prst="frame">
@@ -4338,8 +4784,8 @@
         </p:nvSpPr>
         <p:spPr>
           <a:xfrm>
-            <a:off x="1738993" y="5222281"/>
-            <a:ext cx="963386" cy="738664"/>
+            <a:off x="1728109" y="1174495"/>
+            <a:ext cx="963386" cy="830997"/>
           </a:xfrm>
           <a:prstGeom prst="rect">
             <a:avLst/>
@@ -4354,17 +4800,24 @@
           <a:p>
             <a:pPr algn="ctr"/>
             <a:r>
-              <a:rPr lang="en-US" sz="1400" dirty="0" smtClean="0"/>
+              <a:rPr lang="en-US" sz="1200" dirty="0" smtClean="0"/>
               <a:t>LOG IN</a:t>
             </a:r>
           </a:p>
           <a:p>
             <a:pPr algn="ctr"/>
             <a:r>
-              <a:rPr lang="en-US" sz="1400" dirty="0" smtClean="0"/>
+              <a:rPr lang="en-US" sz="1200" dirty="0" smtClean="0"/>
               <a:t>with Facebook</a:t>
             </a:r>
-            <a:endParaRPr lang="en-US" sz="1400" dirty="0"/>
+          </a:p>
+          <a:p>
+            <a:pPr algn="ctr"/>
+            <a:r>
+              <a:rPr lang="en-US" sz="1200" dirty="0" smtClean="0"/>
+              <a:t>B_1</a:t>
+            </a:r>
+            <a:endParaRPr lang="en-US" sz="1200" dirty="0"/>
           </a:p>
         </p:txBody>
       </p:sp>
@@ -4376,8 +4829,8 @@
         </p:nvSpPr>
         <p:spPr>
           <a:xfrm>
-            <a:off x="3492499" y="5232887"/>
-            <a:ext cx="963386" cy="738664"/>
+            <a:off x="3492874" y="1174166"/>
+            <a:ext cx="963386" cy="830997"/>
           </a:xfrm>
           <a:prstGeom prst="rect">
             <a:avLst/>
@@ -4392,15 +4845,280 @@
           <a:p>
             <a:pPr algn="ctr"/>
             <a:r>
+              <a:rPr lang="en-US" sz="1200" dirty="0" smtClean="0"/>
+              <a:t>LOG IN</a:t>
+            </a:r>
+          </a:p>
+          <a:p>
+            <a:pPr algn="ctr"/>
+            <a:r>
+              <a:rPr lang="en-US" sz="1200" dirty="0" smtClean="0"/>
+              <a:t>with Google+</a:t>
+            </a:r>
+          </a:p>
+          <a:p>
+            <a:pPr algn="ctr"/>
+            <a:r>
+              <a:rPr lang="en-US" sz="1200" dirty="0" smtClean="0"/>
+              <a:t>B_2</a:t>
+            </a:r>
+            <a:endParaRPr lang="en-US" sz="1200" dirty="0"/>
+          </a:p>
+        </p:txBody>
+      </p:sp>
+      <p:cxnSp>
+        <p:nvCxnSpPr>
+          <p:cNvPr id="42" name="Straight Arrow Connector 41"/>
+          <p:cNvCxnSpPr/>
+          <p:nvPr/>
+        </p:nvCxnSpPr>
+        <p:spPr>
+          <a:xfrm>
+            <a:off x="4540629" y="1559546"/>
+            <a:ext cx="917265" cy="2572"/>
+          </a:xfrm>
+          <a:prstGeom prst="straightConnector1">
+            <a:avLst/>
+          </a:prstGeom>
+          <a:ln>
+            <a:tailEnd type="triangle"/>
+          </a:ln>
+        </p:spPr>
+        <p:style>
+          <a:lnRef idx="1">
+            <a:schemeClr val="dk1"/>
+          </a:lnRef>
+          <a:fillRef idx="0">
+            <a:schemeClr val="dk1"/>
+          </a:fillRef>
+          <a:effectRef idx="0">
+            <a:schemeClr val="dk1"/>
+          </a:effectRef>
+          <a:fontRef idx="minor">
+            <a:schemeClr val="tx1"/>
+          </a:fontRef>
+        </p:style>
+      </p:cxnSp>
+      <p:cxnSp>
+        <p:nvCxnSpPr>
+          <p:cNvPr id="43" name="Straight Arrow Connector 42"/>
+          <p:cNvCxnSpPr/>
+          <p:nvPr/>
+        </p:nvCxnSpPr>
+        <p:spPr>
+          <a:xfrm flipH="1">
+            <a:off x="728579" y="1571306"/>
+            <a:ext cx="910252" cy="2572"/>
+          </a:xfrm>
+          <a:prstGeom prst="straightConnector1">
+            <a:avLst/>
+          </a:prstGeom>
+          <a:ln>
+            <a:tailEnd type="triangle"/>
+          </a:ln>
+        </p:spPr>
+        <p:style>
+          <a:lnRef idx="1">
+            <a:schemeClr val="dk1"/>
+          </a:lnRef>
+          <a:fillRef idx="0">
+            <a:schemeClr val="dk1"/>
+          </a:fillRef>
+          <a:effectRef idx="0">
+            <a:schemeClr val="dk1"/>
+          </a:effectRef>
+          <a:fontRef idx="minor">
+            <a:schemeClr val="tx1"/>
+          </a:fontRef>
+        </p:style>
+      </p:cxnSp>
+      <p:cxnSp>
+        <p:nvCxnSpPr>
+          <p:cNvPr id="46" name="Straight Arrow Connector 45"/>
+          <p:cNvCxnSpPr/>
+          <p:nvPr/>
+        </p:nvCxnSpPr>
+        <p:spPr>
+          <a:xfrm>
+            <a:off x="10395855" y="1294509"/>
+            <a:ext cx="917265" cy="2572"/>
+          </a:xfrm>
+          <a:prstGeom prst="straightConnector1">
+            <a:avLst/>
+          </a:prstGeom>
+          <a:ln>
+            <a:tailEnd type="triangle"/>
+          </a:ln>
+        </p:spPr>
+        <p:style>
+          <a:lnRef idx="1">
+            <a:schemeClr val="dk1"/>
+          </a:lnRef>
+          <a:fillRef idx="0">
+            <a:schemeClr val="dk1"/>
+          </a:fillRef>
+          <a:effectRef idx="0">
+            <a:schemeClr val="dk1"/>
+          </a:effectRef>
+          <a:fontRef idx="minor">
+            <a:schemeClr val="tx1"/>
+          </a:fontRef>
+        </p:style>
+      </p:cxnSp>
+      <p:cxnSp>
+        <p:nvCxnSpPr>
+          <p:cNvPr id="51" name="Straight Arrow Connector 50"/>
+          <p:cNvCxnSpPr/>
+          <p:nvPr/>
+        </p:nvCxnSpPr>
+        <p:spPr>
+          <a:xfrm flipH="1">
+            <a:off x="6583805" y="1306269"/>
+            <a:ext cx="910252" cy="2572"/>
+          </a:xfrm>
+          <a:prstGeom prst="straightConnector1">
+            <a:avLst/>
+          </a:prstGeom>
+          <a:ln>
+            <a:tailEnd type="triangle"/>
+          </a:ln>
+        </p:spPr>
+        <p:style>
+          <a:lnRef idx="1">
+            <a:schemeClr val="dk1"/>
+          </a:lnRef>
+          <a:fillRef idx="0">
+            <a:schemeClr val="dk1"/>
+          </a:fillRef>
+          <a:effectRef idx="0">
+            <a:schemeClr val="dk1"/>
+          </a:effectRef>
+          <a:fontRef idx="minor">
+            <a:schemeClr val="tx1"/>
+          </a:fontRef>
+        </p:style>
+      </p:cxnSp>
+      <p:cxnSp>
+        <p:nvCxnSpPr>
+          <p:cNvPr id="54" name="Straight Arrow Connector 53"/>
+          <p:cNvCxnSpPr/>
+          <p:nvPr/>
+        </p:nvCxnSpPr>
+        <p:spPr>
+          <a:xfrm>
+            <a:off x="4549319" y="4594800"/>
+            <a:ext cx="917265" cy="2572"/>
+          </a:xfrm>
+          <a:prstGeom prst="straightConnector1">
+            <a:avLst/>
+          </a:prstGeom>
+          <a:ln>
+            <a:tailEnd type="triangle"/>
+          </a:ln>
+        </p:spPr>
+        <p:style>
+          <a:lnRef idx="1">
+            <a:schemeClr val="dk1"/>
+          </a:lnRef>
+          <a:fillRef idx="0">
+            <a:schemeClr val="dk1"/>
+          </a:fillRef>
+          <a:effectRef idx="0">
+            <a:schemeClr val="dk1"/>
+          </a:effectRef>
+          <a:fontRef idx="minor">
+            <a:schemeClr val="tx1"/>
+          </a:fontRef>
+        </p:style>
+      </p:cxnSp>
+      <p:cxnSp>
+        <p:nvCxnSpPr>
+          <p:cNvPr id="55" name="Straight Arrow Connector 54"/>
+          <p:cNvCxnSpPr/>
+          <p:nvPr/>
+        </p:nvCxnSpPr>
+        <p:spPr>
+          <a:xfrm>
+            <a:off x="9766298" y="5772150"/>
+            <a:ext cx="1347108" cy="0"/>
+          </a:xfrm>
+          <a:prstGeom prst="straightConnector1">
+            <a:avLst/>
+          </a:prstGeom>
+          <a:ln>
+            <a:tailEnd type="triangle"/>
+          </a:ln>
+        </p:spPr>
+        <p:style>
+          <a:lnRef idx="1">
+            <a:schemeClr val="dk1"/>
+          </a:lnRef>
+          <a:fillRef idx="0">
+            <a:schemeClr val="dk1"/>
+          </a:fillRef>
+          <a:effectRef idx="0">
+            <a:schemeClr val="dk1"/>
+          </a:effectRef>
+          <a:fontRef idx="minor">
+            <a:schemeClr val="tx1"/>
+          </a:fontRef>
+        </p:style>
+      </p:cxnSp>
+      <p:sp>
+        <p:nvSpPr>
+          <p:cNvPr id="56" name="TextBox 55"/>
+          <p:cNvSpPr txBox="1"/>
+          <p:nvPr/>
+        </p:nvSpPr>
+        <p:spPr>
+          <a:xfrm>
+            <a:off x="5461515" y="4439279"/>
+            <a:ext cx="727379" cy="307777"/>
+          </a:xfrm>
+          <a:prstGeom prst="rect">
+            <a:avLst/>
+          </a:prstGeom>
+          <a:noFill/>
+        </p:spPr>
+        <p:txBody>
+          <a:bodyPr wrap="none" rtlCol="0">
+            <a:spAutoFit/>
+          </a:bodyPr>
+          <a:lstStyle/>
+          <a:p>
+            <a:r>
               <a:rPr lang="en-US" sz="1400" dirty="0" smtClean="0"/>
-              <a:t>LOG IN</a:t>
-            </a:r>
-          </a:p>
-          <a:p>
-            <a:pPr algn="ctr"/>
+              <a:t>View_4</a:t>
+            </a:r>
+            <a:endParaRPr lang="en-US" sz="1400" dirty="0"/>
+          </a:p>
+        </p:txBody>
+      </p:sp>
+      <p:sp>
+        <p:nvSpPr>
+          <p:cNvPr id="57" name="TextBox 56"/>
+          <p:cNvSpPr txBox="1"/>
+          <p:nvPr/>
+        </p:nvSpPr>
+        <p:spPr>
+          <a:xfrm>
+            <a:off x="11099268" y="5600222"/>
+            <a:ext cx="727379" cy="307777"/>
+          </a:xfrm>
+          <a:prstGeom prst="rect">
+            <a:avLst/>
+          </a:prstGeom>
+          <a:noFill/>
+        </p:spPr>
+        <p:txBody>
+          <a:bodyPr wrap="none" rtlCol="0">
+            <a:spAutoFit/>
+          </a:bodyPr>
+          <a:lstStyle/>
+          <a:p>
             <a:r>
               <a:rPr lang="en-US" sz="1400" dirty="0" smtClean="0"/>
-              <a:t>with Google+</a:t>
+              <a:t>View_4</a:t>
             </a:r>
             <a:endParaRPr lang="en-US" sz="1400" dirty="0"/>
           </a:p>
@@ -4416,10 +5134,17 @@
   <p:clrMapOvr>
     <a:masterClrMapping/>
   </p:clrMapOvr>
+  <p:timing>
+    <p:tnLst>
+      <p:par>
+        <p:cTn id="1" dur="indefinite" restart="never" nodeType="tmRoot"/>
+      </p:par>
+    </p:tnLst>
+  </p:timing>
 </p:sld>
 </file>
 
-<file path=ppt/slides/slide2.xml><?xml version="1.0" encoding="utf-8"?>
+<file path=ppt/slides/slide3.xml><?xml version="1.0" encoding="utf-8"?>
 <p:sld xmlns:a="http://schemas.openxmlformats.org/drawingml/2006/main" xmlns:r="http://schemas.openxmlformats.org/officeDocument/2006/relationships" xmlns:p="http://schemas.openxmlformats.org/presentationml/2006/main">
   <p:cSld>
     <p:spTree>
@@ -4701,11 +5426,6 @@
                         </a:rPr>
                         <a:t>Latest </a:t>
                       </a:r>
-                      <a:endParaRPr lang="en-US" sz="1400" b="0" dirty="0" smtClean="0">
-                        <a:solidFill>
-                          <a:sysClr val="windowText" lastClr="000000"/>
-                        </a:solidFill>
-                      </a:endParaRPr>
                     </a:p>
                     <a:p>
                       <a:pPr algn="ctr"/>
@@ -4778,11 +5498,6 @@
                         </a:rPr>
                         <a:t>Sets </a:t>
                       </a:r>
-                      <a:endParaRPr lang="en-US" sz="1400" b="0" dirty="0" smtClean="0">
-                        <a:solidFill>
-                          <a:sysClr val="windowText" lastClr="000000"/>
-                        </a:solidFill>
-                      </a:endParaRPr>
                     </a:p>
                     <a:p>
                       <a:pPr algn="ctr"/>
@@ -4855,11 +5570,6 @@
                         </a:rPr>
                         <a:t>Class </a:t>
                       </a:r>
-                      <a:endParaRPr lang="en-US" sz="1400" b="0" dirty="0" smtClean="0">
-                        <a:solidFill>
-                          <a:sysClr val="windowText" lastClr="000000"/>
-                        </a:solidFill>
-                      </a:endParaRPr>
                     </a:p>
                     <a:p>
                       <a:pPr algn="ctr"/>
@@ -4932,11 +5642,6 @@
                         </a:rPr>
                         <a:t>Folder </a:t>
                       </a:r>
-                      <a:endParaRPr lang="en-US" sz="1400" b="0" dirty="0" smtClean="0">
-                        <a:solidFill>
-                          <a:sysClr val="windowText" lastClr="000000"/>
-                        </a:solidFill>
-                      </a:endParaRPr>
                     </a:p>
                     <a:p>
                       <a:pPr algn="ctr"/>
@@ -5691,6 +6396,453 @@
           </a:p>
         </p:txBody>
       </p:sp>
+      <p:cxnSp>
+        <p:nvCxnSpPr>
+          <p:cNvPr id="30" name="Straight Arrow Connector 29"/>
+          <p:cNvCxnSpPr/>
+          <p:nvPr/>
+        </p:nvCxnSpPr>
+        <p:spPr>
+          <a:xfrm>
+            <a:off x="10573518" y="927151"/>
+            <a:ext cx="476349" cy="2572"/>
+          </a:xfrm>
+          <a:prstGeom prst="straightConnector1">
+            <a:avLst/>
+          </a:prstGeom>
+          <a:ln>
+            <a:tailEnd type="triangle"/>
+          </a:ln>
+        </p:spPr>
+        <p:style>
+          <a:lnRef idx="1">
+            <a:schemeClr val="dk1"/>
+          </a:lnRef>
+          <a:fillRef idx="0">
+            <a:schemeClr val="dk1"/>
+          </a:fillRef>
+          <a:effectRef idx="0">
+            <a:schemeClr val="dk1"/>
+          </a:effectRef>
+          <a:fontRef idx="minor">
+            <a:schemeClr val="tx1"/>
+          </a:fontRef>
+        </p:style>
+      </p:cxnSp>
+      <p:sp>
+        <p:nvSpPr>
+          <p:cNvPr id="39" name="TextBox 38"/>
+          <p:cNvSpPr txBox="1"/>
+          <p:nvPr/>
+        </p:nvSpPr>
+        <p:spPr>
+          <a:xfrm>
+            <a:off x="5198445" y="818258"/>
+            <a:ext cx="727379" cy="307777"/>
+          </a:xfrm>
+          <a:prstGeom prst="rect">
+            <a:avLst/>
+          </a:prstGeom>
+          <a:noFill/>
+        </p:spPr>
+        <p:txBody>
+          <a:bodyPr wrap="none" rtlCol="0">
+            <a:spAutoFit/>
+          </a:bodyPr>
+          <a:lstStyle/>
+          <a:p>
+            <a:r>
+              <a:rPr lang="en-US" sz="1400" dirty="0" smtClean="0"/>
+              <a:t>View_9</a:t>
+            </a:r>
+            <a:endParaRPr lang="en-US" sz="1400" dirty="0"/>
+          </a:p>
+        </p:txBody>
+      </p:sp>
+      <p:sp>
+        <p:nvSpPr>
+          <p:cNvPr id="5" name="TextBox 4"/>
+          <p:cNvSpPr txBox="1"/>
+          <p:nvPr/>
+        </p:nvSpPr>
+        <p:spPr>
+          <a:xfrm>
+            <a:off x="4453391" y="1043893"/>
+            <a:ext cx="452435" cy="276125"/>
+          </a:xfrm>
+          <a:prstGeom prst="rect">
+            <a:avLst/>
+          </a:prstGeom>
+          <a:noFill/>
+        </p:spPr>
+        <p:txBody>
+          <a:bodyPr wrap="square" rtlCol="0">
+            <a:spAutoFit/>
+          </a:bodyPr>
+          <a:lstStyle/>
+          <a:p>
+            <a:r>
+              <a:rPr lang="en-US" sz="1200" dirty="0" smtClean="0"/>
+              <a:t>B_6</a:t>
+            </a:r>
+            <a:endParaRPr lang="en-US" sz="1200" dirty="0"/>
+          </a:p>
+        </p:txBody>
+      </p:sp>
+      <p:cxnSp>
+        <p:nvCxnSpPr>
+          <p:cNvPr id="40" name="Straight Arrow Connector 39"/>
+          <p:cNvCxnSpPr>
+            <a:stCxn id="33" idx="3"/>
+            <a:endCxn id="41" idx="1"/>
+          </p:cNvCxnSpPr>
+          <p:nvPr/>
+        </p:nvCxnSpPr>
+        <p:spPr>
+          <a:xfrm flipV="1">
+            <a:off x="10541663" y="2119799"/>
+            <a:ext cx="604233" cy="1082"/>
+          </a:xfrm>
+          <a:prstGeom prst="straightConnector1">
+            <a:avLst/>
+          </a:prstGeom>
+          <a:ln>
+            <a:tailEnd type="triangle"/>
+          </a:ln>
+        </p:spPr>
+        <p:style>
+          <a:lnRef idx="1">
+            <a:schemeClr val="dk1"/>
+          </a:lnRef>
+          <a:fillRef idx="0">
+            <a:schemeClr val="dk1"/>
+          </a:fillRef>
+          <a:effectRef idx="0">
+            <a:schemeClr val="dk1"/>
+          </a:effectRef>
+          <a:fontRef idx="minor">
+            <a:schemeClr val="tx1"/>
+          </a:fontRef>
+        </p:style>
+      </p:cxnSp>
+      <p:sp>
+        <p:nvSpPr>
+          <p:cNvPr id="41" name="TextBox 40"/>
+          <p:cNvSpPr txBox="1"/>
+          <p:nvPr/>
+        </p:nvSpPr>
+        <p:spPr>
+          <a:xfrm>
+            <a:off x="11145896" y="1965910"/>
+            <a:ext cx="727379" cy="307777"/>
+          </a:xfrm>
+          <a:prstGeom prst="rect">
+            <a:avLst/>
+          </a:prstGeom>
+          <a:noFill/>
+        </p:spPr>
+        <p:txBody>
+          <a:bodyPr wrap="none" rtlCol="0">
+            <a:spAutoFit/>
+          </a:bodyPr>
+          <a:lstStyle/>
+          <a:p>
+            <a:r>
+              <a:rPr lang="en-US" sz="1400" dirty="0" smtClean="0"/>
+              <a:t>View_8</a:t>
+            </a:r>
+            <a:endParaRPr lang="en-US" sz="1400" dirty="0"/>
+          </a:p>
+        </p:txBody>
+      </p:sp>
+      <p:cxnSp>
+        <p:nvCxnSpPr>
+          <p:cNvPr id="42" name="Straight Arrow Connector 41"/>
+          <p:cNvCxnSpPr>
+            <a:stCxn id="31" idx="1"/>
+            <a:endCxn id="43" idx="3"/>
+          </p:cNvCxnSpPr>
+          <p:nvPr/>
+        </p:nvCxnSpPr>
+        <p:spPr>
+          <a:xfrm flipH="1" flipV="1">
+            <a:off x="6704294" y="2119798"/>
+            <a:ext cx="639934" cy="12007"/>
+          </a:xfrm>
+          <a:prstGeom prst="straightConnector1">
+            <a:avLst/>
+          </a:prstGeom>
+          <a:ln>
+            <a:tailEnd type="triangle"/>
+          </a:ln>
+        </p:spPr>
+        <p:style>
+          <a:lnRef idx="1">
+            <a:schemeClr val="dk1"/>
+          </a:lnRef>
+          <a:fillRef idx="0">
+            <a:schemeClr val="dk1"/>
+          </a:fillRef>
+          <a:effectRef idx="0">
+            <a:schemeClr val="dk1"/>
+          </a:effectRef>
+          <a:fontRef idx="minor">
+            <a:schemeClr val="tx1"/>
+          </a:fontRef>
+        </p:style>
+      </p:cxnSp>
+      <p:sp>
+        <p:nvSpPr>
+          <p:cNvPr id="43" name="TextBox 42"/>
+          <p:cNvSpPr txBox="1"/>
+          <p:nvPr/>
+        </p:nvSpPr>
+        <p:spPr>
+          <a:xfrm>
+            <a:off x="5976915" y="1965909"/>
+            <a:ext cx="727379" cy="307777"/>
+          </a:xfrm>
+          <a:prstGeom prst="rect">
+            <a:avLst/>
+          </a:prstGeom>
+          <a:noFill/>
+        </p:spPr>
+        <p:txBody>
+          <a:bodyPr wrap="none" rtlCol="0">
+            <a:spAutoFit/>
+          </a:bodyPr>
+          <a:lstStyle/>
+          <a:p>
+            <a:r>
+              <a:rPr lang="en-US" sz="1400" dirty="0" smtClean="0"/>
+              <a:t>View_6</a:t>
+            </a:r>
+            <a:endParaRPr lang="en-US" sz="1400" dirty="0"/>
+          </a:p>
+        </p:txBody>
+      </p:sp>
+      <p:cxnSp>
+        <p:nvCxnSpPr>
+          <p:cNvPr id="44" name="Straight Arrow Connector 43"/>
+          <p:cNvCxnSpPr>
+            <a:stCxn id="32" idx="3"/>
+            <a:endCxn id="45" idx="1"/>
+          </p:cNvCxnSpPr>
+          <p:nvPr/>
+        </p:nvCxnSpPr>
+        <p:spPr>
+          <a:xfrm>
+            <a:off x="9436431" y="2120881"/>
+            <a:ext cx="1664977" cy="711502"/>
+          </a:xfrm>
+          <a:prstGeom prst="straightConnector1">
+            <a:avLst/>
+          </a:prstGeom>
+          <a:ln>
+            <a:tailEnd type="triangle"/>
+          </a:ln>
+        </p:spPr>
+        <p:style>
+          <a:lnRef idx="1">
+            <a:schemeClr val="dk1"/>
+          </a:lnRef>
+          <a:fillRef idx="0">
+            <a:schemeClr val="dk1"/>
+          </a:fillRef>
+          <a:effectRef idx="0">
+            <a:schemeClr val="dk1"/>
+          </a:effectRef>
+          <a:fontRef idx="minor">
+            <a:schemeClr val="tx1"/>
+          </a:fontRef>
+        </p:style>
+      </p:cxnSp>
+      <p:sp>
+        <p:nvSpPr>
+          <p:cNvPr id="45" name="TextBox 44"/>
+          <p:cNvSpPr txBox="1"/>
+          <p:nvPr/>
+        </p:nvSpPr>
+        <p:spPr>
+          <a:xfrm>
+            <a:off x="11101408" y="2678494"/>
+            <a:ext cx="727379" cy="307777"/>
+          </a:xfrm>
+          <a:prstGeom prst="rect">
+            <a:avLst/>
+          </a:prstGeom>
+          <a:noFill/>
+        </p:spPr>
+        <p:txBody>
+          <a:bodyPr wrap="none" rtlCol="0">
+            <a:spAutoFit/>
+          </a:bodyPr>
+          <a:lstStyle/>
+          <a:p>
+            <a:r>
+              <a:rPr lang="en-US" sz="1400" dirty="0" smtClean="0"/>
+              <a:t>View_7</a:t>
+            </a:r>
+            <a:endParaRPr lang="en-US" sz="1400" dirty="0"/>
+          </a:p>
+        </p:txBody>
+      </p:sp>
+      <p:sp>
+        <p:nvSpPr>
+          <p:cNvPr id="46" name="TextBox 45"/>
+          <p:cNvSpPr txBox="1"/>
+          <p:nvPr/>
+        </p:nvSpPr>
+        <p:spPr>
+          <a:xfrm>
+            <a:off x="7255406" y="1045412"/>
+            <a:ext cx="458012" cy="276999"/>
+          </a:xfrm>
+          <a:prstGeom prst="rect">
+            <a:avLst/>
+          </a:prstGeom>
+          <a:noFill/>
+        </p:spPr>
+        <p:txBody>
+          <a:bodyPr wrap="square" rtlCol="0">
+            <a:spAutoFit/>
+          </a:bodyPr>
+          <a:lstStyle/>
+          <a:p>
+            <a:r>
+              <a:rPr lang="en-US" sz="1200" dirty="0" smtClean="0"/>
+              <a:t>B_4</a:t>
+            </a:r>
+            <a:endParaRPr lang="en-US" sz="1200" dirty="0"/>
+          </a:p>
+        </p:txBody>
+      </p:sp>
+      <p:sp>
+        <p:nvSpPr>
+          <p:cNvPr id="47" name="TextBox 46"/>
+          <p:cNvSpPr txBox="1"/>
+          <p:nvPr/>
+        </p:nvSpPr>
+        <p:spPr>
+          <a:xfrm>
+            <a:off x="10237334" y="1045832"/>
+            <a:ext cx="452435" cy="276125"/>
+          </a:xfrm>
+          <a:prstGeom prst="rect">
+            <a:avLst/>
+          </a:prstGeom>
+          <a:noFill/>
+        </p:spPr>
+        <p:txBody>
+          <a:bodyPr wrap="square" rtlCol="0">
+            <a:spAutoFit/>
+          </a:bodyPr>
+          <a:lstStyle/>
+          <a:p>
+            <a:r>
+              <a:rPr lang="en-US" sz="1200" dirty="0" smtClean="0"/>
+              <a:t>B_5</a:t>
+            </a:r>
+            <a:endParaRPr lang="en-US" sz="1200" dirty="0"/>
+          </a:p>
+        </p:txBody>
+      </p:sp>
+      <p:cxnSp>
+        <p:nvCxnSpPr>
+          <p:cNvPr id="48" name="Straight Arrow Connector 47"/>
+          <p:cNvCxnSpPr/>
+          <p:nvPr/>
+        </p:nvCxnSpPr>
+        <p:spPr>
+          <a:xfrm>
+            <a:off x="4727703" y="976139"/>
+            <a:ext cx="476349" cy="2572"/>
+          </a:xfrm>
+          <a:prstGeom prst="straightConnector1">
+            <a:avLst/>
+          </a:prstGeom>
+          <a:ln>
+            <a:tailEnd type="triangle"/>
+          </a:ln>
+        </p:spPr>
+        <p:style>
+          <a:lnRef idx="1">
+            <a:schemeClr val="dk1"/>
+          </a:lnRef>
+          <a:fillRef idx="0">
+            <a:schemeClr val="dk1"/>
+          </a:fillRef>
+          <a:effectRef idx="0">
+            <a:schemeClr val="dk1"/>
+          </a:effectRef>
+          <a:fontRef idx="minor">
+            <a:schemeClr val="tx1"/>
+          </a:fontRef>
+        </p:style>
+      </p:cxnSp>
+      <p:cxnSp>
+        <p:nvCxnSpPr>
+          <p:cNvPr id="56" name="Straight Arrow Connector 55"/>
+          <p:cNvCxnSpPr/>
+          <p:nvPr/>
+        </p:nvCxnSpPr>
+        <p:spPr>
+          <a:xfrm flipH="1">
+            <a:off x="6844368" y="935251"/>
+            <a:ext cx="438970" cy="9094"/>
+          </a:xfrm>
+          <a:prstGeom prst="straightConnector1">
+            <a:avLst/>
+          </a:prstGeom>
+          <a:ln>
+            <a:tailEnd type="triangle"/>
+          </a:ln>
+        </p:spPr>
+        <p:style>
+          <a:lnRef idx="1">
+            <a:schemeClr val="dk1"/>
+          </a:lnRef>
+          <a:fillRef idx="0">
+            <a:schemeClr val="dk1"/>
+          </a:fillRef>
+          <a:effectRef idx="0">
+            <a:schemeClr val="dk1"/>
+          </a:effectRef>
+          <a:fontRef idx="minor">
+            <a:schemeClr val="tx1"/>
+          </a:fontRef>
+        </p:style>
+      </p:cxnSp>
+      <p:sp>
+        <p:nvSpPr>
+          <p:cNvPr id="57" name="TextBox 56"/>
+          <p:cNvSpPr txBox="1"/>
+          <p:nvPr/>
+        </p:nvSpPr>
+        <p:spPr>
+          <a:xfrm>
+            <a:off x="6122596" y="781361"/>
+            <a:ext cx="727379" cy="307777"/>
+          </a:xfrm>
+          <a:prstGeom prst="rect">
+            <a:avLst/>
+          </a:prstGeom>
+          <a:noFill/>
+        </p:spPr>
+        <p:txBody>
+          <a:bodyPr wrap="none" rtlCol="0">
+            <a:spAutoFit/>
+          </a:bodyPr>
+          <a:lstStyle/>
+          <a:p>
+            <a:r>
+              <a:rPr lang="en-US" sz="1400" dirty="0" smtClean="0"/>
+              <a:t>View_4</a:t>
+            </a:r>
+            <a:endParaRPr lang="en-US" sz="1400" dirty="0"/>
+          </a:p>
+        </p:txBody>
+      </p:sp>
     </p:spTree>
     <p:extLst>
       <p:ext uri="{BB962C8B-B14F-4D97-AF65-F5344CB8AC3E}">
@@ -5701,711 +6853,13 @@
   <p:clrMapOvr>
     <a:masterClrMapping/>
   </p:clrMapOvr>
-</p:sld>
-</file>
-
-<file path=ppt/slides/slide3.xml><?xml version="1.0" encoding="utf-8"?>
-<p:sld xmlns:a="http://schemas.openxmlformats.org/drawingml/2006/main" xmlns:r="http://schemas.openxmlformats.org/officeDocument/2006/relationships" xmlns:p="http://schemas.openxmlformats.org/presentationml/2006/main">
-  <p:cSld>
-    <p:spTree>
-      <p:nvGrpSpPr>
-        <p:cNvPr id="1" name=""/>
-        <p:cNvGrpSpPr/>
-        <p:nvPr/>
-      </p:nvGrpSpPr>
-      <p:grpSpPr>
-        <a:xfrm>
-          <a:off x="0" y="0"/>
-          <a:ext cx="0" cy="0"/>
-          <a:chOff x="0" y="0"/>
-          <a:chExt cx="0" cy="0"/>
-        </a:xfrm>
-      </p:grpSpPr>
-      <p:sp>
-        <p:nvSpPr>
-          <p:cNvPr id="2" name="Frame 1"/>
-          <p:cNvSpPr/>
-          <p:nvPr/>
-        </p:nvSpPr>
-        <p:spPr>
-          <a:xfrm>
-            <a:off x="1248228" y="478972"/>
-            <a:ext cx="3657600" cy="5943600"/>
-          </a:xfrm>
-          <a:prstGeom prst="frame">
-            <a:avLst>
-              <a:gd name="adj1" fmla="val 992"/>
-            </a:avLst>
-          </a:prstGeom>
-          <a:ln/>
-        </p:spPr>
-        <p:style>
-          <a:lnRef idx="2">
-            <a:schemeClr val="dk1">
-              <a:shade val="50000"/>
-            </a:schemeClr>
-          </a:lnRef>
-          <a:fillRef idx="1">
-            <a:schemeClr val="dk1"/>
-          </a:fillRef>
-          <a:effectRef idx="0">
-            <a:schemeClr val="dk1"/>
-          </a:effectRef>
-          <a:fontRef idx="minor">
-            <a:schemeClr val="lt1"/>
-          </a:fontRef>
-        </p:style>
-        <p:txBody>
-          <a:bodyPr rtlCol="0" anchor="ctr"/>
-          <a:lstStyle/>
-          <a:p>
-            <a:pPr algn="ctr"/>
-            <a:endParaRPr lang="en-US">
-              <a:solidFill>
-                <a:schemeClr val="tx1"/>
-              </a:solidFill>
-            </a:endParaRPr>
-          </a:p>
-        </p:txBody>
-      </p:sp>
-      <p:sp>
-        <p:nvSpPr>
-          <p:cNvPr id="3" name="Frame 2"/>
-          <p:cNvSpPr/>
-          <p:nvPr/>
-        </p:nvSpPr>
-        <p:spPr>
-          <a:xfrm>
-            <a:off x="7104742" y="478972"/>
-            <a:ext cx="3657600" cy="5943600"/>
-          </a:xfrm>
-          <a:prstGeom prst="frame">
-            <a:avLst>
-              <a:gd name="adj1" fmla="val 992"/>
-            </a:avLst>
-          </a:prstGeom>
-          <a:ln/>
-        </p:spPr>
-        <p:style>
-          <a:lnRef idx="2">
-            <a:schemeClr val="dk1">
-              <a:shade val="50000"/>
-            </a:schemeClr>
-          </a:lnRef>
-          <a:fillRef idx="1">
-            <a:schemeClr val="dk1"/>
-          </a:fillRef>
-          <a:effectRef idx="0">
-            <a:schemeClr val="dk1"/>
-          </a:effectRef>
-          <a:fontRef idx="minor">
-            <a:schemeClr val="lt1"/>
-          </a:fontRef>
-        </p:style>
-        <p:txBody>
-          <a:bodyPr rtlCol="0" anchor="ctr"/>
-          <a:lstStyle/>
-          <a:p>
-            <a:pPr algn="ctr"/>
-            <a:endParaRPr lang="en-US">
-              <a:solidFill>
-                <a:schemeClr val="tx1"/>
-              </a:solidFill>
-            </a:endParaRPr>
-          </a:p>
-        </p:txBody>
-      </p:sp>
-      <p:sp>
-        <p:nvSpPr>
-          <p:cNvPr id="4" name="TextBox 3"/>
-          <p:cNvSpPr txBox="1"/>
-          <p:nvPr/>
-        </p:nvSpPr>
-        <p:spPr>
-          <a:xfrm>
-            <a:off x="1567542" y="2111944"/>
-            <a:ext cx="3018971" cy="3323987"/>
-          </a:xfrm>
-          <a:prstGeom prst="rect">
-            <a:avLst/>
-          </a:prstGeom>
-        </p:spPr>
-        <p:style>
-          <a:lnRef idx="2">
-            <a:schemeClr val="dk1"/>
-          </a:lnRef>
-          <a:fillRef idx="1">
-            <a:schemeClr val="lt1"/>
-          </a:fillRef>
-          <a:effectRef idx="0">
-            <a:schemeClr val="dk1"/>
-          </a:effectRef>
-          <a:fontRef idx="minor">
-            <a:schemeClr val="dk1"/>
-          </a:fontRef>
-        </p:style>
-        <p:txBody>
-          <a:bodyPr wrap="square" rtlCol="0">
-            <a:spAutoFit/>
-          </a:bodyPr>
-          <a:lstStyle/>
-          <a:p>
-            <a:pPr algn="ctr"/>
-            <a:endParaRPr lang="en-US" sz="2400" dirty="0" smtClean="0"/>
-          </a:p>
-          <a:p>
-            <a:pPr algn="ctr"/>
-            <a:endParaRPr lang="en-US" sz="2400" dirty="0" smtClean="0"/>
-          </a:p>
-          <a:p>
-            <a:pPr algn="ctr"/>
-            <a:r>
-              <a:rPr lang="en-US" sz="2400" dirty="0" smtClean="0"/>
-              <a:t>WORD</a:t>
-            </a:r>
-          </a:p>
-          <a:p>
-            <a:pPr algn="ctr"/>
-            <a:r>
-              <a:rPr lang="en-US" sz="1200" dirty="0" smtClean="0"/>
-              <a:t> </a:t>
-            </a:r>
-            <a:r>
-              <a:rPr lang="en-US" sz="2400" dirty="0" smtClean="0"/>
-              <a:t> </a:t>
-            </a:r>
-          </a:p>
-          <a:p>
-            <a:pPr algn="ctr"/>
-            <a:endParaRPr lang="en-US" sz="2400" dirty="0" smtClean="0"/>
-          </a:p>
-          <a:p>
-            <a:pPr algn="ctr"/>
-            <a:r>
-              <a:rPr lang="en-US" sz="2400" dirty="0"/>
-              <a:t> </a:t>
-            </a:r>
-            <a:r>
-              <a:rPr lang="en-US" sz="1200" dirty="0" smtClean="0"/>
-              <a:t> </a:t>
-            </a:r>
-            <a:endParaRPr lang="en-US" sz="2400" dirty="0" smtClean="0"/>
-          </a:p>
-          <a:p>
-            <a:pPr algn="ctr"/>
-            <a:r>
-              <a:rPr lang="en-US" sz="2400" dirty="0" smtClean="0"/>
-              <a:t>DEFINITION</a:t>
-            </a:r>
-          </a:p>
-          <a:p>
-            <a:pPr algn="ctr"/>
-            <a:r>
-              <a:rPr lang="en-US" dirty="0" smtClean="0"/>
-              <a:t> </a:t>
-            </a:r>
-            <a:endParaRPr lang="en-US" sz="2400" dirty="0" smtClean="0"/>
-          </a:p>
-          <a:p>
-            <a:pPr algn="ctr"/>
-            <a:endParaRPr lang="en-US" sz="2400" dirty="0" smtClean="0"/>
-          </a:p>
-        </p:txBody>
-      </p:sp>
-      <p:sp>
-        <p:nvSpPr>
-          <p:cNvPr id="5" name="TextBox 4"/>
-          <p:cNvSpPr txBox="1"/>
-          <p:nvPr/>
-        </p:nvSpPr>
-        <p:spPr>
-          <a:xfrm>
-            <a:off x="1567541" y="1190172"/>
-            <a:ext cx="3018971" cy="461665"/>
-          </a:xfrm>
-          <a:prstGeom prst="rect">
-            <a:avLst/>
-          </a:prstGeom>
-        </p:spPr>
-        <p:style>
-          <a:lnRef idx="2">
-            <a:schemeClr val="dk1"/>
-          </a:lnRef>
-          <a:fillRef idx="1">
-            <a:schemeClr val="lt1"/>
-          </a:fillRef>
-          <a:effectRef idx="0">
-            <a:schemeClr val="dk1"/>
-          </a:effectRef>
-          <a:fontRef idx="minor">
-            <a:schemeClr val="dk1"/>
-          </a:fontRef>
-        </p:style>
-        <p:txBody>
-          <a:bodyPr wrap="square" rtlCol="0">
-            <a:spAutoFit/>
-          </a:bodyPr>
-          <a:lstStyle/>
-          <a:p>
-            <a:pPr algn="ctr"/>
-            <a:endParaRPr lang="en-US" sz="2400" dirty="0" smtClean="0"/>
-          </a:p>
-        </p:txBody>
-      </p:sp>
-      <p:cxnSp>
-        <p:nvCxnSpPr>
-          <p:cNvPr id="7" name="Straight Connector 6"/>
-          <p:cNvCxnSpPr/>
-          <p:nvPr/>
-        </p:nvCxnSpPr>
-        <p:spPr>
-          <a:xfrm>
-            <a:off x="1248228" y="1190172"/>
-            <a:ext cx="3657600" cy="0"/>
-          </a:xfrm>
-          <a:prstGeom prst="line">
-            <a:avLst/>
-          </a:prstGeom>
-        </p:spPr>
-        <p:style>
-          <a:lnRef idx="1">
-            <a:schemeClr val="dk1"/>
-          </a:lnRef>
-          <a:fillRef idx="0">
-            <a:schemeClr val="dk1"/>
-          </a:fillRef>
-          <a:effectRef idx="0">
-            <a:schemeClr val="dk1"/>
-          </a:effectRef>
-          <a:fontRef idx="minor">
-            <a:schemeClr val="tx1"/>
-          </a:fontRef>
-        </p:style>
-      </p:cxnSp>
-      <p:cxnSp>
-        <p:nvCxnSpPr>
-          <p:cNvPr id="8" name="Straight Connector 7"/>
-          <p:cNvCxnSpPr>
-            <a:stCxn id="4" idx="1"/>
-            <a:endCxn id="4" idx="3"/>
-          </p:cNvCxnSpPr>
-          <p:nvPr/>
-        </p:nvCxnSpPr>
-        <p:spPr>
-          <a:xfrm>
-            <a:off x="1567542" y="3773938"/>
-            <a:ext cx="3018971" cy="0"/>
-          </a:xfrm>
-          <a:prstGeom prst="line">
-            <a:avLst/>
-          </a:prstGeom>
-        </p:spPr>
-        <p:style>
-          <a:lnRef idx="1">
-            <a:schemeClr val="dk1"/>
-          </a:lnRef>
-          <a:fillRef idx="0">
-            <a:schemeClr val="dk1"/>
-          </a:fillRef>
-          <a:effectRef idx="0">
-            <a:schemeClr val="dk1"/>
-          </a:effectRef>
-          <a:fontRef idx="minor">
-            <a:schemeClr val="tx1"/>
-          </a:fontRef>
-        </p:style>
-      </p:cxnSp>
-      <p:sp>
-        <p:nvSpPr>
-          <p:cNvPr id="12" name="TextBox 11"/>
-          <p:cNvSpPr txBox="1"/>
-          <p:nvPr/>
-        </p:nvSpPr>
-        <p:spPr>
-          <a:xfrm>
-            <a:off x="1567540" y="5880647"/>
-            <a:ext cx="3018971" cy="502920"/>
-          </a:xfrm>
-          <a:prstGeom prst="rect">
-            <a:avLst/>
-          </a:prstGeom>
-        </p:spPr>
-        <p:style>
-          <a:lnRef idx="2">
-            <a:schemeClr val="dk1"/>
-          </a:lnRef>
-          <a:fillRef idx="1">
-            <a:schemeClr val="lt1"/>
-          </a:fillRef>
-          <a:effectRef idx="0">
-            <a:schemeClr val="dk1"/>
-          </a:effectRef>
-          <a:fontRef idx="minor">
-            <a:schemeClr val="dk1"/>
-          </a:fontRef>
-        </p:style>
-        <p:txBody>
-          <a:bodyPr wrap="square" rtlCol="0">
-            <a:spAutoFit/>
-          </a:bodyPr>
-          <a:lstStyle/>
-          <a:p>
-            <a:pPr algn="ctr"/>
-            <a:endParaRPr lang="en-US" sz="2400" dirty="0" smtClean="0"/>
-          </a:p>
-        </p:txBody>
-      </p:sp>
-      <p:sp>
-        <p:nvSpPr>
-          <p:cNvPr id="15" name="TextBox 14"/>
-          <p:cNvSpPr txBox="1"/>
-          <p:nvPr/>
-        </p:nvSpPr>
-        <p:spPr>
-          <a:xfrm rot="5400000">
-            <a:off x="4426647" y="646122"/>
-            <a:ext cx="496697" cy="461665"/>
-          </a:xfrm>
-          <a:prstGeom prst="rect">
-            <a:avLst/>
-          </a:prstGeom>
-          <a:noFill/>
-        </p:spPr>
-        <p:txBody>
-          <a:bodyPr wrap="square" rtlCol="0">
-            <a:spAutoFit/>
-          </a:bodyPr>
-          <a:lstStyle/>
-          <a:p>
-            <a:r>
-              <a:rPr lang="en-US" sz="2400" dirty="0" smtClean="0"/>
-              <a:t>...</a:t>
-            </a:r>
-            <a:endParaRPr lang="en-US" sz="2400" dirty="0"/>
-          </a:p>
-        </p:txBody>
-      </p:sp>
-      <p:sp>
-        <p:nvSpPr>
-          <p:cNvPr id="16" name="TextBox 15"/>
-          <p:cNvSpPr txBox="1"/>
-          <p:nvPr/>
-        </p:nvSpPr>
-        <p:spPr>
-          <a:xfrm>
-            <a:off x="1437344" y="689258"/>
-            <a:ext cx="463588" cy="369332"/>
-          </a:xfrm>
-          <a:prstGeom prst="rect">
-            <a:avLst/>
-          </a:prstGeom>
-          <a:noFill/>
-        </p:spPr>
-        <p:txBody>
-          <a:bodyPr wrap="none" rtlCol="0">
-            <a:spAutoFit/>
-          </a:bodyPr>
-          <a:lstStyle/>
-          <a:p>
-            <a:r>
-              <a:rPr lang="en-US" dirty="0" smtClean="0">
-                <a:sym typeface="Wingdings"/>
-              </a:rPr>
-              <a:t> </a:t>
-            </a:r>
-            <a:endParaRPr lang="en-US" dirty="0"/>
-          </a:p>
-        </p:txBody>
-      </p:sp>
-      <p:cxnSp>
-        <p:nvCxnSpPr>
-          <p:cNvPr id="17" name="Straight Connector 16"/>
-          <p:cNvCxnSpPr/>
-          <p:nvPr/>
-        </p:nvCxnSpPr>
-        <p:spPr>
-          <a:xfrm>
-            <a:off x="7104742" y="1190172"/>
-            <a:ext cx="3657600" cy="0"/>
-          </a:xfrm>
-          <a:prstGeom prst="line">
-            <a:avLst/>
-          </a:prstGeom>
-        </p:spPr>
-        <p:style>
-          <a:lnRef idx="1">
-            <a:schemeClr val="dk1"/>
-          </a:lnRef>
-          <a:fillRef idx="0">
-            <a:schemeClr val="dk1"/>
-          </a:fillRef>
-          <a:effectRef idx="0">
-            <a:schemeClr val="dk1"/>
-          </a:effectRef>
-          <a:fontRef idx="minor">
-            <a:schemeClr val="tx1"/>
-          </a:fontRef>
-        </p:style>
-      </p:cxnSp>
-      <p:sp>
-        <p:nvSpPr>
-          <p:cNvPr id="18" name="TextBox 17"/>
-          <p:cNvSpPr txBox="1"/>
-          <p:nvPr/>
-        </p:nvSpPr>
-        <p:spPr>
-          <a:xfrm rot="5400000">
-            <a:off x="10283161" y="646122"/>
-            <a:ext cx="496697" cy="461665"/>
-          </a:xfrm>
-          <a:prstGeom prst="rect">
-            <a:avLst/>
-          </a:prstGeom>
-          <a:noFill/>
-        </p:spPr>
-        <p:txBody>
-          <a:bodyPr wrap="square" rtlCol="0">
-            <a:spAutoFit/>
-          </a:bodyPr>
-          <a:lstStyle/>
-          <a:p>
-            <a:r>
-              <a:rPr lang="en-US" sz="2400" dirty="0" smtClean="0"/>
-              <a:t>...</a:t>
-            </a:r>
-            <a:endParaRPr lang="en-US" sz="2400" dirty="0"/>
-          </a:p>
-        </p:txBody>
-      </p:sp>
-      <p:sp>
-        <p:nvSpPr>
-          <p:cNvPr id="19" name="TextBox 18"/>
-          <p:cNvSpPr txBox="1"/>
-          <p:nvPr/>
-        </p:nvSpPr>
-        <p:spPr>
-          <a:xfrm>
-            <a:off x="7293858" y="689258"/>
-            <a:ext cx="463588" cy="369332"/>
-          </a:xfrm>
-          <a:prstGeom prst="rect">
-            <a:avLst/>
-          </a:prstGeom>
-          <a:noFill/>
-        </p:spPr>
-        <p:txBody>
-          <a:bodyPr wrap="none" rtlCol="0">
-            <a:spAutoFit/>
-          </a:bodyPr>
-          <a:lstStyle/>
-          <a:p>
-            <a:r>
-              <a:rPr lang="en-US" dirty="0" smtClean="0">
-                <a:sym typeface="Wingdings"/>
-              </a:rPr>
-              <a:t> </a:t>
-            </a:r>
-            <a:endParaRPr lang="en-US" dirty="0"/>
-          </a:p>
-        </p:txBody>
-      </p:sp>
-      <p:sp>
-        <p:nvSpPr>
-          <p:cNvPr id="21" name="TextBox 20"/>
-          <p:cNvSpPr txBox="1"/>
-          <p:nvPr/>
-        </p:nvSpPr>
-        <p:spPr>
-          <a:xfrm>
-            <a:off x="8072546" y="2404533"/>
-            <a:ext cx="1721990" cy="461665"/>
-          </a:xfrm>
-          <a:prstGeom prst="rect">
-            <a:avLst/>
-          </a:prstGeom>
-          <a:noFill/>
-        </p:spPr>
-        <p:txBody>
-          <a:bodyPr wrap="square" rtlCol="0">
-            <a:spAutoFit/>
-          </a:bodyPr>
-          <a:lstStyle/>
-          <a:p>
-            <a:pPr algn="ctr"/>
-            <a:r>
-              <a:rPr lang="en-US" sz="2400" dirty="0" smtClean="0"/>
-              <a:t>DEFINITION</a:t>
-            </a:r>
-            <a:endParaRPr lang="en-US" sz="2400" dirty="0"/>
-          </a:p>
-        </p:txBody>
-      </p:sp>
-      <p:sp>
-        <p:nvSpPr>
-          <p:cNvPr id="22" name="TextBox 21"/>
-          <p:cNvSpPr txBox="1"/>
-          <p:nvPr/>
-        </p:nvSpPr>
-        <p:spPr>
-          <a:xfrm>
-            <a:off x="7314716" y="3826989"/>
-            <a:ext cx="3237651" cy="923330"/>
-          </a:xfrm>
-          <a:prstGeom prst="rect">
-            <a:avLst/>
-          </a:prstGeom>
-          <a:noFill/>
-          <a:ln>
-            <a:solidFill>
-              <a:schemeClr val="bg1">
-                <a:lumMod val="50000"/>
-              </a:schemeClr>
-            </a:solidFill>
-          </a:ln>
-        </p:spPr>
-        <p:txBody>
-          <a:bodyPr wrap="square" rtlCol="0">
-            <a:spAutoFit/>
-          </a:bodyPr>
-          <a:lstStyle/>
-          <a:p>
-            <a:endParaRPr lang="en-US" dirty="0" smtClean="0">
-              <a:solidFill>
-                <a:schemeClr val="bg1">
-                  <a:lumMod val="50000"/>
-                </a:schemeClr>
-              </a:solidFill>
-            </a:endParaRPr>
-          </a:p>
-          <a:p>
-            <a:r>
-              <a:rPr lang="en-US" dirty="0" smtClean="0">
-                <a:solidFill>
-                  <a:schemeClr val="bg1">
-                    <a:lumMod val="50000"/>
-                  </a:schemeClr>
-                </a:solidFill>
-              </a:rPr>
-              <a:t>Type Answer</a:t>
-            </a:r>
-          </a:p>
-          <a:p>
-            <a:endParaRPr lang="en-US" dirty="0">
-              <a:solidFill>
-                <a:schemeClr val="bg1">
-                  <a:lumMod val="50000"/>
-                </a:schemeClr>
-              </a:solidFill>
-            </a:endParaRPr>
-          </a:p>
-        </p:txBody>
-      </p:sp>
-      <p:sp>
-        <p:nvSpPr>
-          <p:cNvPr id="23" name="TextBox 22"/>
-          <p:cNvSpPr txBox="1"/>
-          <p:nvPr/>
-        </p:nvSpPr>
-        <p:spPr>
-          <a:xfrm>
-            <a:off x="9736663" y="4001906"/>
-            <a:ext cx="733344" cy="584775"/>
-          </a:xfrm>
-          <a:prstGeom prst="rect">
-            <a:avLst/>
-          </a:prstGeom>
-          <a:noFill/>
-          <a:ln>
-            <a:solidFill>
-              <a:schemeClr val="tx1"/>
-            </a:solidFill>
-          </a:ln>
-        </p:spPr>
-        <p:txBody>
-          <a:bodyPr wrap="square" rtlCol="0" anchor="ctr" anchorCtr="0">
-            <a:spAutoFit/>
-          </a:bodyPr>
-          <a:lstStyle/>
-          <a:p>
-            <a:pPr algn="ctr"/>
-            <a:r>
-              <a:rPr lang="en-US" sz="1600" dirty="0" smtClean="0"/>
-              <a:t>Don’t Know</a:t>
-            </a:r>
-            <a:endParaRPr lang="en-US" sz="1600" dirty="0"/>
-          </a:p>
-        </p:txBody>
-      </p:sp>
-      <p:sp>
-        <p:nvSpPr>
-          <p:cNvPr id="20" name="TextBox 19"/>
-          <p:cNvSpPr txBox="1"/>
-          <p:nvPr/>
-        </p:nvSpPr>
-        <p:spPr>
-          <a:xfrm>
-            <a:off x="2636490" y="124154"/>
-            <a:ext cx="881075" cy="369332"/>
-          </a:xfrm>
-          <a:prstGeom prst="rect">
-            <a:avLst/>
-          </a:prstGeom>
-          <a:noFill/>
-        </p:spPr>
-        <p:txBody>
-          <a:bodyPr wrap="none" rtlCol="0">
-            <a:spAutoFit/>
-          </a:bodyPr>
-          <a:lstStyle/>
-          <a:p>
-            <a:r>
-              <a:rPr lang="en-US" dirty="0" smtClean="0"/>
-              <a:t>View_6</a:t>
-            </a:r>
-            <a:endParaRPr lang="en-US" dirty="0"/>
-          </a:p>
-        </p:txBody>
-      </p:sp>
-      <p:sp>
-        <p:nvSpPr>
-          <p:cNvPr id="24" name="TextBox 23"/>
-          <p:cNvSpPr txBox="1"/>
-          <p:nvPr/>
-        </p:nvSpPr>
-        <p:spPr>
-          <a:xfrm>
-            <a:off x="8493003" y="129775"/>
-            <a:ext cx="881075" cy="369332"/>
-          </a:xfrm>
-          <a:prstGeom prst="rect">
-            <a:avLst/>
-          </a:prstGeom>
-          <a:noFill/>
-        </p:spPr>
-        <p:txBody>
-          <a:bodyPr wrap="none" rtlCol="0">
-            <a:spAutoFit/>
-          </a:bodyPr>
-          <a:lstStyle/>
-          <a:p>
-            <a:r>
-              <a:rPr lang="en-US" dirty="0" smtClean="0"/>
-              <a:t>View_7</a:t>
-            </a:r>
-            <a:endParaRPr lang="en-US" dirty="0"/>
-          </a:p>
-        </p:txBody>
-      </p:sp>
-    </p:spTree>
-    <p:extLst>
-      <p:ext uri="{BB962C8B-B14F-4D97-AF65-F5344CB8AC3E}">
-        <p14:creationId xmlns:p14="http://schemas.microsoft.com/office/powerpoint/2010/main" val="576644425"/>
-      </p:ext>
-    </p:extLst>
-  </p:cSld>
-  <p:clrMapOvr>
-    <a:masterClrMapping/>
-  </p:clrMapOvr>
+  <p:timing>
+    <p:tnLst>
+      <p:par>
+        <p:cTn id="1" dur="indefinite" restart="never" nodeType="tmRoot"/>
+      </p:par>
+    </p:tnLst>
+  </p:timing>
 </p:sld>
 </file>
 
@@ -6428,6 +6882,973 @@
       </p:grpSpPr>
       <p:sp>
         <p:nvSpPr>
+          <p:cNvPr id="2" name="Frame 1"/>
+          <p:cNvSpPr/>
+          <p:nvPr/>
+        </p:nvSpPr>
+        <p:spPr>
+          <a:xfrm>
+            <a:off x="1248228" y="478972"/>
+            <a:ext cx="3657600" cy="5943600"/>
+          </a:xfrm>
+          <a:prstGeom prst="frame">
+            <a:avLst>
+              <a:gd name="adj1" fmla="val 992"/>
+            </a:avLst>
+          </a:prstGeom>
+          <a:ln/>
+        </p:spPr>
+        <p:style>
+          <a:lnRef idx="2">
+            <a:schemeClr val="dk1">
+              <a:shade val="50000"/>
+            </a:schemeClr>
+          </a:lnRef>
+          <a:fillRef idx="1">
+            <a:schemeClr val="dk1"/>
+          </a:fillRef>
+          <a:effectRef idx="0">
+            <a:schemeClr val="dk1"/>
+          </a:effectRef>
+          <a:fontRef idx="minor">
+            <a:schemeClr val="lt1"/>
+          </a:fontRef>
+        </p:style>
+        <p:txBody>
+          <a:bodyPr rtlCol="0" anchor="ctr"/>
+          <a:lstStyle/>
+          <a:p>
+            <a:pPr algn="ctr"/>
+            <a:endParaRPr lang="en-US">
+              <a:solidFill>
+                <a:schemeClr val="tx1"/>
+              </a:solidFill>
+            </a:endParaRPr>
+          </a:p>
+        </p:txBody>
+      </p:sp>
+      <p:sp>
+        <p:nvSpPr>
+          <p:cNvPr id="3" name="Frame 2"/>
+          <p:cNvSpPr/>
+          <p:nvPr/>
+        </p:nvSpPr>
+        <p:spPr>
+          <a:xfrm>
+            <a:off x="7104742" y="478972"/>
+            <a:ext cx="3657600" cy="5943600"/>
+          </a:xfrm>
+          <a:prstGeom prst="frame">
+            <a:avLst>
+              <a:gd name="adj1" fmla="val 992"/>
+            </a:avLst>
+          </a:prstGeom>
+          <a:ln/>
+        </p:spPr>
+        <p:style>
+          <a:lnRef idx="2">
+            <a:schemeClr val="dk1">
+              <a:shade val="50000"/>
+            </a:schemeClr>
+          </a:lnRef>
+          <a:fillRef idx="1">
+            <a:schemeClr val="dk1"/>
+          </a:fillRef>
+          <a:effectRef idx="0">
+            <a:schemeClr val="dk1"/>
+          </a:effectRef>
+          <a:fontRef idx="minor">
+            <a:schemeClr val="lt1"/>
+          </a:fontRef>
+        </p:style>
+        <p:txBody>
+          <a:bodyPr rtlCol="0" anchor="ctr"/>
+          <a:lstStyle/>
+          <a:p>
+            <a:pPr algn="ctr"/>
+            <a:endParaRPr lang="en-US">
+              <a:solidFill>
+                <a:schemeClr val="tx1"/>
+              </a:solidFill>
+            </a:endParaRPr>
+          </a:p>
+        </p:txBody>
+      </p:sp>
+      <p:sp>
+        <p:nvSpPr>
+          <p:cNvPr id="4" name="TextBox 3"/>
+          <p:cNvSpPr txBox="1"/>
+          <p:nvPr/>
+        </p:nvSpPr>
+        <p:spPr>
+          <a:xfrm>
+            <a:off x="1567542" y="2111944"/>
+            <a:ext cx="3018971" cy="3323987"/>
+          </a:xfrm>
+          <a:prstGeom prst="rect">
+            <a:avLst/>
+          </a:prstGeom>
+        </p:spPr>
+        <p:style>
+          <a:lnRef idx="2">
+            <a:schemeClr val="dk1"/>
+          </a:lnRef>
+          <a:fillRef idx="1">
+            <a:schemeClr val="lt1"/>
+          </a:fillRef>
+          <a:effectRef idx="0">
+            <a:schemeClr val="dk1"/>
+          </a:effectRef>
+          <a:fontRef idx="minor">
+            <a:schemeClr val="dk1"/>
+          </a:fontRef>
+        </p:style>
+        <p:txBody>
+          <a:bodyPr wrap="square" rtlCol="0">
+            <a:spAutoFit/>
+          </a:bodyPr>
+          <a:lstStyle/>
+          <a:p>
+            <a:pPr algn="ctr"/>
+            <a:endParaRPr lang="en-US" sz="2400" dirty="0" smtClean="0"/>
+          </a:p>
+          <a:p>
+            <a:pPr algn="ctr"/>
+            <a:endParaRPr lang="en-US" sz="2400" dirty="0" smtClean="0"/>
+          </a:p>
+          <a:p>
+            <a:pPr algn="ctr"/>
+            <a:r>
+              <a:rPr lang="en-US" sz="2400" dirty="0" smtClean="0"/>
+              <a:t>WORD</a:t>
+            </a:r>
+          </a:p>
+          <a:p>
+            <a:pPr algn="ctr"/>
+            <a:r>
+              <a:rPr lang="en-US" sz="1200" dirty="0" smtClean="0"/>
+              <a:t> </a:t>
+            </a:r>
+            <a:r>
+              <a:rPr lang="en-US" sz="2400" dirty="0" smtClean="0"/>
+              <a:t> </a:t>
+            </a:r>
+          </a:p>
+          <a:p>
+            <a:pPr algn="ctr"/>
+            <a:endParaRPr lang="en-US" sz="2400" dirty="0" smtClean="0"/>
+          </a:p>
+          <a:p>
+            <a:pPr algn="ctr"/>
+            <a:r>
+              <a:rPr lang="en-US" sz="2400" dirty="0"/>
+              <a:t> </a:t>
+            </a:r>
+            <a:r>
+              <a:rPr lang="en-US" sz="1200" dirty="0" smtClean="0"/>
+              <a:t> </a:t>
+            </a:r>
+            <a:endParaRPr lang="en-US" sz="2400" dirty="0" smtClean="0"/>
+          </a:p>
+          <a:p>
+            <a:pPr algn="ctr"/>
+            <a:r>
+              <a:rPr lang="en-US" sz="2400" dirty="0" smtClean="0"/>
+              <a:t>DEFINITION</a:t>
+            </a:r>
+          </a:p>
+          <a:p>
+            <a:pPr algn="ctr"/>
+            <a:r>
+              <a:rPr lang="en-US" dirty="0" smtClean="0"/>
+              <a:t> </a:t>
+            </a:r>
+            <a:endParaRPr lang="en-US" sz="2400" dirty="0" smtClean="0"/>
+          </a:p>
+          <a:p>
+            <a:pPr algn="ctr"/>
+            <a:endParaRPr lang="en-US" sz="2400" dirty="0" smtClean="0"/>
+          </a:p>
+        </p:txBody>
+      </p:sp>
+      <p:sp>
+        <p:nvSpPr>
+          <p:cNvPr id="5" name="TextBox 4"/>
+          <p:cNvSpPr txBox="1"/>
+          <p:nvPr/>
+        </p:nvSpPr>
+        <p:spPr>
+          <a:xfrm>
+            <a:off x="1567541" y="1190172"/>
+            <a:ext cx="3018971" cy="461665"/>
+          </a:xfrm>
+          <a:prstGeom prst="rect">
+            <a:avLst/>
+          </a:prstGeom>
+        </p:spPr>
+        <p:style>
+          <a:lnRef idx="2">
+            <a:schemeClr val="dk1"/>
+          </a:lnRef>
+          <a:fillRef idx="1">
+            <a:schemeClr val="lt1"/>
+          </a:fillRef>
+          <a:effectRef idx="0">
+            <a:schemeClr val="dk1"/>
+          </a:effectRef>
+          <a:fontRef idx="minor">
+            <a:schemeClr val="dk1"/>
+          </a:fontRef>
+        </p:style>
+        <p:txBody>
+          <a:bodyPr wrap="square" rtlCol="0">
+            <a:spAutoFit/>
+          </a:bodyPr>
+          <a:lstStyle/>
+          <a:p>
+            <a:pPr algn="ctr"/>
+            <a:endParaRPr lang="en-US" sz="2400" dirty="0" smtClean="0"/>
+          </a:p>
+        </p:txBody>
+      </p:sp>
+      <p:cxnSp>
+        <p:nvCxnSpPr>
+          <p:cNvPr id="7" name="Straight Connector 6"/>
+          <p:cNvCxnSpPr/>
+          <p:nvPr/>
+        </p:nvCxnSpPr>
+        <p:spPr>
+          <a:xfrm>
+            <a:off x="1248228" y="1190172"/>
+            <a:ext cx="3657600" cy="0"/>
+          </a:xfrm>
+          <a:prstGeom prst="line">
+            <a:avLst/>
+          </a:prstGeom>
+        </p:spPr>
+        <p:style>
+          <a:lnRef idx="1">
+            <a:schemeClr val="dk1"/>
+          </a:lnRef>
+          <a:fillRef idx="0">
+            <a:schemeClr val="dk1"/>
+          </a:fillRef>
+          <a:effectRef idx="0">
+            <a:schemeClr val="dk1"/>
+          </a:effectRef>
+          <a:fontRef idx="minor">
+            <a:schemeClr val="tx1"/>
+          </a:fontRef>
+        </p:style>
+      </p:cxnSp>
+      <p:cxnSp>
+        <p:nvCxnSpPr>
+          <p:cNvPr id="8" name="Straight Connector 7"/>
+          <p:cNvCxnSpPr>
+            <a:stCxn id="4" idx="1"/>
+            <a:endCxn id="4" idx="3"/>
+          </p:cNvCxnSpPr>
+          <p:nvPr/>
+        </p:nvCxnSpPr>
+        <p:spPr>
+          <a:xfrm>
+            <a:off x="1567542" y="3773938"/>
+            <a:ext cx="3018971" cy="0"/>
+          </a:xfrm>
+          <a:prstGeom prst="line">
+            <a:avLst/>
+          </a:prstGeom>
+        </p:spPr>
+        <p:style>
+          <a:lnRef idx="1">
+            <a:schemeClr val="dk1"/>
+          </a:lnRef>
+          <a:fillRef idx="0">
+            <a:schemeClr val="dk1"/>
+          </a:fillRef>
+          <a:effectRef idx="0">
+            <a:schemeClr val="dk1"/>
+          </a:effectRef>
+          <a:fontRef idx="minor">
+            <a:schemeClr val="tx1"/>
+          </a:fontRef>
+        </p:style>
+      </p:cxnSp>
+      <p:sp>
+        <p:nvSpPr>
+          <p:cNvPr id="12" name="TextBox 11"/>
+          <p:cNvSpPr txBox="1"/>
+          <p:nvPr/>
+        </p:nvSpPr>
+        <p:spPr>
+          <a:xfrm>
+            <a:off x="1567540" y="5880647"/>
+            <a:ext cx="3018971" cy="502920"/>
+          </a:xfrm>
+          <a:prstGeom prst="rect">
+            <a:avLst/>
+          </a:prstGeom>
+        </p:spPr>
+        <p:style>
+          <a:lnRef idx="2">
+            <a:schemeClr val="dk1"/>
+          </a:lnRef>
+          <a:fillRef idx="1">
+            <a:schemeClr val="lt1"/>
+          </a:fillRef>
+          <a:effectRef idx="0">
+            <a:schemeClr val="dk1"/>
+          </a:effectRef>
+          <a:fontRef idx="minor">
+            <a:schemeClr val="dk1"/>
+          </a:fontRef>
+        </p:style>
+        <p:txBody>
+          <a:bodyPr wrap="square" rtlCol="0">
+            <a:spAutoFit/>
+          </a:bodyPr>
+          <a:lstStyle/>
+          <a:p>
+            <a:pPr algn="ctr"/>
+            <a:endParaRPr lang="en-US" sz="2400" dirty="0" smtClean="0"/>
+          </a:p>
+        </p:txBody>
+      </p:sp>
+      <p:sp>
+        <p:nvSpPr>
+          <p:cNvPr id="15" name="TextBox 14"/>
+          <p:cNvSpPr txBox="1"/>
+          <p:nvPr/>
+        </p:nvSpPr>
+        <p:spPr>
+          <a:xfrm rot="5400000">
+            <a:off x="4426647" y="646122"/>
+            <a:ext cx="496697" cy="461665"/>
+          </a:xfrm>
+          <a:prstGeom prst="rect">
+            <a:avLst/>
+          </a:prstGeom>
+          <a:noFill/>
+        </p:spPr>
+        <p:txBody>
+          <a:bodyPr wrap="square" rtlCol="0">
+            <a:spAutoFit/>
+          </a:bodyPr>
+          <a:lstStyle/>
+          <a:p>
+            <a:r>
+              <a:rPr lang="en-US" sz="2400" dirty="0" smtClean="0"/>
+              <a:t>...</a:t>
+            </a:r>
+            <a:endParaRPr lang="en-US" sz="2400" dirty="0"/>
+          </a:p>
+        </p:txBody>
+      </p:sp>
+      <p:sp>
+        <p:nvSpPr>
+          <p:cNvPr id="16" name="TextBox 15"/>
+          <p:cNvSpPr txBox="1"/>
+          <p:nvPr/>
+        </p:nvSpPr>
+        <p:spPr>
+          <a:xfrm>
+            <a:off x="1437344" y="689258"/>
+            <a:ext cx="463588" cy="369332"/>
+          </a:xfrm>
+          <a:prstGeom prst="rect">
+            <a:avLst/>
+          </a:prstGeom>
+          <a:noFill/>
+        </p:spPr>
+        <p:txBody>
+          <a:bodyPr wrap="none" rtlCol="0">
+            <a:spAutoFit/>
+          </a:bodyPr>
+          <a:lstStyle/>
+          <a:p>
+            <a:r>
+              <a:rPr lang="en-US" dirty="0" smtClean="0">
+                <a:sym typeface="Wingdings"/>
+              </a:rPr>
+              <a:t> </a:t>
+            </a:r>
+            <a:endParaRPr lang="en-US" dirty="0"/>
+          </a:p>
+        </p:txBody>
+      </p:sp>
+      <p:cxnSp>
+        <p:nvCxnSpPr>
+          <p:cNvPr id="17" name="Straight Connector 16"/>
+          <p:cNvCxnSpPr/>
+          <p:nvPr/>
+        </p:nvCxnSpPr>
+        <p:spPr>
+          <a:xfrm>
+            <a:off x="7104742" y="1190172"/>
+            <a:ext cx="3657600" cy="0"/>
+          </a:xfrm>
+          <a:prstGeom prst="line">
+            <a:avLst/>
+          </a:prstGeom>
+        </p:spPr>
+        <p:style>
+          <a:lnRef idx="1">
+            <a:schemeClr val="dk1"/>
+          </a:lnRef>
+          <a:fillRef idx="0">
+            <a:schemeClr val="dk1"/>
+          </a:fillRef>
+          <a:effectRef idx="0">
+            <a:schemeClr val="dk1"/>
+          </a:effectRef>
+          <a:fontRef idx="minor">
+            <a:schemeClr val="tx1"/>
+          </a:fontRef>
+        </p:style>
+      </p:cxnSp>
+      <p:sp>
+        <p:nvSpPr>
+          <p:cNvPr id="18" name="TextBox 17"/>
+          <p:cNvSpPr txBox="1"/>
+          <p:nvPr/>
+        </p:nvSpPr>
+        <p:spPr>
+          <a:xfrm rot="5400000">
+            <a:off x="10283161" y="646122"/>
+            <a:ext cx="496697" cy="461665"/>
+          </a:xfrm>
+          <a:prstGeom prst="rect">
+            <a:avLst/>
+          </a:prstGeom>
+          <a:noFill/>
+        </p:spPr>
+        <p:txBody>
+          <a:bodyPr wrap="square" rtlCol="0">
+            <a:spAutoFit/>
+          </a:bodyPr>
+          <a:lstStyle/>
+          <a:p>
+            <a:r>
+              <a:rPr lang="en-US" sz="2400" dirty="0" smtClean="0"/>
+              <a:t>...</a:t>
+            </a:r>
+            <a:endParaRPr lang="en-US" sz="2400" dirty="0"/>
+          </a:p>
+        </p:txBody>
+      </p:sp>
+      <p:sp>
+        <p:nvSpPr>
+          <p:cNvPr id="19" name="TextBox 18"/>
+          <p:cNvSpPr txBox="1"/>
+          <p:nvPr/>
+        </p:nvSpPr>
+        <p:spPr>
+          <a:xfrm>
+            <a:off x="7293858" y="689258"/>
+            <a:ext cx="463588" cy="369332"/>
+          </a:xfrm>
+          <a:prstGeom prst="rect">
+            <a:avLst/>
+          </a:prstGeom>
+          <a:noFill/>
+        </p:spPr>
+        <p:txBody>
+          <a:bodyPr wrap="none" rtlCol="0">
+            <a:spAutoFit/>
+          </a:bodyPr>
+          <a:lstStyle/>
+          <a:p>
+            <a:r>
+              <a:rPr lang="en-US" dirty="0" smtClean="0">
+                <a:sym typeface="Wingdings"/>
+              </a:rPr>
+              <a:t> </a:t>
+            </a:r>
+            <a:endParaRPr lang="en-US" dirty="0"/>
+          </a:p>
+        </p:txBody>
+      </p:sp>
+      <p:sp>
+        <p:nvSpPr>
+          <p:cNvPr id="21" name="TextBox 20"/>
+          <p:cNvSpPr txBox="1"/>
+          <p:nvPr/>
+        </p:nvSpPr>
+        <p:spPr>
+          <a:xfrm>
+            <a:off x="8072546" y="2404533"/>
+            <a:ext cx="1721990" cy="461665"/>
+          </a:xfrm>
+          <a:prstGeom prst="rect">
+            <a:avLst/>
+          </a:prstGeom>
+          <a:noFill/>
+        </p:spPr>
+        <p:txBody>
+          <a:bodyPr wrap="square" rtlCol="0">
+            <a:spAutoFit/>
+          </a:bodyPr>
+          <a:lstStyle/>
+          <a:p>
+            <a:pPr algn="ctr"/>
+            <a:r>
+              <a:rPr lang="en-US" sz="2400" dirty="0" smtClean="0"/>
+              <a:t>DEFINITION</a:t>
+            </a:r>
+            <a:endParaRPr lang="en-US" sz="2400" dirty="0"/>
+          </a:p>
+        </p:txBody>
+      </p:sp>
+      <p:sp>
+        <p:nvSpPr>
+          <p:cNvPr id="22" name="TextBox 21"/>
+          <p:cNvSpPr txBox="1"/>
+          <p:nvPr/>
+        </p:nvSpPr>
+        <p:spPr>
+          <a:xfrm>
+            <a:off x="7314716" y="3826989"/>
+            <a:ext cx="3237651" cy="923330"/>
+          </a:xfrm>
+          <a:prstGeom prst="rect">
+            <a:avLst/>
+          </a:prstGeom>
+          <a:noFill/>
+          <a:ln>
+            <a:solidFill>
+              <a:schemeClr val="tx1"/>
+            </a:solidFill>
+          </a:ln>
+        </p:spPr>
+        <p:txBody>
+          <a:bodyPr wrap="square" rtlCol="0">
+            <a:spAutoFit/>
+          </a:bodyPr>
+          <a:lstStyle/>
+          <a:p>
+            <a:endParaRPr lang="en-US" dirty="0" smtClean="0">
+              <a:solidFill>
+                <a:schemeClr val="bg1">
+                  <a:lumMod val="50000"/>
+                </a:schemeClr>
+              </a:solidFill>
+            </a:endParaRPr>
+          </a:p>
+          <a:p>
+            <a:r>
+              <a:rPr lang="en-US" dirty="0" smtClean="0">
+                <a:solidFill>
+                  <a:schemeClr val="bg1">
+                    <a:lumMod val="50000"/>
+                  </a:schemeClr>
+                </a:solidFill>
+              </a:rPr>
+              <a:t>Type Answer</a:t>
+            </a:r>
+          </a:p>
+          <a:p>
+            <a:endParaRPr lang="en-US" dirty="0">
+              <a:solidFill>
+                <a:schemeClr val="bg1">
+                  <a:lumMod val="50000"/>
+                </a:schemeClr>
+              </a:solidFill>
+            </a:endParaRPr>
+          </a:p>
+        </p:txBody>
+      </p:sp>
+      <p:sp>
+        <p:nvSpPr>
+          <p:cNvPr id="23" name="TextBox 22"/>
+          <p:cNvSpPr txBox="1"/>
+          <p:nvPr/>
+        </p:nvSpPr>
+        <p:spPr>
+          <a:xfrm>
+            <a:off x="9736663" y="3924961"/>
+            <a:ext cx="733344" cy="738664"/>
+          </a:xfrm>
+          <a:prstGeom prst="rect">
+            <a:avLst/>
+          </a:prstGeom>
+          <a:noFill/>
+          <a:ln>
+            <a:solidFill>
+              <a:schemeClr val="tx1"/>
+            </a:solidFill>
+          </a:ln>
+        </p:spPr>
+        <p:txBody>
+          <a:bodyPr wrap="square" rtlCol="0" anchor="ctr" anchorCtr="0">
+            <a:spAutoFit/>
+          </a:bodyPr>
+          <a:lstStyle/>
+          <a:p>
+            <a:pPr algn="ctr"/>
+            <a:r>
+              <a:rPr lang="en-US" sz="1400" dirty="0" smtClean="0"/>
+              <a:t>Don’t Know</a:t>
+            </a:r>
+          </a:p>
+          <a:p>
+            <a:pPr algn="ctr"/>
+            <a:r>
+              <a:rPr lang="en-US" sz="1400" dirty="0" smtClean="0"/>
+              <a:t>B_3</a:t>
+            </a:r>
+            <a:endParaRPr lang="en-US" sz="1400" dirty="0"/>
+          </a:p>
+        </p:txBody>
+      </p:sp>
+      <p:sp>
+        <p:nvSpPr>
+          <p:cNvPr id="20" name="TextBox 19"/>
+          <p:cNvSpPr txBox="1"/>
+          <p:nvPr/>
+        </p:nvSpPr>
+        <p:spPr>
+          <a:xfrm>
+            <a:off x="2636490" y="124154"/>
+            <a:ext cx="881075" cy="369332"/>
+          </a:xfrm>
+          <a:prstGeom prst="rect">
+            <a:avLst/>
+          </a:prstGeom>
+          <a:noFill/>
+        </p:spPr>
+        <p:txBody>
+          <a:bodyPr wrap="none" rtlCol="0">
+            <a:spAutoFit/>
+          </a:bodyPr>
+          <a:lstStyle/>
+          <a:p>
+            <a:r>
+              <a:rPr lang="en-US" dirty="0" smtClean="0"/>
+              <a:t>View_6</a:t>
+            </a:r>
+            <a:endParaRPr lang="en-US" dirty="0"/>
+          </a:p>
+        </p:txBody>
+      </p:sp>
+      <p:sp>
+        <p:nvSpPr>
+          <p:cNvPr id="24" name="TextBox 23"/>
+          <p:cNvSpPr txBox="1"/>
+          <p:nvPr/>
+        </p:nvSpPr>
+        <p:spPr>
+          <a:xfrm>
+            <a:off x="8493003" y="129775"/>
+            <a:ext cx="881075" cy="369332"/>
+          </a:xfrm>
+          <a:prstGeom prst="rect">
+            <a:avLst/>
+          </a:prstGeom>
+          <a:noFill/>
+        </p:spPr>
+        <p:txBody>
+          <a:bodyPr wrap="none" rtlCol="0">
+            <a:spAutoFit/>
+          </a:bodyPr>
+          <a:lstStyle/>
+          <a:p>
+            <a:r>
+              <a:rPr lang="en-US" dirty="0" smtClean="0"/>
+              <a:t>View_7</a:t>
+            </a:r>
+            <a:endParaRPr lang="en-US" dirty="0"/>
+          </a:p>
+        </p:txBody>
+      </p:sp>
+      <p:cxnSp>
+        <p:nvCxnSpPr>
+          <p:cNvPr id="25" name="Straight Arrow Connector 24"/>
+          <p:cNvCxnSpPr>
+            <a:endCxn id="26" idx="3"/>
+          </p:cNvCxnSpPr>
+          <p:nvPr/>
+        </p:nvCxnSpPr>
+        <p:spPr>
+          <a:xfrm flipH="1" flipV="1">
+            <a:off x="6881353" y="866977"/>
+            <a:ext cx="433365" cy="2"/>
+          </a:xfrm>
+          <a:prstGeom prst="straightConnector1">
+            <a:avLst/>
+          </a:prstGeom>
+          <a:ln>
+            <a:tailEnd type="triangle"/>
+          </a:ln>
+        </p:spPr>
+        <p:style>
+          <a:lnRef idx="1">
+            <a:schemeClr val="dk1"/>
+          </a:lnRef>
+          <a:fillRef idx="0">
+            <a:schemeClr val="dk1"/>
+          </a:fillRef>
+          <a:effectRef idx="0">
+            <a:schemeClr val="dk1"/>
+          </a:effectRef>
+          <a:fontRef idx="minor">
+            <a:schemeClr val="tx1"/>
+          </a:fontRef>
+        </p:style>
+      </p:cxnSp>
+      <p:sp>
+        <p:nvSpPr>
+          <p:cNvPr id="26" name="TextBox 25"/>
+          <p:cNvSpPr txBox="1"/>
+          <p:nvPr/>
+        </p:nvSpPr>
+        <p:spPr>
+          <a:xfrm>
+            <a:off x="6153974" y="713088"/>
+            <a:ext cx="727379" cy="307777"/>
+          </a:xfrm>
+          <a:prstGeom prst="rect">
+            <a:avLst/>
+          </a:prstGeom>
+          <a:noFill/>
+        </p:spPr>
+        <p:txBody>
+          <a:bodyPr wrap="none" rtlCol="0">
+            <a:spAutoFit/>
+          </a:bodyPr>
+          <a:lstStyle/>
+          <a:p>
+            <a:r>
+              <a:rPr lang="en-US" sz="1400" dirty="0" smtClean="0"/>
+              <a:t>View_5</a:t>
+            </a:r>
+            <a:endParaRPr lang="en-US" sz="1400" dirty="0"/>
+          </a:p>
+        </p:txBody>
+      </p:sp>
+      <p:cxnSp>
+        <p:nvCxnSpPr>
+          <p:cNvPr id="27" name="Straight Arrow Connector 26"/>
+          <p:cNvCxnSpPr>
+            <a:endCxn id="28" idx="3"/>
+          </p:cNvCxnSpPr>
+          <p:nvPr/>
+        </p:nvCxnSpPr>
+        <p:spPr>
+          <a:xfrm flipH="1" flipV="1">
+            <a:off x="997646" y="883438"/>
+            <a:ext cx="433367" cy="2"/>
+          </a:xfrm>
+          <a:prstGeom prst="straightConnector1">
+            <a:avLst/>
+          </a:prstGeom>
+          <a:ln>
+            <a:tailEnd type="triangle"/>
+          </a:ln>
+        </p:spPr>
+        <p:style>
+          <a:lnRef idx="1">
+            <a:schemeClr val="dk1"/>
+          </a:lnRef>
+          <a:fillRef idx="0">
+            <a:schemeClr val="dk1"/>
+          </a:fillRef>
+          <a:effectRef idx="0">
+            <a:schemeClr val="dk1"/>
+          </a:effectRef>
+          <a:fontRef idx="minor">
+            <a:schemeClr val="tx1"/>
+          </a:fontRef>
+        </p:style>
+      </p:cxnSp>
+      <p:sp>
+        <p:nvSpPr>
+          <p:cNvPr id="28" name="TextBox 27"/>
+          <p:cNvSpPr txBox="1"/>
+          <p:nvPr/>
+        </p:nvSpPr>
+        <p:spPr>
+          <a:xfrm>
+            <a:off x="270267" y="729549"/>
+            <a:ext cx="727379" cy="307777"/>
+          </a:xfrm>
+          <a:prstGeom prst="rect">
+            <a:avLst/>
+          </a:prstGeom>
+          <a:noFill/>
+        </p:spPr>
+        <p:txBody>
+          <a:bodyPr wrap="none" rtlCol="0">
+            <a:spAutoFit/>
+          </a:bodyPr>
+          <a:lstStyle/>
+          <a:p>
+            <a:r>
+              <a:rPr lang="en-US" sz="1400" dirty="0" smtClean="0"/>
+              <a:t>View_5</a:t>
+            </a:r>
+            <a:endParaRPr lang="en-US" sz="1400" dirty="0"/>
+          </a:p>
+        </p:txBody>
+      </p:sp>
+      <p:sp>
+        <p:nvSpPr>
+          <p:cNvPr id="29" name="TextBox 28"/>
+          <p:cNvSpPr txBox="1"/>
+          <p:nvPr/>
+        </p:nvSpPr>
+        <p:spPr>
+          <a:xfrm>
+            <a:off x="1440132" y="913172"/>
+            <a:ext cx="458012" cy="276999"/>
+          </a:xfrm>
+          <a:prstGeom prst="rect">
+            <a:avLst/>
+          </a:prstGeom>
+          <a:noFill/>
+        </p:spPr>
+        <p:txBody>
+          <a:bodyPr wrap="square" rtlCol="0">
+            <a:spAutoFit/>
+          </a:bodyPr>
+          <a:lstStyle/>
+          <a:p>
+            <a:r>
+              <a:rPr lang="en-US" sz="1200" dirty="0" smtClean="0"/>
+              <a:t>B_1</a:t>
+            </a:r>
+            <a:endParaRPr lang="en-US" sz="1200" dirty="0"/>
+          </a:p>
+        </p:txBody>
+      </p:sp>
+      <p:sp>
+        <p:nvSpPr>
+          <p:cNvPr id="30" name="TextBox 29"/>
+          <p:cNvSpPr txBox="1"/>
+          <p:nvPr/>
+        </p:nvSpPr>
+        <p:spPr>
+          <a:xfrm>
+            <a:off x="4360293" y="897952"/>
+            <a:ext cx="452435" cy="276125"/>
+          </a:xfrm>
+          <a:prstGeom prst="rect">
+            <a:avLst/>
+          </a:prstGeom>
+          <a:noFill/>
+        </p:spPr>
+        <p:txBody>
+          <a:bodyPr wrap="square" rtlCol="0">
+            <a:spAutoFit/>
+          </a:bodyPr>
+          <a:lstStyle/>
+          <a:p>
+            <a:r>
+              <a:rPr lang="en-US" sz="1200" dirty="0" smtClean="0"/>
+              <a:t>B_2</a:t>
+            </a:r>
+            <a:endParaRPr lang="en-US" sz="1200" dirty="0"/>
+          </a:p>
+        </p:txBody>
+      </p:sp>
+      <p:sp>
+        <p:nvSpPr>
+          <p:cNvPr id="31" name="TextBox 30"/>
+          <p:cNvSpPr txBox="1"/>
+          <p:nvPr/>
+        </p:nvSpPr>
+        <p:spPr>
+          <a:xfrm>
+            <a:off x="7314716" y="920090"/>
+            <a:ext cx="458012" cy="276999"/>
+          </a:xfrm>
+          <a:prstGeom prst="rect">
+            <a:avLst/>
+          </a:prstGeom>
+          <a:noFill/>
+        </p:spPr>
+        <p:txBody>
+          <a:bodyPr wrap="square" rtlCol="0">
+            <a:spAutoFit/>
+          </a:bodyPr>
+          <a:lstStyle/>
+          <a:p>
+            <a:r>
+              <a:rPr lang="en-US" sz="1200" dirty="0" smtClean="0"/>
+              <a:t>B_1</a:t>
+            </a:r>
+            <a:endParaRPr lang="en-US" sz="1200" dirty="0"/>
+          </a:p>
+        </p:txBody>
+      </p:sp>
+      <p:sp>
+        <p:nvSpPr>
+          <p:cNvPr id="32" name="TextBox 31"/>
+          <p:cNvSpPr txBox="1"/>
+          <p:nvPr/>
+        </p:nvSpPr>
+        <p:spPr>
+          <a:xfrm>
+            <a:off x="10237334" y="910922"/>
+            <a:ext cx="452435" cy="276125"/>
+          </a:xfrm>
+          <a:prstGeom prst="rect">
+            <a:avLst/>
+          </a:prstGeom>
+          <a:noFill/>
+        </p:spPr>
+        <p:txBody>
+          <a:bodyPr wrap="square" rtlCol="0">
+            <a:spAutoFit/>
+          </a:bodyPr>
+          <a:lstStyle/>
+          <a:p>
+            <a:r>
+              <a:rPr lang="en-US" sz="1200" dirty="0" smtClean="0"/>
+              <a:t>B_2</a:t>
+            </a:r>
+            <a:endParaRPr lang="en-US" sz="1200" dirty="0"/>
+          </a:p>
+        </p:txBody>
+      </p:sp>
+    </p:spTree>
+    <p:extLst>
+      <p:ext uri="{BB962C8B-B14F-4D97-AF65-F5344CB8AC3E}">
+        <p14:creationId xmlns:p14="http://schemas.microsoft.com/office/powerpoint/2010/main" val="576644425"/>
+      </p:ext>
+    </p:extLst>
+  </p:cSld>
+  <p:clrMapOvr>
+    <a:masterClrMapping/>
+  </p:clrMapOvr>
+  <p:timing>
+    <p:tnLst>
+      <p:par>
+        <p:cTn id="1" dur="indefinite" restart="never" nodeType="tmRoot"/>
+      </p:par>
+    </p:tnLst>
+  </p:timing>
+</p:sld>
+</file>
+
+<file path=ppt/slides/slide5.xml><?xml version="1.0" encoding="utf-8"?>
+<p:sld xmlns:a="http://schemas.openxmlformats.org/drawingml/2006/main" xmlns:r="http://schemas.openxmlformats.org/officeDocument/2006/relationships" xmlns:p="http://schemas.openxmlformats.org/presentationml/2006/main">
+  <p:cSld>
+    <p:spTree>
+      <p:nvGrpSpPr>
+        <p:cNvPr id="1" name=""/>
+        <p:cNvGrpSpPr/>
+        <p:nvPr/>
+      </p:nvGrpSpPr>
+      <p:grpSpPr>
+        <a:xfrm>
+          <a:off x="0" y="0"/>
+          <a:ext cx="0" cy="0"/>
+          <a:chOff x="0" y="0"/>
+          <a:chExt cx="0" cy="0"/>
+        </a:xfrm>
+      </p:grpSpPr>
+      <p:sp>
+        <p:nvSpPr>
           <p:cNvPr id="6" name="Frame 5"/>
           <p:cNvSpPr/>
           <p:nvPr/>
@@ -7317,6 +8738,132 @@
           </a:fontRef>
         </p:style>
       </p:cxnSp>
+      <p:cxnSp>
+        <p:nvCxnSpPr>
+          <p:cNvPr id="28" name="Straight Arrow Connector 27"/>
+          <p:cNvCxnSpPr/>
+          <p:nvPr/>
+        </p:nvCxnSpPr>
+        <p:spPr>
+          <a:xfrm flipH="1" flipV="1">
+            <a:off x="997646" y="883438"/>
+            <a:ext cx="433363" cy="1"/>
+          </a:xfrm>
+          <a:prstGeom prst="straightConnector1">
+            <a:avLst/>
+          </a:prstGeom>
+          <a:ln>
+            <a:tailEnd type="triangle"/>
+          </a:ln>
+        </p:spPr>
+        <p:style>
+          <a:lnRef idx="1">
+            <a:schemeClr val="dk1"/>
+          </a:lnRef>
+          <a:fillRef idx="0">
+            <a:schemeClr val="dk1"/>
+          </a:fillRef>
+          <a:effectRef idx="0">
+            <a:schemeClr val="dk1"/>
+          </a:effectRef>
+          <a:fontRef idx="minor">
+            <a:schemeClr val="tx1"/>
+          </a:fontRef>
+        </p:style>
+      </p:cxnSp>
+      <p:sp>
+        <p:nvSpPr>
+          <p:cNvPr id="31" name="TextBox 30"/>
+          <p:cNvSpPr txBox="1"/>
+          <p:nvPr/>
+        </p:nvSpPr>
+        <p:spPr>
+          <a:xfrm>
+            <a:off x="270267" y="729549"/>
+            <a:ext cx="727379" cy="307777"/>
+          </a:xfrm>
+          <a:prstGeom prst="rect">
+            <a:avLst/>
+          </a:prstGeom>
+          <a:noFill/>
+        </p:spPr>
+        <p:txBody>
+          <a:bodyPr wrap="none" rtlCol="0">
+            <a:spAutoFit/>
+          </a:bodyPr>
+          <a:lstStyle/>
+          <a:p>
+            <a:r>
+              <a:rPr lang="en-US" sz="1400" dirty="0" smtClean="0"/>
+              <a:t>View_5</a:t>
+            </a:r>
+            <a:endParaRPr lang="en-US" sz="1400" dirty="0"/>
+          </a:p>
+        </p:txBody>
+      </p:sp>
+      <p:cxnSp>
+        <p:nvCxnSpPr>
+          <p:cNvPr id="32" name="Straight Arrow Connector 31"/>
+          <p:cNvCxnSpPr/>
+          <p:nvPr/>
+        </p:nvCxnSpPr>
+        <p:spPr>
+          <a:xfrm flipH="1" flipV="1">
+            <a:off x="6866413" y="873740"/>
+            <a:ext cx="433363" cy="1"/>
+          </a:xfrm>
+          <a:prstGeom prst="straightConnector1">
+            <a:avLst/>
+          </a:prstGeom>
+          <a:ln>
+            <a:tailEnd type="triangle"/>
+          </a:ln>
+        </p:spPr>
+        <p:style>
+          <a:lnRef idx="1">
+            <a:schemeClr val="dk1"/>
+          </a:lnRef>
+          <a:fillRef idx="0">
+            <a:schemeClr val="dk1"/>
+          </a:fillRef>
+          <a:effectRef idx="0">
+            <a:schemeClr val="dk1"/>
+          </a:effectRef>
+          <a:fontRef idx="minor">
+            <a:schemeClr val="tx1"/>
+          </a:fontRef>
+        </p:style>
+      </p:cxnSp>
+      <p:sp>
+        <p:nvSpPr>
+          <p:cNvPr id="33" name="TextBox 32"/>
+          <p:cNvSpPr txBox="1"/>
+          <p:nvPr/>
+        </p:nvSpPr>
+        <p:spPr>
+          <a:xfrm>
+            <a:off x="6139034" y="719851"/>
+            <a:ext cx="727379" cy="307777"/>
+          </a:xfrm>
+          <a:prstGeom prst="rect">
+            <a:avLst/>
+          </a:prstGeom>
+          <a:noFill/>
+        </p:spPr>
+        <p:txBody>
+          <a:bodyPr wrap="none" rtlCol="0">
+            <a:spAutoFit/>
+          </a:bodyPr>
+          <a:lstStyle/>
+          <a:p>
+            <a:r>
+              <a:rPr lang="en-US" sz="1400" dirty="0" smtClean="0"/>
+              <a:t>View_4</a:t>
+            </a:r>
+            <a:endParaRPr lang="en-US" sz="1400" dirty="0"/>
+          </a:p>
+        </p:txBody>
+      </p:sp>
     </p:spTree>
     <p:extLst>
       <p:ext uri="{BB962C8B-B14F-4D97-AF65-F5344CB8AC3E}">
@@ -7327,6 +8874,13 @@
   <p:clrMapOvr>
     <a:masterClrMapping/>
   </p:clrMapOvr>
+  <p:timing>
+    <p:tnLst>
+      <p:par>
+        <p:cTn id="1" dur="indefinite" restart="never" nodeType="tmRoot"/>
+      </p:par>
+    </p:tnLst>
+  </p:timing>
 </p:sld>
 </file>
 

--- a/Device Screen.pptx
+++ b/Device Screen.pptx
@@ -109,7 +109,7 @@
   </p:defaultTextStyle>
   <p:extLst>
     <p:ext uri="{EFAFB233-063F-42B5-8137-9DF3F51BA10A}">
-      <p15:sldGuideLst xmlns:p15="http://schemas.microsoft.com/office/powerpoint/2012/main"/>
+      <p15:sldGuideLst xmlns:p15="http://schemas.microsoft.com/office/powerpoint/2012/main" xmlns=""/>
     </p:ext>
   </p:extLst>
 </p:presentation>
@@ -246,7 +246,7 @@
           <a:p>
             <a:fld id="{BBC792A3-0523-3F47-BDD7-FCD0014C791B}" type="datetimeFigureOut">
               <a:rPr lang="en-US" smtClean="0"/>
-              <a:t>1/31/16</a:t>
+              <a:t>2/20/16</a:t>
             </a:fld>
             <a:endParaRPr lang="en-US"/>
           </a:p>
@@ -416,7 +416,7 @@
           <a:p>
             <a:fld id="{BBC792A3-0523-3F47-BDD7-FCD0014C791B}" type="datetimeFigureOut">
               <a:rPr lang="en-US" smtClean="0"/>
-              <a:t>1/31/16</a:t>
+              <a:t>2/20/16</a:t>
             </a:fld>
             <a:endParaRPr lang="en-US"/>
           </a:p>
@@ -596,7 +596,7 @@
           <a:p>
             <a:fld id="{BBC792A3-0523-3F47-BDD7-FCD0014C791B}" type="datetimeFigureOut">
               <a:rPr lang="en-US" smtClean="0"/>
-              <a:t>1/31/16</a:t>
+              <a:t>2/20/16</a:t>
             </a:fld>
             <a:endParaRPr lang="en-US"/>
           </a:p>
@@ -766,7 +766,7 @@
           <a:p>
             <a:fld id="{BBC792A3-0523-3F47-BDD7-FCD0014C791B}" type="datetimeFigureOut">
               <a:rPr lang="en-US" smtClean="0"/>
-              <a:t>1/31/16</a:t>
+              <a:t>2/20/16</a:t>
             </a:fld>
             <a:endParaRPr lang="en-US"/>
           </a:p>
@@ -1012,7 +1012,7 @@
           <a:p>
             <a:fld id="{BBC792A3-0523-3F47-BDD7-FCD0014C791B}" type="datetimeFigureOut">
               <a:rPr lang="en-US" smtClean="0"/>
-              <a:t>1/31/16</a:t>
+              <a:t>2/20/16</a:t>
             </a:fld>
             <a:endParaRPr lang="en-US"/>
           </a:p>
@@ -1244,7 +1244,7 @@
           <a:p>
             <a:fld id="{BBC792A3-0523-3F47-BDD7-FCD0014C791B}" type="datetimeFigureOut">
               <a:rPr lang="en-US" smtClean="0"/>
-              <a:t>1/31/16</a:t>
+              <a:t>2/20/16</a:t>
             </a:fld>
             <a:endParaRPr lang="en-US"/>
           </a:p>
@@ -1611,7 +1611,7 @@
           <a:p>
             <a:fld id="{BBC792A3-0523-3F47-BDD7-FCD0014C791B}" type="datetimeFigureOut">
               <a:rPr lang="en-US" smtClean="0"/>
-              <a:t>1/31/16</a:t>
+              <a:t>2/20/16</a:t>
             </a:fld>
             <a:endParaRPr lang="en-US"/>
           </a:p>
@@ -1729,7 +1729,7 @@
           <a:p>
             <a:fld id="{BBC792A3-0523-3F47-BDD7-FCD0014C791B}" type="datetimeFigureOut">
               <a:rPr lang="en-US" smtClean="0"/>
-              <a:t>1/31/16</a:t>
+              <a:t>2/20/16</a:t>
             </a:fld>
             <a:endParaRPr lang="en-US"/>
           </a:p>
@@ -1824,7 +1824,7 @@
           <a:p>
             <a:fld id="{BBC792A3-0523-3F47-BDD7-FCD0014C791B}" type="datetimeFigureOut">
               <a:rPr lang="en-US" smtClean="0"/>
-              <a:t>1/31/16</a:t>
+              <a:t>2/20/16</a:t>
             </a:fld>
             <a:endParaRPr lang="en-US"/>
           </a:p>
@@ -2101,7 +2101,7 @@
           <a:p>
             <a:fld id="{BBC792A3-0523-3F47-BDD7-FCD0014C791B}" type="datetimeFigureOut">
               <a:rPr lang="en-US" smtClean="0"/>
-              <a:t>1/31/16</a:t>
+              <a:t>2/20/16</a:t>
             </a:fld>
             <a:endParaRPr lang="en-US"/>
           </a:p>
@@ -2354,7 +2354,7 @@
           <a:p>
             <a:fld id="{BBC792A3-0523-3F47-BDD7-FCD0014C791B}" type="datetimeFigureOut">
               <a:rPr lang="en-US" smtClean="0"/>
-              <a:t>1/31/16</a:t>
+              <a:t>2/20/16</a:t>
             </a:fld>
             <a:endParaRPr lang="en-US"/>
           </a:p>
@@ -2567,7 +2567,7 @@
           <a:p>
             <a:fld id="{BBC792A3-0523-3F47-BDD7-FCD0014C791B}" type="datetimeFigureOut">
               <a:rPr lang="en-US" smtClean="0"/>
-              <a:t>1/31/16</a:t>
+              <a:t>2/20/16</a:t>
             </a:fld>
             <a:endParaRPr lang="en-US"/>
           </a:p>
@@ -4406,6 +4406,66 @@
           </a:p>
         </p:txBody>
       </p:sp>
+      <p:sp>
+        <p:nvSpPr>
+          <p:cNvPr id="8" name="TextBox 7"/>
+          <p:cNvSpPr txBox="1"/>
+          <p:nvPr/>
+        </p:nvSpPr>
+        <p:spPr>
+          <a:xfrm>
+            <a:off x="2702379" y="6466959"/>
+            <a:ext cx="787332" cy="369332"/>
+          </a:xfrm>
+          <a:prstGeom prst="rect">
+            <a:avLst/>
+          </a:prstGeom>
+          <a:noFill/>
+        </p:spPr>
+        <p:txBody>
+          <a:bodyPr wrap="none" rtlCol="0">
+            <a:spAutoFit/>
+          </a:bodyPr>
+          <a:lstStyle/>
+          <a:p>
+            <a:r>
+              <a:rPr lang="en-US" dirty="0" smtClean="0"/>
+              <a:t>LOGIN</a:t>
+            </a:r>
+            <a:endParaRPr lang="en-US" dirty="0"/>
+          </a:p>
+        </p:txBody>
+      </p:sp>
+      <p:sp>
+        <p:nvSpPr>
+          <p:cNvPr id="42" name="TextBox 41"/>
+          <p:cNvSpPr txBox="1"/>
+          <p:nvPr/>
+        </p:nvSpPr>
+        <p:spPr>
+          <a:xfrm>
+            <a:off x="8551703" y="6466959"/>
+            <a:ext cx="910864" cy="369332"/>
+          </a:xfrm>
+          <a:prstGeom prst="rect">
+            <a:avLst/>
+          </a:prstGeom>
+          <a:noFill/>
+        </p:spPr>
+        <p:txBody>
+          <a:bodyPr wrap="none" rtlCol="0">
+            <a:spAutoFit/>
+          </a:bodyPr>
+          <a:lstStyle/>
+          <a:p>
+            <a:r>
+              <a:rPr lang="en-US" dirty="0" smtClean="0"/>
+              <a:t>SIGNUP</a:t>
+            </a:r>
+            <a:endParaRPr lang="en-US" dirty="0"/>
+          </a:p>
+        </p:txBody>
+      </p:sp>
     </p:spTree>
     <p:extLst>
       <p:ext uri="{BB962C8B-B14F-4D97-AF65-F5344CB8AC3E}">
@@ -4672,7 +4732,7 @@
         </p:nvGraphicFramePr>
         <p:xfrm>
           <a:off x="1248226" y="1422399"/>
-          <a:ext cx="3657600" cy="518160"/>
+          <a:ext cx="3657600" cy="518159"/>
         </p:xfrm>
         <a:graphic>
           <a:graphicData uri="http://schemas.openxmlformats.org/drawingml/2006/table">
@@ -4701,11 +4761,6 @@
                         </a:rPr>
                         <a:t>Latest </a:t>
                       </a:r>
-                      <a:endParaRPr lang="en-US" sz="1400" b="0" dirty="0" smtClean="0">
-                        <a:solidFill>
-                          <a:sysClr val="windowText" lastClr="000000"/>
-                        </a:solidFill>
-                      </a:endParaRPr>
                     </a:p>
                     <a:p>
                       <a:pPr algn="ctr"/>
@@ -4778,11 +4833,6 @@
                         </a:rPr>
                         <a:t>Sets </a:t>
                       </a:r>
-                      <a:endParaRPr lang="en-US" sz="1400" b="0" dirty="0" smtClean="0">
-                        <a:solidFill>
-                          <a:sysClr val="windowText" lastClr="000000"/>
-                        </a:solidFill>
-                      </a:endParaRPr>
                     </a:p>
                     <a:p>
                       <a:pPr algn="ctr"/>
@@ -4855,11 +4905,6 @@
                         </a:rPr>
                         <a:t>Class </a:t>
                       </a:r>
-                      <a:endParaRPr lang="en-US" sz="1400" b="0" dirty="0" smtClean="0">
-                        <a:solidFill>
-                          <a:sysClr val="windowText" lastClr="000000"/>
-                        </a:solidFill>
-                      </a:endParaRPr>
                     </a:p>
                     <a:p>
                       <a:pPr algn="ctr"/>
@@ -4932,11 +4977,6 @@
                         </a:rPr>
                         <a:t>Folder </a:t>
                       </a:r>
-                      <a:endParaRPr lang="en-US" sz="1400" b="0" dirty="0" smtClean="0">
-                        <a:solidFill>
-                          <a:sysClr val="windowText" lastClr="000000"/>
-                        </a:solidFill>
-                      </a:endParaRPr>
                     </a:p>
                     <a:p>
                       <a:pPr algn="ctr"/>
@@ -5691,6 +5731,66 @@
           </a:p>
         </p:txBody>
       </p:sp>
+      <p:sp>
+        <p:nvSpPr>
+          <p:cNvPr id="30" name="TextBox 29"/>
+          <p:cNvSpPr txBox="1"/>
+          <p:nvPr/>
+        </p:nvSpPr>
+        <p:spPr>
+          <a:xfrm>
+            <a:off x="2759342" y="6468836"/>
+            <a:ext cx="791841" cy="369332"/>
+          </a:xfrm>
+          <a:prstGeom prst="rect">
+            <a:avLst/>
+          </a:prstGeom>
+          <a:noFill/>
+        </p:spPr>
+        <p:txBody>
+          <a:bodyPr wrap="none" rtlCol="0">
+            <a:spAutoFit/>
+          </a:bodyPr>
+          <a:lstStyle/>
+          <a:p>
+            <a:r>
+              <a:rPr lang="en-US" dirty="0" smtClean="0"/>
+              <a:t>MENU</a:t>
+            </a:r>
+            <a:endParaRPr lang="en-US" dirty="0"/>
+          </a:p>
+        </p:txBody>
+      </p:sp>
+      <p:sp>
+        <p:nvSpPr>
+          <p:cNvPr id="39" name="TextBox 38"/>
+          <p:cNvSpPr txBox="1"/>
+          <p:nvPr/>
+        </p:nvSpPr>
+        <p:spPr>
+          <a:xfrm>
+            <a:off x="8280603" y="6488668"/>
+            <a:ext cx="1736373" cy="369332"/>
+          </a:xfrm>
+          <a:prstGeom prst="rect">
+            <a:avLst/>
+          </a:prstGeom>
+          <a:noFill/>
+        </p:spPr>
+        <p:txBody>
+          <a:bodyPr wrap="none" rtlCol="0">
+            <a:spAutoFit/>
+          </a:bodyPr>
+          <a:lstStyle/>
+          <a:p>
+            <a:r>
+              <a:rPr lang="en-US" dirty="0" smtClean="0"/>
+              <a:t>WORDBOOKLIST</a:t>
+            </a:r>
+            <a:endParaRPr lang="en-US" dirty="0"/>
+          </a:p>
+        </p:txBody>
+      </p:sp>
     </p:spTree>
     <p:extLst>
       <p:ext uri="{BB962C8B-B14F-4D97-AF65-F5344CB8AC3E}">
@@ -6396,6 +6496,66 @@
           </a:p>
         </p:txBody>
       </p:sp>
+      <p:sp>
+        <p:nvSpPr>
+          <p:cNvPr id="26" name="TextBox 25"/>
+          <p:cNvSpPr txBox="1"/>
+          <p:nvPr/>
+        </p:nvSpPr>
+        <p:spPr>
+          <a:xfrm>
+            <a:off x="8728529" y="6511988"/>
+            <a:ext cx="813043" cy="369332"/>
+          </a:xfrm>
+          <a:prstGeom prst="rect">
+            <a:avLst/>
+          </a:prstGeom>
+          <a:noFill/>
+        </p:spPr>
+        <p:txBody>
+          <a:bodyPr wrap="none" rtlCol="0">
+            <a:spAutoFit/>
+          </a:bodyPr>
+          <a:lstStyle/>
+          <a:p>
+            <a:r>
+              <a:rPr lang="en-US" dirty="0" smtClean="0"/>
+              <a:t>WORD</a:t>
+            </a:r>
+            <a:endParaRPr lang="en-US" dirty="0"/>
+          </a:p>
+        </p:txBody>
+      </p:sp>
+      <p:sp>
+        <p:nvSpPr>
+          <p:cNvPr id="27" name="TextBox 26"/>
+          <p:cNvSpPr txBox="1"/>
+          <p:nvPr/>
+        </p:nvSpPr>
+        <p:spPr>
+          <a:xfrm>
+            <a:off x="2636490" y="6469681"/>
+            <a:ext cx="1361370" cy="369332"/>
+          </a:xfrm>
+          <a:prstGeom prst="rect">
+            <a:avLst/>
+          </a:prstGeom>
+          <a:noFill/>
+        </p:spPr>
+        <p:txBody>
+          <a:bodyPr wrap="none" rtlCol="0">
+            <a:spAutoFit/>
+          </a:bodyPr>
+          <a:lstStyle/>
+          <a:p>
+            <a:r>
+              <a:rPr lang="en-US" smtClean="0"/>
+              <a:t>WORDBOOK</a:t>
+            </a:r>
+            <a:endParaRPr lang="en-US" dirty="0"/>
+          </a:p>
+        </p:txBody>
+      </p:sp>
     </p:spTree>
     <p:extLst>
       <p:ext uri="{BB962C8B-B14F-4D97-AF65-F5344CB8AC3E}">
@@ -7317,6 +7477,66 @@
           </a:fontRef>
         </p:style>
       </p:cxnSp>
+      <p:sp>
+        <p:nvSpPr>
+          <p:cNvPr id="28" name="TextBox 27"/>
+          <p:cNvSpPr txBox="1"/>
+          <p:nvPr/>
+        </p:nvSpPr>
+        <p:spPr>
+          <a:xfrm>
+            <a:off x="2702379" y="6466959"/>
+            <a:ext cx="894972" cy="369332"/>
+          </a:xfrm>
+          <a:prstGeom prst="rect">
+            <a:avLst/>
+          </a:prstGeom>
+          <a:noFill/>
+        </p:spPr>
+        <p:txBody>
+          <a:bodyPr wrap="none" rtlCol="0">
+            <a:spAutoFit/>
+          </a:bodyPr>
+          <a:lstStyle/>
+          <a:p>
+            <a:r>
+              <a:rPr lang="en-US" dirty="0" smtClean="0"/>
+              <a:t>MATCH</a:t>
+            </a:r>
+            <a:endParaRPr lang="en-US" dirty="0"/>
+          </a:p>
+        </p:txBody>
+      </p:sp>
+      <p:sp>
+        <p:nvSpPr>
+          <p:cNvPr id="31" name="TextBox 30"/>
+          <p:cNvSpPr txBox="1"/>
+          <p:nvPr/>
+        </p:nvSpPr>
+        <p:spPr>
+          <a:xfrm>
+            <a:off x="8883480" y="6488668"/>
+            <a:ext cx="981196" cy="369332"/>
+          </a:xfrm>
+          <a:prstGeom prst="rect">
+            <a:avLst/>
+          </a:prstGeom>
+          <a:noFill/>
+        </p:spPr>
+        <p:txBody>
+          <a:bodyPr wrap="none" rtlCol="0">
+            <a:spAutoFit/>
+          </a:bodyPr>
+          <a:lstStyle/>
+          <a:p>
+            <a:r>
+              <a:rPr lang="en-US" dirty="0" smtClean="0"/>
+              <a:t>SETTING</a:t>
+            </a:r>
+            <a:endParaRPr lang="en-US" dirty="0"/>
+          </a:p>
+        </p:txBody>
+      </p:sp>
     </p:spTree>
     <p:extLst>
       <p:ext uri="{BB962C8B-B14F-4D97-AF65-F5344CB8AC3E}">
@@ -7373,7 +7593,7 @@
     </a:clrScheme>
     <a:fontScheme name="Office">
       <a:majorFont>
-        <a:latin typeface="Calibri Light" panose="020F0302020204030204"/>
+        <a:latin typeface="Calibri Light"/>
         <a:ea typeface=""/>
         <a:cs typeface=""/>
         <a:font script="Jpan" typeface="Yu Gothic Light"/>
@@ -7408,7 +7628,7 @@
         <a:font script="Geor" typeface="Sylfaen"/>
       </a:majorFont>
       <a:minorFont>
-        <a:latin typeface="Calibri" panose="020F0502020204030204"/>
+        <a:latin typeface="Calibri"/>
         <a:ea typeface=""/>
         <a:cs typeface=""/>
         <a:font script="Jpan" typeface="Yu Gothic"/>
@@ -7585,7 +7805,7 @@
   <a:extraClrSchemeLst/>
   <a:extLst>
     <a:ext uri="{05A4C25C-085E-4340-85A3-A5531E510DB2}">
-      <thm15:themeFamily xmlns:thm15="http://schemas.microsoft.com/office/thememl/2012/main" name="Office Theme" id="{62F939B6-93AF-4DB8-9C6B-D6C7DFDC589F}" vid="{4A3C46E8-61CC-4603-A589-7422A47A8E4A}"/>
+      <thm15:themeFamily xmlns:thm15="http://schemas.microsoft.com/office/thememl/2012/main" xmlns="" name="Office Theme" id="{62F939B6-93AF-4DB8-9C6B-D6C7DFDC589F}" vid="{4A3C46E8-61CC-4603-A589-7422A47A8E4A}"/>
     </a:ext>
   </a:extLst>
 </a:theme>

--- a/Device Screen.pptx
+++ b/Device Screen.pptx
@@ -7,8 +7,10 @@
   <p:sldIdLst>
     <p:sldId id="256" r:id="rId2"/>
     <p:sldId id="257" r:id="rId3"/>
-    <p:sldId id="258" r:id="rId4"/>
-    <p:sldId id="259" r:id="rId5"/>
+    <p:sldId id="261" r:id="rId4"/>
+    <p:sldId id="258" r:id="rId5"/>
+    <p:sldId id="259" r:id="rId6"/>
+    <p:sldId id="260" r:id="rId7"/>
   </p:sldIdLst>
   <p:sldSz cx="12192000" cy="6858000"/>
   <p:notesSz cx="6858000" cy="9144000"/>
@@ -109,7 +111,18 @@
   </p:defaultTextStyle>
   <p:extLst>
     <p:ext uri="{EFAFB233-063F-42B5-8137-9DF3F51BA10A}">
-      <p15:sldGuideLst xmlns:p15="http://schemas.microsoft.com/office/powerpoint/2012/main" xmlns=""/>
+      <p15:sldGuideLst xmlns:p15="http://schemas.microsoft.com/office/powerpoint/2012/main">
+        <p15:guide id="1" orient="horz" pos="2160">
+          <p15:clr>
+            <a:srgbClr val="A4A3A4"/>
+          </p15:clr>
+        </p15:guide>
+        <p15:guide id="2" pos="3840">
+          <p15:clr>
+            <a:srgbClr val="A4A3A4"/>
+          </p15:clr>
+        </p15:guide>
+      </p15:sldGuideLst>
     </p:ext>
   </p:extLst>
 </p:presentation>
@@ -157,10 +170,9 @@
           </a:lstStyle>
           <a:p>
             <a:r>
-              <a:rPr lang="en-US" smtClean="0"/>
+              <a:rPr lang="en-US"/>
               <a:t>Click to edit Master title style</a:t>
             </a:r>
-            <a:endParaRPr lang="en-US"/>
           </a:p>
         </p:txBody>
       </p:sp>
@@ -222,10 +234,9 @@
           </a:lstStyle>
           <a:p>
             <a:r>
-              <a:rPr lang="en-US" smtClean="0"/>
+              <a:rPr lang="en-US"/>
               <a:t>Click to edit Master subtitle style</a:t>
             </a:r>
-            <a:endParaRPr lang="en-US"/>
           </a:p>
         </p:txBody>
       </p:sp>
@@ -246,7 +257,7 @@
           <a:p>
             <a:fld id="{BBC792A3-0523-3F47-BDD7-FCD0014C791B}" type="datetimeFigureOut">
               <a:rPr lang="en-US" smtClean="0"/>
-              <a:t>2/20/16</a:t>
+              <a:t>3/20/2016</a:t>
             </a:fld>
             <a:endParaRPr lang="en-US"/>
           </a:p>
@@ -340,10 +351,9 @@
           <a:lstStyle/>
           <a:p>
             <a:r>
-              <a:rPr lang="en-US" smtClean="0"/>
+              <a:rPr lang="en-US"/>
               <a:t>Click to edit Master title style</a:t>
             </a:r>
-            <a:endParaRPr lang="en-US"/>
           </a:p>
         </p:txBody>
       </p:sp>
@@ -364,38 +374,37 @@
           <a:p>
             <a:pPr lvl="0"/>
             <a:r>
-              <a:rPr lang="en-US" smtClean="0"/>
+              <a:rPr lang="en-US"/>
               <a:t>Click to edit Master text styles</a:t>
             </a:r>
           </a:p>
           <a:p>
             <a:pPr lvl="1"/>
             <a:r>
-              <a:rPr lang="en-US" smtClean="0"/>
+              <a:rPr lang="en-US"/>
               <a:t>Second level</a:t>
             </a:r>
           </a:p>
           <a:p>
             <a:pPr lvl="2"/>
             <a:r>
-              <a:rPr lang="en-US" smtClean="0"/>
+              <a:rPr lang="en-US"/>
               <a:t>Third level</a:t>
             </a:r>
           </a:p>
           <a:p>
             <a:pPr lvl="3"/>
             <a:r>
-              <a:rPr lang="en-US" smtClean="0"/>
+              <a:rPr lang="en-US"/>
               <a:t>Fourth level</a:t>
             </a:r>
           </a:p>
           <a:p>
             <a:pPr lvl="4"/>
             <a:r>
-              <a:rPr lang="en-US" smtClean="0"/>
+              <a:rPr lang="en-US"/>
               <a:t>Fifth level</a:t>
             </a:r>
-            <a:endParaRPr lang="en-US"/>
           </a:p>
         </p:txBody>
       </p:sp>
@@ -416,7 +425,7 @@
           <a:p>
             <a:fld id="{BBC792A3-0523-3F47-BDD7-FCD0014C791B}" type="datetimeFigureOut">
               <a:rPr lang="en-US" smtClean="0"/>
-              <a:t>2/20/16</a:t>
+              <a:t>3/20/2016</a:t>
             </a:fld>
             <a:endParaRPr lang="en-US"/>
           </a:p>
@@ -515,10 +524,9 @@
           <a:lstStyle/>
           <a:p>
             <a:r>
-              <a:rPr lang="en-US" smtClean="0"/>
+              <a:rPr lang="en-US"/>
               <a:t>Click to edit Master title style</a:t>
             </a:r>
-            <a:endParaRPr lang="en-US"/>
           </a:p>
         </p:txBody>
       </p:sp>
@@ -544,38 +552,37 @@
           <a:p>
             <a:pPr lvl="0"/>
             <a:r>
-              <a:rPr lang="en-US" smtClean="0"/>
+              <a:rPr lang="en-US"/>
               <a:t>Click to edit Master text styles</a:t>
             </a:r>
           </a:p>
           <a:p>
             <a:pPr lvl="1"/>
             <a:r>
-              <a:rPr lang="en-US" smtClean="0"/>
+              <a:rPr lang="en-US"/>
               <a:t>Second level</a:t>
             </a:r>
           </a:p>
           <a:p>
             <a:pPr lvl="2"/>
             <a:r>
-              <a:rPr lang="en-US" smtClean="0"/>
+              <a:rPr lang="en-US"/>
               <a:t>Third level</a:t>
             </a:r>
           </a:p>
           <a:p>
             <a:pPr lvl="3"/>
             <a:r>
-              <a:rPr lang="en-US" smtClean="0"/>
+              <a:rPr lang="en-US"/>
               <a:t>Fourth level</a:t>
             </a:r>
           </a:p>
           <a:p>
             <a:pPr lvl="4"/>
             <a:r>
-              <a:rPr lang="en-US" smtClean="0"/>
+              <a:rPr lang="en-US"/>
               <a:t>Fifth level</a:t>
             </a:r>
-            <a:endParaRPr lang="en-US"/>
           </a:p>
         </p:txBody>
       </p:sp>
@@ -596,7 +603,7 @@
           <a:p>
             <a:fld id="{BBC792A3-0523-3F47-BDD7-FCD0014C791B}" type="datetimeFigureOut">
               <a:rPr lang="en-US" smtClean="0"/>
-              <a:t>2/20/16</a:t>
+              <a:t>3/20/2016</a:t>
             </a:fld>
             <a:endParaRPr lang="en-US"/>
           </a:p>
@@ -690,10 +697,9 @@
           <a:lstStyle/>
           <a:p>
             <a:r>
-              <a:rPr lang="en-US" smtClean="0"/>
+              <a:rPr lang="en-US"/>
               <a:t>Click to edit Master title style</a:t>
             </a:r>
-            <a:endParaRPr lang="en-US"/>
           </a:p>
         </p:txBody>
       </p:sp>
@@ -714,38 +720,37 @@
           <a:p>
             <a:pPr lvl="0"/>
             <a:r>
-              <a:rPr lang="en-US" smtClean="0"/>
+              <a:rPr lang="en-US"/>
               <a:t>Click to edit Master text styles</a:t>
             </a:r>
           </a:p>
           <a:p>
             <a:pPr lvl="1"/>
             <a:r>
-              <a:rPr lang="en-US" smtClean="0"/>
+              <a:rPr lang="en-US"/>
               <a:t>Second level</a:t>
             </a:r>
           </a:p>
           <a:p>
             <a:pPr lvl="2"/>
             <a:r>
-              <a:rPr lang="en-US" smtClean="0"/>
+              <a:rPr lang="en-US"/>
               <a:t>Third level</a:t>
             </a:r>
           </a:p>
           <a:p>
             <a:pPr lvl="3"/>
             <a:r>
-              <a:rPr lang="en-US" smtClean="0"/>
+              <a:rPr lang="en-US"/>
               <a:t>Fourth level</a:t>
             </a:r>
           </a:p>
           <a:p>
             <a:pPr lvl="4"/>
             <a:r>
-              <a:rPr lang="en-US" smtClean="0"/>
+              <a:rPr lang="en-US"/>
               <a:t>Fifth level</a:t>
             </a:r>
-            <a:endParaRPr lang="en-US"/>
           </a:p>
         </p:txBody>
       </p:sp>
@@ -766,7 +771,7 @@
           <a:p>
             <a:fld id="{BBC792A3-0523-3F47-BDD7-FCD0014C791B}" type="datetimeFigureOut">
               <a:rPr lang="en-US" smtClean="0"/>
-              <a:t>2/20/16</a:t>
+              <a:t>3/20/2016</a:t>
             </a:fld>
             <a:endParaRPr lang="en-US"/>
           </a:p>
@@ -869,10 +874,9 @@
           </a:lstStyle>
           <a:p>
             <a:r>
-              <a:rPr lang="en-US" smtClean="0"/>
+              <a:rPr lang="en-US"/>
               <a:t>Click to edit Master title style</a:t>
             </a:r>
-            <a:endParaRPr lang="en-US"/>
           </a:p>
         </p:txBody>
       </p:sp>
@@ -989,7 +993,7 @@
           <a:p>
             <a:pPr lvl="0"/>
             <a:r>
-              <a:rPr lang="en-US" smtClean="0"/>
+              <a:rPr lang="en-US"/>
               <a:t>Click to edit Master text styles</a:t>
             </a:r>
           </a:p>
@@ -1012,7 +1016,7 @@
           <a:p>
             <a:fld id="{BBC792A3-0523-3F47-BDD7-FCD0014C791B}" type="datetimeFigureOut">
               <a:rPr lang="en-US" smtClean="0"/>
-              <a:t>2/20/16</a:t>
+              <a:t>3/20/2016</a:t>
             </a:fld>
             <a:endParaRPr lang="en-US"/>
           </a:p>
@@ -1106,10 +1110,9 @@
           <a:lstStyle/>
           <a:p>
             <a:r>
-              <a:rPr lang="en-US" smtClean="0"/>
+              <a:rPr lang="en-US"/>
               <a:t>Click to edit Master title style</a:t>
             </a:r>
-            <a:endParaRPr lang="en-US"/>
           </a:p>
         </p:txBody>
       </p:sp>
@@ -1135,38 +1138,37 @@
           <a:p>
             <a:pPr lvl="0"/>
             <a:r>
-              <a:rPr lang="en-US" smtClean="0"/>
+              <a:rPr lang="en-US"/>
               <a:t>Click to edit Master text styles</a:t>
             </a:r>
           </a:p>
           <a:p>
             <a:pPr lvl="1"/>
             <a:r>
-              <a:rPr lang="en-US" smtClean="0"/>
+              <a:rPr lang="en-US"/>
               <a:t>Second level</a:t>
             </a:r>
           </a:p>
           <a:p>
             <a:pPr lvl="2"/>
             <a:r>
-              <a:rPr lang="en-US" smtClean="0"/>
+              <a:rPr lang="en-US"/>
               <a:t>Third level</a:t>
             </a:r>
           </a:p>
           <a:p>
             <a:pPr lvl="3"/>
             <a:r>
-              <a:rPr lang="en-US" smtClean="0"/>
+              <a:rPr lang="en-US"/>
               <a:t>Fourth level</a:t>
             </a:r>
           </a:p>
           <a:p>
             <a:pPr lvl="4"/>
             <a:r>
-              <a:rPr lang="en-US" smtClean="0"/>
+              <a:rPr lang="en-US"/>
               <a:t>Fifth level</a:t>
             </a:r>
-            <a:endParaRPr lang="en-US"/>
           </a:p>
         </p:txBody>
       </p:sp>
@@ -1192,38 +1194,37 @@
           <a:p>
             <a:pPr lvl="0"/>
             <a:r>
-              <a:rPr lang="en-US" smtClean="0"/>
+              <a:rPr lang="en-US"/>
               <a:t>Click to edit Master text styles</a:t>
             </a:r>
           </a:p>
           <a:p>
             <a:pPr lvl="1"/>
             <a:r>
-              <a:rPr lang="en-US" smtClean="0"/>
+              <a:rPr lang="en-US"/>
               <a:t>Second level</a:t>
             </a:r>
           </a:p>
           <a:p>
             <a:pPr lvl="2"/>
             <a:r>
-              <a:rPr lang="en-US" smtClean="0"/>
+              <a:rPr lang="en-US"/>
               <a:t>Third level</a:t>
             </a:r>
           </a:p>
           <a:p>
             <a:pPr lvl="3"/>
             <a:r>
-              <a:rPr lang="en-US" smtClean="0"/>
+              <a:rPr lang="en-US"/>
               <a:t>Fourth level</a:t>
             </a:r>
           </a:p>
           <a:p>
             <a:pPr lvl="4"/>
             <a:r>
-              <a:rPr lang="en-US" smtClean="0"/>
+              <a:rPr lang="en-US"/>
               <a:t>Fifth level</a:t>
             </a:r>
-            <a:endParaRPr lang="en-US"/>
           </a:p>
         </p:txBody>
       </p:sp>
@@ -1244,7 +1245,7 @@
           <a:p>
             <a:fld id="{BBC792A3-0523-3F47-BDD7-FCD0014C791B}" type="datetimeFigureOut">
               <a:rPr lang="en-US" smtClean="0"/>
-              <a:t>2/20/16</a:t>
+              <a:t>3/20/2016</a:t>
             </a:fld>
             <a:endParaRPr lang="en-US"/>
           </a:p>
@@ -1343,10 +1344,9 @@
           <a:lstStyle/>
           <a:p>
             <a:r>
-              <a:rPr lang="en-US" smtClean="0"/>
+              <a:rPr lang="en-US"/>
               <a:t>Click to edit Master title style</a:t>
             </a:r>
-            <a:endParaRPr lang="en-US"/>
           </a:p>
         </p:txBody>
       </p:sp>
@@ -1409,7 +1409,7 @@
           <a:p>
             <a:pPr lvl="0"/>
             <a:r>
-              <a:rPr lang="en-US" smtClean="0"/>
+              <a:rPr lang="en-US"/>
               <a:t>Click to edit Master text styles</a:t>
             </a:r>
           </a:p>
@@ -1437,38 +1437,37 @@
           <a:p>
             <a:pPr lvl="0"/>
             <a:r>
-              <a:rPr lang="en-US" smtClean="0"/>
+              <a:rPr lang="en-US"/>
               <a:t>Click to edit Master text styles</a:t>
             </a:r>
           </a:p>
           <a:p>
             <a:pPr lvl="1"/>
             <a:r>
-              <a:rPr lang="en-US" smtClean="0"/>
+              <a:rPr lang="en-US"/>
               <a:t>Second level</a:t>
             </a:r>
           </a:p>
           <a:p>
             <a:pPr lvl="2"/>
             <a:r>
-              <a:rPr lang="en-US" smtClean="0"/>
+              <a:rPr lang="en-US"/>
               <a:t>Third level</a:t>
             </a:r>
           </a:p>
           <a:p>
             <a:pPr lvl="3"/>
             <a:r>
-              <a:rPr lang="en-US" smtClean="0"/>
+              <a:rPr lang="en-US"/>
               <a:t>Fourth level</a:t>
             </a:r>
           </a:p>
           <a:p>
             <a:pPr lvl="4"/>
             <a:r>
-              <a:rPr lang="en-US" smtClean="0"/>
+              <a:rPr lang="en-US"/>
               <a:t>Fifth level</a:t>
             </a:r>
-            <a:endParaRPr lang="en-US"/>
           </a:p>
         </p:txBody>
       </p:sp>
@@ -1531,7 +1530,7 @@
           <a:p>
             <a:pPr lvl="0"/>
             <a:r>
-              <a:rPr lang="en-US" smtClean="0"/>
+              <a:rPr lang="en-US"/>
               <a:t>Click to edit Master text styles</a:t>
             </a:r>
           </a:p>
@@ -1559,38 +1558,37 @@
           <a:p>
             <a:pPr lvl="0"/>
             <a:r>
-              <a:rPr lang="en-US" smtClean="0"/>
+              <a:rPr lang="en-US"/>
               <a:t>Click to edit Master text styles</a:t>
             </a:r>
           </a:p>
           <a:p>
             <a:pPr lvl="1"/>
             <a:r>
-              <a:rPr lang="en-US" smtClean="0"/>
+              <a:rPr lang="en-US"/>
               <a:t>Second level</a:t>
             </a:r>
           </a:p>
           <a:p>
             <a:pPr lvl="2"/>
             <a:r>
-              <a:rPr lang="en-US" smtClean="0"/>
+              <a:rPr lang="en-US"/>
               <a:t>Third level</a:t>
             </a:r>
           </a:p>
           <a:p>
             <a:pPr lvl="3"/>
             <a:r>
-              <a:rPr lang="en-US" smtClean="0"/>
+              <a:rPr lang="en-US"/>
               <a:t>Fourth level</a:t>
             </a:r>
           </a:p>
           <a:p>
             <a:pPr lvl="4"/>
             <a:r>
-              <a:rPr lang="en-US" smtClean="0"/>
+              <a:rPr lang="en-US"/>
               <a:t>Fifth level</a:t>
             </a:r>
-            <a:endParaRPr lang="en-US"/>
           </a:p>
         </p:txBody>
       </p:sp>
@@ -1611,7 +1609,7 @@
           <a:p>
             <a:fld id="{BBC792A3-0523-3F47-BDD7-FCD0014C791B}" type="datetimeFigureOut">
               <a:rPr lang="en-US" smtClean="0"/>
-              <a:t>2/20/16</a:t>
+              <a:t>3/20/2016</a:t>
             </a:fld>
             <a:endParaRPr lang="en-US"/>
           </a:p>
@@ -1705,10 +1703,9 @@
           <a:lstStyle/>
           <a:p>
             <a:r>
-              <a:rPr lang="en-US" smtClean="0"/>
+              <a:rPr lang="en-US"/>
               <a:t>Click to edit Master title style</a:t>
             </a:r>
-            <a:endParaRPr lang="en-US"/>
           </a:p>
         </p:txBody>
       </p:sp>
@@ -1729,7 +1726,7 @@
           <a:p>
             <a:fld id="{BBC792A3-0523-3F47-BDD7-FCD0014C791B}" type="datetimeFigureOut">
               <a:rPr lang="en-US" smtClean="0"/>
-              <a:t>2/20/16</a:t>
+              <a:t>3/20/2016</a:t>
             </a:fld>
             <a:endParaRPr lang="en-US"/>
           </a:p>
@@ -1824,7 +1821,7 @@
           <a:p>
             <a:fld id="{BBC792A3-0523-3F47-BDD7-FCD0014C791B}" type="datetimeFigureOut">
               <a:rPr lang="en-US" smtClean="0"/>
-              <a:t>2/20/16</a:t>
+              <a:t>3/20/2016</a:t>
             </a:fld>
             <a:endParaRPr lang="en-US"/>
           </a:p>
@@ -1927,10 +1924,9 @@
           </a:lstStyle>
           <a:p>
             <a:r>
-              <a:rPr lang="en-US" smtClean="0"/>
+              <a:rPr lang="en-US"/>
               <a:t>Click to edit Master title style</a:t>
             </a:r>
-            <a:endParaRPr lang="en-US"/>
           </a:p>
         </p:txBody>
       </p:sp>
@@ -1984,38 +1980,37 @@
           <a:p>
             <a:pPr lvl="0"/>
             <a:r>
-              <a:rPr lang="en-US" smtClean="0"/>
+              <a:rPr lang="en-US"/>
               <a:t>Click to edit Master text styles</a:t>
             </a:r>
           </a:p>
           <a:p>
             <a:pPr lvl="1"/>
             <a:r>
-              <a:rPr lang="en-US" smtClean="0"/>
+              <a:rPr lang="en-US"/>
               <a:t>Second level</a:t>
             </a:r>
           </a:p>
           <a:p>
             <a:pPr lvl="2"/>
             <a:r>
-              <a:rPr lang="en-US" smtClean="0"/>
+              <a:rPr lang="en-US"/>
               <a:t>Third level</a:t>
             </a:r>
           </a:p>
           <a:p>
             <a:pPr lvl="3"/>
             <a:r>
-              <a:rPr lang="en-US" smtClean="0"/>
+              <a:rPr lang="en-US"/>
               <a:t>Fourth level</a:t>
             </a:r>
           </a:p>
           <a:p>
             <a:pPr lvl="4"/>
             <a:r>
-              <a:rPr lang="en-US" smtClean="0"/>
+              <a:rPr lang="en-US"/>
               <a:t>Fifth level</a:t>
             </a:r>
-            <a:endParaRPr lang="en-US"/>
           </a:p>
         </p:txBody>
       </p:sp>
@@ -2078,7 +2073,7 @@
           <a:p>
             <a:pPr lvl="0"/>
             <a:r>
-              <a:rPr lang="en-US" smtClean="0"/>
+              <a:rPr lang="en-US"/>
               <a:t>Click to edit Master text styles</a:t>
             </a:r>
           </a:p>
@@ -2101,7 +2096,7 @@
           <a:p>
             <a:fld id="{BBC792A3-0523-3F47-BDD7-FCD0014C791B}" type="datetimeFigureOut">
               <a:rPr lang="en-US" smtClean="0"/>
-              <a:t>2/20/16</a:t>
+              <a:t>3/20/2016</a:t>
             </a:fld>
             <a:endParaRPr lang="en-US"/>
           </a:p>
@@ -2204,10 +2199,9 @@
           </a:lstStyle>
           <a:p>
             <a:r>
-              <a:rPr lang="en-US" smtClean="0"/>
+              <a:rPr lang="en-US"/>
               <a:t>Click to edit Master title style</a:t>
             </a:r>
-            <a:endParaRPr lang="en-US"/>
           </a:p>
         </p:txBody>
       </p:sp>
@@ -2331,7 +2325,7 @@
           <a:p>
             <a:pPr lvl="0"/>
             <a:r>
-              <a:rPr lang="en-US" smtClean="0"/>
+              <a:rPr lang="en-US"/>
               <a:t>Click to edit Master text styles</a:t>
             </a:r>
           </a:p>
@@ -2354,7 +2348,7 @@
           <a:p>
             <a:fld id="{BBC792A3-0523-3F47-BDD7-FCD0014C791B}" type="datetimeFigureOut">
               <a:rPr lang="en-US" smtClean="0"/>
-              <a:t>2/20/16</a:t>
+              <a:t>3/20/2016</a:t>
             </a:fld>
             <a:endParaRPr lang="en-US"/>
           </a:p>
@@ -2463,10 +2457,9 @@
           <a:lstStyle/>
           <a:p>
             <a:r>
-              <a:rPr lang="en-US" smtClean="0"/>
+              <a:rPr lang="en-US"/>
               <a:t>Click to edit Master title style</a:t>
             </a:r>
-            <a:endParaRPr lang="en-US"/>
           </a:p>
         </p:txBody>
       </p:sp>
@@ -2497,38 +2490,37 @@
           <a:p>
             <a:pPr lvl="0"/>
             <a:r>
-              <a:rPr lang="en-US" smtClean="0"/>
+              <a:rPr lang="en-US"/>
               <a:t>Click to edit Master text styles</a:t>
             </a:r>
           </a:p>
           <a:p>
             <a:pPr lvl="1"/>
             <a:r>
-              <a:rPr lang="en-US" smtClean="0"/>
+              <a:rPr lang="en-US"/>
               <a:t>Second level</a:t>
             </a:r>
           </a:p>
           <a:p>
             <a:pPr lvl="2"/>
             <a:r>
-              <a:rPr lang="en-US" smtClean="0"/>
+              <a:rPr lang="en-US"/>
               <a:t>Third level</a:t>
             </a:r>
           </a:p>
           <a:p>
             <a:pPr lvl="3"/>
             <a:r>
-              <a:rPr lang="en-US" smtClean="0"/>
+              <a:rPr lang="en-US"/>
               <a:t>Fourth level</a:t>
             </a:r>
           </a:p>
           <a:p>
             <a:pPr lvl="4"/>
             <a:r>
-              <a:rPr lang="en-US" smtClean="0"/>
+              <a:rPr lang="en-US"/>
               <a:t>Fifth level</a:t>
             </a:r>
-            <a:endParaRPr lang="en-US"/>
           </a:p>
         </p:txBody>
       </p:sp>
@@ -2567,7 +2559,7 @@
           <a:p>
             <a:fld id="{BBC792A3-0523-3F47-BDD7-FCD0014C791B}" type="datetimeFigureOut">
               <a:rPr lang="en-US" smtClean="0"/>
-              <a:t>2/20/16</a:t>
+              <a:t>3/20/2016</a:t>
             </a:fld>
             <a:endParaRPr lang="en-US"/>
           </a:p>
@@ -3688,10 +3680,9 @@
           <a:p>
             <a:pPr algn="ctr"/>
             <a:r>
-              <a:rPr lang="en-US" sz="1200" dirty="0" smtClean="0"/>
+              <a:rPr lang="en-US" sz="1200" dirty="0"/>
               <a:t>Username</a:t>
             </a:r>
-            <a:endParaRPr lang="en-US" sz="1200" dirty="0"/>
           </a:p>
         </p:txBody>
       </p:sp>
@@ -3719,10 +3710,9 @@
           <a:p>
             <a:pPr algn="ctr"/>
             <a:r>
-              <a:rPr lang="en-US" sz="1200" dirty="0" smtClean="0"/>
+              <a:rPr lang="en-US" sz="1200" dirty="0"/>
               <a:t>Password</a:t>
             </a:r>
-            <a:endParaRPr lang="en-US" sz="1200" dirty="0"/>
           </a:p>
         </p:txBody>
       </p:sp>
@@ -3750,10 +3740,9 @@
           <a:p>
             <a:pPr algn="ctr"/>
             <a:r>
-              <a:rPr lang="en-US" sz="1400" dirty="0" smtClean="0"/>
+              <a:rPr lang="en-US" sz="1400" dirty="0"/>
               <a:t>SIGN UP with Facebook</a:t>
             </a:r>
-            <a:endParaRPr lang="en-US" sz="1400" dirty="0"/>
           </a:p>
         </p:txBody>
       </p:sp>
@@ -3781,10 +3770,9 @@
           <a:p>
             <a:pPr algn="ctr"/>
             <a:r>
-              <a:rPr lang="en-US" sz="1400" dirty="0" smtClean="0"/>
+              <a:rPr lang="en-US" sz="1400" dirty="0"/>
               <a:t>SIGN UP</a:t>
             </a:r>
-            <a:endParaRPr lang="en-US" sz="1400" dirty="0"/>
           </a:p>
         </p:txBody>
       </p:sp>
@@ -3812,24 +3800,23 @@
           <a:p>
             <a:pPr algn="ctr"/>
             <a:r>
-              <a:rPr lang="en-US" sz="1400" dirty="0" smtClean="0"/>
+              <a:rPr lang="en-US" sz="1400" dirty="0"/>
               <a:t>LOGO</a:t>
             </a:r>
           </a:p>
           <a:p>
             <a:pPr algn="ctr"/>
             <a:r>
-              <a:rPr lang="en-US" sz="1400" dirty="0" smtClean="0"/>
+              <a:rPr lang="en-US" sz="1400" dirty="0"/>
               <a:t>+</a:t>
             </a:r>
           </a:p>
           <a:p>
             <a:pPr algn="ctr"/>
             <a:r>
-              <a:rPr lang="en-US" sz="1400" dirty="0" smtClean="0"/>
+              <a:rPr lang="en-US" sz="1400" dirty="0"/>
               <a:t>Flashcards</a:t>
             </a:r>
-            <a:endParaRPr lang="en-US" sz="1400" dirty="0"/>
           </a:p>
         </p:txBody>
       </p:sp>
@@ -3857,10 +3844,9 @@
           <a:p>
             <a:pPr algn="ctr"/>
             <a:r>
-              <a:rPr lang="en-US" sz="1400" dirty="0" smtClean="0"/>
+              <a:rPr lang="en-US" sz="1400" dirty="0"/>
               <a:t>SIGN UP with Google+</a:t>
             </a:r>
-            <a:endParaRPr lang="en-US" sz="1400" dirty="0"/>
           </a:p>
         </p:txBody>
       </p:sp>
@@ -3948,10 +3934,9 @@
           <a:p>
             <a:pPr algn="ctr"/>
             <a:r>
-              <a:rPr lang="en-US" sz="1000" dirty="0" smtClean="0"/>
+              <a:rPr lang="en-US" sz="1000" dirty="0"/>
               <a:t>Or, Create a new account</a:t>
             </a:r>
-            <a:endParaRPr lang="en-US" sz="1000" dirty="0"/>
           </a:p>
         </p:txBody>
       </p:sp>
@@ -3979,7 +3964,7 @@
           <a:p>
             <a:pPr algn="ctr"/>
             <a:r>
-              <a:rPr lang="en-US" sz="1400" smtClean="0"/>
+              <a:rPr lang="en-US" sz="1400"/>
               <a:t>LOG IN</a:t>
             </a:r>
             <a:endParaRPr lang="en-US" sz="1400" dirty="0"/>
@@ -4010,10 +3995,9 @@
           <a:p>
             <a:pPr algn="ctr"/>
             <a:r>
-              <a:rPr lang="en-US" sz="1200" dirty="0" smtClean="0"/>
+              <a:rPr lang="en-US" sz="1200" dirty="0"/>
               <a:t>Username</a:t>
             </a:r>
-            <a:endParaRPr lang="en-US" sz="1200" dirty="0"/>
           </a:p>
         </p:txBody>
       </p:sp>
@@ -4041,10 +4025,9 @@
           <a:p>
             <a:pPr algn="ctr"/>
             <a:r>
-              <a:rPr lang="en-US" sz="1200" dirty="0" smtClean="0"/>
+              <a:rPr lang="en-US" sz="1200" dirty="0"/>
               <a:t>Password</a:t>
             </a:r>
-            <a:endParaRPr lang="en-US" sz="1200" dirty="0"/>
           </a:p>
         </p:txBody>
       </p:sp>
@@ -4072,10 +4055,9 @@
           <a:p>
             <a:pPr algn="ctr"/>
             <a:r>
-              <a:rPr lang="en-US" sz="1200" dirty="0" smtClean="0"/>
+              <a:rPr lang="en-US" sz="1200" dirty="0"/>
               <a:t>Password (again)</a:t>
             </a:r>
-            <a:endParaRPr lang="en-US" sz="1200" dirty="0"/>
           </a:p>
         </p:txBody>
       </p:sp>
@@ -4103,10 +4085,9 @@
           <a:p>
             <a:pPr algn="ctr"/>
             <a:r>
-              <a:rPr lang="en-US" sz="1200" dirty="0" smtClean="0"/>
+              <a:rPr lang="en-US" sz="1200" dirty="0"/>
               <a:t>Email</a:t>
             </a:r>
-            <a:endParaRPr lang="en-US" sz="1200" dirty="0"/>
           </a:p>
         </p:txBody>
       </p:sp>
@@ -4133,15 +4114,15 @@
           <a:lstStyle/>
           <a:p>
             <a:r>
-              <a:rPr lang="en-US" sz="1050" dirty="0" smtClean="0"/>
+              <a:rPr lang="en-US" sz="1050" dirty="0"/>
               <a:t>I have read the </a:t>
             </a:r>
             <a:r>
-              <a:rPr lang="en-US" sz="1050" u="sng" dirty="0" smtClean="0"/>
+              <a:rPr lang="en-US" sz="1050" u="sng" dirty="0"/>
               <a:t>Terms and Services</a:t>
             </a:r>
             <a:r>
-              <a:rPr lang="en-US" sz="1050" dirty="0" smtClean="0"/>
+              <a:rPr lang="en-US" sz="1050" dirty="0"/>
               <a:t> and therefore agree to it.</a:t>
             </a:r>
             <a:endParaRPr lang="en-US" sz="1050" u="sng" dirty="0"/>
@@ -4171,10 +4152,9 @@
           <a:lstStyle/>
           <a:p>
             <a:r>
-              <a:rPr lang="en-US" sz="1050" dirty="0" smtClean="0"/>
+              <a:rPr lang="en-US" sz="1050" dirty="0"/>
               <a:t>I am under the age of 13</a:t>
             </a:r>
-            <a:endParaRPr lang="en-US" sz="1050" dirty="0"/>
           </a:p>
         </p:txBody>
       </p:sp>
@@ -4201,10 +4181,9 @@
           <a:lstStyle/>
           <a:p>
             <a:r>
-              <a:rPr lang="en-US" dirty="0" smtClean="0"/>
+              <a:rPr lang="en-US" dirty="0"/>
               <a:t>View_2</a:t>
             </a:r>
-            <a:endParaRPr lang="en-US" dirty="0"/>
           </a:p>
         </p:txBody>
       </p:sp>
@@ -4231,10 +4210,9 @@
           <a:lstStyle/>
           <a:p>
             <a:r>
-              <a:rPr lang="en-US" dirty="0" smtClean="0"/>
+              <a:rPr lang="en-US" dirty="0"/>
               <a:t>View_3</a:t>
             </a:r>
-            <a:endParaRPr lang="en-US" dirty="0"/>
           </a:p>
         </p:txBody>
       </p:sp>
@@ -4354,17 +4332,16 @@
           <a:p>
             <a:pPr algn="ctr"/>
             <a:r>
-              <a:rPr lang="en-US" sz="1400" dirty="0" smtClean="0"/>
+              <a:rPr lang="en-US" sz="1400" dirty="0"/>
               <a:t>LOG IN</a:t>
             </a:r>
           </a:p>
           <a:p>
             <a:pPr algn="ctr"/>
             <a:r>
-              <a:rPr lang="en-US" sz="1400" dirty="0" smtClean="0"/>
+              <a:rPr lang="en-US" sz="1400" dirty="0"/>
               <a:t>with Facebook</a:t>
             </a:r>
-            <a:endParaRPr lang="en-US" sz="1400" dirty="0"/>
           </a:p>
         </p:txBody>
       </p:sp>
@@ -4392,17 +4369,16 @@
           <a:p>
             <a:pPr algn="ctr"/>
             <a:r>
-              <a:rPr lang="en-US" sz="1400" dirty="0" smtClean="0"/>
+              <a:rPr lang="en-US" sz="1400" dirty="0"/>
               <a:t>LOG IN</a:t>
             </a:r>
           </a:p>
           <a:p>
             <a:pPr algn="ctr"/>
             <a:r>
-              <a:rPr lang="en-US" sz="1400" dirty="0" smtClean="0"/>
+              <a:rPr lang="en-US" sz="1400" dirty="0"/>
               <a:t>with Google+</a:t>
             </a:r>
-            <a:endParaRPr lang="en-US" sz="1400" dirty="0"/>
           </a:p>
         </p:txBody>
       </p:sp>
@@ -4429,10 +4405,9 @@
           <a:lstStyle/>
           <a:p>
             <a:r>
-              <a:rPr lang="en-US" dirty="0" smtClean="0"/>
+              <a:rPr lang="en-US" dirty="0"/>
               <a:t>LOGIN</a:t>
             </a:r>
-            <a:endParaRPr lang="en-US" dirty="0"/>
           </a:p>
         </p:txBody>
       </p:sp>
@@ -4459,10 +4434,9 @@
           <a:lstStyle/>
           <a:p>
             <a:r>
-              <a:rPr lang="en-US" dirty="0" smtClean="0"/>
+              <a:rPr lang="en-US" dirty="0"/>
               <a:t>SIGNUP</a:t>
             </a:r>
-            <a:endParaRPr lang="en-US" dirty="0"/>
           </a:p>
         </p:txBody>
       </p:sp>
@@ -4613,10 +4587,9 @@
           <a:lstStyle/>
           <a:p>
             <a:r>
-              <a:rPr lang="en-US" dirty="0" smtClean="0"/>
+              <a:rPr lang="en-US" dirty="0"/>
               <a:t>View_4</a:t>
             </a:r>
-            <a:endParaRPr lang="en-US" dirty="0"/>
           </a:p>
         </p:txBody>
       </p:sp>
@@ -4673,10 +4646,9 @@
           <a:lstStyle/>
           <a:p>
             <a:r>
-              <a:rPr lang="en-US" smtClean="0"/>
+              <a:rPr lang="en-US"/>
               <a:t>LOGO</a:t>
             </a:r>
-            <a:endParaRPr lang="en-US"/>
           </a:p>
         </p:txBody>
       </p:sp>
@@ -4703,16 +4675,15 @@
           <a:lstStyle/>
           <a:p>
             <a:r>
-              <a:rPr lang="en-US" dirty="0" smtClean="0"/>
+              <a:rPr lang="en-US" dirty="0"/>
               <a:t>Q</a:t>
             </a:r>
           </a:p>
           <a:p>
             <a:r>
-              <a:rPr lang="en-US" sz="1200" dirty="0" smtClean="0"/>
+              <a:rPr lang="en-US" sz="1200" dirty="0"/>
               <a:t>B_5</a:t>
             </a:r>
-            <a:endParaRPr lang="en-US" sz="1200" dirty="0"/>
           </a:p>
         </p:txBody>
       </p:sp>
@@ -4732,7 +4703,7 @@
         </p:nvGraphicFramePr>
         <p:xfrm>
           <a:off x="1248226" y="1422399"/>
-          <a:ext cx="3657600" cy="518159"/>
+          <a:ext cx="3657600" cy="518160"/>
         </p:xfrm>
         <a:graphic>
           <a:graphicData uri="http://schemas.openxmlformats.org/drawingml/2006/table">
@@ -4741,10 +4712,34 @@
                 <a:tableStyleId>{5C22544A-7EE6-4342-B048-85BDC9FD1C3A}</a:tableStyleId>
               </a:tblPr>
               <a:tblGrid>
-                <a:gridCol w="914400"/>
-                <a:gridCol w="914400"/>
-                <a:gridCol w="914400"/>
-                <a:gridCol w="914400"/>
+                <a:gridCol w="914400">
+                  <a:extLst>
+                    <a:ext uri="{9D8B030D-6E8A-4147-A177-3AD203B41FA5}">
+                      <a16:colId xmlns:a16="http://schemas.microsoft.com/office/drawing/2014/main" val="20000"/>
+                    </a:ext>
+                  </a:extLst>
+                </a:gridCol>
+                <a:gridCol w="914400">
+                  <a:extLst>
+                    <a:ext uri="{9D8B030D-6E8A-4147-A177-3AD203B41FA5}">
+                      <a16:colId xmlns:a16="http://schemas.microsoft.com/office/drawing/2014/main" val="20001"/>
+                    </a:ext>
+                  </a:extLst>
+                </a:gridCol>
+                <a:gridCol w="914400">
+                  <a:extLst>
+                    <a:ext uri="{9D8B030D-6E8A-4147-A177-3AD203B41FA5}">
+                      <a16:colId xmlns:a16="http://schemas.microsoft.com/office/drawing/2014/main" val="20002"/>
+                    </a:ext>
+                  </a:extLst>
+                </a:gridCol>
+                <a:gridCol w="914400">
+                  <a:extLst>
+                    <a:ext uri="{9D8B030D-6E8A-4147-A177-3AD203B41FA5}">
+                      <a16:colId xmlns:a16="http://schemas.microsoft.com/office/drawing/2014/main" val="20003"/>
+                    </a:ext>
+                  </a:extLst>
+                </a:gridCol>
               </a:tblGrid>
               <a:tr h="478971">
                 <a:tc>
@@ -4754,7 +4749,7 @@
                     <a:p>
                       <a:pPr algn="ctr"/>
                       <a:r>
-                        <a:rPr lang="en-US" sz="1400" b="0" dirty="0" smtClean="0">
+                        <a:rPr lang="en-US" sz="1400" b="0" dirty="0">
                           <a:solidFill>
                             <a:sysClr val="windowText" lastClr="000000"/>
                           </a:solidFill>
@@ -4765,18 +4760,13 @@
                     <a:p>
                       <a:pPr algn="ctr"/>
                       <a:r>
-                        <a:rPr lang="en-US" sz="1400" b="0" dirty="0" smtClean="0">
+                        <a:rPr lang="en-US" sz="1400" b="0" dirty="0">
                           <a:solidFill>
                             <a:sysClr val="windowText" lastClr="000000"/>
                           </a:solidFill>
                         </a:rPr>
                         <a:t>B_1</a:t>
                       </a:r>
-                      <a:endParaRPr lang="en-US" sz="1400" b="0" dirty="0">
-                        <a:solidFill>
-                          <a:sysClr val="windowText" lastClr="000000"/>
-                        </a:solidFill>
-                      </a:endParaRPr>
                     </a:p>
                   </a:txBody>
                   <a:tcPr>
@@ -4826,7 +4816,7 @@
                     <a:p>
                       <a:pPr algn="ctr"/>
                       <a:r>
-                        <a:rPr lang="en-US" sz="1400" b="0" dirty="0" smtClean="0">
+                        <a:rPr lang="en-US" sz="1400" b="0" dirty="0">
                           <a:solidFill>
                             <a:sysClr val="windowText" lastClr="000000"/>
                           </a:solidFill>
@@ -4837,18 +4827,13 @@
                     <a:p>
                       <a:pPr algn="ctr"/>
                       <a:r>
-                        <a:rPr lang="en-US" sz="1400" b="0" dirty="0" smtClean="0">
+                        <a:rPr lang="en-US" sz="1400" b="0" dirty="0">
                           <a:solidFill>
                             <a:sysClr val="windowText" lastClr="000000"/>
                           </a:solidFill>
                         </a:rPr>
                         <a:t>B_2</a:t>
                       </a:r>
-                      <a:endParaRPr lang="en-US" sz="1400" b="0" dirty="0">
-                        <a:solidFill>
-                          <a:sysClr val="windowText" lastClr="000000"/>
-                        </a:solidFill>
-                      </a:endParaRPr>
                     </a:p>
                   </a:txBody>
                   <a:tcPr>
@@ -4898,7 +4883,7 @@
                     <a:p>
                       <a:pPr algn="ctr"/>
                       <a:r>
-                        <a:rPr lang="en-US" sz="1400" b="0" dirty="0" smtClean="0">
+                        <a:rPr lang="en-US" sz="1400" b="0" dirty="0">
                           <a:solidFill>
                             <a:sysClr val="windowText" lastClr="000000"/>
                           </a:solidFill>
@@ -4909,18 +4894,13 @@
                     <a:p>
                       <a:pPr algn="ctr"/>
                       <a:r>
-                        <a:rPr lang="en-US" sz="1400" b="0" dirty="0" smtClean="0">
+                        <a:rPr lang="en-US" sz="1400" b="0" dirty="0">
                           <a:solidFill>
                             <a:sysClr val="windowText" lastClr="000000"/>
                           </a:solidFill>
                         </a:rPr>
                         <a:t>B_3</a:t>
                       </a:r>
-                      <a:endParaRPr lang="en-US" sz="1400" b="0" dirty="0">
-                        <a:solidFill>
-                          <a:sysClr val="windowText" lastClr="000000"/>
-                        </a:solidFill>
-                      </a:endParaRPr>
                     </a:p>
                   </a:txBody>
                   <a:tcPr>
@@ -4970,7 +4950,7 @@
                     <a:p>
                       <a:pPr algn="ctr"/>
                       <a:r>
-                        <a:rPr lang="en-US" sz="1400" b="0" dirty="0" smtClean="0">
+                        <a:rPr lang="en-US" sz="1400" b="0" dirty="0">
                           <a:solidFill>
                             <a:sysClr val="windowText" lastClr="000000"/>
                           </a:solidFill>
@@ -4981,18 +4961,13 @@
                     <a:p>
                       <a:pPr algn="ctr"/>
                       <a:r>
-                        <a:rPr lang="en-US" sz="1400" b="0" dirty="0" smtClean="0">
+                        <a:rPr lang="en-US" sz="1400" b="0" dirty="0">
                           <a:solidFill>
                             <a:sysClr val="windowText" lastClr="000000"/>
                           </a:solidFill>
                         </a:rPr>
                         <a:t>B_4</a:t>
                       </a:r>
-                      <a:endParaRPr lang="en-US" sz="1400" b="0" dirty="0">
-                        <a:solidFill>
-                          <a:sysClr val="windowText" lastClr="000000"/>
-                        </a:solidFill>
-                      </a:endParaRPr>
                     </a:p>
                   </a:txBody>
                   <a:tcPr>
@@ -5035,6 +5010,11 @@
                     <a:noFill/>
                   </a:tcPr>
                 </a:tc>
+                <a:extLst>
+                  <a:ext uri="{0D108BD9-81ED-4DB2-BD59-A6C34878D82A}">
+                    <a16:rowId xmlns:a16="http://schemas.microsoft.com/office/drawing/2014/main" val="10000"/>
+                  </a:ext>
+                </a:extLst>
               </a:tr>
             </a:tbl>
           </a:graphicData>
@@ -5183,10 +5163,9 @@
           <a:lstStyle/>
           <a:p>
             <a:r>
-              <a:rPr lang="en-US" smtClean="0"/>
+              <a:rPr lang="en-US"/>
               <a:t>View_5</a:t>
             </a:r>
-            <a:endParaRPr lang="en-US"/>
           </a:p>
         </p:txBody>
       </p:sp>
@@ -5213,7 +5192,7 @@
           <a:lstStyle/>
           <a:p>
             <a:r>
-              <a:rPr lang="en-US" dirty="0" smtClean="0">
+              <a:rPr lang="en-US" dirty="0">
                 <a:sym typeface="Wingdings"/>
               </a:rPr>
               <a:t> </a:t>
@@ -5246,27 +5225,23 @@
           <a:p>
             <a:pPr algn="ctr"/>
             <a:r>
-              <a:rPr lang="en-US" sz="2400" dirty="0" smtClean="0"/>
+              <a:rPr lang="en-US" sz="2400" dirty="0"/>
               <a:t>SET TITLE</a:t>
             </a:r>
           </a:p>
           <a:p>
             <a:pPr algn="ctr"/>
             <a:r>
-              <a:rPr lang="en-US" sz="1600" i="1" u="sng" dirty="0" smtClean="0"/>
+              <a:rPr lang="en-US" sz="1600" i="1" u="sng" dirty="0"/>
               <a:t># terms</a:t>
             </a:r>
             <a:r>
-              <a:rPr lang="en-US" sz="1600" dirty="0" smtClean="0"/>
+              <a:rPr lang="en-US" sz="1600" dirty="0"/>
               <a:t> by </a:t>
             </a:r>
             <a:r>
               <a:rPr lang="en-US" sz="1600" i="1" u="sng" dirty="0"/>
-              <a:t>c</a:t>
-            </a:r>
-            <a:r>
-              <a:rPr lang="en-US" sz="1600" i="1" u="sng" dirty="0" smtClean="0"/>
-              <a:t>reator</a:t>
+              <a:t>creator</a:t>
             </a:r>
             <a:endParaRPr lang="en-US" sz="2400" i="1" u="sng" dirty="0"/>
           </a:p>
@@ -5331,17 +5306,16 @@
           <a:p>
             <a:pPr algn="ctr"/>
             <a:r>
-              <a:rPr lang="en-US" sz="1400" dirty="0" smtClean="0"/>
+              <a:rPr lang="en-US" sz="1400" dirty="0"/>
               <a:t>Flashcards</a:t>
             </a:r>
           </a:p>
           <a:p>
             <a:pPr algn="ctr"/>
             <a:r>
-              <a:rPr lang="en-US" sz="1400" dirty="0" smtClean="0"/>
+              <a:rPr lang="en-US" sz="1400" dirty="0"/>
               <a:t>B_1</a:t>
             </a:r>
-            <a:endParaRPr lang="en-US" sz="1400" dirty="0"/>
           </a:p>
         </p:txBody>
       </p:sp>
@@ -5374,17 +5348,16 @@
           <a:p>
             <a:pPr algn="ctr"/>
             <a:r>
-              <a:rPr lang="en-US" sz="1400" dirty="0" smtClean="0"/>
+              <a:rPr lang="en-US" sz="1400" dirty="0"/>
               <a:t>Learn</a:t>
             </a:r>
           </a:p>
           <a:p>
             <a:pPr algn="ctr"/>
             <a:r>
-              <a:rPr lang="en-US" sz="1400" dirty="0" smtClean="0"/>
+              <a:rPr lang="en-US" sz="1400" dirty="0"/>
               <a:t>B_2</a:t>
             </a:r>
-            <a:endParaRPr lang="en-US" sz="1400" dirty="0"/>
           </a:p>
         </p:txBody>
       </p:sp>
@@ -5417,17 +5390,16 @@
           <a:p>
             <a:pPr algn="ctr"/>
             <a:r>
-              <a:rPr lang="en-US" sz="1400" dirty="0" smtClean="0"/>
+              <a:rPr lang="en-US" sz="1400" dirty="0"/>
               <a:t>Match</a:t>
             </a:r>
           </a:p>
           <a:p>
             <a:pPr algn="ctr"/>
             <a:r>
-              <a:rPr lang="en-US" sz="1400" dirty="0" smtClean="0"/>
+              <a:rPr lang="en-US" sz="1400" dirty="0"/>
               <a:t>B_3</a:t>
             </a:r>
-            <a:endParaRPr lang="en-US" sz="1400" dirty="0"/>
           </a:p>
         </p:txBody>
       </p:sp>
@@ -5454,10 +5426,9 @@
           <a:lstStyle/>
           <a:p>
             <a:r>
-              <a:rPr lang="en-US" sz="2400" dirty="0" smtClean="0"/>
+              <a:rPr lang="en-US" sz="2400" dirty="0"/>
               <a:t>...</a:t>
             </a:r>
-            <a:endParaRPr lang="en-US" sz="2400" dirty="0"/>
           </a:p>
         </p:txBody>
       </p:sp>
@@ -5724,10 +5695,9 @@
           <a:lstStyle/>
           <a:p>
             <a:r>
-              <a:rPr lang="en-US" sz="2400" dirty="0" smtClean="0"/>
+              <a:rPr lang="en-US" sz="2400" dirty="0"/>
               <a:t>...</a:t>
             </a:r>
-            <a:endParaRPr lang="en-US" sz="2400" dirty="0"/>
           </a:p>
         </p:txBody>
       </p:sp>
@@ -5754,10 +5724,9 @@
           <a:lstStyle/>
           <a:p>
             <a:r>
-              <a:rPr lang="en-US" dirty="0" smtClean="0"/>
+              <a:rPr lang="en-US" dirty="0"/>
               <a:t>MENU</a:t>
             </a:r>
-            <a:endParaRPr lang="en-US" dirty="0"/>
           </a:p>
         </p:txBody>
       </p:sp>
@@ -5784,10 +5753,9 @@
           <a:lstStyle/>
           <a:p>
             <a:r>
-              <a:rPr lang="en-US" dirty="0" smtClean="0"/>
+              <a:rPr lang="en-US" dirty="0"/>
               <a:t>WORDBOOKLIST</a:t>
             </a:r>
-            <a:endParaRPr lang="en-US" dirty="0"/>
           </a:p>
         </p:txBody>
       </p:sp>
@@ -5829,7 +5797,7 @@
         </p:nvSpPr>
         <p:spPr>
           <a:xfrm>
-            <a:off x="1248228" y="478972"/>
+            <a:off x="7090949" y="478972"/>
             <a:ext cx="3657600" cy="5943600"/>
           </a:xfrm>
           <a:prstGeom prst="frame">
@@ -5870,198 +5838,102 @@
       </p:sp>
       <p:sp>
         <p:nvSpPr>
-          <p:cNvPr id="3" name="Frame 2"/>
-          <p:cNvSpPr/>
-          <p:nvPr/>
-        </p:nvSpPr>
-        <p:spPr>
-          <a:xfrm>
-            <a:off x="7104742" y="478972"/>
-            <a:ext cx="3657600" cy="5943600"/>
-          </a:xfrm>
-          <a:prstGeom prst="frame">
-            <a:avLst>
-              <a:gd name="adj1" fmla="val 992"/>
-            </a:avLst>
-          </a:prstGeom>
-          <a:ln/>
+          <p:cNvPr id="3" name="TextBox 2"/>
+          <p:cNvSpPr txBox="1"/>
+          <p:nvPr/>
+        </p:nvSpPr>
+        <p:spPr>
+          <a:xfrm>
+            <a:off x="8479335" y="124154"/>
+            <a:ext cx="880819" cy="369332"/>
+          </a:xfrm>
+          <a:prstGeom prst="rect">
+            <a:avLst/>
+          </a:prstGeom>
+          <a:noFill/>
+        </p:spPr>
+        <p:txBody>
+          <a:bodyPr wrap="none" rtlCol="0">
+            <a:spAutoFit/>
+          </a:bodyPr>
+          <a:lstStyle/>
+          <a:p>
+            <a:r>
+              <a:rPr lang="en-US" dirty="0"/>
+              <a:t>View_7</a:t>
+            </a:r>
+          </a:p>
+        </p:txBody>
+      </p:sp>
+      <p:cxnSp>
+        <p:nvCxnSpPr>
+          <p:cNvPr id="4" name="Straight Connector 3"/>
+          <p:cNvCxnSpPr/>
+          <p:nvPr/>
+        </p:nvCxnSpPr>
+        <p:spPr>
+          <a:xfrm>
+            <a:off x="7090945" y="1422400"/>
+            <a:ext cx="3657602" cy="0"/>
+          </a:xfrm>
+          <a:prstGeom prst="line">
+            <a:avLst/>
+          </a:prstGeom>
         </p:spPr>
         <p:style>
-          <a:lnRef idx="2">
-            <a:schemeClr val="dk1">
-              <a:shade val="50000"/>
-            </a:schemeClr>
+          <a:lnRef idx="1">
+            <a:schemeClr val="dk1"/>
           </a:lnRef>
-          <a:fillRef idx="1">
+          <a:fillRef idx="0">
             <a:schemeClr val="dk1"/>
           </a:fillRef>
           <a:effectRef idx="0">
             <a:schemeClr val="dk1"/>
           </a:effectRef>
           <a:fontRef idx="minor">
-            <a:schemeClr val="lt1"/>
+            <a:schemeClr val="tx1"/>
           </a:fontRef>
         </p:style>
-        <p:txBody>
-          <a:bodyPr rtlCol="0" anchor="ctr"/>
-          <a:lstStyle/>
-          <a:p>
-            <a:pPr algn="ctr"/>
-            <a:endParaRPr lang="en-US">
-              <a:solidFill>
-                <a:schemeClr val="tx1"/>
-              </a:solidFill>
-            </a:endParaRPr>
-          </a:p>
-        </p:txBody>
-      </p:sp>
-      <p:sp>
-        <p:nvSpPr>
-          <p:cNvPr id="4" name="TextBox 3"/>
+      </p:cxnSp>
+      <p:sp>
+        <p:nvSpPr>
+          <p:cNvPr id="5" name="TextBox 4"/>
           <p:cNvSpPr txBox="1"/>
           <p:nvPr/>
         </p:nvSpPr>
         <p:spPr>
           <a:xfrm>
-            <a:off x="1567542" y="2111944"/>
-            <a:ext cx="3018971" cy="3323987"/>
-          </a:xfrm>
-          <a:prstGeom prst="rect">
-            <a:avLst/>
-          </a:prstGeom>
-        </p:spPr>
-        <p:style>
-          <a:lnRef idx="2">
-            <a:schemeClr val="dk1"/>
-          </a:lnRef>
-          <a:fillRef idx="1">
-            <a:schemeClr val="lt1"/>
-          </a:fillRef>
-          <a:effectRef idx="0">
-            <a:schemeClr val="dk1"/>
-          </a:effectRef>
-          <a:fontRef idx="minor">
-            <a:schemeClr val="dk1"/>
-          </a:fontRef>
-        </p:style>
-        <p:txBody>
-          <a:bodyPr wrap="square" rtlCol="0">
+            <a:off x="7568942" y="794045"/>
+            <a:ext cx="728020" cy="369332"/>
+          </a:xfrm>
+          <a:prstGeom prst="rect">
+            <a:avLst/>
+          </a:prstGeom>
+          <a:noFill/>
+        </p:spPr>
+        <p:txBody>
+          <a:bodyPr wrap="none" rtlCol="0">
             <a:spAutoFit/>
           </a:bodyPr>
           <a:lstStyle/>
           <a:p>
-            <a:pPr algn="ctr"/>
-            <a:endParaRPr lang="en-US" sz="2400" dirty="0" smtClean="0"/>
-          </a:p>
-          <a:p>
-            <a:pPr algn="ctr"/>
-            <a:endParaRPr lang="en-US" sz="2400" dirty="0" smtClean="0"/>
-          </a:p>
-          <a:p>
-            <a:pPr algn="ctr"/>
-            <a:r>
-              <a:rPr lang="en-US" sz="2400" dirty="0" smtClean="0"/>
-              <a:t>WORD</a:t>
-            </a:r>
-          </a:p>
-          <a:p>
-            <a:pPr algn="ctr"/>
-            <a:r>
-              <a:rPr lang="en-US" sz="1200" dirty="0" smtClean="0"/>
-              <a:t> </a:t>
-            </a:r>
-            <a:r>
-              <a:rPr lang="en-US" sz="2400" dirty="0" smtClean="0"/>
-              <a:t> </a:t>
-            </a:r>
-          </a:p>
-          <a:p>
-            <a:pPr algn="ctr"/>
-            <a:endParaRPr lang="en-US" sz="2400" dirty="0" smtClean="0"/>
-          </a:p>
-          <a:p>
-            <a:pPr algn="ctr"/>
-            <a:r>
-              <a:rPr lang="en-US" sz="2400" dirty="0"/>
-              <a:t> </a:t>
-            </a:r>
-            <a:r>
-              <a:rPr lang="en-US" sz="1200" dirty="0" smtClean="0"/>
-              <a:t> </a:t>
-            </a:r>
-            <a:endParaRPr lang="en-US" sz="2400" dirty="0" smtClean="0"/>
-          </a:p>
-          <a:p>
-            <a:pPr algn="ctr"/>
-            <a:r>
-              <a:rPr lang="en-US" sz="2400" dirty="0" smtClean="0"/>
-              <a:t>DEFINITION</a:t>
-            </a:r>
-          </a:p>
-          <a:p>
-            <a:pPr algn="ctr"/>
-            <a:r>
-              <a:rPr lang="en-US" dirty="0" smtClean="0"/>
-              <a:t> </a:t>
-            </a:r>
-            <a:endParaRPr lang="en-US" sz="2400" dirty="0" smtClean="0"/>
-          </a:p>
-          <a:p>
-            <a:pPr algn="ctr"/>
-            <a:endParaRPr lang="en-US" sz="2400" dirty="0" smtClean="0"/>
-          </a:p>
-        </p:txBody>
-      </p:sp>
-      <p:sp>
-        <p:nvSpPr>
-          <p:cNvPr id="5" name="TextBox 4"/>
-          <p:cNvSpPr txBox="1"/>
-          <p:nvPr/>
-        </p:nvSpPr>
-        <p:spPr>
-          <a:xfrm>
-            <a:off x="1567541" y="1190172"/>
-            <a:ext cx="3018971" cy="461665"/>
-          </a:xfrm>
-          <a:prstGeom prst="rect">
-            <a:avLst/>
-          </a:prstGeom>
-        </p:spPr>
-        <p:style>
-          <a:lnRef idx="2">
-            <a:schemeClr val="dk1"/>
-          </a:lnRef>
-          <a:fillRef idx="1">
-            <a:schemeClr val="lt1"/>
-          </a:fillRef>
-          <a:effectRef idx="0">
-            <a:schemeClr val="dk1"/>
-          </a:effectRef>
-          <a:fontRef idx="minor">
-            <a:schemeClr val="dk1"/>
-          </a:fontRef>
-        </p:style>
-        <p:txBody>
-          <a:bodyPr wrap="square" rtlCol="0">
-            <a:spAutoFit/>
-          </a:bodyPr>
-          <a:lstStyle/>
-          <a:p>
-            <a:pPr algn="ctr"/>
-            <a:endParaRPr lang="en-US" sz="2400" dirty="0" smtClean="0"/>
+            <a:r>
+              <a:rPr lang="en-US" dirty="0"/>
+              <a:t>LOGO</a:t>
+            </a:r>
           </a:p>
         </p:txBody>
       </p:sp>
       <p:cxnSp>
         <p:nvCxnSpPr>
-          <p:cNvPr id="7" name="Straight Connector 6"/>
+          <p:cNvPr id="8" name="Straight Connector 7"/>
           <p:cNvCxnSpPr/>
           <p:nvPr/>
         </p:nvCxnSpPr>
         <p:spPr>
           <a:xfrm>
-            <a:off x="1248228" y="1190172"/>
-            <a:ext cx="3657600" cy="0"/>
+            <a:off x="7250607" y="2467429"/>
+            <a:ext cx="3294743" cy="14514"/>
           </a:xfrm>
           <a:prstGeom prst="line">
             <a:avLst/>
@@ -6084,17 +5956,14 @@
       </p:cxnSp>
       <p:cxnSp>
         <p:nvCxnSpPr>
-          <p:cNvPr id="8" name="Straight Connector 7"/>
-          <p:cNvCxnSpPr>
-            <a:stCxn id="4" idx="1"/>
-            <a:endCxn id="4" idx="3"/>
-          </p:cNvCxnSpPr>
+          <p:cNvPr id="9" name="Straight Connector 8"/>
+          <p:cNvCxnSpPr/>
           <p:nvPr/>
         </p:nvCxnSpPr>
         <p:spPr>
           <a:xfrm>
-            <a:off x="1567542" y="3773938"/>
-            <a:ext cx="3018971" cy="0"/>
+            <a:off x="7272374" y="2997199"/>
+            <a:ext cx="3294743" cy="14514"/>
           </a:xfrm>
           <a:prstGeom prst="line">
             <a:avLst/>
@@ -6115,118 +5984,16 @@
           </a:fontRef>
         </p:style>
       </p:cxnSp>
-      <p:sp>
-        <p:nvSpPr>
-          <p:cNvPr id="12" name="TextBox 11"/>
-          <p:cNvSpPr txBox="1"/>
-          <p:nvPr/>
-        </p:nvSpPr>
-        <p:spPr>
-          <a:xfrm>
-            <a:off x="1567540" y="5880647"/>
-            <a:ext cx="3018971" cy="502920"/>
-          </a:xfrm>
-          <a:prstGeom prst="rect">
-            <a:avLst/>
-          </a:prstGeom>
-        </p:spPr>
-        <p:style>
-          <a:lnRef idx="2">
-            <a:schemeClr val="dk1"/>
-          </a:lnRef>
-          <a:fillRef idx="1">
-            <a:schemeClr val="lt1"/>
-          </a:fillRef>
-          <a:effectRef idx="0">
-            <a:schemeClr val="dk1"/>
-          </a:effectRef>
-          <a:fontRef idx="minor">
-            <a:schemeClr val="dk1"/>
-          </a:fontRef>
-        </p:style>
-        <p:txBody>
-          <a:bodyPr wrap="square" rtlCol="0">
-            <a:spAutoFit/>
-          </a:bodyPr>
-          <a:lstStyle/>
-          <a:p>
-            <a:pPr algn="ctr"/>
-            <a:endParaRPr lang="en-US" sz="2400" dirty="0" smtClean="0"/>
-          </a:p>
-        </p:txBody>
-      </p:sp>
-      <p:sp>
-        <p:nvSpPr>
-          <p:cNvPr id="15" name="TextBox 14"/>
-          <p:cNvSpPr txBox="1"/>
-          <p:nvPr/>
-        </p:nvSpPr>
-        <p:spPr>
-          <a:xfrm rot="5400000">
-            <a:off x="4426647" y="646122"/>
-            <a:ext cx="496697" cy="461665"/>
-          </a:xfrm>
-          <a:prstGeom prst="rect">
-            <a:avLst/>
-          </a:prstGeom>
-          <a:noFill/>
-        </p:spPr>
-        <p:txBody>
-          <a:bodyPr wrap="square" rtlCol="0">
-            <a:spAutoFit/>
-          </a:bodyPr>
-          <a:lstStyle/>
-          <a:p>
-            <a:r>
-              <a:rPr lang="en-US" sz="2400" dirty="0" smtClean="0"/>
-              <a:t>...</a:t>
-            </a:r>
-            <a:endParaRPr lang="en-US" sz="2400" dirty="0"/>
-          </a:p>
-        </p:txBody>
-      </p:sp>
-      <p:sp>
-        <p:nvSpPr>
-          <p:cNvPr id="16" name="TextBox 15"/>
-          <p:cNvSpPr txBox="1"/>
-          <p:nvPr/>
-        </p:nvSpPr>
-        <p:spPr>
-          <a:xfrm>
-            <a:off x="1437344" y="689258"/>
-            <a:ext cx="463588" cy="369332"/>
-          </a:xfrm>
-          <a:prstGeom prst="rect">
-            <a:avLst/>
-          </a:prstGeom>
-          <a:noFill/>
-        </p:spPr>
-        <p:txBody>
-          <a:bodyPr wrap="none" rtlCol="0">
-            <a:spAutoFit/>
-          </a:bodyPr>
-          <a:lstStyle/>
-          <a:p>
-            <a:r>
-              <a:rPr lang="en-US" dirty="0" smtClean="0">
-                <a:sym typeface="Wingdings"/>
-              </a:rPr>
-              <a:t> </a:t>
-            </a:r>
-            <a:endParaRPr lang="en-US" dirty="0"/>
-          </a:p>
-        </p:txBody>
-      </p:sp>
       <p:cxnSp>
         <p:nvCxnSpPr>
-          <p:cNvPr id="17" name="Straight Connector 16"/>
+          <p:cNvPr id="10" name="Straight Connector 9"/>
           <p:cNvCxnSpPr/>
           <p:nvPr/>
         </p:nvCxnSpPr>
         <p:spPr>
           <a:xfrm>
-            <a:off x="7104742" y="1190172"/>
-            <a:ext cx="3657600" cy="0"/>
+            <a:off x="7250606" y="3521529"/>
+            <a:ext cx="3294743" cy="14514"/>
           </a:xfrm>
           <a:prstGeom prst="line">
             <a:avLst/>
@@ -6247,15 +6014,45 @@
           </a:fontRef>
         </p:style>
       </p:cxnSp>
-      <p:sp>
-        <p:nvSpPr>
-          <p:cNvPr id="18" name="TextBox 17"/>
+      <p:cxnSp>
+        <p:nvCxnSpPr>
+          <p:cNvPr id="11" name="Straight Connector 10"/>
+          <p:cNvCxnSpPr/>
+          <p:nvPr/>
+        </p:nvCxnSpPr>
+        <p:spPr>
+          <a:xfrm>
+            <a:off x="7272374" y="4106637"/>
+            <a:ext cx="3294743" cy="14514"/>
+          </a:xfrm>
+          <a:prstGeom prst="line">
+            <a:avLst/>
+          </a:prstGeom>
+        </p:spPr>
+        <p:style>
+          <a:lnRef idx="1">
+            <a:schemeClr val="dk1"/>
+          </a:lnRef>
+          <a:fillRef idx="0">
+            <a:schemeClr val="dk1"/>
+          </a:fillRef>
+          <a:effectRef idx="0">
+            <a:schemeClr val="dk1"/>
+          </a:effectRef>
+          <a:fontRef idx="minor">
+            <a:schemeClr val="tx1"/>
+          </a:fontRef>
+        </p:style>
+      </p:cxnSp>
+      <p:sp>
+        <p:nvSpPr>
+          <p:cNvPr id="12" name="TextBox 11"/>
           <p:cNvSpPr txBox="1"/>
           <p:nvPr/>
         </p:nvSpPr>
         <p:spPr>
           <a:xfrm rot="5400000">
-            <a:off x="10283161" y="646122"/>
+            <a:off x="10307135" y="774514"/>
             <a:ext cx="496697" cy="461665"/>
           </a:xfrm>
           <a:prstGeom prst="rect">
@@ -6270,23 +6067,22 @@
           <a:lstStyle/>
           <a:p>
             <a:r>
-              <a:rPr lang="en-US" sz="2400" dirty="0" smtClean="0"/>
+              <a:rPr lang="en-US" sz="2400" dirty="0"/>
               <a:t>...</a:t>
             </a:r>
-            <a:endParaRPr lang="en-US" sz="2400" dirty="0"/>
-          </a:p>
-        </p:txBody>
-      </p:sp>
-      <p:sp>
-        <p:nvSpPr>
-          <p:cNvPr id="19" name="TextBox 18"/>
+          </a:p>
+        </p:txBody>
+      </p:sp>
+      <p:sp>
+        <p:nvSpPr>
+          <p:cNvPr id="13" name="TextBox 12"/>
           <p:cNvSpPr txBox="1"/>
           <p:nvPr/>
         </p:nvSpPr>
         <p:spPr>
           <a:xfrm>
-            <a:off x="7293858" y="689258"/>
-            <a:ext cx="463588" cy="369332"/>
+            <a:off x="8271393" y="6486553"/>
+            <a:ext cx="1296702" cy="369332"/>
           </a:xfrm>
           <a:prstGeom prst="rect">
             <a:avLst/>
@@ -6300,7 +6096,732 @@
           <a:lstStyle/>
           <a:p>
             <a:r>
-              <a:rPr lang="en-US" dirty="0" smtClean="0">
+              <a:rPr lang="en-US" dirty="0"/>
+              <a:t>SUBFOLDER</a:t>
+            </a:r>
+          </a:p>
+        </p:txBody>
+      </p:sp>
+      <p:sp>
+        <p:nvSpPr>
+          <p:cNvPr id="15" name="TextBox 14"/>
+          <p:cNvSpPr txBox="1"/>
+          <p:nvPr/>
+        </p:nvSpPr>
+        <p:spPr>
+          <a:xfrm>
+            <a:off x="10214724" y="1320018"/>
+            <a:ext cx="544606" cy="584775"/>
+          </a:xfrm>
+          <a:prstGeom prst="rect">
+            <a:avLst/>
+          </a:prstGeom>
+          <a:noFill/>
+        </p:spPr>
+        <p:txBody>
+          <a:bodyPr wrap="square" rtlCol="0">
+            <a:spAutoFit/>
+          </a:bodyPr>
+          <a:lstStyle/>
+          <a:p>
+            <a:r>
+              <a:rPr lang="en-US" sz="3200" dirty="0"/>
+              <a:t>+</a:t>
+            </a:r>
+          </a:p>
+        </p:txBody>
+      </p:sp>
+      <p:sp>
+        <p:nvSpPr>
+          <p:cNvPr id="24" name="TextBox 23"/>
+          <p:cNvSpPr txBox="1"/>
+          <p:nvPr/>
+        </p:nvSpPr>
+        <p:spPr>
+          <a:xfrm>
+            <a:off x="7257456" y="1524535"/>
+            <a:ext cx="1391791" cy="369332"/>
+          </a:xfrm>
+          <a:prstGeom prst="rect">
+            <a:avLst/>
+          </a:prstGeom>
+          <a:noFill/>
+        </p:spPr>
+        <p:txBody>
+          <a:bodyPr wrap="none" rtlCol="0">
+            <a:spAutoFit/>
+          </a:bodyPr>
+          <a:lstStyle/>
+          <a:p>
+            <a:r>
+              <a:rPr lang="en-US" i="1" dirty="0"/>
+              <a:t>Folder Name</a:t>
+            </a:r>
+          </a:p>
+        </p:txBody>
+      </p:sp>
+      <p:sp>
+        <p:nvSpPr>
+          <p:cNvPr id="25" name="TextBox 24"/>
+          <p:cNvSpPr txBox="1"/>
+          <p:nvPr/>
+        </p:nvSpPr>
+        <p:spPr>
+          <a:xfrm>
+            <a:off x="7258179" y="2088214"/>
+            <a:ext cx="651525" cy="369332"/>
+          </a:xfrm>
+          <a:prstGeom prst="rect">
+            <a:avLst/>
+          </a:prstGeom>
+          <a:noFill/>
+        </p:spPr>
+        <p:txBody>
+          <a:bodyPr wrap="none" rtlCol="0">
+            <a:spAutoFit/>
+          </a:bodyPr>
+          <a:lstStyle/>
+          <a:p>
+            <a:r>
+              <a:rPr lang="en-US" dirty="0"/>
+              <a:t>Set 1</a:t>
+            </a:r>
+          </a:p>
+        </p:txBody>
+      </p:sp>
+      <p:sp>
+        <p:nvSpPr>
+          <p:cNvPr id="26" name="TextBox 25"/>
+          <p:cNvSpPr txBox="1"/>
+          <p:nvPr/>
+        </p:nvSpPr>
+        <p:spPr>
+          <a:xfrm>
+            <a:off x="7258179" y="2636897"/>
+            <a:ext cx="651525" cy="369332"/>
+          </a:xfrm>
+          <a:prstGeom prst="rect">
+            <a:avLst/>
+          </a:prstGeom>
+          <a:noFill/>
+        </p:spPr>
+        <p:txBody>
+          <a:bodyPr wrap="none" rtlCol="0">
+            <a:spAutoFit/>
+          </a:bodyPr>
+          <a:lstStyle/>
+          <a:p>
+            <a:r>
+              <a:rPr lang="en-US" dirty="0"/>
+              <a:t>Set 2</a:t>
+            </a:r>
+          </a:p>
+        </p:txBody>
+      </p:sp>
+      <p:sp>
+        <p:nvSpPr>
+          <p:cNvPr id="27" name="TextBox 26"/>
+          <p:cNvSpPr txBox="1"/>
+          <p:nvPr/>
+        </p:nvSpPr>
+        <p:spPr>
+          <a:xfrm>
+            <a:off x="7246549" y="3168561"/>
+            <a:ext cx="651525" cy="369332"/>
+          </a:xfrm>
+          <a:prstGeom prst="rect">
+            <a:avLst/>
+          </a:prstGeom>
+          <a:noFill/>
+        </p:spPr>
+        <p:txBody>
+          <a:bodyPr wrap="none" rtlCol="0">
+            <a:spAutoFit/>
+          </a:bodyPr>
+          <a:lstStyle/>
+          <a:p>
+            <a:r>
+              <a:rPr lang="en-US" dirty="0"/>
+              <a:t>Set 3</a:t>
+            </a:r>
+          </a:p>
+        </p:txBody>
+      </p:sp>
+      <p:sp>
+        <p:nvSpPr>
+          <p:cNvPr id="28" name="TextBox 27"/>
+          <p:cNvSpPr txBox="1"/>
+          <p:nvPr/>
+        </p:nvSpPr>
+        <p:spPr>
+          <a:xfrm>
+            <a:off x="7253604" y="3743732"/>
+            <a:ext cx="651525" cy="369332"/>
+          </a:xfrm>
+          <a:prstGeom prst="rect">
+            <a:avLst/>
+          </a:prstGeom>
+          <a:noFill/>
+        </p:spPr>
+        <p:txBody>
+          <a:bodyPr wrap="none" rtlCol="0">
+            <a:spAutoFit/>
+          </a:bodyPr>
+          <a:lstStyle/>
+          <a:p>
+            <a:r>
+              <a:rPr lang="en-US" dirty="0"/>
+              <a:t>Set 4</a:t>
+            </a:r>
+          </a:p>
+        </p:txBody>
+      </p:sp>
+      <p:sp>
+        <p:nvSpPr>
+          <p:cNvPr id="29" name="Frame 28"/>
+          <p:cNvSpPr/>
+          <p:nvPr/>
+        </p:nvSpPr>
+        <p:spPr>
+          <a:xfrm>
+            <a:off x="1071164" y="436389"/>
+            <a:ext cx="3657600" cy="5943600"/>
+          </a:xfrm>
+          <a:prstGeom prst="frame">
+            <a:avLst>
+              <a:gd name="adj1" fmla="val 992"/>
+            </a:avLst>
+          </a:prstGeom>
+          <a:ln/>
+        </p:spPr>
+        <p:style>
+          <a:lnRef idx="2">
+            <a:schemeClr val="dk1">
+              <a:shade val="50000"/>
+            </a:schemeClr>
+          </a:lnRef>
+          <a:fillRef idx="1">
+            <a:schemeClr val="dk1"/>
+          </a:fillRef>
+          <a:effectRef idx="0">
+            <a:schemeClr val="dk1"/>
+          </a:effectRef>
+          <a:fontRef idx="minor">
+            <a:schemeClr val="lt1"/>
+          </a:fontRef>
+        </p:style>
+        <p:txBody>
+          <a:bodyPr rtlCol="0" anchor="ctr"/>
+          <a:lstStyle/>
+          <a:p>
+            <a:pPr algn="ctr"/>
+            <a:endParaRPr lang="en-US">
+              <a:solidFill>
+                <a:schemeClr val="tx1"/>
+              </a:solidFill>
+            </a:endParaRPr>
+          </a:p>
+        </p:txBody>
+      </p:sp>
+      <p:sp>
+        <p:nvSpPr>
+          <p:cNvPr id="30" name="TextBox 29"/>
+          <p:cNvSpPr txBox="1"/>
+          <p:nvPr/>
+        </p:nvSpPr>
+        <p:spPr>
+          <a:xfrm>
+            <a:off x="2459550" y="81571"/>
+            <a:ext cx="880819" cy="369332"/>
+          </a:xfrm>
+          <a:prstGeom prst="rect">
+            <a:avLst/>
+          </a:prstGeom>
+          <a:noFill/>
+        </p:spPr>
+        <p:txBody>
+          <a:bodyPr wrap="none" rtlCol="0">
+            <a:spAutoFit/>
+          </a:bodyPr>
+          <a:lstStyle/>
+          <a:p>
+            <a:r>
+              <a:rPr lang="en-US" dirty="0"/>
+              <a:t>View_6</a:t>
+            </a:r>
+          </a:p>
+        </p:txBody>
+      </p:sp>
+      <p:cxnSp>
+        <p:nvCxnSpPr>
+          <p:cNvPr id="31" name="Straight Connector 30"/>
+          <p:cNvCxnSpPr/>
+          <p:nvPr/>
+        </p:nvCxnSpPr>
+        <p:spPr>
+          <a:xfrm>
+            <a:off x="1071160" y="1379817"/>
+            <a:ext cx="3657602" cy="0"/>
+          </a:xfrm>
+          <a:prstGeom prst="line">
+            <a:avLst/>
+          </a:prstGeom>
+        </p:spPr>
+        <p:style>
+          <a:lnRef idx="1">
+            <a:schemeClr val="dk1"/>
+          </a:lnRef>
+          <a:fillRef idx="0">
+            <a:schemeClr val="dk1"/>
+          </a:fillRef>
+          <a:effectRef idx="0">
+            <a:schemeClr val="dk1"/>
+          </a:effectRef>
+          <a:fontRef idx="minor">
+            <a:schemeClr val="tx1"/>
+          </a:fontRef>
+        </p:style>
+      </p:cxnSp>
+      <p:sp>
+        <p:nvSpPr>
+          <p:cNvPr id="32" name="TextBox 31"/>
+          <p:cNvSpPr txBox="1"/>
+          <p:nvPr/>
+        </p:nvSpPr>
+        <p:spPr>
+          <a:xfrm>
+            <a:off x="1549157" y="751462"/>
+            <a:ext cx="728020" cy="369332"/>
+          </a:xfrm>
+          <a:prstGeom prst="rect">
+            <a:avLst/>
+          </a:prstGeom>
+          <a:noFill/>
+        </p:spPr>
+        <p:txBody>
+          <a:bodyPr wrap="none" rtlCol="0">
+            <a:spAutoFit/>
+          </a:bodyPr>
+          <a:lstStyle/>
+          <a:p>
+            <a:r>
+              <a:rPr lang="en-US" dirty="0"/>
+              <a:t>LOGO</a:t>
+            </a:r>
+          </a:p>
+        </p:txBody>
+      </p:sp>
+      <p:sp>
+        <p:nvSpPr>
+          <p:cNvPr id="33" name="TextBox 32"/>
+          <p:cNvSpPr txBox="1"/>
+          <p:nvPr/>
+        </p:nvSpPr>
+        <p:spPr>
+          <a:xfrm>
+            <a:off x="3831302" y="723437"/>
+            <a:ext cx="423514" cy="553998"/>
+          </a:xfrm>
+          <a:prstGeom prst="rect">
+            <a:avLst/>
+          </a:prstGeom>
+          <a:noFill/>
+        </p:spPr>
+        <p:txBody>
+          <a:bodyPr wrap="none" rtlCol="0">
+            <a:spAutoFit/>
+          </a:bodyPr>
+          <a:lstStyle/>
+          <a:p>
+            <a:r>
+              <a:rPr lang="en-US" dirty="0"/>
+              <a:t>Q</a:t>
+            </a:r>
+          </a:p>
+          <a:p>
+            <a:r>
+              <a:rPr lang="en-US" sz="1200" dirty="0"/>
+              <a:t>B_5</a:t>
+            </a:r>
+          </a:p>
+        </p:txBody>
+      </p:sp>
+      <p:cxnSp>
+        <p:nvCxnSpPr>
+          <p:cNvPr id="34" name="Straight Connector 33"/>
+          <p:cNvCxnSpPr/>
+          <p:nvPr/>
+        </p:nvCxnSpPr>
+        <p:spPr>
+          <a:xfrm>
+            <a:off x="1230822" y="2424846"/>
+            <a:ext cx="3294743" cy="14514"/>
+          </a:xfrm>
+          <a:prstGeom prst="line">
+            <a:avLst/>
+          </a:prstGeom>
+        </p:spPr>
+        <p:style>
+          <a:lnRef idx="1">
+            <a:schemeClr val="dk1"/>
+          </a:lnRef>
+          <a:fillRef idx="0">
+            <a:schemeClr val="dk1"/>
+          </a:fillRef>
+          <a:effectRef idx="0">
+            <a:schemeClr val="dk1"/>
+          </a:effectRef>
+          <a:fontRef idx="minor">
+            <a:schemeClr val="tx1"/>
+          </a:fontRef>
+        </p:style>
+      </p:cxnSp>
+      <p:cxnSp>
+        <p:nvCxnSpPr>
+          <p:cNvPr id="35" name="Straight Connector 34"/>
+          <p:cNvCxnSpPr/>
+          <p:nvPr/>
+        </p:nvCxnSpPr>
+        <p:spPr>
+          <a:xfrm>
+            <a:off x="1252589" y="2954616"/>
+            <a:ext cx="3294743" cy="14514"/>
+          </a:xfrm>
+          <a:prstGeom prst="line">
+            <a:avLst/>
+          </a:prstGeom>
+        </p:spPr>
+        <p:style>
+          <a:lnRef idx="1">
+            <a:schemeClr val="dk1"/>
+          </a:lnRef>
+          <a:fillRef idx="0">
+            <a:schemeClr val="dk1"/>
+          </a:fillRef>
+          <a:effectRef idx="0">
+            <a:schemeClr val="dk1"/>
+          </a:effectRef>
+          <a:fontRef idx="minor">
+            <a:schemeClr val="tx1"/>
+          </a:fontRef>
+        </p:style>
+      </p:cxnSp>
+      <p:cxnSp>
+        <p:nvCxnSpPr>
+          <p:cNvPr id="36" name="Straight Connector 35"/>
+          <p:cNvCxnSpPr/>
+          <p:nvPr/>
+        </p:nvCxnSpPr>
+        <p:spPr>
+          <a:xfrm>
+            <a:off x="1230821" y="3478946"/>
+            <a:ext cx="3294743" cy="14514"/>
+          </a:xfrm>
+          <a:prstGeom prst="line">
+            <a:avLst/>
+          </a:prstGeom>
+        </p:spPr>
+        <p:style>
+          <a:lnRef idx="1">
+            <a:schemeClr val="dk1"/>
+          </a:lnRef>
+          <a:fillRef idx="0">
+            <a:schemeClr val="dk1"/>
+          </a:fillRef>
+          <a:effectRef idx="0">
+            <a:schemeClr val="dk1"/>
+          </a:effectRef>
+          <a:fontRef idx="minor">
+            <a:schemeClr val="tx1"/>
+          </a:fontRef>
+        </p:style>
+      </p:cxnSp>
+      <p:cxnSp>
+        <p:nvCxnSpPr>
+          <p:cNvPr id="37" name="Straight Connector 36"/>
+          <p:cNvCxnSpPr/>
+          <p:nvPr/>
+        </p:nvCxnSpPr>
+        <p:spPr>
+          <a:xfrm>
+            <a:off x="1252589" y="4064054"/>
+            <a:ext cx="3294743" cy="14514"/>
+          </a:xfrm>
+          <a:prstGeom prst="line">
+            <a:avLst/>
+          </a:prstGeom>
+        </p:spPr>
+        <p:style>
+          <a:lnRef idx="1">
+            <a:schemeClr val="dk1"/>
+          </a:lnRef>
+          <a:fillRef idx="0">
+            <a:schemeClr val="dk1"/>
+          </a:fillRef>
+          <a:effectRef idx="0">
+            <a:schemeClr val="dk1"/>
+          </a:effectRef>
+          <a:fontRef idx="minor">
+            <a:schemeClr val="tx1"/>
+          </a:fontRef>
+        </p:style>
+      </p:cxnSp>
+      <p:sp>
+        <p:nvSpPr>
+          <p:cNvPr id="38" name="TextBox 37"/>
+          <p:cNvSpPr txBox="1"/>
+          <p:nvPr/>
+        </p:nvSpPr>
+        <p:spPr>
+          <a:xfrm rot="5400000">
+            <a:off x="4287350" y="731931"/>
+            <a:ext cx="496697" cy="461665"/>
+          </a:xfrm>
+          <a:prstGeom prst="rect">
+            <a:avLst/>
+          </a:prstGeom>
+          <a:noFill/>
+        </p:spPr>
+        <p:txBody>
+          <a:bodyPr wrap="square" rtlCol="0">
+            <a:spAutoFit/>
+          </a:bodyPr>
+          <a:lstStyle/>
+          <a:p>
+            <a:r>
+              <a:rPr lang="en-US" sz="2400" dirty="0"/>
+              <a:t>...</a:t>
+            </a:r>
+          </a:p>
+        </p:txBody>
+      </p:sp>
+      <p:sp>
+        <p:nvSpPr>
+          <p:cNvPr id="39" name="TextBox 38"/>
+          <p:cNvSpPr txBox="1"/>
+          <p:nvPr/>
+        </p:nvSpPr>
+        <p:spPr>
+          <a:xfrm>
+            <a:off x="2229841" y="6378944"/>
+            <a:ext cx="918393" cy="369332"/>
+          </a:xfrm>
+          <a:prstGeom prst="rect">
+            <a:avLst/>
+          </a:prstGeom>
+          <a:noFill/>
+        </p:spPr>
+        <p:txBody>
+          <a:bodyPr wrap="none" rtlCol="0">
+            <a:spAutoFit/>
+          </a:bodyPr>
+          <a:lstStyle/>
+          <a:p>
+            <a:r>
+              <a:rPr lang="en-US" dirty="0"/>
+              <a:t>FOLDER</a:t>
+            </a:r>
+          </a:p>
+        </p:txBody>
+      </p:sp>
+      <p:sp>
+        <p:nvSpPr>
+          <p:cNvPr id="40" name="TextBox 39"/>
+          <p:cNvSpPr txBox="1"/>
+          <p:nvPr/>
+        </p:nvSpPr>
+        <p:spPr>
+          <a:xfrm>
+            <a:off x="4194939" y="1277435"/>
+            <a:ext cx="544606" cy="584775"/>
+          </a:xfrm>
+          <a:prstGeom prst="rect">
+            <a:avLst/>
+          </a:prstGeom>
+          <a:noFill/>
+        </p:spPr>
+        <p:txBody>
+          <a:bodyPr wrap="square" rtlCol="0">
+            <a:spAutoFit/>
+          </a:bodyPr>
+          <a:lstStyle/>
+          <a:p>
+            <a:r>
+              <a:rPr lang="en-US" sz="3200" dirty="0"/>
+              <a:t>+</a:t>
+            </a:r>
+          </a:p>
+        </p:txBody>
+      </p:sp>
+      <p:sp>
+        <p:nvSpPr>
+          <p:cNvPr id="41" name="TextBox 40"/>
+          <p:cNvSpPr txBox="1"/>
+          <p:nvPr/>
+        </p:nvSpPr>
+        <p:spPr>
+          <a:xfrm>
+            <a:off x="1230821" y="1499815"/>
+            <a:ext cx="1225015" cy="369332"/>
+          </a:xfrm>
+          <a:prstGeom prst="rect">
+            <a:avLst/>
+          </a:prstGeom>
+          <a:noFill/>
+        </p:spPr>
+        <p:txBody>
+          <a:bodyPr wrap="none" rtlCol="0">
+            <a:spAutoFit/>
+          </a:bodyPr>
+          <a:lstStyle/>
+          <a:p>
+            <a:r>
+              <a:rPr lang="en-US" i="1" dirty="0"/>
+              <a:t>User Name</a:t>
+            </a:r>
+          </a:p>
+        </p:txBody>
+      </p:sp>
+      <p:sp>
+        <p:nvSpPr>
+          <p:cNvPr id="42" name="TextBox 41"/>
+          <p:cNvSpPr txBox="1"/>
+          <p:nvPr/>
+        </p:nvSpPr>
+        <p:spPr>
+          <a:xfrm>
+            <a:off x="1238394" y="2045631"/>
+            <a:ext cx="949362" cy="369332"/>
+          </a:xfrm>
+          <a:prstGeom prst="rect">
+            <a:avLst/>
+          </a:prstGeom>
+          <a:noFill/>
+        </p:spPr>
+        <p:txBody>
+          <a:bodyPr wrap="none" rtlCol="0">
+            <a:spAutoFit/>
+          </a:bodyPr>
+          <a:lstStyle/>
+          <a:p>
+            <a:r>
+              <a:rPr lang="en-US" dirty="0"/>
+              <a:t>Folder 1</a:t>
+            </a:r>
+          </a:p>
+        </p:txBody>
+      </p:sp>
+      <p:sp>
+        <p:nvSpPr>
+          <p:cNvPr id="43" name="TextBox 42"/>
+          <p:cNvSpPr txBox="1"/>
+          <p:nvPr/>
+        </p:nvSpPr>
+        <p:spPr>
+          <a:xfrm>
+            <a:off x="1238394" y="2594314"/>
+            <a:ext cx="949362" cy="369332"/>
+          </a:xfrm>
+          <a:prstGeom prst="rect">
+            <a:avLst/>
+          </a:prstGeom>
+          <a:noFill/>
+        </p:spPr>
+        <p:txBody>
+          <a:bodyPr wrap="none" rtlCol="0">
+            <a:spAutoFit/>
+          </a:bodyPr>
+          <a:lstStyle/>
+          <a:p>
+            <a:r>
+              <a:rPr lang="en-US" dirty="0"/>
+              <a:t>Folder 2</a:t>
+            </a:r>
+          </a:p>
+        </p:txBody>
+      </p:sp>
+      <p:sp>
+        <p:nvSpPr>
+          <p:cNvPr id="44" name="TextBox 43"/>
+          <p:cNvSpPr txBox="1"/>
+          <p:nvPr/>
+        </p:nvSpPr>
+        <p:spPr>
+          <a:xfrm>
+            <a:off x="1226764" y="3125978"/>
+            <a:ext cx="949362" cy="369332"/>
+          </a:xfrm>
+          <a:prstGeom prst="rect">
+            <a:avLst/>
+          </a:prstGeom>
+          <a:noFill/>
+        </p:spPr>
+        <p:txBody>
+          <a:bodyPr wrap="none" rtlCol="0">
+            <a:spAutoFit/>
+          </a:bodyPr>
+          <a:lstStyle/>
+          <a:p>
+            <a:r>
+              <a:rPr lang="en-US" dirty="0"/>
+              <a:t>Folder 3</a:t>
+            </a:r>
+          </a:p>
+        </p:txBody>
+      </p:sp>
+      <p:sp>
+        <p:nvSpPr>
+          <p:cNvPr id="45" name="TextBox 44"/>
+          <p:cNvSpPr txBox="1"/>
+          <p:nvPr/>
+        </p:nvSpPr>
+        <p:spPr>
+          <a:xfrm>
+            <a:off x="1233819" y="3701149"/>
+            <a:ext cx="949362" cy="369332"/>
+          </a:xfrm>
+          <a:prstGeom prst="rect">
+            <a:avLst/>
+          </a:prstGeom>
+          <a:noFill/>
+        </p:spPr>
+        <p:txBody>
+          <a:bodyPr wrap="none" rtlCol="0">
+            <a:spAutoFit/>
+          </a:bodyPr>
+          <a:lstStyle/>
+          <a:p>
+            <a:r>
+              <a:rPr lang="en-US" dirty="0"/>
+              <a:t>Folder 4</a:t>
+            </a:r>
+          </a:p>
+        </p:txBody>
+      </p:sp>
+      <p:sp>
+        <p:nvSpPr>
+          <p:cNvPr id="46" name="TextBox 45"/>
+          <p:cNvSpPr txBox="1"/>
+          <p:nvPr/>
+        </p:nvSpPr>
+        <p:spPr>
+          <a:xfrm>
+            <a:off x="7128716" y="798244"/>
+            <a:ext cx="463588" cy="369332"/>
+          </a:xfrm>
+          <a:prstGeom prst="rect">
+            <a:avLst/>
+          </a:prstGeom>
+          <a:noFill/>
+        </p:spPr>
+        <p:txBody>
+          <a:bodyPr wrap="none" rtlCol="0">
+            <a:spAutoFit/>
+          </a:bodyPr>
+          <a:lstStyle/>
+          <a:p>
+            <a:r>
+              <a:rPr lang="en-US" dirty="0">
                 <a:sym typeface="Wingdings"/>
               </a:rPr>
               <a:t> </a:t>
@@ -6311,141 +6832,14 @@
       </p:sp>
       <p:sp>
         <p:nvSpPr>
-          <p:cNvPr id="21" name="TextBox 20"/>
+          <p:cNvPr id="47" name="TextBox 46"/>
           <p:cNvSpPr txBox="1"/>
           <p:nvPr/>
         </p:nvSpPr>
         <p:spPr>
           <a:xfrm>
-            <a:off x="8072546" y="2404533"/>
-            <a:ext cx="1721990" cy="461665"/>
-          </a:xfrm>
-          <a:prstGeom prst="rect">
-            <a:avLst/>
-          </a:prstGeom>
-          <a:noFill/>
-        </p:spPr>
-        <p:txBody>
-          <a:bodyPr wrap="square" rtlCol="0">
-            <a:spAutoFit/>
-          </a:bodyPr>
-          <a:lstStyle/>
-          <a:p>
-            <a:pPr algn="ctr"/>
-            <a:r>
-              <a:rPr lang="en-US" sz="2400" dirty="0" smtClean="0"/>
-              <a:t>DEFINITION</a:t>
-            </a:r>
-            <a:endParaRPr lang="en-US" sz="2400" dirty="0"/>
-          </a:p>
-        </p:txBody>
-      </p:sp>
-      <p:sp>
-        <p:nvSpPr>
-          <p:cNvPr id="22" name="TextBox 21"/>
-          <p:cNvSpPr txBox="1"/>
-          <p:nvPr/>
-        </p:nvSpPr>
-        <p:spPr>
-          <a:xfrm>
-            <a:off x="7314716" y="3826989"/>
-            <a:ext cx="3237651" cy="923330"/>
-          </a:xfrm>
-          <a:prstGeom prst="rect">
-            <a:avLst/>
-          </a:prstGeom>
-          <a:noFill/>
-          <a:ln>
-            <a:solidFill>
-              <a:schemeClr val="bg1">
-                <a:lumMod val="50000"/>
-              </a:schemeClr>
-            </a:solidFill>
-          </a:ln>
-        </p:spPr>
-        <p:txBody>
-          <a:bodyPr wrap="square" rtlCol="0">
-            <a:spAutoFit/>
-          </a:bodyPr>
-          <a:lstStyle/>
-          <a:p>
-            <a:endParaRPr lang="en-US" dirty="0" smtClean="0">
-              <a:solidFill>
-                <a:schemeClr val="bg1">
-                  <a:lumMod val="50000"/>
-                </a:schemeClr>
-              </a:solidFill>
-            </a:endParaRPr>
-          </a:p>
-          <a:p>
-            <a:r>
-              <a:rPr lang="en-US" dirty="0" smtClean="0">
-                <a:solidFill>
-                  <a:schemeClr val="bg1">
-                    <a:lumMod val="50000"/>
-                  </a:schemeClr>
-                </a:solidFill>
-              </a:rPr>
-              <a:t>Type Answer</a:t>
-            </a:r>
-          </a:p>
-          <a:p>
-            <a:endParaRPr lang="en-US" dirty="0">
-              <a:solidFill>
-                <a:schemeClr val="bg1">
-                  <a:lumMod val="50000"/>
-                </a:schemeClr>
-              </a:solidFill>
-            </a:endParaRPr>
-          </a:p>
-        </p:txBody>
-      </p:sp>
-      <p:sp>
-        <p:nvSpPr>
-          <p:cNvPr id="23" name="TextBox 22"/>
-          <p:cNvSpPr txBox="1"/>
-          <p:nvPr/>
-        </p:nvSpPr>
-        <p:spPr>
-          <a:xfrm>
-            <a:off x="9736663" y="4001906"/>
-            <a:ext cx="733344" cy="584775"/>
-          </a:xfrm>
-          <a:prstGeom prst="rect">
-            <a:avLst/>
-          </a:prstGeom>
-          <a:noFill/>
-          <a:ln>
-            <a:solidFill>
-              <a:schemeClr val="tx1"/>
-            </a:solidFill>
-          </a:ln>
-        </p:spPr>
-        <p:txBody>
-          <a:bodyPr wrap="square" rtlCol="0" anchor="ctr" anchorCtr="0">
-            <a:spAutoFit/>
-          </a:bodyPr>
-          <a:lstStyle/>
-          <a:p>
-            <a:pPr algn="ctr"/>
-            <a:r>
-              <a:rPr lang="en-US" sz="1600" dirty="0" smtClean="0"/>
-              <a:t>Don’t Know</a:t>
-            </a:r>
-            <a:endParaRPr lang="en-US" sz="1600" dirty="0"/>
-          </a:p>
-        </p:txBody>
-      </p:sp>
-      <p:sp>
-        <p:nvSpPr>
-          <p:cNvPr id="20" name="TextBox 19"/>
-          <p:cNvSpPr txBox="1"/>
-          <p:nvPr/>
-        </p:nvSpPr>
-        <p:spPr>
-          <a:xfrm>
-            <a:off x="2636490" y="124154"/>
-            <a:ext cx="881075" cy="369332"/>
+            <a:off x="1108931" y="778097"/>
+            <a:ext cx="463588" cy="369332"/>
           </a:xfrm>
           <a:prstGeom prst="rect">
             <a:avLst/>
@@ -6459,98 +6853,10 @@
           <a:lstStyle/>
           <a:p>
             <a:r>
-              <a:rPr lang="en-US" dirty="0" smtClean="0"/>
-              <a:t>View_6</a:t>
-            </a:r>
-            <a:endParaRPr lang="en-US" dirty="0"/>
-          </a:p>
-        </p:txBody>
-      </p:sp>
-      <p:sp>
-        <p:nvSpPr>
-          <p:cNvPr id="24" name="TextBox 23"/>
-          <p:cNvSpPr txBox="1"/>
-          <p:nvPr/>
-        </p:nvSpPr>
-        <p:spPr>
-          <a:xfrm>
-            <a:off x="8493003" y="129775"/>
-            <a:ext cx="881075" cy="369332"/>
-          </a:xfrm>
-          <a:prstGeom prst="rect">
-            <a:avLst/>
-          </a:prstGeom>
-          <a:noFill/>
-        </p:spPr>
-        <p:txBody>
-          <a:bodyPr wrap="none" rtlCol="0">
-            <a:spAutoFit/>
-          </a:bodyPr>
-          <a:lstStyle/>
-          <a:p>
-            <a:r>
-              <a:rPr lang="en-US" dirty="0" smtClean="0"/>
-              <a:t>View_7</a:t>
-            </a:r>
-            <a:endParaRPr lang="en-US" dirty="0"/>
-          </a:p>
-        </p:txBody>
-      </p:sp>
-      <p:sp>
-        <p:nvSpPr>
-          <p:cNvPr id="26" name="TextBox 25"/>
-          <p:cNvSpPr txBox="1"/>
-          <p:nvPr/>
-        </p:nvSpPr>
-        <p:spPr>
-          <a:xfrm>
-            <a:off x="8728529" y="6511988"/>
-            <a:ext cx="813043" cy="369332"/>
-          </a:xfrm>
-          <a:prstGeom prst="rect">
-            <a:avLst/>
-          </a:prstGeom>
-          <a:noFill/>
-        </p:spPr>
-        <p:txBody>
-          <a:bodyPr wrap="none" rtlCol="0">
-            <a:spAutoFit/>
-          </a:bodyPr>
-          <a:lstStyle/>
-          <a:p>
-            <a:r>
-              <a:rPr lang="en-US" dirty="0" smtClean="0"/>
-              <a:t>WORD</a:t>
-            </a:r>
-            <a:endParaRPr lang="en-US" dirty="0"/>
-          </a:p>
-        </p:txBody>
-      </p:sp>
-      <p:sp>
-        <p:nvSpPr>
-          <p:cNvPr id="27" name="TextBox 26"/>
-          <p:cNvSpPr txBox="1"/>
-          <p:nvPr/>
-        </p:nvSpPr>
-        <p:spPr>
-          <a:xfrm>
-            <a:off x="2636490" y="6469681"/>
-            <a:ext cx="1361370" cy="369332"/>
-          </a:xfrm>
-          <a:prstGeom prst="rect">
-            <a:avLst/>
-          </a:prstGeom>
-          <a:noFill/>
-        </p:spPr>
-        <p:txBody>
-          <a:bodyPr wrap="none" rtlCol="0">
-            <a:spAutoFit/>
-          </a:bodyPr>
-          <a:lstStyle/>
-          <a:p>
-            <a:r>
-              <a:rPr lang="en-US" smtClean="0"/>
-              <a:t>WORDBOOK</a:t>
+              <a:rPr lang="en-US" dirty="0">
+                <a:sym typeface="Wingdings"/>
+              </a:rPr>
+              <a:t> </a:t>
             </a:r>
             <a:endParaRPr lang="en-US" dirty="0"/>
           </a:p>
@@ -6559,7 +6865,7 @@
     </p:spTree>
     <p:extLst>
       <p:ext uri="{BB962C8B-B14F-4D97-AF65-F5344CB8AC3E}">
-        <p14:creationId xmlns:p14="http://schemas.microsoft.com/office/powerpoint/2010/main" val="576644425"/>
+        <p14:creationId xmlns:p14="http://schemas.microsoft.com/office/powerpoint/2010/main" val="580768532"/>
       </p:ext>
     </p:extLst>
   </p:cSld>
@@ -6588,7 +6894,7 @@
       </p:grpSpPr>
       <p:sp>
         <p:nvSpPr>
-          <p:cNvPr id="6" name="Frame 5"/>
+          <p:cNvPr id="2" name="Frame 1"/>
           <p:cNvSpPr/>
           <p:nvPr/>
         </p:nvSpPr>
@@ -6635,7 +6941,7 @@
       </p:sp>
       <p:sp>
         <p:nvSpPr>
-          <p:cNvPr id="7" name="Frame 6"/>
+          <p:cNvPr id="3" name="Frame 2"/>
           <p:cNvSpPr/>
           <p:nvPr/>
         </p:nvSpPr>
@@ -6680,9 +6986,146 @@
           </a:p>
         </p:txBody>
       </p:sp>
+      <p:sp>
+        <p:nvSpPr>
+          <p:cNvPr id="4" name="TextBox 3"/>
+          <p:cNvSpPr txBox="1"/>
+          <p:nvPr/>
+        </p:nvSpPr>
+        <p:spPr>
+          <a:xfrm>
+            <a:off x="1567542" y="2111944"/>
+            <a:ext cx="3018971" cy="3323987"/>
+          </a:xfrm>
+          <a:prstGeom prst="rect">
+            <a:avLst/>
+          </a:prstGeom>
+        </p:spPr>
+        <p:style>
+          <a:lnRef idx="2">
+            <a:schemeClr val="dk1"/>
+          </a:lnRef>
+          <a:fillRef idx="1">
+            <a:schemeClr val="lt1"/>
+          </a:fillRef>
+          <a:effectRef idx="0">
+            <a:schemeClr val="dk1"/>
+          </a:effectRef>
+          <a:fontRef idx="minor">
+            <a:schemeClr val="dk1"/>
+          </a:fontRef>
+        </p:style>
+        <p:txBody>
+          <a:bodyPr wrap="square" rtlCol="0">
+            <a:spAutoFit/>
+          </a:bodyPr>
+          <a:lstStyle/>
+          <a:p>
+            <a:pPr algn="ctr"/>
+            <a:endParaRPr lang="en-US" sz="2400" dirty="0"/>
+          </a:p>
+          <a:p>
+            <a:pPr algn="ctr"/>
+            <a:endParaRPr lang="en-US" sz="2400" dirty="0"/>
+          </a:p>
+          <a:p>
+            <a:pPr algn="ctr"/>
+            <a:r>
+              <a:rPr lang="en-US" sz="2400" dirty="0"/>
+              <a:t>WORD</a:t>
+            </a:r>
+          </a:p>
+          <a:p>
+            <a:pPr algn="ctr"/>
+            <a:r>
+              <a:rPr lang="en-US" sz="1200" dirty="0"/>
+              <a:t> </a:t>
+            </a:r>
+            <a:r>
+              <a:rPr lang="en-US" sz="2400" dirty="0"/>
+              <a:t> </a:t>
+            </a:r>
+          </a:p>
+          <a:p>
+            <a:pPr algn="ctr"/>
+            <a:endParaRPr lang="en-US" sz="2400" dirty="0"/>
+          </a:p>
+          <a:p>
+            <a:pPr algn="ctr"/>
+            <a:r>
+              <a:rPr lang="en-US" sz="2400" dirty="0"/>
+              <a:t> </a:t>
+            </a:r>
+            <a:r>
+              <a:rPr lang="en-US" sz="1200" dirty="0"/>
+              <a:t> </a:t>
+            </a:r>
+            <a:endParaRPr lang="en-US" sz="2400" dirty="0"/>
+          </a:p>
+          <a:p>
+            <a:pPr algn="ctr"/>
+            <a:r>
+              <a:rPr lang="en-US" sz="2400" dirty="0"/>
+              <a:t>DEFINITION</a:t>
+            </a:r>
+          </a:p>
+          <a:p>
+            <a:pPr algn="ctr"/>
+            <a:r>
+              <a:rPr lang="en-US" dirty="0"/>
+              <a:t> </a:t>
+            </a:r>
+            <a:endParaRPr lang="en-US" sz="2400" dirty="0"/>
+          </a:p>
+          <a:p>
+            <a:pPr algn="ctr"/>
+            <a:endParaRPr lang="en-US" sz="2400" dirty="0"/>
+          </a:p>
+        </p:txBody>
+      </p:sp>
+      <p:sp>
+        <p:nvSpPr>
+          <p:cNvPr id="5" name="TextBox 4"/>
+          <p:cNvSpPr txBox="1"/>
+          <p:nvPr/>
+        </p:nvSpPr>
+        <p:spPr>
+          <a:xfrm>
+            <a:off x="1567541" y="1190172"/>
+            <a:ext cx="3018971" cy="461665"/>
+          </a:xfrm>
+          <a:prstGeom prst="rect">
+            <a:avLst/>
+          </a:prstGeom>
+        </p:spPr>
+        <p:style>
+          <a:lnRef idx="2">
+            <a:schemeClr val="dk1"/>
+          </a:lnRef>
+          <a:fillRef idx="1">
+            <a:schemeClr val="lt1"/>
+          </a:fillRef>
+          <a:effectRef idx="0">
+            <a:schemeClr val="dk1"/>
+          </a:effectRef>
+          <a:fontRef idx="minor">
+            <a:schemeClr val="dk1"/>
+          </a:fontRef>
+        </p:style>
+        <p:txBody>
+          <a:bodyPr wrap="square" rtlCol="0">
+            <a:spAutoFit/>
+          </a:bodyPr>
+          <a:lstStyle/>
+          <a:p>
+            <a:pPr algn="ctr"/>
+            <a:endParaRPr lang="en-US" sz="2400" dirty="0"/>
+          </a:p>
+        </p:txBody>
+      </p:sp>
       <p:cxnSp>
         <p:nvCxnSpPr>
-          <p:cNvPr id="8" name="Straight Connector 7"/>
+          <p:cNvPr id="7" name="Straight Connector 6"/>
           <p:cNvCxnSpPr/>
           <p:nvPr/>
         </p:nvCxnSpPr>
@@ -6710,78 +7153,19 @@
           </a:fontRef>
         </p:style>
       </p:cxnSp>
-      <p:sp>
-        <p:nvSpPr>
-          <p:cNvPr id="9" name="TextBox 8"/>
-          <p:cNvSpPr txBox="1"/>
-          <p:nvPr/>
-        </p:nvSpPr>
-        <p:spPr>
-          <a:xfrm rot="5400000">
-            <a:off x="4426647" y="646122"/>
-            <a:ext cx="496697" cy="461665"/>
-          </a:xfrm>
-          <a:prstGeom prst="rect">
-            <a:avLst/>
-          </a:prstGeom>
-          <a:noFill/>
-        </p:spPr>
-        <p:txBody>
-          <a:bodyPr wrap="square" rtlCol="0">
-            <a:spAutoFit/>
-          </a:bodyPr>
-          <a:lstStyle/>
-          <a:p>
-            <a:r>
-              <a:rPr lang="en-US" sz="2400" dirty="0" smtClean="0"/>
-              <a:t>...</a:t>
-            </a:r>
-            <a:endParaRPr lang="en-US" sz="2400" dirty="0"/>
-          </a:p>
-        </p:txBody>
-      </p:sp>
-      <p:sp>
-        <p:nvSpPr>
-          <p:cNvPr id="10" name="TextBox 9"/>
-          <p:cNvSpPr txBox="1"/>
-          <p:nvPr/>
-        </p:nvSpPr>
-        <p:spPr>
-          <a:xfrm>
-            <a:off x="1437344" y="689258"/>
-            <a:ext cx="463588" cy="369332"/>
-          </a:xfrm>
-          <a:prstGeom prst="rect">
-            <a:avLst/>
-          </a:prstGeom>
-          <a:noFill/>
-        </p:spPr>
-        <p:txBody>
-          <a:bodyPr wrap="none" rtlCol="0">
-            <a:spAutoFit/>
-          </a:bodyPr>
-          <a:lstStyle/>
-          <a:p>
-            <a:r>
-              <a:rPr lang="en-US" dirty="0" smtClean="0">
-                <a:sym typeface="Wingdings"/>
-              </a:rPr>
-              <a:t> </a:t>
-            </a:r>
-            <a:endParaRPr lang="en-US" dirty="0"/>
-          </a:p>
-        </p:txBody>
-      </p:sp>
       <p:cxnSp>
         <p:nvCxnSpPr>
-          <p:cNvPr id="11" name="Straight Connector 10"/>
-          <p:cNvCxnSpPr/>
+          <p:cNvPr id="8" name="Straight Connector 7"/>
+          <p:cNvCxnSpPr>
+            <a:stCxn id="4" idx="1"/>
+            <a:endCxn id="4" idx="3"/>
+          </p:cNvCxnSpPr>
           <p:nvPr/>
         </p:nvCxnSpPr>
         <p:spPr>
           <a:xfrm>
-            <a:off x="7104742" y="1190172"/>
-            <a:ext cx="3657600" cy="0"/>
+            <a:off x="1567542" y="3773938"/>
+            <a:ext cx="3018971" cy="0"/>
           </a:xfrm>
           <a:prstGeom prst="line">
             <a:avLst/>
@@ -6804,13 +7188,82 @@
       </p:cxnSp>
       <p:sp>
         <p:nvSpPr>
-          <p:cNvPr id="13" name="TextBox 12"/>
+          <p:cNvPr id="12" name="TextBox 11"/>
           <p:cNvSpPr txBox="1"/>
           <p:nvPr/>
         </p:nvSpPr>
         <p:spPr>
           <a:xfrm>
-            <a:off x="7293858" y="689258"/>
+            <a:off x="1567540" y="5880647"/>
+            <a:ext cx="3018971" cy="502920"/>
+          </a:xfrm>
+          <a:prstGeom prst="rect">
+            <a:avLst/>
+          </a:prstGeom>
+        </p:spPr>
+        <p:style>
+          <a:lnRef idx="2">
+            <a:schemeClr val="dk1"/>
+          </a:lnRef>
+          <a:fillRef idx="1">
+            <a:schemeClr val="lt1"/>
+          </a:fillRef>
+          <a:effectRef idx="0">
+            <a:schemeClr val="dk1"/>
+          </a:effectRef>
+          <a:fontRef idx="minor">
+            <a:schemeClr val="dk1"/>
+          </a:fontRef>
+        </p:style>
+        <p:txBody>
+          <a:bodyPr wrap="square" rtlCol="0">
+            <a:spAutoFit/>
+          </a:bodyPr>
+          <a:lstStyle/>
+          <a:p>
+            <a:pPr algn="ctr"/>
+            <a:endParaRPr lang="en-US" sz="2400" dirty="0"/>
+          </a:p>
+        </p:txBody>
+      </p:sp>
+      <p:sp>
+        <p:nvSpPr>
+          <p:cNvPr id="15" name="TextBox 14"/>
+          <p:cNvSpPr txBox="1"/>
+          <p:nvPr/>
+        </p:nvSpPr>
+        <p:spPr>
+          <a:xfrm rot="5400000">
+            <a:off x="4426647" y="646122"/>
+            <a:ext cx="496697" cy="461665"/>
+          </a:xfrm>
+          <a:prstGeom prst="rect">
+            <a:avLst/>
+          </a:prstGeom>
+          <a:noFill/>
+        </p:spPr>
+        <p:txBody>
+          <a:bodyPr wrap="square" rtlCol="0">
+            <a:spAutoFit/>
+          </a:bodyPr>
+          <a:lstStyle/>
+          <a:p>
+            <a:r>
+              <a:rPr lang="en-US" sz="2400" dirty="0"/>
+              <a:t>...</a:t>
+            </a:r>
+          </a:p>
+        </p:txBody>
+      </p:sp>
+      <p:sp>
+        <p:nvSpPr>
+          <p:cNvPr id="16" name="TextBox 15"/>
+          <p:cNvSpPr txBox="1"/>
+          <p:nvPr/>
+        </p:nvSpPr>
+        <p:spPr>
+          <a:xfrm>
+            <a:off x="1437344" y="689258"/>
             <a:ext cx="463588" cy="369332"/>
           </a:xfrm>
           <a:prstGeom prst="rect">
@@ -6825,7 +7278,7 @@
           <a:lstStyle/>
           <a:p>
             <a:r>
-              <a:rPr lang="en-US" dirty="0" smtClean="0">
+              <a:rPr lang="en-US" dirty="0">
                 <a:sym typeface="Wingdings"/>
               </a:rPr>
               <a:t> </a:t>
@@ -6834,16 +7287,75 @@
           </a:p>
         </p:txBody>
       </p:sp>
-      <p:sp>
-        <p:nvSpPr>
-          <p:cNvPr id="14" name="TextBox 13"/>
+      <p:cxnSp>
+        <p:nvCxnSpPr>
+          <p:cNvPr id="17" name="Straight Connector 16"/>
+          <p:cNvCxnSpPr/>
+          <p:nvPr/>
+        </p:nvCxnSpPr>
+        <p:spPr>
+          <a:xfrm>
+            <a:off x="7104742" y="1190172"/>
+            <a:ext cx="3657600" cy="0"/>
+          </a:xfrm>
+          <a:prstGeom prst="line">
+            <a:avLst/>
+          </a:prstGeom>
+        </p:spPr>
+        <p:style>
+          <a:lnRef idx="1">
+            <a:schemeClr val="dk1"/>
+          </a:lnRef>
+          <a:fillRef idx="0">
+            <a:schemeClr val="dk1"/>
+          </a:fillRef>
+          <a:effectRef idx="0">
+            <a:schemeClr val="dk1"/>
+          </a:effectRef>
+          <a:fontRef idx="minor">
+            <a:schemeClr val="tx1"/>
+          </a:fontRef>
+        </p:style>
+      </p:cxnSp>
+      <p:sp>
+        <p:nvSpPr>
+          <p:cNvPr id="18" name="TextBox 17"/>
           <p:cNvSpPr txBox="1"/>
           <p:nvPr/>
         </p:nvSpPr>
         <p:spPr>
-          <a:xfrm>
-            <a:off x="2636490" y="124154"/>
-            <a:ext cx="881075" cy="369332"/>
+          <a:xfrm rot="5400000">
+            <a:off x="10283161" y="646122"/>
+            <a:ext cx="496697" cy="461665"/>
+          </a:xfrm>
+          <a:prstGeom prst="rect">
+            <a:avLst/>
+          </a:prstGeom>
+          <a:noFill/>
+        </p:spPr>
+        <p:txBody>
+          <a:bodyPr wrap="square" rtlCol="0">
+            <a:spAutoFit/>
+          </a:bodyPr>
+          <a:lstStyle/>
+          <a:p>
+            <a:r>
+              <a:rPr lang="en-US" sz="2400" dirty="0"/>
+              <a:t>...</a:t>
+            </a:r>
+          </a:p>
+        </p:txBody>
+      </p:sp>
+      <p:sp>
+        <p:nvSpPr>
+          <p:cNvPr id="19" name="TextBox 18"/>
+          <p:cNvSpPr txBox="1"/>
+          <p:nvPr/>
+        </p:nvSpPr>
+        <p:spPr>
+          <a:xfrm>
+            <a:off x="7293858" y="689258"/>
+            <a:ext cx="463588" cy="369332"/>
           </a:xfrm>
           <a:prstGeom prst="rect">
             <a:avLst/>
@@ -6857,8 +7369,10 @@
           <a:lstStyle/>
           <a:p>
             <a:r>
-              <a:rPr lang="en-US" dirty="0" smtClean="0"/>
-              <a:t>View_8</a:t>
+              <a:rPr lang="en-US" dirty="0">
+                <a:sym typeface="Wingdings"/>
+              </a:rPr>
+              <a:t> </a:t>
             </a:r>
             <a:endParaRPr lang="en-US" dirty="0"/>
           </a:p>
@@ -6866,13 +7380,138 @@
       </p:sp>
       <p:sp>
         <p:nvSpPr>
-          <p:cNvPr id="15" name="TextBox 14"/>
+          <p:cNvPr id="21" name="TextBox 20"/>
           <p:cNvSpPr txBox="1"/>
           <p:nvPr/>
         </p:nvSpPr>
         <p:spPr>
           <a:xfrm>
-            <a:off x="8493003" y="129775"/>
+            <a:off x="8072546" y="2404533"/>
+            <a:ext cx="1721990" cy="461665"/>
+          </a:xfrm>
+          <a:prstGeom prst="rect">
+            <a:avLst/>
+          </a:prstGeom>
+          <a:noFill/>
+        </p:spPr>
+        <p:txBody>
+          <a:bodyPr wrap="square" rtlCol="0">
+            <a:spAutoFit/>
+          </a:bodyPr>
+          <a:lstStyle/>
+          <a:p>
+            <a:pPr algn="ctr"/>
+            <a:r>
+              <a:rPr lang="en-US" sz="2400" dirty="0"/>
+              <a:t>DEFINITION</a:t>
+            </a:r>
+          </a:p>
+        </p:txBody>
+      </p:sp>
+      <p:sp>
+        <p:nvSpPr>
+          <p:cNvPr id="22" name="TextBox 21"/>
+          <p:cNvSpPr txBox="1"/>
+          <p:nvPr/>
+        </p:nvSpPr>
+        <p:spPr>
+          <a:xfrm>
+            <a:off x="7314716" y="3826989"/>
+            <a:ext cx="3237651" cy="923330"/>
+          </a:xfrm>
+          <a:prstGeom prst="rect">
+            <a:avLst/>
+          </a:prstGeom>
+          <a:noFill/>
+          <a:ln>
+            <a:solidFill>
+              <a:schemeClr val="bg1">
+                <a:lumMod val="50000"/>
+              </a:schemeClr>
+            </a:solidFill>
+          </a:ln>
+        </p:spPr>
+        <p:txBody>
+          <a:bodyPr wrap="square" rtlCol="0">
+            <a:spAutoFit/>
+          </a:bodyPr>
+          <a:lstStyle/>
+          <a:p>
+            <a:endParaRPr lang="en-US" dirty="0">
+              <a:solidFill>
+                <a:schemeClr val="bg1">
+                  <a:lumMod val="50000"/>
+                </a:schemeClr>
+              </a:solidFill>
+            </a:endParaRPr>
+          </a:p>
+          <a:p>
+            <a:r>
+              <a:rPr lang="en-US" dirty="0">
+                <a:solidFill>
+                  <a:schemeClr val="bg1">
+                    <a:lumMod val="50000"/>
+                  </a:schemeClr>
+                </a:solidFill>
+              </a:rPr>
+              <a:t>Type Answer</a:t>
+            </a:r>
+          </a:p>
+          <a:p>
+            <a:endParaRPr lang="en-US" dirty="0">
+              <a:solidFill>
+                <a:schemeClr val="bg1">
+                  <a:lumMod val="50000"/>
+                </a:schemeClr>
+              </a:solidFill>
+            </a:endParaRPr>
+          </a:p>
+        </p:txBody>
+      </p:sp>
+      <p:sp>
+        <p:nvSpPr>
+          <p:cNvPr id="23" name="TextBox 22"/>
+          <p:cNvSpPr txBox="1"/>
+          <p:nvPr/>
+        </p:nvSpPr>
+        <p:spPr>
+          <a:xfrm>
+            <a:off x="9736663" y="4001906"/>
+            <a:ext cx="733344" cy="584775"/>
+          </a:xfrm>
+          <a:prstGeom prst="rect">
+            <a:avLst/>
+          </a:prstGeom>
+          <a:noFill/>
+          <a:ln>
+            <a:solidFill>
+              <a:schemeClr val="tx1"/>
+            </a:solidFill>
+          </a:ln>
+        </p:spPr>
+        <p:txBody>
+          <a:bodyPr wrap="square" rtlCol="0" anchor="ctr" anchorCtr="0">
+            <a:spAutoFit/>
+          </a:bodyPr>
+          <a:lstStyle/>
+          <a:p>
+            <a:pPr algn="ctr"/>
+            <a:r>
+              <a:rPr lang="en-US" sz="1600" dirty="0"/>
+              <a:t>Don’t Know</a:t>
+            </a:r>
+          </a:p>
+        </p:txBody>
+      </p:sp>
+      <p:sp>
+        <p:nvSpPr>
+          <p:cNvPr id="20" name="TextBox 19"/>
+          <p:cNvSpPr txBox="1"/>
+          <p:nvPr/>
+        </p:nvSpPr>
+        <p:spPr>
+          <a:xfrm>
+            <a:off x="2636490" y="124154"/>
             <a:ext cx="881075" cy="369332"/>
           </a:xfrm>
           <a:prstGeom prst="rect">
@@ -6887,23 +7526,264 @@
           <a:lstStyle/>
           <a:p>
             <a:r>
-              <a:rPr lang="en-US" dirty="0" smtClean="0"/>
-              <a:t>View_9</a:t>
+              <a:rPr lang="en-US" dirty="0"/>
+              <a:t>View_6</a:t>
+            </a:r>
+          </a:p>
+        </p:txBody>
+      </p:sp>
+      <p:sp>
+        <p:nvSpPr>
+          <p:cNvPr id="24" name="TextBox 23"/>
+          <p:cNvSpPr txBox="1"/>
+          <p:nvPr/>
+        </p:nvSpPr>
+        <p:spPr>
+          <a:xfrm>
+            <a:off x="8493003" y="129775"/>
+            <a:ext cx="881075" cy="369332"/>
+          </a:xfrm>
+          <a:prstGeom prst="rect">
+            <a:avLst/>
+          </a:prstGeom>
+          <a:noFill/>
+        </p:spPr>
+        <p:txBody>
+          <a:bodyPr wrap="none" rtlCol="0">
+            <a:spAutoFit/>
+          </a:bodyPr>
+          <a:lstStyle/>
+          <a:p>
+            <a:r>
+              <a:rPr lang="en-US" dirty="0"/>
+              <a:t>View_7</a:t>
+            </a:r>
+          </a:p>
+        </p:txBody>
+      </p:sp>
+      <p:sp>
+        <p:nvSpPr>
+          <p:cNvPr id="26" name="TextBox 25"/>
+          <p:cNvSpPr txBox="1"/>
+          <p:nvPr/>
+        </p:nvSpPr>
+        <p:spPr>
+          <a:xfrm>
+            <a:off x="8728529" y="6511988"/>
+            <a:ext cx="813043" cy="369332"/>
+          </a:xfrm>
+          <a:prstGeom prst="rect">
+            <a:avLst/>
+          </a:prstGeom>
+          <a:noFill/>
+        </p:spPr>
+        <p:txBody>
+          <a:bodyPr wrap="none" rtlCol="0">
+            <a:spAutoFit/>
+          </a:bodyPr>
+          <a:lstStyle/>
+          <a:p>
+            <a:r>
+              <a:rPr lang="en-US" dirty="0"/>
+              <a:t>WORD</a:t>
+            </a:r>
+          </a:p>
+        </p:txBody>
+      </p:sp>
+      <p:sp>
+        <p:nvSpPr>
+          <p:cNvPr id="27" name="TextBox 26"/>
+          <p:cNvSpPr txBox="1"/>
+          <p:nvPr/>
+        </p:nvSpPr>
+        <p:spPr>
+          <a:xfrm>
+            <a:off x="2636490" y="6469681"/>
+            <a:ext cx="1361370" cy="369332"/>
+          </a:xfrm>
+          <a:prstGeom prst="rect">
+            <a:avLst/>
+          </a:prstGeom>
+          <a:noFill/>
+        </p:spPr>
+        <p:txBody>
+          <a:bodyPr wrap="none" rtlCol="0">
+            <a:spAutoFit/>
+          </a:bodyPr>
+          <a:lstStyle/>
+          <a:p>
+            <a:r>
+              <a:rPr lang="en-US"/>
+              <a:t>WORDBOOK</a:t>
             </a:r>
             <a:endParaRPr lang="en-US" dirty="0"/>
           </a:p>
         </p:txBody>
       </p:sp>
-      <p:sp>
-        <p:nvSpPr>
-          <p:cNvPr id="16" name="TextBox 15"/>
+    </p:spTree>
+    <p:extLst>
+      <p:ext uri="{BB962C8B-B14F-4D97-AF65-F5344CB8AC3E}">
+        <p14:creationId xmlns:p14="http://schemas.microsoft.com/office/powerpoint/2010/main" val="576644425"/>
+      </p:ext>
+    </p:extLst>
+  </p:cSld>
+  <p:clrMapOvr>
+    <a:masterClrMapping/>
+  </p:clrMapOvr>
+</p:sld>
+</file>
+
+<file path=ppt/slides/slide5.xml><?xml version="1.0" encoding="utf-8"?>
+<p:sld xmlns:a="http://schemas.openxmlformats.org/drawingml/2006/main" xmlns:r="http://schemas.openxmlformats.org/officeDocument/2006/relationships" xmlns:p="http://schemas.openxmlformats.org/presentationml/2006/main">
+  <p:cSld>
+    <p:spTree>
+      <p:nvGrpSpPr>
+        <p:cNvPr id="1" name=""/>
+        <p:cNvGrpSpPr/>
+        <p:nvPr/>
+      </p:nvGrpSpPr>
+      <p:grpSpPr>
+        <a:xfrm>
+          <a:off x="0" y="0"/>
+          <a:ext cx="0" cy="0"/>
+          <a:chOff x="0" y="0"/>
+          <a:chExt cx="0" cy="0"/>
+        </a:xfrm>
+      </p:grpSpPr>
+      <p:sp>
+        <p:nvSpPr>
+          <p:cNvPr id="6" name="Frame 5"/>
+          <p:cNvSpPr/>
+          <p:nvPr/>
+        </p:nvSpPr>
+        <p:spPr>
+          <a:xfrm>
+            <a:off x="1248228" y="478972"/>
+            <a:ext cx="3657600" cy="5943600"/>
+          </a:xfrm>
+          <a:prstGeom prst="frame">
+            <a:avLst>
+              <a:gd name="adj1" fmla="val 992"/>
+            </a:avLst>
+          </a:prstGeom>
+          <a:ln/>
+        </p:spPr>
+        <p:style>
+          <a:lnRef idx="2">
+            <a:schemeClr val="dk1">
+              <a:shade val="50000"/>
+            </a:schemeClr>
+          </a:lnRef>
+          <a:fillRef idx="1">
+            <a:schemeClr val="dk1"/>
+          </a:fillRef>
+          <a:effectRef idx="0">
+            <a:schemeClr val="dk1"/>
+          </a:effectRef>
+          <a:fontRef idx="minor">
+            <a:schemeClr val="lt1"/>
+          </a:fontRef>
+        </p:style>
+        <p:txBody>
+          <a:bodyPr rtlCol="0" anchor="ctr"/>
+          <a:lstStyle/>
+          <a:p>
+            <a:pPr algn="ctr"/>
+            <a:endParaRPr lang="en-US">
+              <a:solidFill>
+                <a:schemeClr val="tx1"/>
+              </a:solidFill>
+            </a:endParaRPr>
+          </a:p>
+        </p:txBody>
+      </p:sp>
+      <p:sp>
+        <p:nvSpPr>
+          <p:cNvPr id="7" name="Frame 6"/>
+          <p:cNvSpPr/>
+          <p:nvPr/>
+        </p:nvSpPr>
+        <p:spPr>
+          <a:xfrm>
+            <a:off x="7104742" y="478972"/>
+            <a:ext cx="3657600" cy="5943600"/>
+          </a:xfrm>
+          <a:prstGeom prst="frame">
+            <a:avLst>
+              <a:gd name="adj1" fmla="val 992"/>
+            </a:avLst>
+          </a:prstGeom>
+          <a:ln/>
+        </p:spPr>
+        <p:style>
+          <a:lnRef idx="2">
+            <a:schemeClr val="dk1">
+              <a:shade val="50000"/>
+            </a:schemeClr>
+          </a:lnRef>
+          <a:fillRef idx="1">
+            <a:schemeClr val="dk1"/>
+          </a:fillRef>
+          <a:effectRef idx="0">
+            <a:schemeClr val="dk1"/>
+          </a:effectRef>
+          <a:fontRef idx="minor">
+            <a:schemeClr val="lt1"/>
+          </a:fontRef>
+        </p:style>
+        <p:txBody>
+          <a:bodyPr rtlCol="0" anchor="ctr"/>
+          <a:lstStyle/>
+          <a:p>
+            <a:pPr algn="ctr"/>
+            <a:endParaRPr lang="en-US">
+              <a:solidFill>
+                <a:schemeClr val="tx1"/>
+              </a:solidFill>
+            </a:endParaRPr>
+          </a:p>
+        </p:txBody>
+      </p:sp>
+      <p:cxnSp>
+        <p:nvCxnSpPr>
+          <p:cNvPr id="8" name="Straight Connector 7"/>
+          <p:cNvCxnSpPr/>
+          <p:nvPr/>
+        </p:nvCxnSpPr>
+        <p:spPr>
+          <a:xfrm>
+            <a:off x="1248228" y="1190172"/>
+            <a:ext cx="3657600" cy="0"/>
+          </a:xfrm>
+          <a:prstGeom prst="line">
+            <a:avLst/>
+          </a:prstGeom>
+        </p:spPr>
+        <p:style>
+          <a:lnRef idx="1">
+            <a:schemeClr val="dk1"/>
+          </a:lnRef>
+          <a:fillRef idx="0">
+            <a:schemeClr val="dk1"/>
+          </a:fillRef>
+          <a:effectRef idx="0">
+            <a:schemeClr val="dk1"/>
+          </a:effectRef>
+          <a:fontRef idx="minor">
+            <a:schemeClr val="tx1"/>
+          </a:fontRef>
+        </p:style>
+      </p:cxnSp>
+      <p:sp>
+        <p:nvSpPr>
+          <p:cNvPr id="9" name="TextBox 8"/>
           <p:cNvSpPr txBox="1"/>
           <p:nvPr/>
         </p:nvSpPr>
         <p:spPr>
-          <a:xfrm>
-            <a:off x="2179560" y="2989107"/>
-            <a:ext cx="1794933" cy="923330"/>
+          <a:xfrm rot="5400000">
+            <a:off x="4426647" y="646122"/>
+            <a:ext cx="496697" cy="461665"/>
           </a:xfrm>
           <a:prstGeom prst="rect">
             <a:avLst/>
@@ -6916,9 +7796,190 @@
           </a:bodyPr>
           <a:lstStyle/>
           <a:p>
+            <a:r>
+              <a:rPr lang="en-US" sz="2400" dirty="0"/>
+              <a:t>...</a:t>
+            </a:r>
+          </a:p>
+        </p:txBody>
+      </p:sp>
+      <p:sp>
+        <p:nvSpPr>
+          <p:cNvPr id="10" name="TextBox 9"/>
+          <p:cNvSpPr txBox="1"/>
+          <p:nvPr/>
+        </p:nvSpPr>
+        <p:spPr>
+          <a:xfrm>
+            <a:off x="1437344" y="689258"/>
+            <a:ext cx="463588" cy="369332"/>
+          </a:xfrm>
+          <a:prstGeom prst="rect">
+            <a:avLst/>
+          </a:prstGeom>
+          <a:noFill/>
+        </p:spPr>
+        <p:txBody>
+          <a:bodyPr wrap="none" rtlCol="0">
+            <a:spAutoFit/>
+          </a:bodyPr>
+          <a:lstStyle/>
+          <a:p>
+            <a:r>
+              <a:rPr lang="en-US" dirty="0">
+                <a:sym typeface="Wingdings"/>
+              </a:rPr>
+              <a:t> </a:t>
+            </a:r>
+            <a:endParaRPr lang="en-US" dirty="0"/>
+          </a:p>
+        </p:txBody>
+      </p:sp>
+      <p:cxnSp>
+        <p:nvCxnSpPr>
+          <p:cNvPr id="11" name="Straight Connector 10"/>
+          <p:cNvCxnSpPr/>
+          <p:nvPr/>
+        </p:nvCxnSpPr>
+        <p:spPr>
+          <a:xfrm>
+            <a:off x="7104742" y="1190172"/>
+            <a:ext cx="3657600" cy="0"/>
+          </a:xfrm>
+          <a:prstGeom prst="line">
+            <a:avLst/>
+          </a:prstGeom>
+        </p:spPr>
+        <p:style>
+          <a:lnRef idx="1">
+            <a:schemeClr val="dk1"/>
+          </a:lnRef>
+          <a:fillRef idx="0">
+            <a:schemeClr val="dk1"/>
+          </a:fillRef>
+          <a:effectRef idx="0">
+            <a:schemeClr val="dk1"/>
+          </a:effectRef>
+          <a:fontRef idx="minor">
+            <a:schemeClr val="tx1"/>
+          </a:fontRef>
+        </p:style>
+      </p:cxnSp>
+      <p:sp>
+        <p:nvSpPr>
+          <p:cNvPr id="13" name="TextBox 12"/>
+          <p:cNvSpPr txBox="1"/>
+          <p:nvPr/>
+        </p:nvSpPr>
+        <p:spPr>
+          <a:xfrm>
+            <a:off x="7293858" y="689258"/>
+            <a:ext cx="463588" cy="369332"/>
+          </a:xfrm>
+          <a:prstGeom prst="rect">
+            <a:avLst/>
+          </a:prstGeom>
+          <a:noFill/>
+        </p:spPr>
+        <p:txBody>
+          <a:bodyPr wrap="none" rtlCol="0">
+            <a:spAutoFit/>
+          </a:bodyPr>
+          <a:lstStyle/>
+          <a:p>
+            <a:r>
+              <a:rPr lang="en-US" dirty="0">
+                <a:sym typeface="Wingdings"/>
+              </a:rPr>
+              <a:t> </a:t>
+            </a:r>
+            <a:endParaRPr lang="en-US" dirty="0"/>
+          </a:p>
+        </p:txBody>
+      </p:sp>
+      <p:sp>
+        <p:nvSpPr>
+          <p:cNvPr id="14" name="TextBox 13"/>
+          <p:cNvSpPr txBox="1"/>
+          <p:nvPr/>
+        </p:nvSpPr>
+        <p:spPr>
+          <a:xfrm>
+            <a:off x="2636490" y="124154"/>
+            <a:ext cx="881075" cy="369332"/>
+          </a:xfrm>
+          <a:prstGeom prst="rect">
+            <a:avLst/>
+          </a:prstGeom>
+          <a:noFill/>
+        </p:spPr>
+        <p:txBody>
+          <a:bodyPr wrap="none" rtlCol="0">
+            <a:spAutoFit/>
+          </a:bodyPr>
+          <a:lstStyle/>
+          <a:p>
+            <a:r>
+              <a:rPr lang="en-US" dirty="0"/>
+              <a:t>View_8</a:t>
+            </a:r>
+          </a:p>
+        </p:txBody>
+      </p:sp>
+      <p:sp>
+        <p:nvSpPr>
+          <p:cNvPr id="15" name="TextBox 14"/>
+          <p:cNvSpPr txBox="1"/>
+          <p:nvPr/>
+        </p:nvSpPr>
+        <p:spPr>
+          <a:xfrm>
+            <a:off x="8493003" y="129775"/>
+            <a:ext cx="881075" cy="369332"/>
+          </a:xfrm>
+          <a:prstGeom prst="rect">
+            <a:avLst/>
+          </a:prstGeom>
+          <a:noFill/>
+        </p:spPr>
+        <p:txBody>
+          <a:bodyPr wrap="none" rtlCol="0">
+            <a:spAutoFit/>
+          </a:bodyPr>
+          <a:lstStyle/>
+          <a:p>
+            <a:r>
+              <a:rPr lang="en-US" dirty="0"/>
+              <a:t>View_9</a:t>
+            </a:r>
+          </a:p>
+        </p:txBody>
+      </p:sp>
+      <p:sp>
+        <p:nvSpPr>
+          <p:cNvPr id="16" name="TextBox 15"/>
+          <p:cNvSpPr txBox="1"/>
+          <p:nvPr/>
+        </p:nvSpPr>
+        <p:spPr>
+          <a:xfrm>
+            <a:off x="2179560" y="2989107"/>
+            <a:ext cx="1794933" cy="923330"/>
+          </a:xfrm>
+          <a:prstGeom prst="rect">
+            <a:avLst/>
+          </a:prstGeom>
+          <a:noFill/>
+        </p:spPr>
+        <p:txBody>
+          <a:bodyPr wrap="square" rtlCol="0">
+            <a:spAutoFit/>
+          </a:bodyPr>
+          <a:lstStyle/>
+          <a:p>
             <a:pPr algn="ctr"/>
             <a:r>
-              <a:rPr lang="en-US" dirty="0" smtClean="0"/>
+              <a:rPr lang="en-US" dirty="0"/>
               <a:t>MATCH</a:t>
             </a:r>
           </a:p>
@@ -6929,7 +7990,7 @@
           <a:p>
             <a:pPr algn="ctr"/>
             <a:r>
-              <a:rPr lang="en-US" dirty="0" smtClean="0"/>
+              <a:rPr lang="en-US" dirty="0"/>
               <a:t>(GAME)</a:t>
             </a:r>
           </a:p>
@@ -6967,14 +8028,13 @@
           <a:lstStyle/>
           <a:p>
             <a:r>
-              <a:rPr lang="en-US" sz="1400" i="1" dirty="0" smtClean="0"/>
+              <a:rPr lang="en-US" sz="1400" i="1" dirty="0"/>
               <a:t>  </a:t>
             </a:r>
             <a:r>
-              <a:rPr lang="en-US" sz="1400" i="1" u="sng" dirty="0" smtClean="0"/>
+              <a:rPr lang="en-US" sz="1400" i="1" u="sng" dirty="0"/>
               <a:t>username</a:t>
             </a:r>
-            <a:endParaRPr lang="en-US" sz="1400" i="1" u="sng" dirty="0"/>
           </a:p>
         </p:txBody>
       </p:sp>
@@ -7009,25 +8069,21 @@
               </a:spcAft>
             </a:pPr>
             <a:r>
-              <a:rPr lang="en-US" sz="500" dirty="0" smtClean="0"/>
+              <a:rPr lang="en-US" sz="500" dirty="0"/>
               <a:t> </a:t>
             </a:r>
-            <a:r>
-              <a:rPr lang="en-US" sz="1600" dirty="0" smtClean="0"/>
-              <a:t/>
-            </a:r>
             <a:br>
-              <a:rPr lang="en-US" sz="1600" dirty="0" smtClean="0"/>
+              <a:rPr lang="en-US" sz="1600" dirty="0"/>
             </a:br>
             <a:r>
-              <a:rPr lang="en-US" sz="1600" dirty="0" smtClean="0"/>
+              <a:rPr lang="en-US" sz="1600" dirty="0"/>
               <a:t>  Account Settings</a:t>
             </a:r>
             <a:r>
-              <a:rPr lang="en-US" sz="800" dirty="0" smtClean="0"/>
+              <a:rPr lang="en-US" sz="800" dirty="0"/>
               <a:t> </a:t>
             </a:r>
-            <a:endParaRPr lang="en-US" sz="1600" dirty="0" smtClean="0"/>
+            <a:endParaRPr lang="en-US" sz="1600" dirty="0"/>
           </a:p>
         </p:txBody>
       </p:sp>
@@ -7063,14 +8119,13 @@
           <a:lstStyle/>
           <a:p>
             <a:r>
-              <a:rPr lang="en-US" sz="1400" i="1" dirty="0" smtClean="0"/>
+              <a:rPr lang="en-US" sz="1400" i="1" dirty="0"/>
               <a:t>  </a:t>
             </a:r>
             <a:r>
-              <a:rPr lang="en-US" sz="1400" dirty="0" smtClean="0"/>
+              <a:rPr lang="en-US" sz="1400" dirty="0"/>
               <a:t>Support</a:t>
             </a:r>
-            <a:endParaRPr lang="en-US" sz="1400" dirty="0"/>
           </a:p>
         </p:txBody>
       </p:sp>
@@ -7105,18 +8160,14 @@
               </a:spcAft>
             </a:pPr>
             <a:r>
-              <a:rPr lang="en-US" sz="500" dirty="0" smtClean="0"/>
+              <a:rPr lang="en-US" sz="500" dirty="0"/>
               <a:t> </a:t>
             </a:r>
-            <a:r>
-              <a:rPr lang="en-US" sz="1600" dirty="0" smtClean="0"/>
-              <a:t/>
-            </a:r>
             <a:br>
-              <a:rPr lang="en-US" sz="1600" dirty="0" smtClean="0"/>
+              <a:rPr lang="en-US" sz="1600" dirty="0"/>
             </a:br>
             <a:r>
-              <a:rPr lang="en-US" sz="1600" dirty="0" smtClean="0"/>
+              <a:rPr lang="en-US" sz="1600" dirty="0"/>
               <a:t>  Send Feedback</a:t>
             </a:r>
           </a:p>
@@ -7154,10 +8205,9 @@
           <a:lstStyle/>
           <a:p>
             <a:r>
-              <a:rPr lang="en-US" sz="1400" dirty="0" smtClean="0"/>
+              <a:rPr lang="en-US" sz="1400" dirty="0"/>
               <a:t>  About</a:t>
             </a:r>
-            <a:endParaRPr lang="en-US" sz="1400" dirty="0"/>
           </a:p>
         </p:txBody>
       </p:sp>
@@ -7195,18 +8245,14 @@
               </a:spcAft>
             </a:pPr>
             <a:r>
-              <a:rPr lang="en-US" sz="500" dirty="0" smtClean="0"/>
+              <a:rPr lang="en-US" sz="500" dirty="0"/>
               <a:t> </a:t>
             </a:r>
-            <a:r>
-              <a:rPr lang="en-US" sz="1600" dirty="0" smtClean="0"/>
-              <a:t/>
-            </a:r>
             <a:br>
-              <a:rPr lang="en-US" sz="1600" dirty="0" smtClean="0"/>
+              <a:rPr lang="en-US" sz="1600" dirty="0"/>
             </a:br>
             <a:r>
-              <a:rPr lang="en-US" sz="1600" dirty="0" smtClean="0"/>
+              <a:rPr lang="en-US" sz="1600" dirty="0"/>
               <a:t>  Rate Us!</a:t>
             </a:r>
           </a:p>
@@ -7280,18 +8326,14 @@
               </a:spcAft>
             </a:pPr>
             <a:r>
-              <a:rPr lang="en-US" sz="500" dirty="0" smtClean="0"/>
+              <a:rPr lang="en-US" sz="500" dirty="0"/>
               <a:t> </a:t>
             </a:r>
-            <a:r>
-              <a:rPr lang="en-US" sz="1600" dirty="0" smtClean="0"/>
-              <a:t/>
-            </a:r>
             <a:br>
-              <a:rPr lang="en-US" sz="1600" dirty="0" smtClean="0"/>
+              <a:rPr lang="en-US" sz="1600" dirty="0"/>
             </a:br>
             <a:r>
-              <a:rPr lang="en-US" sz="1600" dirty="0" smtClean="0"/>
+              <a:rPr lang="en-US" sz="1600" dirty="0"/>
               <a:t>  Privacy Policy</a:t>
             </a:r>
           </a:p>
@@ -7331,18 +8373,14 @@
               </a:spcAft>
             </a:pPr>
             <a:r>
-              <a:rPr lang="en-US" sz="500" dirty="0" smtClean="0"/>
+              <a:rPr lang="en-US" sz="500" dirty="0"/>
               <a:t> </a:t>
             </a:r>
-            <a:r>
-              <a:rPr lang="en-US" sz="1600" dirty="0" smtClean="0"/>
-              <a:t/>
-            </a:r>
             <a:br>
-              <a:rPr lang="en-US" sz="1600" dirty="0" smtClean="0"/>
+              <a:rPr lang="en-US" sz="1600" dirty="0"/>
             </a:br>
             <a:r>
-              <a:rPr lang="en-US" sz="1600" dirty="0" smtClean="0"/>
+              <a:rPr lang="en-US" sz="1600" dirty="0"/>
               <a:t>  Terms of Service</a:t>
             </a:r>
           </a:p>
@@ -7419,22 +8457,18 @@
               </a:spcAft>
             </a:pPr>
             <a:r>
-              <a:rPr lang="en-US" sz="500" dirty="0" smtClean="0"/>
+              <a:rPr lang="en-US" sz="500" dirty="0"/>
               <a:t> </a:t>
             </a:r>
-            <a:r>
-              <a:rPr lang="en-US" sz="1600" dirty="0" smtClean="0"/>
-              <a:t/>
-            </a:r>
             <a:br>
-              <a:rPr lang="en-US" sz="1600" dirty="0" smtClean="0"/>
+              <a:rPr lang="en-US" sz="1600" dirty="0"/>
             </a:br>
             <a:r>
-              <a:rPr lang="en-US" sz="1600" dirty="0" smtClean="0"/>
+              <a:rPr lang="en-US" sz="1600" dirty="0"/>
               <a:t>  Log out of </a:t>
             </a:r>
             <a:r>
-              <a:rPr lang="en-US" sz="1600" i="1" u="sng" dirty="0" smtClean="0"/>
+              <a:rPr lang="en-US" sz="1600" i="1" u="sng" dirty="0"/>
               <a:t>username</a:t>
             </a:r>
           </a:p>
@@ -7500,10 +8534,9 @@
           <a:lstStyle/>
           <a:p>
             <a:r>
-              <a:rPr lang="en-US" dirty="0" smtClean="0"/>
+              <a:rPr lang="en-US" dirty="0"/>
               <a:t>MATCH</a:t>
             </a:r>
-            <a:endParaRPr lang="en-US" dirty="0"/>
           </a:p>
         </p:txBody>
       </p:sp>
@@ -7530,10 +8563,9 @@
           <a:lstStyle/>
           <a:p>
             <a:r>
-              <a:rPr lang="en-US" dirty="0" smtClean="0"/>
+              <a:rPr lang="en-US" dirty="0"/>
               <a:t>SETTING</a:t>
             </a:r>
-            <a:endParaRPr lang="en-US" dirty="0"/>
           </a:p>
         </p:txBody>
       </p:sp>
@@ -7541,6 +8573,139 @@
     <p:extLst>
       <p:ext uri="{BB962C8B-B14F-4D97-AF65-F5344CB8AC3E}">
         <p14:creationId xmlns:p14="http://schemas.microsoft.com/office/powerpoint/2010/main" val="1292690461"/>
+      </p:ext>
+    </p:extLst>
+  </p:cSld>
+  <p:clrMapOvr>
+    <a:masterClrMapping/>
+  </p:clrMapOvr>
+</p:sld>
+</file>
+
+<file path=ppt/slides/slide6.xml><?xml version="1.0" encoding="utf-8"?>
+<p:sld xmlns:a="http://schemas.openxmlformats.org/drawingml/2006/main" xmlns:r="http://schemas.openxmlformats.org/officeDocument/2006/relationships" xmlns:p="http://schemas.openxmlformats.org/presentationml/2006/main">
+  <p:cSld>
+    <p:spTree>
+      <p:nvGrpSpPr>
+        <p:cNvPr id="1" name=""/>
+        <p:cNvGrpSpPr/>
+        <p:nvPr/>
+      </p:nvGrpSpPr>
+      <p:grpSpPr>
+        <a:xfrm>
+          <a:off x="0" y="0"/>
+          <a:ext cx="0" cy="0"/>
+          <a:chOff x="0" y="0"/>
+          <a:chExt cx="0" cy="0"/>
+        </a:xfrm>
+      </p:grpSpPr>
+      <p:sp>
+        <p:nvSpPr>
+          <p:cNvPr id="2" name="TextBox 1"/>
+          <p:cNvSpPr txBox="1"/>
+          <p:nvPr/>
+        </p:nvSpPr>
+        <p:spPr>
+          <a:xfrm>
+            <a:off x="0" y="0"/>
+            <a:ext cx="13312587" cy="2862322"/>
+          </a:xfrm>
+          <a:prstGeom prst="rect">
+            <a:avLst/>
+          </a:prstGeom>
+          <a:noFill/>
+        </p:spPr>
+        <p:txBody>
+          <a:bodyPr wrap="square" rtlCol="0">
+            <a:spAutoFit/>
+          </a:bodyPr>
+          <a:lstStyle/>
+          <a:p>
+            <a:pPr marL="342900" indent="-342900">
+              <a:buAutoNum type="arabicPeriod"/>
+            </a:pPr>
+            <a:r>
+              <a:rPr lang="en-US" dirty="0"/>
+              <a:t>No sign-up button on view-2</a:t>
+            </a:r>
+          </a:p>
+          <a:p>
+            <a:pPr marL="342900" indent="-342900">
+              <a:buAutoNum type="arabicPeriod"/>
+            </a:pPr>
+            <a:r>
+              <a:rPr lang="en-US" dirty="0"/>
+              <a:t>Need to create activities for all the settings, send feedback, </a:t>
+            </a:r>
+            <a:r>
+              <a:rPr lang="en-US" dirty="0" err="1"/>
+              <a:t>etc</a:t>
+            </a:r>
+            <a:endParaRPr lang="en-US" dirty="0"/>
+          </a:p>
+          <a:p>
+            <a:pPr marL="342900" indent="-342900">
+              <a:buAutoNum type="arabicPeriod"/>
+            </a:pPr>
+            <a:r>
+              <a:rPr lang="en-US" dirty="0"/>
+              <a:t>Create Class B_3 and Folder B_4</a:t>
+            </a:r>
+          </a:p>
+          <a:p>
+            <a:pPr marL="342900" indent="-342900">
+              <a:buAutoNum type="arabicPeriod"/>
+            </a:pPr>
+            <a:r>
+              <a:rPr lang="en-US" dirty="0"/>
+              <a:t>Sign up with Facebook and Google plus</a:t>
+            </a:r>
+          </a:p>
+          <a:p>
+            <a:pPr marL="342900" indent="-342900">
+              <a:buAutoNum type="arabicPeriod"/>
+            </a:pPr>
+            <a:r>
+              <a:rPr lang="en-US" dirty="0"/>
+              <a:t>Policy and Terms of Service</a:t>
+            </a:r>
+          </a:p>
+          <a:p>
+            <a:pPr marL="342900" indent="-342900">
+              <a:buAutoNum type="arabicPeriod"/>
+            </a:pPr>
+            <a:endParaRPr lang="en-US" dirty="0"/>
+          </a:p>
+          <a:p>
+            <a:pPr marL="342900" indent="-342900">
+              <a:buAutoNum type="arabicPeriod"/>
+            </a:pPr>
+            <a:endParaRPr lang="en-US" dirty="0"/>
+          </a:p>
+          <a:p>
+            <a:pPr marL="342900" indent="-342900">
+              <a:buAutoNum type="arabicPeriod"/>
+            </a:pPr>
+            <a:endParaRPr lang="en-US" dirty="0"/>
+          </a:p>
+          <a:p>
+            <a:pPr marL="342900" indent="-342900">
+              <a:buAutoNum type="arabicPeriod"/>
+            </a:pPr>
+            <a:endParaRPr lang="en-US" dirty="0"/>
+          </a:p>
+          <a:p>
+            <a:pPr marL="342900" indent="-342900">
+              <a:buAutoNum type="arabicPeriod"/>
+            </a:pPr>
+            <a:endParaRPr lang="en-US" dirty="0"/>
+          </a:p>
+        </p:txBody>
+      </p:sp>
+    </p:spTree>
+    <p:extLst>
+      <p:ext uri="{BB962C8B-B14F-4D97-AF65-F5344CB8AC3E}">
+        <p14:creationId xmlns:p14="http://schemas.microsoft.com/office/powerpoint/2010/main" val="1260417836"/>
       </p:ext>
     </p:extLst>
   </p:cSld>
@@ -7805,7 +8970,7 @@
   <a:extraClrSchemeLst/>
   <a:extLst>
     <a:ext uri="{05A4C25C-085E-4340-85A3-A5531E510DB2}">
-      <thm15:themeFamily xmlns:thm15="http://schemas.microsoft.com/office/thememl/2012/main" xmlns="" name="Office Theme" id="{62F939B6-93AF-4DB8-9C6B-D6C7DFDC589F}" vid="{4A3C46E8-61CC-4603-A589-7422A47A8E4A}"/>
+      <thm15:themeFamily xmlns:thm15="http://schemas.microsoft.com/office/thememl/2012/main" name="Office Theme" id="{62F939B6-93AF-4DB8-9C6B-D6C7DFDC589F}" vid="{4A3C46E8-61CC-4603-A589-7422A47A8E4A}"/>
     </a:ext>
   </a:extLst>
 </a:theme>

--- a/Device Screen.pptx
+++ b/Device Screen.pptx
@@ -7,9 +7,9 @@
   <p:sldIdLst>
     <p:sldId id="256" r:id="rId2"/>
     <p:sldId id="257" r:id="rId3"/>
-    <p:sldId id="261" r:id="rId4"/>
-    <p:sldId id="258" r:id="rId5"/>
-    <p:sldId id="259" r:id="rId6"/>
+    <p:sldId id="258" r:id="rId4"/>
+    <p:sldId id="259" r:id="rId5"/>
+    <p:sldId id="261" r:id="rId6"/>
     <p:sldId id="260" r:id="rId7"/>
   </p:sldIdLst>
   <p:sldSz cx="12192000" cy="6858000"/>
@@ -111,7 +111,7 @@
   </p:defaultTextStyle>
   <p:extLst>
     <p:ext uri="{EFAFB233-063F-42B5-8137-9DF3F51BA10A}">
-      <p15:sldGuideLst xmlns:p15="http://schemas.microsoft.com/office/powerpoint/2012/main">
+      <p15:sldGuideLst xmlns:p15="http://schemas.microsoft.com/office/powerpoint/2012/main" xmlns="">
         <p15:guide id="1" orient="horz" pos="2160">
           <p15:clr>
             <a:srgbClr val="A4A3A4"/>
@@ -257,7 +257,7 @@
           <a:p>
             <a:fld id="{BBC792A3-0523-3F47-BDD7-FCD0014C791B}" type="datetimeFigureOut">
               <a:rPr lang="en-US" smtClean="0"/>
-              <a:t>3/20/2016</a:t>
+              <a:t>4/10/16</a:t>
             </a:fld>
             <a:endParaRPr lang="en-US"/>
           </a:p>
@@ -425,7 +425,7 @@
           <a:p>
             <a:fld id="{BBC792A3-0523-3F47-BDD7-FCD0014C791B}" type="datetimeFigureOut">
               <a:rPr lang="en-US" smtClean="0"/>
-              <a:t>3/20/2016</a:t>
+              <a:t>4/10/16</a:t>
             </a:fld>
             <a:endParaRPr lang="en-US"/>
           </a:p>
@@ -603,7 +603,7 @@
           <a:p>
             <a:fld id="{BBC792A3-0523-3F47-BDD7-FCD0014C791B}" type="datetimeFigureOut">
               <a:rPr lang="en-US" smtClean="0"/>
-              <a:t>3/20/2016</a:t>
+              <a:t>4/10/16</a:t>
             </a:fld>
             <a:endParaRPr lang="en-US"/>
           </a:p>
@@ -771,7 +771,7 @@
           <a:p>
             <a:fld id="{BBC792A3-0523-3F47-BDD7-FCD0014C791B}" type="datetimeFigureOut">
               <a:rPr lang="en-US" smtClean="0"/>
-              <a:t>3/20/2016</a:t>
+              <a:t>4/10/16</a:t>
             </a:fld>
             <a:endParaRPr lang="en-US"/>
           </a:p>
@@ -1016,7 +1016,7 @@
           <a:p>
             <a:fld id="{BBC792A3-0523-3F47-BDD7-FCD0014C791B}" type="datetimeFigureOut">
               <a:rPr lang="en-US" smtClean="0"/>
-              <a:t>3/20/2016</a:t>
+              <a:t>4/10/16</a:t>
             </a:fld>
             <a:endParaRPr lang="en-US"/>
           </a:p>
@@ -1245,7 +1245,7 @@
           <a:p>
             <a:fld id="{BBC792A3-0523-3F47-BDD7-FCD0014C791B}" type="datetimeFigureOut">
               <a:rPr lang="en-US" smtClean="0"/>
-              <a:t>3/20/2016</a:t>
+              <a:t>4/10/16</a:t>
             </a:fld>
             <a:endParaRPr lang="en-US"/>
           </a:p>
@@ -1609,7 +1609,7 @@
           <a:p>
             <a:fld id="{BBC792A3-0523-3F47-BDD7-FCD0014C791B}" type="datetimeFigureOut">
               <a:rPr lang="en-US" smtClean="0"/>
-              <a:t>3/20/2016</a:t>
+              <a:t>4/10/16</a:t>
             </a:fld>
             <a:endParaRPr lang="en-US"/>
           </a:p>
@@ -1726,7 +1726,7 @@
           <a:p>
             <a:fld id="{BBC792A3-0523-3F47-BDD7-FCD0014C791B}" type="datetimeFigureOut">
               <a:rPr lang="en-US" smtClean="0"/>
-              <a:t>3/20/2016</a:t>
+              <a:t>4/10/16</a:t>
             </a:fld>
             <a:endParaRPr lang="en-US"/>
           </a:p>
@@ -1821,7 +1821,7 @@
           <a:p>
             <a:fld id="{BBC792A3-0523-3F47-BDD7-FCD0014C791B}" type="datetimeFigureOut">
               <a:rPr lang="en-US" smtClean="0"/>
-              <a:t>3/20/2016</a:t>
+              <a:t>4/10/16</a:t>
             </a:fld>
             <a:endParaRPr lang="en-US"/>
           </a:p>
@@ -2096,7 +2096,7 @@
           <a:p>
             <a:fld id="{BBC792A3-0523-3F47-BDD7-FCD0014C791B}" type="datetimeFigureOut">
               <a:rPr lang="en-US" smtClean="0"/>
-              <a:t>3/20/2016</a:t>
+              <a:t>4/10/16</a:t>
             </a:fld>
             <a:endParaRPr lang="en-US"/>
           </a:p>
@@ -2348,7 +2348,7 @@
           <a:p>
             <a:fld id="{BBC792A3-0523-3F47-BDD7-FCD0014C791B}" type="datetimeFigureOut">
               <a:rPr lang="en-US" smtClean="0"/>
-              <a:t>3/20/2016</a:t>
+              <a:t>4/10/16</a:t>
             </a:fld>
             <a:endParaRPr lang="en-US"/>
           </a:p>
@@ -2559,7 +2559,7 @@
           <a:p>
             <a:fld id="{BBC792A3-0523-3F47-BDD7-FCD0014C791B}" type="datetimeFigureOut">
               <a:rPr lang="en-US" smtClean="0"/>
-              <a:t>3/20/2016</a:t>
+              <a:t>4/10/16</a:t>
             </a:fld>
             <a:endParaRPr lang="en-US"/>
           </a:p>
@@ -4703,7 +4703,7 @@
         </p:nvGraphicFramePr>
         <p:xfrm>
           <a:off x="1248226" y="1422399"/>
-          <a:ext cx="3657600" cy="518160"/>
+          <a:ext cx="3657600" cy="518159"/>
         </p:xfrm>
         <a:graphic>
           <a:graphicData uri="http://schemas.openxmlformats.org/drawingml/2006/table">
@@ -4715,28 +4715,28 @@
                 <a:gridCol w="914400">
                   <a:extLst>
                     <a:ext uri="{9D8B030D-6E8A-4147-A177-3AD203B41FA5}">
-                      <a16:colId xmlns:a16="http://schemas.microsoft.com/office/drawing/2014/main" val="20000"/>
+                      <a16:colId xmlns:a16="http://schemas.microsoft.com/office/drawing/2014/main" xmlns="" val="20000"/>
                     </a:ext>
                   </a:extLst>
                 </a:gridCol>
                 <a:gridCol w="914400">
                   <a:extLst>
                     <a:ext uri="{9D8B030D-6E8A-4147-A177-3AD203B41FA5}">
-                      <a16:colId xmlns:a16="http://schemas.microsoft.com/office/drawing/2014/main" val="20001"/>
+                      <a16:colId xmlns:a16="http://schemas.microsoft.com/office/drawing/2014/main" xmlns="" val="20001"/>
                     </a:ext>
                   </a:extLst>
                 </a:gridCol>
                 <a:gridCol w="914400">
                   <a:extLst>
                     <a:ext uri="{9D8B030D-6E8A-4147-A177-3AD203B41FA5}">
-                      <a16:colId xmlns:a16="http://schemas.microsoft.com/office/drawing/2014/main" val="20002"/>
+                      <a16:colId xmlns:a16="http://schemas.microsoft.com/office/drawing/2014/main" xmlns="" val="20002"/>
                     </a:ext>
                   </a:extLst>
                 </a:gridCol>
                 <a:gridCol w="914400">
                   <a:extLst>
                     <a:ext uri="{9D8B030D-6E8A-4147-A177-3AD203B41FA5}">
-                      <a16:colId xmlns:a16="http://schemas.microsoft.com/office/drawing/2014/main" val="20003"/>
+                      <a16:colId xmlns:a16="http://schemas.microsoft.com/office/drawing/2014/main" xmlns="" val="20003"/>
                     </a:ext>
                   </a:extLst>
                 </a:gridCol>
@@ -5012,7 +5012,7 @@
                 </a:tc>
                 <a:extLst>
                   <a:ext uri="{0D108BD9-81ED-4DB2-BD59-A6C34878D82A}">
-                    <a16:rowId xmlns:a16="http://schemas.microsoft.com/office/drawing/2014/main" val="10000"/>
+                    <a16:rowId xmlns:a16="http://schemas.microsoft.com/office/drawing/2014/main" xmlns="" val="10000"/>
                   </a:ext>
                 </a:extLst>
               </a:tr>
@@ -5797,7 +5797,7 @@
         </p:nvSpPr>
         <p:spPr>
           <a:xfrm>
-            <a:off x="7090949" y="478972"/>
+            <a:off x="1248228" y="478972"/>
             <a:ext cx="3657600" cy="5943600"/>
           </a:xfrm>
           <a:prstGeom prst="frame">
@@ -5838,102 +5838,198 @@
       </p:sp>
       <p:sp>
         <p:nvSpPr>
-          <p:cNvPr id="3" name="TextBox 2"/>
+          <p:cNvPr id="3" name="Frame 2"/>
+          <p:cNvSpPr/>
+          <p:nvPr/>
+        </p:nvSpPr>
+        <p:spPr>
+          <a:xfrm>
+            <a:off x="7104742" y="478972"/>
+            <a:ext cx="3657600" cy="5943600"/>
+          </a:xfrm>
+          <a:prstGeom prst="frame">
+            <a:avLst>
+              <a:gd name="adj1" fmla="val 992"/>
+            </a:avLst>
+          </a:prstGeom>
+          <a:ln/>
+        </p:spPr>
+        <p:style>
+          <a:lnRef idx="2">
+            <a:schemeClr val="dk1">
+              <a:shade val="50000"/>
+            </a:schemeClr>
+          </a:lnRef>
+          <a:fillRef idx="1">
+            <a:schemeClr val="dk1"/>
+          </a:fillRef>
+          <a:effectRef idx="0">
+            <a:schemeClr val="dk1"/>
+          </a:effectRef>
+          <a:fontRef idx="minor">
+            <a:schemeClr val="lt1"/>
+          </a:fontRef>
+        </p:style>
+        <p:txBody>
+          <a:bodyPr rtlCol="0" anchor="ctr"/>
+          <a:lstStyle/>
+          <a:p>
+            <a:pPr algn="ctr"/>
+            <a:endParaRPr lang="en-US">
+              <a:solidFill>
+                <a:schemeClr val="tx1"/>
+              </a:solidFill>
+            </a:endParaRPr>
+          </a:p>
+        </p:txBody>
+      </p:sp>
+      <p:sp>
+        <p:nvSpPr>
+          <p:cNvPr id="4" name="TextBox 3"/>
           <p:cNvSpPr txBox="1"/>
           <p:nvPr/>
         </p:nvSpPr>
         <p:spPr>
           <a:xfrm>
-            <a:off x="8479335" y="124154"/>
-            <a:ext cx="880819" cy="369332"/>
-          </a:xfrm>
-          <a:prstGeom prst="rect">
-            <a:avLst/>
-          </a:prstGeom>
-          <a:noFill/>
-        </p:spPr>
-        <p:txBody>
-          <a:bodyPr wrap="none" rtlCol="0">
+            <a:off x="1567542" y="2111944"/>
+            <a:ext cx="3018971" cy="3323987"/>
+          </a:xfrm>
+          <a:prstGeom prst="rect">
+            <a:avLst/>
+          </a:prstGeom>
+        </p:spPr>
+        <p:style>
+          <a:lnRef idx="2">
+            <a:schemeClr val="dk1"/>
+          </a:lnRef>
+          <a:fillRef idx="1">
+            <a:schemeClr val="lt1"/>
+          </a:fillRef>
+          <a:effectRef idx="0">
+            <a:schemeClr val="dk1"/>
+          </a:effectRef>
+          <a:fontRef idx="minor">
+            <a:schemeClr val="dk1"/>
+          </a:fontRef>
+        </p:style>
+        <p:txBody>
+          <a:bodyPr wrap="square" rtlCol="0">
             <a:spAutoFit/>
           </a:bodyPr>
           <a:lstStyle/>
           <a:p>
+            <a:pPr algn="ctr"/>
+            <a:endParaRPr lang="en-US" sz="2400" dirty="0"/>
+          </a:p>
+          <a:p>
+            <a:pPr algn="ctr"/>
+            <a:endParaRPr lang="en-US" sz="2400" dirty="0"/>
+          </a:p>
+          <a:p>
+            <a:pPr algn="ctr"/>
+            <a:r>
+              <a:rPr lang="en-US" sz="2400" dirty="0"/>
+              <a:t>WORD</a:t>
+            </a:r>
+          </a:p>
+          <a:p>
+            <a:pPr algn="ctr"/>
+            <a:r>
+              <a:rPr lang="en-US" sz="1200" dirty="0"/>
+              <a:t> </a:t>
+            </a:r>
+            <a:r>
+              <a:rPr lang="en-US" sz="2400" dirty="0"/>
+              <a:t> </a:t>
+            </a:r>
+          </a:p>
+          <a:p>
+            <a:pPr algn="ctr"/>
+            <a:endParaRPr lang="en-US" sz="2400" dirty="0"/>
+          </a:p>
+          <a:p>
+            <a:pPr algn="ctr"/>
+            <a:r>
+              <a:rPr lang="en-US" sz="2400" dirty="0"/>
+              <a:t> </a:t>
+            </a:r>
+            <a:r>
+              <a:rPr lang="en-US" sz="1200" dirty="0"/>
+              <a:t> </a:t>
+            </a:r>
+            <a:endParaRPr lang="en-US" sz="2400" dirty="0"/>
+          </a:p>
+          <a:p>
+            <a:pPr algn="ctr"/>
+            <a:r>
+              <a:rPr lang="en-US" sz="2400" dirty="0"/>
+              <a:t>DEFINITION</a:t>
+            </a:r>
+          </a:p>
+          <a:p>
+            <a:pPr algn="ctr"/>
             <a:r>
               <a:rPr lang="en-US" dirty="0"/>
-              <a:t>View_7</a:t>
-            </a:r>
+              <a:t> </a:t>
+            </a:r>
+            <a:endParaRPr lang="en-US" sz="2400" dirty="0"/>
+          </a:p>
+          <a:p>
+            <a:pPr algn="ctr"/>
+            <a:endParaRPr lang="en-US" sz="2400" dirty="0"/>
+          </a:p>
+        </p:txBody>
+      </p:sp>
+      <p:sp>
+        <p:nvSpPr>
+          <p:cNvPr id="5" name="TextBox 4"/>
+          <p:cNvSpPr txBox="1"/>
+          <p:nvPr/>
+        </p:nvSpPr>
+        <p:spPr>
+          <a:xfrm>
+            <a:off x="1567541" y="1190172"/>
+            <a:ext cx="3018971" cy="461665"/>
+          </a:xfrm>
+          <a:prstGeom prst="rect">
+            <a:avLst/>
+          </a:prstGeom>
+        </p:spPr>
+        <p:style>
+          <a:lnRef idx="2">
+            <a:schemeClr val="dk1"/>
+          </a:lnRef>
+          <a:fillRef idx="1">
+            <a:schemeClr val="lt1"/>
+          </a:fillRef>
+          <a:effectRef idx="0">
+            <a:schemeClr val="dk1"/>
+          </a:effectRef>
+          <a:fontRef idx="minor">
+            <a:schemeClr val="dk1"/>
+          </a:fontRef>
+        </p:style>
+        <p:txBody>
+          <a:bodyPr wrap="square" rtlCol="0">
+            <a:spAutoFit/>
+          </a:bodyPr>
+          <a:lstStyle/>
+          <a:p>
+            <a:pPr algn="ctr"/>
+            <a:endParaRPr lang="en-US" sz="2400" dirty="0"/>
           </a:p>
         </p:txBody>
       </p:sp>
       <p:cxnSp>
         <p:nvCxnSpPr>
-          <p:cNvPr id="4" name="Straight Connector 3"/>
+          <p:cNvPr id="7" name="Straight Connector 6"/>
           <p:cNvCxnSpPr/>
           <p:nvPr/>
         </p:nvCxnSpPr>
         <p:spPr>
           <a:xfrm>
-            <a:off x="7090945" y="1422400"/>
-            <a:ext cx="3657602" cy="0"/>
-          </a:xfrm>
-          <a:prstGeom prst="line">
-            <a:avLst/>
-          </a:prstGeom>
-        </p:spPr>
-        <p:style>
-          <a:lnRef idx="1">
-            <a:schemeClr val="dk1"/>
-          </a:lnRef>
-          <a:fillRef idx="0">
-            <a:schemeClr val="dk1"/>
-          </a:fillRef>
-          <a:effectRef idx="0">
-            <a:schemeClr val="dk1"/>
-          </a:effectRef>
-          <a:fontRef idx="minor">
-            <a:schemeClr val="tx1"/>
-          </a:fontRef>
-        </p:style>
-      </p:cxnSp>
-      <p:sp>
-        <p:nvSpPr>
-          <p:cNvPr id="5" name="TextBox 4"/>
-          <p:cNvSpPr txBox="1"/>
-          <p:nvPr/>
-        </p:nvSpPr>
-        <p:spPr>
-          <a:xfrm>
-            <a:off x="7568942" y="794045"/>
-            <a:ext cx="728020" cy="369332"/>
-          </a:xfrm>
-          <a:prstGeom prst="rect">
-            <a:avLst/>
-          </a:prstGeom>
-          <a:noFill/>
-        </p:spPr>
-        <p:txBody>
-          <a:bodyPr wrap="none" rtlCol="0">
-            <a:spAutoFit/>
-          </a:bodyPr>
-          <a:lstStyle/>
-          <a:p>
-            <a:r>
-              <a:rPr lang="en-US" dirty="0"/>
-              <a:t>LOGO</a:t>
-            </a:r>
-          </a:p>
-        </p:txBody>
-      </p:sp>
-      <p:cxnSp>
-        <p:nvCxnSpPr>
-          <p:cNvPr id="8" name="Straight Connector 7"/>
-          <p:cNvCxnSpPr/>
-          <p:nvPr/>
-        </p:nvCxnSpPr>
-        <p:spPr>
-          <a:xfrm>
-            <a:off x="7250607" y="2467429"/>
-            <a:ext cx="3294743" cy="14514"/>
+            <a:off x="1248228" y="1190172"/>
+            <a:ext cx="3657600" cy="0"/>
           </a:xfrm>
           <a:prstGeom prst="line">
             <a:avLst/>
@@ -5956,14 +6052,17 @@
       </p:cxnSp>
       <p:cxnSp>
         <p:nvCxnSpPr>
-          <p:cNvPr id="9" name="Straight Connector 8"/>
-          <p:cNvCxnSpPr/>
+          <p:cNvPr id="8" name="Straight Connector 7"/>
+          <p:cNvCxnSpPr>
+            <a:stCxn id="4" idx="1"/>
+            <a:endCxn id="4" idx="3"/>
+          </p:cNvCxnSpPr>
           <p:nvPr/>
         </p:nvCxnSpPr>
         <p:spPr>
           <a:xfrm>
-            <a:off x="7272374" y="2997199"/>
-            <a:ext cx="3294743" cy="14514"/>
+            <a:off x="1567542" y="3773938"/>
+            <a:ext cx="3018971" cy="0"/>
           </a:xfrm>
           <a:prstGeom prst="line">
             <a:avLst/>
@@ -5984,16 +6083,117 @@
           </a:fontRef>
         </p:style>
       </p:cxnSp>
+      <p:sp>
+        <p:nvSpPr>
+          <p:cNvPr id="12" name="TextBox 11"/>
+          <p:cNvSpPr txBox="1"/>
+          <p:nvPr/>
+        </p:nvSpPr>
+        <p:spPr>
+          <a:xfrm>
+            <a:off x="1567540" y="5880647"/>
+            <a:ext cx="3018971" cy="502920"/>
+          </a:xfrm>
+          <a:prstGeom prst="rect">
+            <a:avLst/>
+          </a:prstGeom>
+        </p:spPr>
+        <p:style>
+          <a:lnRef idx="2">
+            <a:schemeClr val="dk1"/>
+          </a:lnRef>
+          <a:fillRef idx="1">
+            <a:schemeClr val="lt1"/>
+          </a:fillRef>
+          <a:effectRef idx="0">
+            <a:schemeClr val="dk1"/>
+          </a:effectRef>
+          <a:fontRef idx="minor">
+            <a:schemeClr val="dk1"/>
+          </a:fontRef>
+        </p:style>
+        <p:txBody>
+          <a:bodyPr wrap="square" rtlCol="0">
+            <a:spAutoFit/>
+          </a:bodyPr>
+          <a:lstStyle/>
+          <a:p>
+            <a:pPr algn="ctr"/>
+            <a:endParaRPr lang="en-US" sz="2400" dirty="0"/>
+          </a:p>
+        </p:txBody>
+      </p:sp>
+      <p:sp>
+        <p:nvSpPr>
+          <p:cNvPr id="15" name="TextBox 14"/>
+          <p:cNvSpPr txBox="1"/>
+          <p:nvPr/>
+        </p:nvSpPr>
+        <p:spPr>
+          <a:xfrm rot="5400000">
+            <a:off x="4426647" y="646122"/>
+            <a:ext cx="496697" cy="461665"/>
+          </a:xfrm>
+          <a:prstGeom prst="rect">
+            <a:avLst/>
+          </a:prstGeom>
+          <a:noFill/>
+        </p:spPr>
+        <p:txBody>
+          <a:bodyPr wrap="square" rtlCol="0">
+            <a:spAutoFit/>
+          </a:bodyPr>
+          <a:lstStyle/>
+          <a:p>
+            <a:r>
+              <a:rPr lang="en-US" sz="2400" dirty="0"/>
+              <a:t>...</a:t>
+            </a:r>
+          </a:p>
+        </p:txBody>
+      </p:sp>
+      <p:sp>
+        <p:nvSpPr>
+          <p:cNvPr id="16" name="TextBox 15"/>
+          <p:cNvSpPr txBox="1"/>
+          <p:nvPr/>
+        </p:nvSpPr>
+        <p:spPr>
+          <a:xfrm>
+            <a:off x="1437344" y="689258"/>
+            <a:ext cx="463588" cy="369332"/>
+          </a:xfrm>
+          <a:prstGeom prst="rect">
+            <a:avLst/>
+          </a:prstGeom>
+          <a:noFill/>
+        </p:spPr>
+        <p:txBody>
+          <a:bodyPr wrap="none" rtlCol="0">
+            <a:spAutoFit/>
+          </a:bodyPr>
+          <a:lstStyle/>
+          <a:p>
+            <a:r>
+              <a:rPr lang="en-US" dirty="0">
+                <a:sym typeface="Wingdings"/>
+              </a:rPr>
+              <a:t> </a:t>
+            </a:r>
+            <a:endParaRPr lang="en-US" dirty="0"/>
+          </a:p>
+        </p:txBody>
+      </p:sp>
       <p:cxnSp>
         <p:nvCxnSpPr>
-          <p:cNvPr id="10" name="Straight Connector 9"/>
+          <p:cNvPr id="17" name="Straight Connector 16"/>
           <p:cNvCxnSpPr/>
           <p:nvPr/>
         </p:nvCxnSpPr>
         <p:spPr>
           <a:xfrm>
-            <a:off x="7250606" y="3521529"/>
-            <a:ext cx="3294743" cy="14514"/>
+            <a:off x="7104742" y="1190172"/>
+            <a:ext cx="3657600" cy="0"/>
           </a:xfrm>
           <a:prstGeom prst="line">
             <a:avLst/>
@@ -6014,45 +6214,15 @@
           </a:fontRef>
         </p:style>
       </p:cxnSp>
-      <p:cxnSp>
-        <p:nvCxnSpPr>
-          <p:cNvPr id="11" name="Straight Connector 10"/>
-          <p:cNvCxnSpPr/>
-          <p:nvPr/>
-        </p:nvCxnSpPr>
-        <p:spPr>
-          <a:xfrm>
-            <a:off x="7272374" y="4106637"/>
-            <a:ext cx="3294743" cy="14514"/>
-          </a:xfrm>
-          <a:prstGeom prst="line">
-            <a:avLst/>
-          </a:prstGeom>
-        </p:spPr>
-        <p:style>
-          <a:lnRef idx="1">
-            <a:schemeClr val="dk1"/>
-          </a:lnRef>
-          <a:fillRef idx="0">
-            <a:schemeClr val="dk1"/>
-          </a:fillRef>
-          <a:effectRef idx="0">
-            <a:schemeClr val="dk1"/>
-          </a:effectRef>
-          <a:fontRef idx="minor">
-            <a:schemeClr val="tx1"/>
-          </a:fontRef>
-        </p:style>
-      </p:cxnSp>
-      <p:sp>
-        <p:nvSpPr>
-          <p:cNvPr id="12" name="TextBox 11"/>
+      <p:sp>
+        <p:nvSpPr>
+          <p:cNvPr id="18" name="TextBox 17"/>
           <p:cNvSpPr txBox="1"/>
           <p:nvPr/>
         </p:nvSpPr>
         <p:spPr>
           <a:xfrm rot="5400000">
-            <a:off x="10307135" y="774514"/>
+            <a:off x="10283161" y="646122"/>
             <a:ext cx="496697" cy="461665"/>
           </a:xfrm>
           <a:prstGeom prst="rect">
@@ -6075,738 +6245,13 @@
       </p:sp>
       <p:sp>
         <p:nvSpPr>
-          <p:cNvPr id="13" name="TextBox 12"/>
+          <p:cNvPr id="19" name="TextBox 18"/>
           <p:cNvSpPr txBox="1"/>
           <p:nvPr/>
         </p:nvSpPr>
         <p:spPr>
           <a:xfrm>
-            <a:off x="8271393" y="6486553"/>
-            <a:ext cx="1296702" cy="369332"/>
-          </a:xfrm>
-          <a:prstGeom prst="rect">
-            <a:avLst/>
-          </a:prstGeom>
-          <a:noFill/>
-        </p:spPr>
-        <p:txBody>
-          <a:bodyPr wrap="none" rtlCol="0">
-            <a:spAutoFit/>
-          </a:bodyPr>
-          <a:lstStyle/>
-          <a:p>
-            <a:r>
-              <a:rPr lang="en-US" dirty="0"/>
-              <a:t>SUBFOLDER</a:t>
-            </a:r>
-          </a:p>
-        </p:txBody>
-      </p:sp>
-      <p:sp>
-        <p:nvSpPr>
-          <p:cNvPr id="15" name="TextBox 14"/>
-          <p:cNvSpPr txBox="1"/>
-          <p:nvPr/>
-        </p:nvSpPr>
-        <p:spPr>
-          <a:xfrm>
-            <a:off x="10214724" y="1320018"/>
-            <a:ext cx="544606" cy="584775"/>
-          </a:xfrm>
-          <a:prstGeom prst="rect">
-            <a:avLst/>
-          </a:prstGeom>
-          <a:noFill/>
-        </p:spPr>
-        <p:txBody>
-          <a:bodyPr wrap="square" rtlCol="0">
-            <a:spAutoFit/>
-          </a:bodyPr>
-          <a:lstStyle/>
-          <a:p>
-            <a:r>
-              <a:rPr lang="en-US" sz="3200" dirty="0"/>
-              <a:t>+</a:t>
-            </a:r>
-          </a:p>
-        </p:txBody>
-      </p:sp>
-      <p:sp>
-        <p:nvSpPr>
-          <p:cNvPr id="24" name="TextBox 23"/>
-          <p:cNvSpPr txBox="1"/>
-          <p:nvPr/>
-        </p:nvSpPr>
-        <p:spPr>
-          <a:xfrm>
-            <a:off x="7257456" y="1524535"/>
-            <a:ext cx="1391791" cy="369332"/>
-          </a:xfrm>
-          <a:prstGeom prst="rect">
-            <a:avLst/>
-          </a:prstGeom>
-          <a:noFill/>
-        </p:spPr>
-        <p:txBody>
-          <a:bodyPr wrap="none" rtlCol="0">
-            <a:spAutoFit/>
-          </a:bodyPr>
-          <a:lstStyle/>
-          <a:p>
-            <a:r>
-              <a:rPr lang="en-US" i="1" dirty="0"/>
-              <a:t>Folder Name</a:t>
-            </a:r>
-          </a:p>
-        </p:txBody>
-      </p:sp>
-      <p:sp>
-        <p:nvSpPr>
-          <p:cNvPr id="25" name="TextBox 24"/>
-          <p:cNvSpPr txBox="1"/>
-          <p:nvPr/>
-        </p:nvSpPr>
-        <p:spPr>
-          <a:xfrm>
-            <a:off x="7258179" y="2088214"/>
-            <a:ext cx="651525" cy="369332"/>
-          </a:xfrm>
-          <a:prstGeom prst="rect">
-            <a:avLst/>
-          </a:prstGeom>
-          <a:noFill/>
-        </p:spPr>
-        <p:txBody>
-          <a:bodyPr wrap="none" rtlCol="0">
-            <a:spAutoFit/>
-          </a:bodyPr>
-          <a:lstStyle/>
-          <a:p>
-            <a:r>
-              <a:rPr lang="en-US" dirty="0"/>
-              <a:t>Set 1</a:t>
-            </a:r>
-          </a:p>
-        </p:txBody>
-      </p:sp>
-      <p:sp>
-        <p:nvSpPr>
-          <p:cNvPr id="26" name="TextBox 25"/>
-          <p:cNvSpPr txBox="1"/>
-          <p:nvPr/>
-        </p:nvSpPr>
-        <p:spPr>
-          <a:xfrm>
-            <a:off x="7258179" y="2636897"/>
-            <a:ext cx="651525" cy="369332"/>
-          </a:xfrm>
-          <a:prstGeom prst="rect">
-            <a:avLst/>
-          </a:prstGeom>
-          <a:noFill/>
-        </p:spPr>
-        <p:txBody>
-          <a:bodyPr wrap="none" rtlCol="0">
-            <a:spAutoFit/>
-          </a:bodyPr>
-          <a:lstStyle/>
-          <a:p>
-            <a:r>
-              <a:rPr lang="en-US" dirty="0"/>
-              <a:t>Set 2</a:t>
-            </a:r>
-          </a:p>
-        </p:txBody>
-      </p:sp>
-      <p:sp>
-        <p:nvSpPr>
-          <p:cNvPr id="27" name="TextBox 26"/>
-          <p:cNvSpPr txBox="1"/>
-          <p:nvPr/>
-        </p:nvSpPr>
-        <p:spPr>
-          <a:xfrm>
-            <a:off x="7246549" y="3168561"/>
-            <a:ext cx="651525" cy="369332"/>
-          </a:xfrm>
-          <a:prstGeom prst="rect">
-            <a:avLst/>
-          </a:prstGeom>
-          <a:noFill/>
-        </p:spPr>
-        <p:txBody>
-          <a:bodyPr wrap="none" rtlCol="0">
-            <a:spAutoFit/>
-          </a:bodyPr>
-          <a:lstStyle/>
-          <a:p>
-            <a:r>
-              <a:rPr lang="en-US" dirty="0"/>
-              <a:t>Set 3</a:t>
-            </a:r>
-          </a:p>
-        </p:txBody>
-      </p:sp>
-      <p:sp>
-        <p:nvSpPr>
-          <p:cNvPr id="28" name="TextBox 27"/>
-          <p:cNvSpPr txBox="1"/>
-          <p:nvPr/>
-        </p:nvSpPr>
-        <p:spPr>
-          <a:xfrm>
-            <a:off x="7253604" y="3743732"/>
-            <a:ext cx="651525" cy="369332"/>
-          </a:xfrm>
-          <a:prstGeom prst="rect">
-            <a:avLst/>
-          </a:prstGeom>
-          <a:noFill/>
-        </p:spPr>
-        <p:txBody>
-          <a:bodyPr wrap="none" rtlCol="0">
-            <a:spAutoFit/>
-          </a:bodyPr>
-          <a:lstStyle/>
-          <a:p>
-            <a:r>
-              <a:rPr lang="en-US" dirty="0"/>
-              <a:t>Set 4</a:t>
-            </a:r>
-          </a:p>
-        </p:txBody>
-      </p:sp>
-      <p:sp>
-        <p:nvSpPr>
-          <p:cNvPr id="29" name="Frame 28"/>
-          <p:cNvSpPr/>
-          <p:nvPr/>
-        </p:nvSpPr>
-        <p:spPr>
-          <a:xfrm>
-            <a:off x="1071164" y="436389"/>
-            <a:ext cx="3657600" cy="5943600"/>
-          </a:xfrm>
-          <a:prstGeom prst="frame">
-            <a:avLst>
-              <a:gd name="adj1" fmla="val 992"/>
-            </a:avLst>
-          </a:prstGeom>
-          <a:ln/>
-        </p:spPr>
-        <p:style>
-          <a:lnRef idx="2">
-            <a:schemeClr val="dk1">
-              <a:shade val="50000"/>
-            </a:schemeClr>
-          </a:lnRef>
-          <a:fillRef idx="1">
-            <a:schemeClr val="dk1"/>
-          </a:fillRef>
-          <a:effectRef idx="0">
-            <a:schemeClr val="dk1"/>
-          </a:effectRef>
-          <a:fontRef idx="minor">
-            <a:schemeClr val="lt1"/>
-          </a:fontRef>
-        </p:style>
-        <p:txBody>
-          <a:bodyPr rtlCol="0" anchor="ctr"/>
-          <a:lstStyle/>
-          <a:p>
-            <a:pPr algn="ctr"/>
-            <a:endParaRPr lang="en-US">
-              <a:solidFill>
-                <a:schemeClr val="tx1"/>
-              </a:solidFill>
-            </a:endParaRPr>
-          </a:p>
-        </p:txBody>
-      </p:sp>
-      <p:sp>
-        <p:nvSpPr>
-          <p:cNvPr id="30" name="TextBox 29"/>
-          <p:cNvSpPr txBox="1"/>
-          <p:nvPr/>
-        </p:nvSpPr>
-        <p:spPr>
-          <a:xfrm>
-            <a:off x="2459550" y="81571"/>
-            <a:ext cx="880819" cy="369332"/>
-          </a:xfrm>
-          <a:prstGeom prst="rect">
-            <a:avLst/>
-          </a:prstGeom>
-          <a:noFill/>
-        </p:spPr>
-        <p:txBody>
-          <a:bodyPr wrap="none" rtlCol="0">
-            <a:spAutoFit/>
-          </a:bodyPr>
-          <a:lstStyle/>
-          <a:p>
-            <a:r>
-              <a:rPr lang="en-US" dirty="0"/>
-              <a:t>View_6</a:t>
-            </a:r>
-          </a:p>
-        </p:txBody>
-      </p:sp>
-      <p:cxnSp>
-        <p:nvCxnSpPr>
-          <p:cNvPr id="31" name="Straight Connector 30"/>
-          <p:cNvCxnSpPr/>
-          <p:nvPr/>
-        </p:nvCxnSpPr>
-        <p:spPr>
-          <a:xfrm>
-            <a:off x="1071160" y="1379817"/>
-            <a:ext cx="3657602" cy="0"/>
-          </a:xfrm>
-          <a:prstGeom prst="line">
-            <a:avLst/>
-          </a:prstGeom>
-        </p:spPr>
-        <p:style>
-          <a:lnRef idx="1">
-            <a:schemeClr val="dk1"/>
-          </a:lnRef>
-          <a:fillRef idx="0">
-            <a:schemeClr val="dk1"/>
-          </a:fillRef>
-          <a:effectRef idx="0">
-            <a:schemeClr val="dk1"/>
-          </a:effectRef>
-          <a:fontRef idx="minor">
-            <a:schemeClr val="tx1"/>
-          </a:fontRef>
-        </p:style>
-      </p:cxnSp>
-      <p:sp>
-        <p:nvSpPr>
-          <p:cNvPr id="32" name="TextBox 31"/>
-          <p:cNvSpPr txBox="1"/>
-          <p:nvPr/>
-        </p:nvSpPr>
-        <p:spPr>
-          <a:xfrm>
-            <a:off x="1549157" y="751462"/>
-            <a:ext cx="728020" cy="369332"/>
-          </a:xfrm>
-          <a:prstGeom prst="rect">
-            <a:avLst/>
-          </a:prstGeom>
-          <a:noFill/>
-        </p:spPr>
-        <p:txBody>
-          <a:bodyPr wrap="none" rtlCol="0">
-            <a:spAutoFit/>
-          </a:bodyPr>
-          <a:lstStyle/>
-          <a:p>
-            <a:r>
-              <a:rPr lang="en-US" dirty="0"/>
-              <a:t>LOGO</a:t>
-            </a:r>
-          </a:p>
-        </p:txBody>
-      </p:sp>
-      <p:sp>
-        <p:nvSpPr>
-          <p:cNvPr id="33" name="TextBox 32"/>
-          <p:cNvSpPr txBox="1"/>
-          <p:nvPr/>
-        </p:nvSpPr>
-        <p:spPr>
-          <a:xfrm>
-            <a:off x="3831302" y="723437"/>
-            <a:ext cx="423514" cy="553998"/>
-          </a:xfrm>
-          <a:prstGeom prst="rect">
-            <a:avLst/>
-          </a:prstGeom>
-          <a:noFill/>
-        </p:spPr>
-        <p:txBody>
-          <a:bodyPr wrap="none" rtlCol="0">
-            <a:spAutoFit/>
-          </a:bodyPr>
-          <a:lstStyle/>
-          <a:p>
-            <a:r>
-              <a:rPr lang="en-US" dirty="0"/>
-              <a:t>Q</a:t>
-            </a:r>
-          </a:p>
-          <a:p>
-            <a:r>
-              <a:rPr lang="en-US" sz="1200" dirty="0"/>
-              <a:t>B_5</a:t>
-            </a:r>
-          </a:p>
-        </p:txBody>
-      </p:sp>
-      <p:cxnSp>
-        <p:nvCxnSpPr>
-          <p:cNvPr id="34" name="Straight Connector 33"/>
-          <p:cNvCxnSpPr/>
-          <p:nvPr/>
-        </p:nvCxnSpPr>
-        <p:spPr>
-          <a:xfrm>
-            <a:off x="1230822" y="2424846"/>
-            <a:ext cx="3294743" cy="14514"/>
-          </a:xfrm>
-          <a:prstGeom prst="line">
-            <a:avLst/>
-          </a:prstGeom>
-        </p:spPr>
-        <p:style>
-          <a:lnRef idx="1">
-            <a:schemeClr val="dk1"/>
-          </a:lnRef>
-          <a:fillRef idx="0">
-            <a:schemeClr val="dk1"/>
-          </a:fillRef>
-          <a:effectRef idx="0">
-            <a:schemeClr val="dk1"/>
-          </a:effectRef>
-          <a:fontRef idx="minor">
-            <a:schemeClr val="tx1"/>
-          </a:fontRef>
-        </p:style>
-      </p:cxnSp>
-      <p:cxnSp>
-        <p:nvCxnSpPr>
-          <p:cNvPr id="35" name="Straight Connector 34"/>
-          <p:cNvCxnSpPr/>
-          <p:nvPr/>
-        </p:nvCxnSpPr>
-        <p:spPr>
-          <a:xfrm>
-            <a:off x="1252589" y="2954616"/>
-            <a:ext cx="3294743" cy="14514"/>
-          </a:xfrm>
-          <a:prstGeom prst="line">
-            <a:avLst/>
-          </a:prstGeom>
-        </p:spPr>
-        <p:style>
-          <a:lnRef idx="1">
-            <a:schemeClr val="dk1"/>
-          </a:lnRef>
-          <a:fillRef idx="0">
-            <a:schemeClr val="dk1"/>
-          </a:fillRef>
-          <a:effectRef idx="0">
-            <a:schemeClr val="dk1"/>
-          </a:effectRef>
-          <a:fontRef idx="minor">
-            <a:schemeClr val="tx1"/>
-          </a:fontRef>
-        </p:style>
-      </p:cxnSp>
-      <p:cxnSp>
-        <p:nvCxnSpPr>
-          <p:cNvPr id="36" name="Straight Connector 35"/>
-          <p:cNvCxnSpPr/>
-          <p:nvPr/>
-        </p:nvCxnSpPr>
-        <p:spPr>
-          <a:xfrm>
-            <a:off x="1230821" y="3478946"/>
-            <a:ext cx="3294743" cy="14514"/>
-          </a:xfrm>
-          <a:prstGeom prst="line">
-            <a:avLst/>
-          </a:prstGeom>
-        </p:spPr>
-        <p:style>
-          <a:lnRef idx="1">
-            <a:schemeClr val="dk1"/>
-          </a:lnRef>
-          <a:fillRef idx="0">
-            <a:schemeClr val="dk1"/>
-          </a:fillRef>
-          <a:effectRef idx="0">
-            <a:schemeClr val="dk1"/>
-          </a:effectRef>
-          <a:fontRef idx="minor">
-            <a:schemeClr val="tx1"/>
-          </a:fontRef>
-        </p:style>
-      </p:cxnSp>
-      <p:cxnSp>
-        <p:nvCxnSpPr>
-          <p:cNvPr id="37" name="Straight Connector 36"/>
-          <p:cNvCxnSpPr/>
-          <p:nvPr/>
-        </p:nvCxnSpPr>
-        <p:spPr>
-          <a:xfrm>
-            <a:off x="1252589" y="4064054"/>
-            <a:ext cx="3294743" cy="14514"/>
-          </a:xfrm>
-          <a:prstGeom prst="line">
-            <a:avLst/>
-          </a:prstGeom>
-        </p:spPr>
-        <p:style>
-          <a:lnRef idx="1">
-            <a:schemeClr val="dk1"/>
-          </a:lnRef>
-          <a:fillRef idx="0">
-            <a:schemeClr val="dk1"/>
-          </a:fillRef>
-          <a:effectRef idx="0">
-            <a:schemeClr val="dk1"/>
-          </a:effectRef>
-          <a:fontRef idx="minor">
-            <a:schemeClr val="tx1"/>
-          </a:fontRef>
-        </p:style>
-      </p:cxnSp>
-      <p:sp>
-        <p:nvSpPr>
-          <p:cNvPr id="38" name="TextBox 37"/>
-          <p:cNvSpPr txBox="1"/>
-          <p:nvPr/>
-        </p:nvSpPr>
-        <p:spPr>
-          <a:xfrm rot="5400000">
-            <a:off x="4287350" y="731931"/>
-            <a:ext cx="496697" cy="461665"/>
-          </a:xfrm>
-          <a:prstGeom prst="rect">
-            <a:avLst/>
-          </a:prstGeom>
-          <a:noFill/>
-        </p:spPr>
-        <p:txBody>
-          <a:bodyPr wrap="square" rtlCol="0">
-            <a:spAutoFit/>
-          </a:bodyPr>
-          <a:lstStyle/>
-          <a:p>
-            <a:r>
-              <a:rPr lang="en-US" sz="2400" dirty="0"/>
-              <a:t>...</a:t>
-            </a:r>
-          </a:p>
-        </p:txBody>
-      </p:sp>
-      <p:sp>
-        <p:nvSpPr>
-          <p:cNvPr id="39" name="TextBox 38"/>
-          <p:cNvSpPr txBox="1"/>
-          <p:nvPr/>
-        </p:nvSpPr>
-        <p:spPr>
-          <a:xfrm>
-            <a:off x="2229841" y="6378944"/>
-            <a:ext cx="918393" cy="369332"/>
-          </a:xfrm>
-          <a:prstGeom prst="rect">
-            <a:avLst/>
-          </a:prstGeom>
-          <a:noFill/>
-        </p:spPr>
-        <p:txBody>
-          <a:bodyPr wrap="none" rtlCol="0">
-            <a:spAutoFit/>
-          </a:bodyPr>
-          <a:lstStyle/>
-          <a:p>
-            <a:r>
-              <a:rPr lang="en-US" dirty="0"/>
-              <a:t>FOLDER</a:t>
-            </a:r>
-          </a:p>
-        </p:txBody>
-      </p:sp>
-      <p:sp>
-        <p:nvSpPr>
-          <p:cNvPr id="40" name="TextBox 39"/>
-          <p:cNvSpPr txBox="1"/>
-          <p:nvPr/>
-        </p:nvSpPr>
-        <p:spPr>
-          <a:xfrm>
-            <a:off x="4194939" y="1277435"/>
-            <a:ext cx="544606" cy="584775"/>
-          </a:xfrm>
-          <a:prstGeom prst="rect">
-            <a:avLst/>
-          </a:prstGeom>
-          <a:noFill/>
-        </p:spPr>
-        <p:txBody>
-          <a:bodyPr wrap="square" rtlCol="0">
-            <a:spAutoFit/>
-          </a:bodyPr>
-          <a:lstStyle/>
-          <a:p>
-            <a:r>
-              <a:rPr lang="en-US" sz="3200" dirty="0"/>
-              <a:t>+</a:t>
-            </a:r>
-          </a:p>
-        </p:txBody>
-      </p:sp>
-      <p:sp>
-        <p:nvSpPr>
-          <p:cNvPr id="41" name="TextBox 40"/>
-          <p:cNvSpPr txBox="1"/>
-          <p:nvPr/>
-        </p:nvSpPr>
-        <p:spPr>
-          <a:xfrm>
-            <a:off x="1230821" y="1499815"/>
-            <a:ext cx="1225015" cy="369332"/>
-          </a:xfrm>
-          <a:prstGeom prst="rect">
-            <a:avLst/>
-          </a:prstGeom>
-          <a:noFill/>
-        </p:spPr>
-        <p:txBody>
-          <a:bodyPr wrap="none" rtlCol="0">
-            <a:spAutoFit/>
-          </a:bodyPr>
-          <a:lstStyle/>
-          <a:p>
-            <a:r>
-              <a:rPr lang="en-US" i="1" dirty="0"/>
-              <a:t>User Name</a:t>
-            </a:r>
-          </a:p>
-        </p:txBody>
-      </p:sp>
-      <p:sp>
-        <p:nvSpPr>
-          <p:cNvPr id="42" name="TextBox 41"/>
-          <p:cNvSpPr txBox="1"/>
-          <p:nvPr/>
-        </p:nvSpPr>
-        <p:spPr>
-          <a:xfrm>
-            <a:off x="1238394" y="2045631"/>
-            <a:ext cx="949362" cy="369332"/>
-          </a:xfrm>
-          <a:prstGeom prst="rect">
-            <a:avLst/>
-          </a:prstGeom>
-          <a:noFill/>
-        </p:spPr>
-        <p:txBody>
-          <a:bodyPr wrap="none" rtlCol="0">
-            <a:spAutoFit/>
-          </a:bodyPr>
-          <a:lstStyle/>
-          <a:p>
-            <a:r>
-              <a:rPr lang="en-US" dirty="0"/>
-              <a:t>Folder 1</a:t>
-            </a:r>
-          </a:p>
-        </p:txBody>
-      </p:sp>
-      <p:sp>
-        <p:nvSpPr>
-          <p:cNvPr id="43" name="TextBox 42"/>
-          <p:cNvSpPr txBox="1"/>
-          <p:nvPr/>
-        </p:nvSpPr>
-        <p:spPr>
-          <a:xfrm>
-            <a:off x="1238394" y="2594314"/>
-            <a:ext cx="949362" cy="369332"/>
-          </a:xfrm>
-          <a:prstGeom prst="rect">
-            <a:avLst/>
-          </a:prstGeom>
-          <a:noFill/>
-        </p:spPr>
-        <p:txBody>
-          <a:bodyPr wrap="none" rtlCol="0">
-            <a:spAutoFit/>
-          </a:bodyPr>
-          <a:lstStyle/>
-          <a:p>
-            <a:r>
-              <a:rPr lang="en-US" dirty="0"/>
-              <a:t>Folder 2</a:t>
-            </a:r>
-          </a:p>
-        </p:txBody>
-      </p:sp>
-      <p:sp>
-        <p:nvSpPr>
-          <p:cNvPr id="44" name="TextBox 43"/>
-          <p:cNvSpPr txBox="1"/>
-          <p:nvPr/>
-        </p:nvSpPr>
-        <p:spPr>
-          <a:xfrm>
-            <a:off x="1226764" y="3125978"/>
-            <a:ext cx="949362" cy="369332"/>
-          </a:xfrm>
-          <a:prstGeom prst="rect">
-            <a:avLst/>
-          </a:prstGeom>
-          <a:noFill/>
-        </p:spPr>
-        <p:txBody>
-          <a:bodyPr wrap="none" rtlCol="0">
-            <a:spAutoFit/>
-          </a:bodyPr>
-          <a:lstStyle/>
-          <a:p>
-            <a:r>
-              <a:rPr lang="en-US" dirty="0"/>
-              <a:t>Folder 3</a:t>
-            </a:r>
-          </a:p>
-        </p:txBody>
-      </p:sp>
-      <p:sp>
-        <p:nvSpPr>
-          <p:cNvPr id="45" name="TextBox 44"/>
-          <p:cNvSpPr txBox="1"/>
-          <p:nvPr/>
-        </p:nvSpPr>
-        <p:spPr>
-          <a:xfrm>
-            <a:off x="1233819" y="3701149"/>
-            <a:ext cx="949362" cy="369332"/>
-          </a:xfrm>
-          <a:prstGeom prst="rect">
-            <a:avLst/>
-          </a:prstGeom>
-          <a:noFill/>
-        </p:spPr>
-        <p:txBody>
-          <a:bodyPr wrap="none" rtlCol="0">
-            <a:spAutoFit/>
-          </a:bodyPr>
-          <a:lstStyle/>
-          <a:p>
-            <a:r>
-              <a:rPr lang="en-US" dirty="0"/>
-              <a:t>Folder 4</a:t>
-            </a:r>
-          </a:p>
-        </p:txBody>
-      </p:sp>
-      <p:sp>
-        <p:nvSpPr>
-          <p:cNvPr id="46" name="TextBox 45"/>
-          <p:cNvSpPr txBox="1"/>
-          <p:nvPr/>
-        </p:nvSpPr>
-        <p:spPr>
-          <a:xfrm>
-            <a:off x="7128716" y="798244"/>
+            <a:off x="7293858" y="689258"/>
             <a:ext cx="463588" cy="369332"/>
           </a:xfrm>
           <a:prstGeom prst="rect">
@@ -6832,14 +6277,139 @@
       </p:sp>
       <p:sp>
         <p:nvSpPr>
-          <p:cNvPr id="47" name="TextBox 46"/>
+          <p:cNvPr id="21" name="TextBox 20"/>
           <p:cNvSpPr txBox="1"/>
           <p:nvPr/>
         </p:nvSpPr>
         <p:spPr>
           <a:xfrm>
-            <a:off x="1108931" y="778097"/>
-            <a:ext cx="463588" cy="369332"/>
+            <a:off x="8072546" y="2404533"/>
+            <a:ext cx="1721990" cy="461665"/>
+          </a:xfrm>
+          <a:prstGeom prst="rect">
+            <a:avLst/>
+          </a:prstGeom>
+          <a:noFill/>
+        </p:spPr>
+        <p:txBody>
+          <a:bodyPr wrap="square" rtlCol="0">
+            <a:spAutoFit/>
+          </a:bodyPr>
+          <a:lstStyle/>
+          <a:p>
+            <a:pPr algn="ctr"/>
+            <a:r>
+              <a:rPr lang="en-US" sz="2400" dirty="0"/>
+              <a:t>DEFINITION</a:t>
+            </a:r>
+          </a:p>
+        </p:txBody>
+      </p:sp>
+      <p:sp>
+        <p:nvSpPr>
+          <p:cNvPr id="22" name="TextBox 21"/>
+          <p:cNvSpPr txBox="1"/>
+          <p:nvPr/>
+        </p:nvSpPr>
+        <p:spPr>
+          <a:xfrm>
+            <a:off x="7314716" y="3826989"/>
+            <a:ext cx="3237651" cy="923330"/>
+          </a:xfrm>
+          <a:prstGeom prst="rect">
+            <a:avLst/>
+          </a:prstGeom>
+          <a:noFill/>
+          <a:ln>
+            <a:solidFill>
+              <a:schemeClr val="bg1">
+                <a:lumMod val="50000"/>
+              </a:schemeClr>
+            </a:solidFill>
+          </a:ln>
+        </p:spPr>
+        <p:txBody>
+          <a:bodyPr wrap="square" rtlCol="0">
+            <a:spAutoFit/>
+          </a:bodyPr>
+          <a:lstStyle/>
+          <a:p>
+            <a:endParaRPr lang="en-US" dirty="0">
+              <a:solidFill>
+                <a:schemeClr val="bg1">
+                  <a:lumMod val="50000"/>
+                </a:schemeClr>
+              </a:solidFill>
+            </a:endParaRPr>
+          </a:p>
+          <a:p>
+            <a:r>
+              <a:rPr lang="en-US" dirty="0">
+                <a:solidFill>
+                  <a:schemeClr val="bg1">
+                    <a:lumMod val="50000"/>
+                  </a:schemeClr>
+                </a:solidFill>
+              </a:rPr>
+              <a:t>Type Answer</a:t>
+            </a:r>
+          </a:p>
+          <a:p>
+            <a:endParaRPr lang="en-US" dirty="0">
+              <a:solidFill>
+                <a:schemeClr val="bg1">
+                  <a:lumMod val="50000"/>
+                </a:schemeClr>
+              </a:solidFill>
+            </a:endParaRPr>
+          </a:p>
+        </p:txBody>
+      </p:sp>
+      <p:sp>
+        <p:nvSpPr>
+          <p:cNvPr id="23" name="TextBox 22"/>
+          <p:cNvSpPr txBox="1"/>
+          <p:nvPr/>
+        </p:nvSpPr>
+        <p:spPr>
+          <a:xfrm>
+            <a:off x="9736663" y="4001906"/>
+            <a:ext cx="733344" cy="584775"/>
+          </a:xfrm>
+          <a:prstGeom prst="rect">
+            <a:avLst/>
+          </a:prstGeom>
+          <a:noFill/>
+          <a:ln>
+            <a:solidFill>
+              <a:schemeClr val="tx1"/>
+            </a:solidFill>
+          </a:ln>
+        </p:spPr>
+        <p:txBody>
+          <a:bodyPr wrap="square" rtlCol="0" anchor="ctr" anchorCtr="0">
+            <a:spAutoFit/>
+          </a:bodyPr>
+          <a:lstStyle/>
+          <a:p>
+            <a:pPr algn="ctr"/>
+            <a:r>
+              <a:rPr lang="en-US" sz="1600" dirty="0"/>
+              <a:t>Don’t Know</a:t>
+            </a:r>
+          </a:p>
+        </p:txBody>
+      </p:sp>
+      <p:sp>
+        <p:nvSpPr>
+          <p:cNvPr id="20" name="TextBox 19"/>
+          <p:cNvSpPr txBox="1"/>
+          <p:nvPr/>
+        </p:nvSpPr>
+        <p:spPr>
+          <a:xfrm>
+            <a:off x="2636490" y="124154"/>
+            <a:ext cx="881075" cy="369332"/>
           </a:xfrm>
           <a:prstGeom prst="rect">
             <a:avLst/>
@@ -6853,10 +6423,95 @@
           <a:lstStyle/>
           <a:p>
             <a:r>
-              <a:rPr lang="en-US" dirty="0">
-                <a:sym typeface="Wingdings"/>
-              </a:rPr>
-              <a:t> </a:t>
+              <a:rPr lang="en-US" dirty="0"/>
+              <a:t>View_6</a:t>
+            </a:r>
+          </a:p>
+        </p:txBody>
+      </p:sp>
+      <p:sp>
+        <p:nvSpPr>
+          <p:cNvPr id="24" name="TextBox 23"/>
+          <p:cNvSpPr txBox="1"/>
+          <p:nvPr/>
+        </p:nvSpPr>
+        <p:spPr>
+          <a:xfrm>
+            <a:off x="8493003" y="129775"/>
+            <a:ext cx="881075" cy="369332"/>
+          </a:xfrm>
+          <a:prstGeom prst="rect">
+            <a:avLst/>
+          </a:prstGeom>
+          <a:noFill/>
+        </p:spPr>
+        <p:txBody>
+          <a:bodyPr wrap="none" rtlCol="0">
+            <a:spAutoFit/>
+          </a:bodyPr>
+          <a:lstStyle/>
+          <a:p>
+            <a:r>
+              <a:rPr lang="en-US" dirty="0"/>
+              <a:t>View_7</a:t>
+            </a:r>
+          </a:p>
+        </p:txBody>
+      </p:sp>
+      <p:sp>
+        <p:nvSpPr>
+          <p:cNvPr id="26" name="TextBox 25"/>
+          <p:cNvSpPr txBox="1"/>
+          <p:nvPr/>
+        </p:nvSpPr>
+        <p:spPr>
+          <a:xfrm>
+            <a:off x="8728529" y="6511988"/>
+            <a:ext cx="813043" cy="369332"/>
+          </a:xfrm>
+          <a:prstGeom prst="rect">
+            <a:avLst/>
+          </a:prstGeom>
+          <a:noFill/>
+        </p:spPr>
+        <p:txBody>
+          <a:bodyPr wrap="none" rtlCol="0">
+            <a:spAutoFit/>
+          </a:bodyPr>
+          <a:lstStyle/>
+          <a:p>
+            <a:r>
+              <a:rPr lang="en-US" dirty="0"/>
+              <a:t>WORD</a:t>
+            </a:r>
+          </a:p>
+        </p:txBody>
+      </p:sp>
+      <p:sp>
+        <p:nvSpPr>
+          <p:cNvPr id="27" name="TextBox 26"/>
+          <p:cNvSpPr txBox="1"/>
+          <p:nvPr/>
+        </p:nvSpPr>
+        <p:spPr>
+          <a:xfrm>
+            <a:off x="2636490" y="6469681"/>
+            <a:ext cx="1361370" cy="369332"/>
+          </a:xfrm>
+          <a:prstGeom prst="rect">
+            <a:avLst/>
+          </a:prstGeom>
+          <a:noFill/>
+        </p:spPr>
+        <p:txBody>
+          <a:bodyPr wrap="none" rtlCol="0">
+            <a:spAutoFit/>
+          </a:bodyPr>
+          <a:lstStyle/>
+          <a:p>
+            <a:r>
+              <a:rPr lang="en-US"/>
+              <a:t>WORDBOOK</a:t>
             </a:r>
             <a:endParaRPr lang="en-US" dirty="0"/>
           </a:p>
@@ -6865,7 +6520,7 @@
     </p:spTree>
     <p:extLst>
       <p:ext uri="{BB962C8B-B14F-4D97-AF65-F5344CB8AC3E}">
-        <p14:creationId xmlns:p14="http://schemas.microsoft.com/office/powerpoint/2010/main" val="580768532"/>
+        <p14:creationId xmlns:p14="http://schemas.microsoft.com/office/powerpoint/2010/main" val="576644425"/>
       </p:ext>
     </p:extLst>
   </p:cSld>
@@ -6894,7 +6549,7 @@
       </p:grpSpPr>
       <p:sp>
         <p:nvSpPr>
-          <p:cNvPr id="2" name="Frame 1"/>
+          <p:cNvPr id="6" name="Frame 5"/>
           <p:cNvSpPr/>
           <p:nvPr/>
         </p:nvSpPr>
@@ -6941,7 +6596,7 @@
       </p:sp>
       <p:sp>
         <p:nvSpPr>
-          <p:cNvPr id="3" name="Frame 2"/>
+          <p:cNvPr id="7" name="Frame 6"/>
           <p:cNvSpPr/>
           <p:nvPr/>
         </p:nvSpPr>
@@ -6986,146 +6641,9 @@
           </a:p>
         </p:txBody>
       </p:sp>
-      <p:sp>
-        <p:nvSpPr>
-          <p:cNvPr id="4" name="TextBox 3"/>
-          <p:cNvSpPr txBox="1"/>
-          <p:nvPr/>
-        </p:nvSpPr>
-        <p:spPr>
-          <a:xfrm>
-            <a:off x="1567542" y="2111944"/>
-            <a:ext cx="3018971" cy="3323987"/>
-          </a:xfrm>
-          <a:prstGeom prst="rect">
-            <a:avLst/>
-          </a:prstGeom>
-        </p:spPr>
-        <p:style>
-          <a:lnRef idx="2">
-            <a:schemeClr val="dk1"/>
-          </a:lnRef>
-          <a:fillRef idx="1">
-            <a:schemeClr val="lt1"/>
-          </a:fillRef>
-          <a:effectRef idx="0">
-            <a:schemeClr val="dk1"/>
-          </a:effectRef>
-          <a:fontRef idx="minor">
-            <a:schemeClr val="dk1"/>
-          </a:fontRef>
-        </p:style>
-        <p:txBody>
-          <a:bodyPr wrap="square" rtlCol="0">
-            <a:spAutoFit/>
-          </a:bodyPr>
-          <a:lstStyle/>
-          <a:p>
-            <a:pPr algn="ctr"/>
-            <a:endParaRPr lang="en-US" sz="2400" dirty="0"/>
-          </a:p>
-          <a:p>
-            <a:pPr algn="ctr"/>
-            <a:endParaRPr lang="en-US" sz="2400" dirty="0"/>
-          </a:p>
-          <a:p>
-            <a:pPr algn="ctr"/>
-            <a:r>
-              <a:rPr lang="en-US" sz="2400" dirty="0"/>
-              <a:t>WORD</a:t>
-            </a:r>
-          </a:p>
-          <a:p>
-            <a:pPr algn="ctr"/>
-            <a:r>
-              <a:rPr lang="en-US" sz="1200" dirty="0"/>
-              <a:t> </a:t>
-            </a:r>
-            <a:r>
-              <a:rPr lang="en-US" sz="2400" dirty="0"/>
-              <a:t> </a:t>
-            </a:r>
-          </a:p>
-          <a:p>
-            <a:pPr algn="ctr"/>
-            <a:endParaRPr lang="en-US" sz="2400" dirty="0"/>
-          </a:p>
-          <a:p>
-            <a:pPr algn="ctr"/>
-            <a:r>
-              <a:rPr lang="en-US" sz="2400" dirty="0"/>
-              <a:t> </a:t>
-            </a:r>
-            <a:r>
-              <a:rPr lang="en-US" sz="1200" dirty="0"/>
-              <a:t> </a:t>
-            </a:r>
-            <a:endParaRPr lang="en-US" sz="2400" dirty="0"/>
-          </a:p>
-          <a:p>
-            <a:pPr algn="ctr"/>
-            <a:r>
-              <a:rPr lang="en-US" sz="2400" dirty="0"/>
-              <a:t>DEFINITION</a:t>
-            </a:r>
-          </a:p>
-          <a:p>
-            <a:pPr algn="ctr"/>
-            <a:r>
-              <a:rPr lang="en-US" dirty="0"/>
-              <a:t> </a:t>
-            </a:r>
-            <a:endParaRPr lang="en-US" sz="2400" dirty="0"/>
-          </a:p>
-          <a:p>
-            <a:pPr algn="ctr"/>
-            <a:endParaRPr lang="en-US" sz="2400" dirty="0"/>
-          </a:p>
-        </p:txBody>
-      </p:sp>
-      <p:sp>
-        <p:nvSpPr>
-          <p:cNvPr id="5" name="TextBox 4"/>
-          <p:cNvSpPr txBox="1"/>
-          <p:nvPr/>
-        </p:nvSpPr>
-        <p:spPr>
-          <a:xfrm>
-            <a:off x="1567541" y="1190172"/>
-            <a:ext cx="3018971" cy="461665"/>
-          </a:xfrm>
-          <a:prstGeom prst="rect">
-            <a:avLst/>
-          </a:prstGeom>
-        </p:spPr>
-        <p:style>
-          <a:lnRef idx="2">
-            <a:schemeClr val="dk1"/>
-          </a:lnRef>
-          <a:fillRef idx="1">
-            <a:schemeClr val="lt1"/>
-          </a:fillRef>
-          <a:effectRef idx="0">
-            <a:schemeClr val="dk1"/>
-          </a:effectRef>
-          <a:fontRef idx="minor">
-            <a:schemeClr val="dk1"/>
-          </a:fontRef>
-        </p:style>
-        <p:txBody>
-          <a:bodyPr wrap="square" rtlCol="0">
-            <a:spAutoFit/>
-          </a:bodyPr>
-          <a:lstStyle/>
-          <a:p>
-            <a:pPr algn="ctr"/>
-            <a:endParaRPr lang="en-US" sz="2400" dirty="0"/>
-          </a:p>
-        </p:txBody>
-      </p:sp>
       <p:cxnSp>
         <p:nvCxnSpPr>
-          <p:cNvPr id="7" name="Straight Connector 6"/>
+          <p:cNvPr id="8" name="Straight Connector 7"/>
           <p:cNvCxnSpPr/>
           <p:nvPr/>
         </p:nvCxnSpPr>
@@ -7153,19 +6671,77 @@
           </a:fontRef>
         </p:style>
       </p:cxnSp>
+      <p:sp>
+        <p:nvSpPr>
+          <p:cNvPr id="9" name="TextBox 8"/>
+          <p:cNvSpPr txBox="1"/>
+          <p:nvPr/>
+        </p:nvSpPr>
+        <p:spPr>
+          <a:xfrm rot="5400000">
+            <a:off x="4426647" y="646122"/>
+            <a:ext cx="496697" cy="461665"/>
+          </a:xfrm>
+          <a:prstGeom prst="rect">
+            <a:avLst/>
+          </a:prstGeom>
+          <a:noFill/>
+        </p:spPr>
+        <p:txBody>
+          <a:bodyPr wrap="square" rtlCol="0">
+            <a:spAutoFit/>
+          </a:bodyPr>
+          <a:lstStyle/>
+          <a:p>
+            <a:r>
+              <a:rPr lang="en-US" sz="2400" dirty="0"/>
+              <a:t>...</a:t>
+            </a:r>
+          </a:p>
+        </p:txBody>
+      </p:sp>
+      <p:sp>
+        <p:nvSpPr>
+          <p:cNvPr id="10" name="TextBox 9"/>
+          <p:cNvSpPr txBox="1"/>
+          <p:nvPr/>
+        </p:nvSpPr>
+        <p:spPr>
+          <a:xfrm>
+            <a:off x="1437344" y="689258"/>
+            <a:ext cx="463588" cy="369332"/>
+          </a:xfrm>
+          <a:prstGeom prst="rect">
+            <a:avLst/>
+          </a:prstGeom>
+          <a:noFill/>
+        </p:spPr>
+        <p:txBody>
+          <a:bodyPr wrap="none" rtlCol="0">
+            <a:spAutoFit/>
+          </a:bodyPr>
+          <a:lstStyle/>
+          <a:p>
+            <a:r>
+              <a:rPr lang="en-US" dirty="0">
+                <a:sym typeface="Wingdings"/>
+              </a:rPr>
+              <a:t> </a:t>
+            </a:r>
+            <a:endParaRPr lang="en-US" dirty="0"/>
+          </a:p>
+        </p:txBody>
+      </p:sp>
       <p:cxnSp>
         <p:nvCxnSpPr>
-          <p:cNvPr id="8" name="Straight Connector 7"/>
-          <p:cNvCxnSpPr>
-            <a:stCxn id="4" idx="1"/>
-            <a:endCxn id="4" idx="3"/>
-          </p:cNvCxnSpPr>
+          <p:cNvPr id="11" name="Straight Connector 10"/>
+          <p:cNvCxnSpPr/>
           <p:nvPr/>
         </p:nvCxnSpPr>
         <p:spPr>
           <a:xfrm>
-            <a:off x="1567542" y="3773938"/>
-            <a:ext cx="3018971" cy="0"/>
+            <a:off x="7104742" y="1190172"/>
+            <a:ext cx="3657600" cy="0"/>
           </a:xfrm>
           <a:prstGeom prst="line">
             <a:avLst/>
@@ -7188,82 +6764,13 @@
       </p:cxnSp>
       <p:sp>
         <p:nvSpPr>
-          <p:cNvPr id="12" name="TextBox 11"/>
+          <p:cNvPr id="13" name="TextBox 12"/>
           <p:cNvSpPr txBox="1"/>
           <p:nvPr/>
         </p:nvSpPr>
         <p:spPr>
           <a:xfrm>
-            <a:off x="1567540" y="5880647"/>
-            <a:ext cx="3018971" cy="502920"/>
-          </a:xfrm>
-          <a:prstGeom prst="rect">
-            <a:avLst/>
-          </a:prstGeom>
-        </p:spPr>
-        <p:style>
-          <a:lnRef idx="2">
-            <a:schemeClr val="dk1"/>
-          </a:lnRef>
-          <a:fillRef idx="1">
-            <a:schemeClr val="lt1"/>
-          </a:fillRef>
-          <a:effectRef idx="0">
-            <a:schemeClr val="dk1"/>
-          </a:effectRef>
-          <a:fontRef idx="minor">
-            <a:schemeClr val="dk1"/>
-          </a:fontRef>
-        </p:style>
-        <p:txBody>
-          <a:bodyPr wrap="square" rtlCol="0">
-            <a:spAutoFit/>
-          </a:bodyPr>
-          <a:lstStyle/>
-          <a:p>
-            <a:pPr algn="ctr"/>
-            <a:endParaRPr lang="en-US" sz="2400" dirty="0"/>
-          </a:p>
-        </p:txBody>
-      </p:sp>
-      <p:sp>
-        <p:nvSpPr>
-          <p:cNvPr id="15" name="TextBox 14"/>
-          <p:cNvSpPr txBox="1"/>
-          <p:nvPr/>
-        </p:nvSpPr>
-        <p:spPr>
-          <a:xfrm rot="5400000">
-            <a:off x="4426647" y="646122"/>
-            <a:ext cx="496697" cy="461665"/>
-          </a:xfrm>
-          <a:prstGeom prst="rect">
-            <a:avLst/>
-          </a:prstGeom>
-          <a:noFill/>
-        </p:spPr>
-        <p:txBody>
-          <a:bodyPr wrap="square" rtlCol="0">
-            <a:spAutoFit/>
-          </a:bodyPr>
-          <a:lstStyle/>
-          <a:p>
-            <a:r>
-              <a:rPr lang="en-US" sz="2400" dirty="0"/>
-              <a:t>...</a:t>
-            </a:r>
-          </a:p>
-        </p:txBody>
-      </p:sp>
-      <p:sp>
-        <p:nvSpPr>
-          <p:cNvPr id="16" name="TextBox 15"/>
-          <p:cNvSpPr txBox="1"/>
-          <p:nvPr/>
-        </p:nvSpPr>
-        <p:spPr>
-          <a:xfrm>
-            <a:off x="1437344" y="689258"/>
+            <a:off x="7293858" y="689258"/>
             <a:ext cx="463588" cy="369332"/>
           </a:xfrm>
           <a:prstGeom prst="rect">
@@ -7287,20 +6794,400 @@
           </a:p>
         </p:txBody>
       </p:sp>
+      <p:sp>
+        <p:nvSpPr>
+          <p:cNvPr id="14" name="TextBox 13"/>
+          <p:cNvSpPr txBox="1"/>
+          <p:nvPr/>
+        </p:nvSpPr>
+        <p:spPr>
+          <a:xfrm>
+            <a:off x="2636490" y="124154"/>
+            <a:ext cx="881075" cy="369332"/>
+          </a:xfrm>
+          <a:prstGeom prst="rect">
+            <a:avLst/>
+          </a:prstGeom>
+          <a:noFill/>
+        </p:spPr>
+        <p:txBody>
+          <a:bodyPr wrap="none" rtlCol="0">
+            <a:spAutoFit/>
+          </a:bodyPr>
+          <a:lstStyle/>
+          <a:p>
+            <a:r>
+              <a:rPr lang="en-US" dirty="0"/>
+              <a:t>View_8</a:t>
+            </a:r>
+          </a:p>
+        </p:txBody>
+      </p:sp>
+      <p:sp>
+        <p:nvSpPr>
+          <p:cNvPr id="15" name="TextBox 14"/>
+          <p:cNvSpPr txBox="1"/>
+          <p:nvPr/>
+        </p:nvSpPr>
+        <p:spPr>
+          <a:xfrm>
+            <a:off x="8493003" y="129775"/>
+            <a:ext cx="881075" cy="369332"/>
+          </a:xfrm>
+          <a:prstGeom prst="rect">
+            <a:avLst/>
+          </a:prstGeom>
+          <a:noFill/>
+        </p:spPr>
+        <p:txBody>
+          <a:bodyPr wrap="none" rtlCol="0">
+            <a:spAutoFit/>
+          </a:bodyPr>
+          <a:lstStyle/>
+          <a:p>
+            <a:r>
+              <a:rPr lang="en-US" dirty="0"/>
+              <a:t>View_9</a:t>
+            </a:r>
+          </a:p>
+        </p:txBody>
+      </p:sp>
+      <p:sp>
+        <p:nvSpPr>
+          <p:cNvPr id="16" name="TextBox 15"/>
+          <p:cNvSpPr txBox="1"/>
+          <p:nvPr/>
+        </p:nvSpPr>
+        <p:spPr>
+          <a:xfrm>
+            <a:off x="2179560" y="2989107"/>
+            <a:ext cx="1794933" cy="923330"/>
+          </a:xfrm>
+          <a:prstGeom prst="rect">
+            <a:avLst/>
+          </a:prstGeom>
+          <a:noFill/>
+        </p:spPr>
+        <p:txBody>
+          <a:bodyPr wrap="square" rtlCol="0">
+            <a:spAutoFit/>
+          </a:bodyPr>
+          <a:lstStyle/>
+          <a:p>
+            <a:pPr algn="ctr"/>
+            <a:r>
+              <a:rPr lang="en-US" dirty="0"/>
+              <a:t>MATCH</a:t>
+            </a:r>
+          </a:p>
+          <a:p>
+            <a:pPr algn="ctr"/>
+            <a:endParaRPr lang="en-US" dirty="0"/>
+          </a:p>
+          <a:p>
+            <a:pPr algn="ctr"/>
+            <a:r>
+              <a:rPr lang="en-US" dirty="0"/>
+              <a:t>(GAME)</a:t>
+            </a:r>
+          </a:p>
+        </p:txBody>
+      </p:sp>
+      <p:sp>
+        <p:nvSpPr>
+          <p:cNvPr id="17" name="TextBox 16"/>
+          <p:cNvSpPr txBox="1"/>
+          <p:nvPr/>
+        </p:nvSpPr>
+        <p:spPr>
+          <a:xfrm>
+            <a:off x="7155541" y="1190172"/>
+            <a:ext cx="3566160" cy="307777"/>
+          </a:xfrm>
+          <a:prstGeom prst="rect">
+            <a:avLst/>
+          </a:prstGeom>
+          <a:solidFill>
+            <a:schemeClr val="bg1">
+              <a:lumMod val="95000"/>
+            </a:schemeClr>
+          </a:solidFill>
+          <a:ln>
+            <a:solidFill>
+              <a:schemeClr val="tx1"/>
+            </a:solidFill>
+          </a:ln>
+        </p:spPr>
+        <p:txBody>
+          <a:bodyPr wrap="square" rtlCol="0">
+            <a:spAutoFit/>
+          </a:bodyPr>
+          <a:lstStyle/>
+          <a:p>
+            <a:r>
+              <a:rPr lang="en-US" sz="1400" i="1" dirty="0"/>
+              <a:t>  </a:t>
+            </a:r>
+            <a:r>
+              <a:rPr lang="en-US" sz="1400" i="1" u="sng" dirty="0"/>
+              <a:t>username</a:t>
+            </a:r>
+          </a:p>
+        </p:txBody>
+      </p:sp>
+      <p:sp>
+        <p:nvSpPr>
+          <p:cNvPr id="18" name="TextBox 17"/>
+          <p:cNvSpPr txBox="1"/>
+          <p:nvPr/>
+        </p:nvSpPr>
+        <p:spPr>
+          <a:xfrm>
+            <a:off x="7104742" y="1497949"/>
+            <a:ext cx="3657600" cy="415498"/>
+          </a:xfrm>
+          <a:prstGeom prst="rect">
+            <a:avLst/>
+          </a:prstGeom>
+          <a:noFill/>
+        </p:spPr>
+        <p:txBody>
+          <a:bodyPr wrap="square" rtlCol="0">
+            <a:spAutoFit/>
+          </a:bodyPr>
+          <a:lstStyle/>
+          <a:p>
+            <a:pPr>
+              <a:spcBef>
+                <a:spcPts val="1000"/>
+              </a:spcBef>
+              <a:spcAft>
+                <a:spcPts val="1000"/>
+              </a:spcAft>
+            </a:pPr>
+            <a:r>
+              <a:rPr lang="en-US" sz="500" dirty="0"/>
+              <a:t> </a:t>
+            </a:r>
+            <a:r>
+              <a:rPr lang="en-US" sz="1600" dirty="0"/>
+              <a:t/>
+            </a:r>
+            <a:br>
+              <a:rPr lang="en-US" sz="1600" dirty="0"/>
+            </a:br>
+            <a:r>
+              <a:rPr lang="en-US" sz="1600" dirty="0"/>
+              <a:t>  Account Settings</a:t>
+            </a:r>
+            <a:r>
+              <a:rPr lang="en-US" sz="800" dirty="0"/>
+              <a:t> </a:t>
+            </a:r>
+            <a:endParaRPr lang="en-US" sz="1600" dirty="0"/>
+          </a:p>
+        </p:txBody>
+      </p:sp>
+      <p:sp>
+        <p:nvSpPr>
+          <p:cNvPr id="19" name="TextBox 18"/>
+          <p:cNvSpPr txBox="1"/>
+          <p:nvPr/>
+        </p:nvSpPr>
+        <p:spPr>
+          <a:xfrm>
+            <a:off x="7141236" y="2467182"/>
+            <a:ext cx="3566160" cy="307777"/>
+          </a:xfrm>
+          <a:prstGeom prst="rect">
+            <a:avLst/>
+          </a:prstGeom>
+          <a:solidFill>
+            <a:schemeClr val="bg1">
+              <a:lumMod val="95000"/>
+            </a:schemeClr>
+          </a:solidFill>
+          <a:ln>
+            <a:solidFill>
+              <a:schemeClr val="tx1"/>
+            </a:solidFill>
+          </a:ln>
+        </p:spPr>
+        <p:txBody>
+          <a:bodyPr wrap="square" rtlCol="0">
+            <a:spAutoFit/>
+          </a:bodyPr>
+          <a:lstStyle/>
+          <a:p>
+            <a:r>
+              <a:rPr lang="en-US" sz="1400" i="1" dirty="0"/>
+              <a:t>  </a:t>
+            </a:r>
+            <a:r>
+              <a:rPr lang="en-US" sz="1400" dirty="0"/>
+              <a:t>Support</a:t>
+            </a:r>
+          </a:p>
+        </p:txBody>
+      </p:sp>
+      <p:sp>
+        <p:nvSpPr>
+          <p:cNvPr id="20" name="TextBox 19"/>
+          <p:cNvSpPr txBox="1"/>
+          <p:nvPr/>
+        </p:nvSpPr>
+        <p:spPr>
+          <a:xfrm>
+            <a:off x="7090437" y="2801103"/>
+            <a:ext cx="3657600" cy="415498"/>
+          </a:xfrm>
+          <a:prstGeom prst="rect">
+            <a:avLst/>
+          </a:prstGeom>
+          <a:noFill/>
+        </p:spPr>
+        <p:txBody>
+          <a:bodyPr wrap="square" rtlCol="0">
+            <a:spAutoFit/>
+          </a:bodyPr>
+          <a:lstStyle/>
+          <a:p>
+            <a:pPr>
+              <a:spcBef>
+                <a:spcPts val="1000"/>
+              </a:spcBef>
+              <a:spcAft>
+                <a:spcPts val="1000"/>
+              </a:spcAft>
+            </a:pPr>
+            <a:r>
+              <a:rPr lang="en-US" sz="500" dirty="0"/>
+              <a:t> </a:t>
+            </a:r>
+            <a:r>
+              <a:rPr lang="en-US" sz="1600" dirty="0"/>
+              <a:t/>
+            </a:r>
+            <a:br>
+              <a:rPr lang="en-US" sz="1600" dirty="0"/>
+            </a:br>
+            <a:r>
+              <a:rPr lang="en-US" sz="1600" dirty="0"/>
+              <a:t>  Send Feedback</a:t>
+            </a:r>
+          </a:p>
+        </p:txBody>
+      </p:sp>
+      <p:sp>
+        <p:nvSpPr>
+          <p:cNvPr id="21" name="TextBox 20"/>
+          <p:cNvSpPr txBox="1"/>
+          <p:nvPr/>
+        </p:nvSpPr>
+        <p:spPr>
+          <a:xfrm>
+            <a:off x="7141236" y="3798927"/>
+            <a:ext cx="3566160" cy="307777"/>
+          </a:xfrm>
+          <a:prstGeom prst="rect">
+            <a:avLst/>
+          </a:prstGeom>
+          <a:solidFill>
+            <a:schemeClr val="bg1">
+              <a:lumMod val="95000"/>
+            </a:schemeClr>
+          </a:solidFill>
+          <a:ln>
+            <a:solidFill>
+              <a:schemeClr val="tx1"/>
+            </a:solidFill>
+          </a:ln>
+        </p:spPr>
+        <p:txBody>
+          <a:bodyPr wrap="square" rtlCol="0">
+            <a:spAutoFit/>
+          </a:bodyPr>
+          <a:lstStyle/>
+          <a:p>
+            <a:r>
+              <a:rPr lang="en-US" sz="1400" dirty="0"/>
+              <a:t>  About</a:t>
+            </a:r>
+          </a:p>
+        </p:txBody>
+      </p:sp>
+      <p:sp>
+        <p:nvSpPr>
+          <p:cNvPr id="22" name="TextBox 21"/>
+          <p:cNvSpPr txBox="1"/>
+          <p:nvPr/>
+        </p:nvSpPr>
+        <p:spPr>
+          <a:xfrm>
+            <a:off x="7090437" y="3299763"/>
+            <a:ext cx="3657600" cy="415498"/>
+          </a:xfrm>
+          <a:prstGeom prst="rect">
+            <a:avLst/>
+          </a:prstGeom>
+          <a:noFill/>
+          <a:ln>
+            <a:noFill/>
+          </a:ln>
+        </p:spPr>
+        <p:txBody>
+          <a:bodyPr wrap="square" rtlCol="0">
+            <a:spAutoFit/>
+          </a:bodyPr>
+          <a:lstStyle/>
+          <a:p>
+            <a:pPr>
+              <a:spcBef>
+                <a:spcPts val="1000"/>
+              </a:spcBef>
+              <a:spcAft>
+                <a:spcPts val="1000"/>
+              </a:spcAft>
+            </a:pPr>
+            <a:r>
+              <a:rPr lang="en-US" sz="500" dirty="0"/>
+              <a:t> </a:t>
+            </a:r>
+            <a:r>
+              <a:rPr lang="en-US" sz="1600" dirty="0"/>
+              <a:t/>
+            </a:r>
+            <a:br>
+              <a:rPr lang="en-US" sz="1600" dirty="0"/>
+            </a:br>
+            <a:r>
+              <a:rPr lang="en-US" sz="1600" dirty="0"/>
+              <a:t>  Rate Us!</a:t>
+            </a:r>
+          </a:p>
+        </p:txBody>
+      </p:sp>
       <p:cxnSp>
         <p:nvCxnSpPr>
-          <p:cNvPr id="17" name="Straight Connector 16"/>
+          <p:cNvPr id="24" name="Straight Connector 23"/>
           <p:cNvCxnSpPr/>
           <p:nvPr/>
         </p:nvCxnSpPr>
         <p:spPr>
           <a:xfrm>
-            <a:off x="7104742" y="1190172"/>
+            <a:off x="7090437" y="3299763"/>
             <a:ext cx="3657600" cy="0"/>
           </a:xfrm>
           <a:prstGeom prst="line">
             <a:avLst/>
           </a:prstGeom>
+          <a:ln>
+            <a:solidFill>
+              <a:schemeClr val="bg1">
+                <a:lumMod val="75000"/>
+              </a:schemeClr>
+            </a:solidFill>
+          </a:ln>
         </p:spPr>
         <p:style>
           <a:lnRef idx="1">
@@ -7319,14 +7206,14 @@
       </p:cxnSp>
       <p:sp>
         <p:nvSpPr>
-          <p:cNvPr id="18" name="TextBox 17"/>
+          <p:cNvPr id="25" name="TextBox 24"/>
           <p:cNvSpPr txBox="1"/>
           <p:nvPr/>
         </p:nvSpPr>
         <p:spPr>
-          <a:xfrm rot="5400000">
-            <a:off x="10283161" y="646122"/>
-            <a:ext cx="496697" cy="461665"/>
+          <a:xfrm>
+            <a:off x="7090437" y="4123683"/>
+            <a:ext cx="3657600" cy="415498"/>
           </a:xfrm>
           <a:prstGeom prst="rect">
             <a:avLst/>
@@ -7339,23 +7226,222 @@
           </a:bodyPr>
           <a:lstStyle/>
           <a:p>
-            <a:r>
-              <a:rPr lang="en-US" sz="2400" dirty="0"/>
-              <a:t>...</a:t>
-            </a:r>
-          </a:p>
-        </p:txBody>
-      </p:sp>
-      <p:sp>
-        <p:nvSpPr>
-          <p:cNvPr id="19" name="TextBox 18"/>
+            <a:pPr>
+              <a:spcBef>
+                <a:spcPts val="1000"/>
+              </a:spcBef>
+              <a:spcAft>
+                <a:spcPts val="1000"/>
+              </a:spcAft>
+            </a:pPr>
+            <a:r>
+              <a:rPr lang="en-US" sz="500" dirty="0"/>
+              <a:t> </a:t>
+            </a:r>
+            <a:r>
+              <a:rPr lang="en-US" sz="1600" dirty="0"/>
+              <a:t/>
+            </a:r>
+            <a:br>
+              <a:rPr lang="en-US" sz="1600" dirty="0"/>
+            </a:br>
+            <a:r>
+              <a:rPr lang="en-US" sz="1600" dirty="0"/>
+              <a:t>  Privacy Policy</a:t>
+            </a:r>
+          </a:p>
+        </p:txBody>
+      </p:sp>
+      <p:sp>
+        <p:nvSpPr>
+          <p:cNvPr id="26" name="TextBox 25"/>
           <p:cNvSpPr txBox="1"/>
           <p:nvPr/>
         </p:nvSpPr>
         <p:spPr>
           <a:xfrm>
-            <a:off x="7293858" y="689258"/>
-            <a:ext cx="463588" cy="369332"/>
+            <a:off x="7090437" y="4622343"/>
+            <a:ext cx="3657600" cy="415498"/>
+          </a:xfrm>
+          <a:prstGeom prst="rect">
+            <a:avLst/>
+          </a:prstGeom>
+          <a:noFill/>
+          <a:ln>
+            <a:noFill/>
+          </a:ln>
+        </p:spPr>
+        <p:txBody>
+          <a:bodyPr wrap="square" rtlCol="0">
+            <a:spAutoFit/>
+          </a:bodyPr>
+          <a:lstStyle/>
+          <a:p>
+            <a:pPr>
+              <a:spcBef>
+                <a:spcPts val="1000"/>
+              </a:spcBef>
+              <a:spcAft>
+                <a:spcPts val="1000"/>
+              </a:spcAft>
+            </a:pPr>
+            <a:r>
+              <a:rPr lang="en-US" sz="500" dirty="0"/>
+              <a:t> </a:t>
+            </a:r>
+            <a:r>
+              <a:rPr lang="en-US" sz="1600" dirty="0"/>
+              <a:t/>
+            </a:r>
+            <a:br>
+              <a:rPr lang="en-US" sz="1600" dirty="0"/>
+            </a:br>
+            <a:r>
+              <a:rPr lang="en-US" sz="1600" dirty="0"/>
+              <a:t>  Terms of Service</a:t>
+            </a:r>
+          </a:p>
+        </p:txBody>
+      </p:sp>
+      <p:cxnSp>
+        <p:nvCxnSpPr>
+          <p:cNvPr id="27" name="Straight Connector 26"/>
+          <p:cNvCxnSpPr/>
+          <p:nvPr/>
+        </p:nvCxnSpPr>
+        <p:spPr>
+          <a:xfrm>
+            <a:off x="7090437" y="4622343"/>
+            <a:ext cx="3657600" cy="0"/>
+          </a:xfrm>
+          <a:prstGeom prst="line">
+            <a:avLst/>
+          </a:prstGeom>
+          <a:ln>
+            <a:solidFill>
+              <a:schemeClr val="bg1">
+                <a:lumMod val="75000"/>
+              </a:schemeClr>
+            </a:solidFill>
+          </a:ln>
+        </p:spPr>
+        <p:style>
+          <a:lnRef idx="1">
+            <a:schemeClr val="dk1"/>
+          </a:lnRef>
+          <a:fillRef idx="0">
+            <a:schemeClr val="dk1"/>
+          </a:fillRef>
+          <a:effectRef idx="0">
+            <a:schemeClr val="dk1"/>
+          </a:effectRef>
+          <a:fontRef idx="minor">
+            <a:schemeClr val="tx1"/>
+          </a:fontRef>
+        </p:style>
+      </p:cxnSp>
+      <p:sp>
+        <p:nvSpPr>
+          <p:cNvPr id="29" name="TextBox 28"/>
+          <p:cNvSpPr txBox="1"/>
+          <p:nvPr/>
+        </p:nvSpPr>
+        <p:spPr>
+          <a:xfrm>
+            <a:off x="7090437" y="1962246"/>
+            <a:ext cx="3657600" cy="415498"/>
+          </a:xfrm>
+          <a:prstGeom prst="rect">
+            <a:avLst/>
+          </a:prstGeom>
+          <a:noFill/>
+          <a:ln>
+            <a:noFill/>
+          </a:ln>
+        </p:spPr>
+        <p:txBody>
+          <a:bodyPr wrap="square" rtlCol="0">
+            <a:spAutoFit/>
+          </a:bodyPr>
+          <a:lstStyle/>
+          <a:p>
+            <a:pPr>
+              <a:spcBef>
+                <a:spcPts val="1000"/>
+              </a:spcBef>
+              <a:spcAft>
+                <a:spcPts val="1000"/>
+              </a:spcAft>
+            </a:pPr>
+            <a:r>
+              <a:rPr lang="en-US" sz="500" dirty="0"/>
+              <a:t> </a:t>
+            </a:r>
+            <a:r>
+              <a:rPr lang="en-US" sz="1600" dirty="0"/>
+              <a:t/>
+            </a:r>
+            <a:br>
+              <a:rPr lang="en-US" sz="1600" dirty="0"/>
+            </a:br>
+            <a:r>
+              <a:rPr lang="en-US" sz="1600" dirty="0"/>
+              <a:t>  Log out of </a:t>
+            </a:r>
+            <a:r>
+              <a:rPr lang="en-US" sz="1600" i="1" u="sng" dirty="0"/>
+              <a:t>username</a:t>
+            </a:r>
+          </a:p>
+        </p:txBody>
+      </p:sp>
+      <p:cxnSp>
+        <p:nvCxnSpPr>
+          <p:cNvPr id="30" name="Straight Connector 29"/>
+          <p:cNvCxnSpPr/>
+          <p:nvPr/>
+        </p:nvCxnSpPr>
+        <p:spPr>
+          <a:xfrm>
+            <a:off x="7104742" y="1995085"/>
+            <a:ext cx="3657600" cy="0"/>
+          </a:xfrm>
+          <a:prstGeom prst="line">
+            <a:avLst/>
+          </a:prstGeom>
+          <a:ln>
+            <a:solidFill>
+              <a:schemeClr val="bg1">
+                <a:lumMod val="75000"/>
+              </a:schemeClr>
+            </a:solidFill>
+          </a:ln>
+        </p:spPr>
+        <p:style>
+          <a:lnRef idx="1">
+            <a:schemeClr val="dk1"/>
+          </a:lnRef>
+          <a:fillRef idx="0">
+            <a:schemeClr val="dk1"/>
+          </a:fillRef>
+          <a:effectRef idx="0">
+            <a:schemeClr val="dk1"/>
+          </a:effectRef>
+          <a:fontRef idx="minor">
+            <a:schemeClr val="tx1"/>
+          </a:fontRef>
+        </p:style>
+      </p:cxnSp>
+      <p:sp>
+        <p:nvSpPr>
+          <p:cNvPr id="28" name="TextBox 27"/>
+          <p:cNvSpPr txBox="1"/>
+          <p:nvPr/>
+        </p:nvSpPr>
+        <p:spPr>
+          <a:xfrm>
+            <a:off x="2702379" y="6466959"/>
+            <a:ext cx="894972" cy="369332"/>
           </a:xfrm>
           <a:prstGeom prst="rect">
             <a:avLst/>
@@ -7369,150 +7455,22 @@
           <a:lstStyle/>
           <a:p>
             <a:r>
-              <a:rPr lang="en-US" dirty="0">
-                <a:sym typeface="Wingdings"/>
-              </a:rPr>
-              <a:t> </a:t>
-            </a:r>
-            <a:endParaRPr lang="en-US" dirty="0"/>
-          </a:p>
-        </p:txBody>
-      </p:sp>
-      <p:sp>
-        <p:nvSpPr>
-          <p:cNvPr id="21" name="TextBox 20"/>
+              <a:rPr lang="en-US" dirty="0"/>
+              <a:t>MATCH</a:t>
+            </a:r>
+          </a:p>
+        </p:txBody>
+      </p:sp>
+      <p:sp>
+        <p:nvSpPr>
+          <p:cNvPr id="31" name="TextBox 30"/>
           <p:cNvSpPr txBox="1"/>
           <p:nvPr/>
         </p:nvSpPr>
         <p:spPr>
           <a:xfrm>
-            <a:off x="8072546" y="2404533"/>
-            <a:ext cx="1721990" cy="461665"/>
-          </a:xfrm>
-          <a:prstGeom prst="rect">
-            <a:avLst/>
-          </a:prstGeom>
-          <a:noFill/>
-        </p:spPr>
-        <p:txBody>
-          <a:bodyPr wrap="square" rtlCol="0">
-            <a:spAutoFit/>
-          </a:bodyPr>
-          <a:lstStyle/>
-          <a:p>
-            <a:pPr algn="ctr"/>
-            <a:r>
-              <a:rPr lang="en-US" sz="2400" dirty="0"/>
-              <a:t>DEFINITION</a:t>
-            </a:r>
-          </a:p>
-        </p:txBody>
-      </p:sp>
-      <p:sp>
-        <p:nvSpPr>
-          <p:cNvPr id="22" name="TextBox 21"/>
-          <p:cNvSpPr txBox="1"/>
-          <p:nvPr/>
-        </p:nvSpPr>
-        <p:spPr>
-          <a:xfrm>
-            <a:off x="7314716" y="3826989"/>
-            <a:ext cx="3237651" cy="923330"/>
-          </a:xfrm>
-          <a:prstGeom prst="rect">
-            <a:avLst/>
-          </a:prstGeom>
-          <a:noFill/>
-          <a:ln>
-            <a:solidFill>
-              <a:schemeClr val="bg1">
-                <a:lumMod val="50000"/>
-              </a:schemeClr>
-            </a:solidFill>
-          </a:ln>
-        </p:spPr>
-        <p:txBody>
-          <a:bodyPr wrap="square" rtlCol="0">
-            <a:spAutoFit/>
-          </a:bodyPr>
-          <a:lstStyle/>
-          <a:p>
-            <a:endParaRPr lang="en-US" dirty="0">
-              <a:solidFill>
-                <a:schemeClr val="bg1">
-                  <a:lumMod val="50000"/>
-                </a:schemeClr>
-              </a:solidFill>
-            </a:endParaRPr>
-          </a:p>
-          <a:p>
-            <a:r>
-              <a:rPr lang="en-US" dirty="0">
-                <a:solidFill>
-                  <a:schemeClr val="bg1">
-                    <a:lumMod val="50000"/>
-                  </a:schemeClr>
-                </a:solidFill>
-              </a:rPr>
-              <a:t>Type Answer</a:t>
-            </a:r>
-          </a:p>
-          <a:p>
-            <a:endParaRPr lang="en-US" dirty="0">
-              <a:solidFill>
-                <a:schemeClr val="bg1">
-                  <a:lumMod val="50000"/>
-                </a:schemeClr>
-              </a:solidFill>
-            </a:endParaRPr>
-          </a:p>
-        </p:txBody>
-      </p:sp>
-      <p:sp>
-        <p:nvSpPr>
-          <p:cNvPr id="23" name="TextBox 22"/>
-          <p:cNvSpPr txBox="1"/>
-          <p:nvPr/>
-        </p:nvSpPr>
-        <p:spPr>
-          <a:xfrm>
-            <a:off x="9736663" y="4001906"/>
-            <a:ext cx="733344" cy="584775"/>
-          </a:xfrm>
-          <a:prstGeom prst="rect">
-            <a:avLst/>
-          </a:prstGeom>
-          <a:noFill/>
-          <a:ln>
-            <a:solidFill>
-              <a:schemeClr val="tx1"/>
-            </a:solidFill>
-          </a:ln>
-        </p:spPr>
-        <p:txBody>
-          <a:bodyPr wrap="square" rtlCol="0" anchor="ctr" anchorCtr="0">
-            <a:spAutoFit/>
-          </a:bodyPr>
-          <a:lstStyle/>
-          <a:p>
-            <a:pPr algn="ctr"/>
-            <a:r>
-              <a:rPr lang="en-US" sz="1600" dirty="0"/>
-              <a:t>Don’t Know</a:t>
-            </a:r>
-          </a:p>
-        </p:txBody>
-      </p:sp>
-      <p:sp>
-        <p:nvSpPr>
-          <p:cNvPr id="20" name="TextBox 19"/>
-          <p:cNvSpPr txBox="1"/>
-          <p:nvPr/>
-        </p:nvSpPr>
-        <p:spPr>
-          <a:xfrm>
-            <a:off x="2636490" y="124154"/>
-            <a:ext cx="881075" cy="369332"/>
+            <a:off x="8883480" y="6488668"/>
+            <a:ext cx="981196" cy="369332"/>
           </a:xfrm>
           <a:prstGeom prst="rect">
             <a:avLst/>
@@ -7527,103 +7485,15 @@
           <a:p>
             <a:r>
               <a:rPr lang="en-US" dirty="0"/>
-              <a:t>View_6</a:t>
-            </a:r>
-          </a:p>
-        </p:txBody>
-      </p:sp>
-      <p:sp>
-        <p:nvSpPr>
-          <p:cNvPr id="24" name="TextBox 23"/>
-          <p:cNvSpPr txBox="1"/>
-          <p:nvPr/>
-        </p:nvSpPr>
-        <p:spPr>
-          <a:xfrm>
-            <a:off x="8493003" y="129775"/>
-            <a:ext cx="881075" cy="369332"/>
-          </a:xfrm>
-          <a:prstGeom prst="rect">
-            <a:avLst/>
-          </a:prstGeom>
-          <a:noFill/>
-        </p:spPr>
-        <p:txBody>
-          <a:bodyPr wrap="none" rtlCol="0">
-            <a:spAutoFit/>
-          </a:bodyPr>
-          <a:lstStyle/>
-          <a:p>
-            <a:r>
-              <a:rPr lang="en-US" dirty="0"/>
-              <a:t>View_7</a:t>
-            </a:r>
-          </a:p>
-        </p:txBody>
-      </p:sp>
-      <p:sp>
-        <p:nvSpPr>
-          <p:cNvPr id="26" name="TextBox 25"/>
-          <p:cNvSpPr txBox="1"/>
-          <p:nvPr/>
-        </p:nvSpPr>
-        <p:spPr>
-          <a:xfrm>
-            <a:off x="8728529" y="6511988"/>
-            <a:ext cx="813043" cy="369332"/>
-          </a:xfrm>
-          <a:prstGeom prst="rect">
-            <a:avLst/>
-          </a:prstGeom>
-          <a:noFill/>
-        </p:spPr>
-        <p:txBody>
-          <a:bodyPr wrap="none" rtlCol="0">
-            <a:spAutoFit/>
-          </a:bodyPr>
-          <a:lstStyle/>
-          <a:p>
-            <a:r>
-              <a:rPr lang="en-US" dirty="0"/>
-              <a:t>WORD</a:t>
-            </a:r>
-          </a:p>
-        </p:txBody>
-      </p:sp>
-      <p:sp>
-        <p:nvSpPr>
-          <p:cNvPr id="27" name="TextBox 26"/>
-          <p:cNvSpPr txBox="1"/>
-          <p:nvPr/>
-        </p:nvSpPr>
-        <p:spPr>
-          <a:xfrm>
-            <a:off x="2636490" y="6469681"/>
-            <a:ext cx="1361370" cy="369332"/>
-          </a:xfrm>
-          <a:prstGeom prst="rect">
-            <a:avLst/>
-          </a:prstGeom>
-          <a:noFill/>
-        </p:spPr>
-        <p:txBody>
-          <a:bodyPr wrap="none" rtlCol="0">
-            <a:spAutoFit/>
-          </a:bodyPr>
-          <a:lstStyle/>
-          <a:p>
-            <a:r>
-              <a:rPr lang="en-US"/>
-              <a:t>WORDBOOK</a:t>
-            </a:r>
-            <a:endParaRPr lang="en-US" dirty="0"/>
+              <a:t>SETTING</a:t>
+            </a:r>
           </a:p>
         </p:txBody>
       </p:sp>
     </p:spTree>
     <p:extLst>
       <p:ext uri="{BB962C8B-B14F-4D97-AF65-F5344CB8AC3E}">
-        <p14:creationId xmlns:p14="http://schemas.microsoft.com/office/powerpoint/2010/main" val="576644425"/>
+        <p14:creationId xmlns:p14="http://schemas.microsoft.com/office/powerpoint/2010/main" val="1292690461"/>
       </p:ext>
     </p:extLst>
   </p:cSld>
@@ -7652,13 +7522,13 @@
       </p:grpSpPr>
       <p:sp>
         <p:nvSpPr>
-          <p:cNvPr id="6" name="Frame 5"/>
+          <p:cNvPr id="2" name="Frame 1"/>
           <p:cNvSpPr/>
           <p:nvPr/>
         </p:nvSpPr>
         <p:spPr>
           <a:xfrm>
-            <a:off x="1248228" y="478972"/>
+            <a:off x="7090949" y="478972"/>
             <a:ext cx="3657600" cy="5943600"/>
           </a:xfrm>
           <a:prstGeom prst="frame">
@@ -7699,13 +7569,454 @@
       </p:sp>
       <p:sp>
         <p:nvSpPr>
-          <p:cNvPr id="7" name="Frame 6"/>
+          <p:cNvPr id="3" name="TextBox 2"/>
+          <p:cNvSpPr txBox="1"/>
+          <p:nvPr/>
+        </p:nvSpPr>
+        <p:spPr>
+          <a:xfrm>
+            <a:off x="8479335" y="124154"/>
+            <a:ext cx="997426" cy="369332"/>
+          </a:xfrm>
+          <a:prstGeom prst="rect">
+            <a:avLst/>
+          </a:prstGeom>
+          <a:noFill/>
+        </p:spPr>
+        <p:txBody>
+          <a:bodyPr wrap="none" rtlCol="0">
+            <a:spAutoFit/>
+          </a:bodyPr>
+          <a:lstStyle/>
+          <a:p>
+            <a:r>
+              <a:rPr lang="en-US" dirty="0" smtClean="0"/>
+              <a:t>View_11</a:t>
+            </a:r>
+            <a:endParaRPr lang="en-US" dirty="0"/>
+          </a:p>
+        </p:txBody>
+      </p:sp>
+      <p:cxnSp>
+        <p:nvCxnSpPr>
+          <p:cNvPr id="4" name="Straight Connector 3"/>
+          <p:cNvCxnSpPr/>
+          <p:nvPr/>
+        </p:nvCxnSpPr>
+        <p:spPr>
+          <a:xfrm>
+            <a:off x="7090945" y="1422400"/>
+            <a:ext cx="3657602" cy="0"/>
+          </a:xfrm>
+          <a:prstGeom prst="line">
+            <a:avLst/>
+          </a:prstGeom>
+        </p:spPr>
+        <p:style>
+          <a:lnRef idx="1">
+            <a:schemeClr val="dk1"/>
+          </a:lnRef>
+          <a:fillRef idx="0">
+            <a:schemeClr val="dk1"/>
+          </a:fillRef>
+          <a:effectRef idx="0">
+            <a:schemeClr val="dk1"/>
+          </a:effectRef>
+          <a:fontRef idx="minor">
+            <a:schemeClr val="tx1"/>
+          </a:fontRef>
+        </p:style>
+      </p:cxnSp>
+      <p:sp>
+        <p:nvSpPr>
+          <p:cNvPr id="5" name="TextBox 4"/>
+          <p:cNvSpPr txBox="1"/>
+          <p:nvPr/>
+        </p:nvSpPr>
+        <p:spPr>
+          <a:xfrm>
+            <a:off x="7568942" y="794045"/>
+            <a:ext cx="728020" cy="369332"/>
+          </a:xfrm>
+          <a:prstGeom prst="rect">
+            <a:avLst/>
+          </a:prstGeom>
+          <a:noFill/>
+        </p:spPr>
+        <p:txBody>
+          <a:bodyPr wrap="none" rtlCol="0">
+            <a:spAutoFit/>
+          </a:bodyPr>
+          <a:lstStyle/>
+          <a:p>
+            <a:r>
+              <a:rPr lang="en-US" dirty="0"/>
+              <a:t>LOGO</a:t>
+            </a:r>
+          </a:p>
+        </p:txBody>
+      </p:sp>
+      <p:cxnSp>
+        <p:nvCxnSpPr>
+          <p:cNvPr id="8" name="Straight Connector 7"/>
+          <p:cNvCxnSpPr/>
+          <p:nvPr/>
+        </p:nvCxnSpPr>
+        <p:spPr>
+          <a:xfrm>
+            <a:off x="7250607" y="2467429"/>
+            <a:ext cx="3294743" cy="14514"/>
+          </a:xfrm>
+          <a:prstGeom prst="line">
+            <a:avLst/>
+          </a:prstGeom>
+        </p:spPr>
+        <p:style>
+          <a:lnRef idx="1">
+            <a:schemeClr val="dk1"/>
+          </a:lnRef>
+          <a:fillRef idx="0">
+            <a:schemeClr val="dk1"/>
+          </a:fillRef>
+          <a:effectRef idx="0">
+            <a:schemeClr val="dk1"/>
+          </a:effectRef>
+          <a:fontRef idx="minor">
+            <a:schemeClr val="tx1"/>
+          </a:fontRef>
+        </p:style>
+      </p:cxnSp>
+      <p:cxnSp>
+        <p:nvCxnSpPr>
+          <p:cNvPr id="9" name="Straight Connector 8"/>
+          <p:cNvCxnSpPr/>
+          <p:nvPr/>
+        </p:nvCxnSpPr>
+        <p:spPr>
+          <a:xfrm>
+            <a:off x="7272374" y="2997199"/>
+            <a:ext cx="3294743" cy="14514"/>
+          </a:xfrm>
+          <a:prstGeom prst="line">
+            <a:avLst/>
+          </a:prstGeom>
+        </p:spPr>
+        <p:style>
+          <a:lnRef idx="1">
+            <a:schemeClr val="dk1"/>
+          </a:lnRef>
+          <a:fillRef idx="0">
+            <a:schemeClr val="dk1"/>
+          </a:fillRef>
+          <a:effectRef idx="0">
+            <a:schemeClr val="dk1"/>
+          </a:effectRef>
+          <a:fontRef idx="minor">
+            <a:schemeClr val="tx1"/>
+          </a:fontRef>
+        </p:style>
+      </p:cxnSp>
+      <p:cxnSp>
+        <p:nvCxnSpPr>
+          <p:cNvPr id="10" name="Straight Connector 9"/>
+          <p:cNvCxnSpPr/>
+          <p:nvPr/>
+        </p:nvCxnSpPr>
+        <p:spPr>
+          <a:xfrm>
+            <a:off x="7250606" y="3521529"/>
+            <a:ext cx="3294743" cy="14514"/>
+          </a:xfrm>
+          <a:prstGeom prst="line">
+            <a:avLst/>
+          </a:prstGeom>
+        </p:spPr>
+        <p:style>
+          <a:lnRef idx="1">
+            <a:schemeClr val="dk1"/>
+          </a:lnRef>
+          <a:fillRef idx="0">
+            <a:schemeClr val="dk1"/>
+          </a:fillRef>
+          <a:effectRef idx="0">
+            <a:schemeClr val="dk1"/>
+          </a:effectRef>
+          <a:fontRef idx="minor">
+            <a:schemeClr val="tx1"/>
+          </a:fontRef>
+        </p:style>
+      </p:cxnSp>
+      <p:cxnSp>
+        <p:nvCxnSpPr>
+          <p:cNvPr id="11" name="Straight Connector 10"/>
+          <p:cNvCxnSpPr/>
+          <p:nvPr/>
+        </p:nvCxnSpPr>
+        <p:spPr>
+          <a:xfrm>
+            <a:off x="7272374" y="4106637"/>
+            <a:ext cx="3294743" cy="14514"/>
+          </a:xfrm>
+          <a:prstGeom prst="line">
+            <a:avLst/>
+          </a:prstGeom>
+        </p:spPr>
+        <p:style>
+          <a:lnRef idx="1">
+            <a:schemeClr val="dk1"/>
+          </a:lnRef>
+          <a:fillRef idx="0">
+            <a:schemeClr val="dk1"/>
+          </a:fillRef>
+          <a:effectRef idx="0">
+            <a:schemeClr val="dk1"/>
+          </a:effectRef>
+          <a:fontRef idx="minor">
+            <a:schemeClr val="tx1"/>
+          </a:fontRef>
+        </p:style>
+      </p:cxnSp>
+      <p:sp>
+        <p:nvSpPr>
+          <p:cNvPr id="12" name="TextBox 11"/>
+          <p:cNvSpPr txBox="1"/>
+          <p:nvPr/>
+        </p:nvSpPr>
+        <p:spPr>
+          <a:xfrm rot="5400000">
+            <a:off x="10307135" y="774514"/>
+            <a:ext cx="496697" cy="461665"/>
+          </a:xfrm>
+          <a:prstGeom prst="rect">
+            <a:avLst/>
+          </a:prstGeom>
+          <a:noFill/>
+        </p:spPr>
+        <p:txBody>
+          <a:bodyPr wrap="square" rtlCol="0">
+            <a:spAutoFit/>
+          </a:bodyPr>
+          <a:lstStyle/>
+          <a:p>
+            <a:r>
+              <a:rPr lang="en-US" sz="2400" dirty="0"/>
+              <a:t>...</a:t>
+            </a:r>
+          </a:p>
+        </p:txBody>
+      </p:sp>
+      <p:sp>
+        <p:nvSpPr>
+          <p:cNvPr id="13" name="TextBox 12"/>
+          <p:cNvSpPr txBox="1"/>
+          <p:nvPr/>
+        </p:nvSpPr>
+        <p:spPr>
+          <a:xfrm>
+            <a:off x="8271393" y="6486553"/>
+            <a:ext cx="1296702" cy="369332"/>
+          </a:xfrm>
+          <a:prstGeom prst="rect">
+            <a:avLst/>
+          </a:prstGeom>
+          <a:noFill/>
+        </p:spPr>
+        <p:txBody>
+          <a:bodyPr wrap="none" rtlCol="0">
+            <a:spAutoFit/>
+          </a:bodyPr>
+          <a:lstStyle/>
+          <a:p>
+            <a:r>
+              <a:rPr lang="en-US" dirty="0"/>
+              <a:t>SUBFOLDER</a:t>
+            </a:r>
+          </a:p>
+        </p:txBody>
+      </p:sp>
+      <p:sp>
+        <p:nvSpPr>
+          <p:cNvPr id="15" name="TextBox 14"/>
+          <p:cNvSpPr txBox="1"/>
+          <p:nvPr/>
+        </p:nvSpPr>
+        <p:spPr>
+          <a:xfrm>
+            <a:off x="10214724" y="1320018"/>
+            <a:ext cx="544606" cy="584775"/>
+          </a:xfrm>
+          <a:prstGeom prst="rect">
+            <a:avLst/>
+          </a:prstGeom>
+          <a:noFill/>
+        </p:spPr>
+        <p:txBody>
+          <a:bodyPr wrap="square" rtlCol="0">
+            <a:spAutoFit/>
+          </a:bodyPr>
+          <a:lstStyle/>
+          <a:p>
+            <a:r>
+              <a:rPr lang="en-US" sz="3200" dirty="0"/>
+              <a:t>+</a:t>
+            </a:r>
+          </a:p>
+        </p:txBody>
+      </p:sp>
+      <p:sp>
+        <p:nvSpPr>
+          <p:cNvPr id="24" name="TextBox 23"/>
+          <p:cNvSpPr txBox="1"/>
+          <p:nvPr/>
+        </p:nvSpPr>
+        <p:spPr>
+          <a:xfrm>
+            <a:off x="7257456" y="1524535"/>
+            <a:ext cx="1391791" cy="369332"/>
+          </a:xfrm>
+          <a:prstGeom prst="rect">
+            <a:avLst/>
+          </a:prstGeom>
+          <a:noFill/>
+        </p:spPr>
+        <p:txBody>
+          <a:bodyPr wrap="none" rtlCol="0">
+            <a:spAutoFit/>
+          </a:bodyPr>
+          <a:lstStyle/>
+          <a:p>
+            <a:r>
+              <a:rPr lang="en-US" i="1" dirty="0"/>
+              <a:t>Folder Name</a:t>
+            </a:r>
+          </a:p>
+        </p:txBody>
+      </p:sp>
+      <p:sp>
+        <p:nvSpPr>
+          <p:cNvPr id="25" name="TextBox 24"/>
+          <p:cNvSpPr txBox="1"/>
+          <p:nvPr/>
+        </p:nvSpPr>
+        <p:spPr>
+          <a:xfrm>
+            <a:off x="7258179" y="2088214"/>
+            <a:ext cx="651525" cy="369332"/>
+          </a:xfrm>
+          <a:prstGeom prst="rect">
+            <a:avLst/>
+          </a:prstGeom>
+          <a:noFill/>
+        </p:spPr>
+        <p:txBody>
+          <a:bodyPr wrap="none" rtlCol="0">
+            <a:spAutoFit/>
+          </a:bodyPr>
+          <a:lstStyle/>
+          <a:p>
+            <a:r>
+              <a:rPr lang="en-US" dirty="0"/>
+              <a:t>Set 1</a:t>
+            </a:r>
+          </a:p>
+        </p:txBody>
+      </p:sp>
+      <p:sp>
+        <p:nvSpPr>
+          <p:cNvPr id="26" name="TextBox 25"/>
+          <p:cNvSpPr txBox="1"/>
+          <p:nvPr/>
+        </p:nvSpPr>
+        <p:spPr>
+          <a:xfrm>
+            <a:off x="7258179" y="2636897"/>
+            <a:ext cx="651525" cy="369332"/>
+          </a:xfrm>
+          <a:prstGeom prst="rect">
+            <a:avLst/>
+          </a:prstGeom>
+          <a:noFill/>
+        </p:spPr>
+        <p:txBody>
+          <a:bodyPr wrap="none" rtlCol="0">
+            <a:spAutoFit/>
+          </a:bodyPr>
+          <a:lstStyle/>
+          <a:p>
+            <a:r>
+              <a:rPr lang="en-US" dirty="0"/>
+              <a:t>Set 2</a:t>
+            </a:r>
+          </a:p>
+        </p:txBody>
+      </p:sp>
+      <p:sp>
+        <p:nvSpPr>
+          <p:cNvPr id="27" name="TextBox 26"/>
+          <p:cNvSpPr txBox="1"/>
+          <p:nvPr/>
+        </p:nvSpPr>
+        <p:spPr>
+          <a:xfrm>
+            <a:off x="7246549" y="3168561"/>
+            <a:ext cx="651525" cy="369332"/>
+          </a:xfrm>
+          <a:prstGeom prst="rect">
+            <a:avLst/>
+          </a:prstGeom>
+          <a:noFill/>
+        </p:spPr>
+        <p:txBody>
+          <a:bodyPr wrap="none" rtlCol="0">
+            <a:spAutoFit/>
+          </a:bodyPr>
+          <a:lstStyle/>
+          <a:p>
+            <a:r>
+              <a:rPr lang="en-US" dirty="0"/>
+              <a:t>Set 3</a:t>
+            </a:r>
+          </a:p>
+        </p:txBody>
+      </p:sp>
+      <p:sp>
+        <p:nvSpPr>
+          <p:cNvPr id="28" name="TextBox 27"/>
+          <p:cNvSpPr txBox="1"/>
+          <p:nvPr/>
+        </p:nvSpPr>
+        <p:spPr>
+          <a:xfrm>
+            <a:off x="7253604" y="3743732"/>
+            <a:ext cx="651525" cy="369332"/>
+          </a:xfrm>
+          <a:prstGeom prst="rect">
+            <a:avLst/>
+          </a:prstGeom>
+          <a:noFill/>
+        </p:spPr>
+        <p:txBody>
+          <a:bodyPr wrap="none" rtlCol="0">
+            <a:spAutoFit/>
+          </a:bodyPr>
+          <a:lstStyle/>
+          <a:p>
+            <a:r>
+              <a:rPr lang="en-US" dirty="0"/>
+              <a:t>Set 4</a:t>
+            </a:r>
+          </a:p>
+        </p:txBody>
+      </p:sp>
+      <p:sp>
+        <p:nvSpPr>
+          <p:cNvPr id="29" name="Frame 28"/>
           <p:cNvSpPr/>
           <p:nvPr/>
         </p:nvSpPr>
         <p:spPr>
           <a:xfrm>
-            <a:off x="7104742" y="478972"/>
+            <a:off x="1071164" y="436389"/>
             <a:ext cx="3657600" cy="5943600"/>
           </a:xfrm>
           <a:prstGeom prst="frame">
@@ -7744,16 +8055,46 @@
           </a:p>
         </p:txBody>
       </p:sp>
+      <p:sp>
+        <p:nvSpPr>
+          <p:cNvPr id="30" name="TextBox 29"/>
+          <p:cNvSpPr txBox="1"/>
+          <p:nvPr/>
+        </p:nvSpPr>
+        <p:spPr>
+          <a:xfrm>
+            <a:off x="2459550" y="81571"/>
+            <a:ext cx="997426" cy="369332"/>
+          </a:xfrm>
+          <a:prstGeom prst="rect">
+            <a:avLst/>
+          </a:prstGeom>
+          <a:noFill/>
+        </p:spPr>
+        <p:txBody>
+          <a:bodyPr wrap="none" rtlCol="0">
+            <a:spAutoFit/>
+          </a:bodyPr>
+          <a:lstStyle/>
+          <a:p>
+            <a:r>
+              <a:rPr lang="en-US" dirty="0" smtClean="0"/>
+              <a:t>View_10</a:t>
+            </a:r>
+            <a:endParaRPr lang="en-US" dirty="0"/>
+          </a:p>
+        </p:txBody>
+      </p:sp>
       <p:cxnSp>
         <p:nvCxnSpPr>
-          <p:cNvPr id="8" name="Straight Connector 7"/>
+          <p:cNvPr id="31" name="Straight Connector 30"/>
           <p:cNvCxnSpPr/>
           <p:nvPr/>
         </p:nvCxnSpPr>
         <p:spPr>
           <a:xfrm>
-            <a:off x="1248228" y="1190172"/>
-            <a:ext cx="3657600" cy="0"/>
+            <a:off x="1071160" y="1379817"/>
+            <a:ext cx="3657602" cy="0"/>
           </a:xfrm>
           <a:prstGeom prst="line">
             <a:avLst/>
@@ -7776,43 +8117,14 @@
       </p:cxnSp>
       <p:sp>
         <p:nvSpPr>
-          <p:cNvPr id="9" name="TextBox 8"/>
+          <p:cNvPr id="32" name="TextBox 31"/>
           <p:cNvSpPr txBox="1"/>
           <p:nvPr/>
         </p:nvSpPr>
         <p:spPr>
-          <a:xfrm rot="5400000">
-            <a:off x="4426647" y="646122"/>
-            <a:ext cx="496697" cy="461665"/>
-          </a:xfrm>
-          <a:prstGeom prst="rect">
-            <a:avLst/>
-          </a:prstGeom>
-          <a:noFill/>
-        </p:spPr>
-        <p:txBody>
-          <a:bodyPr wrap="square" rtlCol="0">
-            <a:spAutoFit/>
-          </a:bodyPr>
-          <a:lstStyle/>
-          <a:p>
-            <a:r>
-              <a:rPr lang="en-US" sz="2400" dirty="0"/>
-              <a:t>...</a:t>
-            </a:r>
-          </a:p>
-        </p:txBody>
-      </p:sp>
-      <p:sp>
-        <p:nvSpPr>
-          <p:cNvPr id="10" name="TextBox 9"/>
-          <p:cNvSpPr txBox="1"/>
-          <p:nvPr/>
-        </p:nvSpPr>
-        <p:spPr>
-          <a:xfrm>
-            <a:off x="1437344" y="689258"/>
-            <a:ext cx="463588" cy="369332"/>
+          <a:xfrm>
+            <a:off x="1549157" y="751462"/>
+            <a:ext cx="728020" cy="369332"/>
           </a:xfrm>
           <a:prstGeom prst="rect">
             <a:avLst/>
@@ -7826,25 +8138,57 @@
           <a:lstStyle/>
           <a:p>
             <a:r>
-              <a:rPr lang="en-US" dirty="0">
-                <a:sym typeface="Wingdings"/>
-              </a:rPr>
-              <a:t> </a:t>
-            </a:r>
-            <a:endParaRPr lang="en-US" dirty="0"/>
+              <a:rPr lang="en-US" dirty="0"/>
+              <a:t>LOGO</a:t>
+            </a:r>
+          </a:p>
+        </p:txBody>
+      </p:sp>
+      <p:sp>
+        <p:nvSpPr>
+          <p:cNvPr id="33" name="TextBox 32"/>
+          <p:cNvSpPr txBox="1"/>
+          <p:nvPr/>
+        </p:nvSpPr>
+        <p:spPr>
+          <a:xfrm>
+            <a:off x="3831302" y="723437"/>
+            <a:ext cx="423514" cy="553998"/>
+          </a:xfrm>
+          <a:prstGeom prst="rect">
+            <a:avLst/>
+          </a:prstGeom>
+          <a:noFill/>
+        </p:spPr>
+        <p:txBody>
+          <a:bodyPr wrap="none" rtlCol="0">
+            <a:spAutoFit/>
+          </a:bodyPr>
+          <a:lstStyle/>
+          <a:p>
+            <a:r>
+              <a:rPr lang="en-US" dirty="0"/>
+              <a:t>Q</a:t>
+            </a:r>
+          </a:p>
+          <a:p>
+            <a:r>
+              <a:rPr lang="en-US" sz="1200" dirty="0"/>
+              <a:t>B_5</a:t>
+            </a:r>
           </a:p>
         </p:txBody>
       </p:sp>
       <p:cxnSp>
         <p:nvCxnSpPr>
-          <p:cNvPr id="11" name="Straight Connector 10"/>
+          <p:cNvPr id="34" name="Straight Connector 33"/>
           <p:cNvCxnSpPr/>
           <p:nvPr/>
         </p:nvCxnSpPr>
         <p:spPr>
           <a:xfrm>
-            <a:off x="7104742" y="1190172"/>
-            <a:ext cx="3657600" cy="0"/>
+            <a:off x="1230822" y="2424846"/>
+            <a:ext cx="3294743" cy="14514"/>
           </a:xfrm>
           <a:prstGeom prst="line">
             <a:avLst/>
@@ -7865,420 +8209,20 @@
           </a:fontRef>
         </p:style>
       </p:cxnSp>
-      <p:sp>
-        <p:nvSpPr>
-          <p:cNvPr id="13" name="TextBox 12"/>
-          <p:cNvSpPr txBox="1"/>
-          <p:nvPr/>
-        </p:nvSpPr>
-        <p:spPr>
-          <a:xfrm>
-            <a:off x="7293858" y="689258"/>
-            <a:ext cx="463588" cy="369332"/>
-          </a:xfrm>
-          <a:prstGeom prst="rect">
-            <a:avLst/>
-          </a:prstGeom>
-          <a:noFill/>
-        </p:spPr>
-        <p:txBody>
-          <a:bodyPr wrap="none" rtlCol="0">
-            <a:spAutoFit/>
-          </a:bodyPr>
-          <a:lstStyle/>
-          <a:p>
-            <a:r>
-              <a:rPr lang="en-US" dirty="0">
-                <a:sym typeface="Wingdings"/>
-              </a:rPr>
-              <a:t> </a:t>
-            </a:r>
-            <a:endParaRPr lang="en-US" dirty="0"/>
-          </a:p>
-        </p:txBody>
-      </p:sp>
-      <p:sp>
-        <p:nvSpPr>
-          <p:cNvPr id="14" name="TextBox 13"/>
-          <p:cNvSpPr txBox="1"/>
-          <p:nvPr/>
-        </p:nvSpPr>
-        <p:spPr>
-          <a:xfrm>
-            <a:off x="2636490" y="124154"/>
-            <a:ext cx="881075" cy="369332"/>
-          </a:xfrm>
-          <a:prstGeom prst="rect">
-            <a:avLst/>
-          </a:prstGeom>
-          <a:noFill/>
-        </p:spPr>
-        <p:txBody>
-          <a:bodyPr wrap="none" rtlCol="0">
-            <a:spAutoFit/>
-          </a:bodyPr>
-          <a:lstStyle/>
-          <a:p>
-            <a:r>
-              <a:rPr lang="en-US" dirty="0"/>
-              <a:t>View_8</a:t>
-            </a:r>
-          </a:p>
-        </p:txBody>
-      </p:sp>
-      <p:sp>
-        <p:nvSpPr>
-          <p:cNvPr id="15" name="TextBox 14"/>
-          <p:cNvSpPr txBox="1"/>
-          <p:nvPr/>
-        </p:nvSpPr>
-        <p:spPr>
-          <a:xfrm>
-            <a:off x="8493003" y="129775"/>
-            <a:ext cx="881075" cy="369332"/>
-          </a:xfrm>
-          <a:prstGeom prst="rect">
-            <a:avLst/>
-          </a:prstGeom>
-          <a:noFill/>
-        </p:spPr>
-        <p:txBody>
-          <a:bodyPr wrap="none" rtlCol="0">
-            <a:spAutoFit/>
-          </a:bodyPr>
-          <a:lstStyle/>
-          <a:p>
-            <a:r>
-              <a:rPr lang="en-US" dirty="0"/>
-              <a:t>View_9</a:t>
-            </a:r>
-          </a:p>
-        </p:txBody>
-      </p:sp>
-      <p:sp>
-        <p:nvSpPr>
-          <p:cNvPr id="16" name="TextBox 15"/>
-          <p:cNvSpPr txBox="1"/>
-          <p:nvPr/>
-        </p:nvSpPr>
-        <p:spPr>
-          <a:xfrm>
-            <a:off x="2179560" y="2989107"/>
-            <a:ext cx="1794933" cy="923330"/>
-          </a:xfrm>
-          <a:prstGeom prst="rect">
-            <a:avLst/>
-          </a:prstGeom>
-          <a:noFill/>
-        </p:spPr>
-        <p:txBody>
-          <a:bodyPr wrap="square" rtlCol="0">
-            <a:spAutoFit/>
-          </a:bodyPr>
-          <a:lstStyle/>
-          <a:p>
-            <a:pPr algn="ctr"/>
-            <a:r>
-              <a:rPr lang="en-US" dirty="0"/>
-              <a:t>MATCH</a:t>
-            </a:r>
-          </a:p>
-          <a:p>
-            <a:pPr algn="ctr"/>
-            <a:endParaRPr lang="en-US" dirty="0"/>
-          </a:p>
-          <a:p>
-            <a:pPr algn="ctr"/>
-            <a:r>
-              <a:rPr lang="en-US" dirty="0"/>
-              <a:t>(GAME)</a:t>
-            </a:r>
-          </a:p>
-        </p:txBody>
-      </p:sp>
-      <p:sp>
-        <p:nvSpPr>
-          <p:cNvPr id="17" name="TextBox 16"/>
-          <p:cNvSpPr txBox="1"/>
-          <p:nvPr/>
-        </p:nvSpPr>
-        <p:spPr>
-          <a:xfrm>
-            <a:off x="7155541" y="1190172"/>
-            <a:ext cx="3566160" cy="307777"/>
-          </a:xfrm>
-          <a:prstGeom prst="rect">
-            <a:avLst/>
-          </a:prstGeom>
-          <a:solidFill>
-            <a:schemeClr val="bg1">
-              <a:lumMod val="95000"/>
-            </a:schemeClr>
-          </a:solidFill>
-          <a:ln>
-            <a:solidFill>
-              <a:schemeClr val="tx1"/>
-            </a:solidFill>
-          </a:ln>
-        </p:spPr>
-        <p:txBody>
-          <a:bodyPr wrap="square" rtlCol="0">
-            <a:spAutoFit/>
-          </a:bodyPr>
-          <a:lstStyle/>
-          <a:p>
-            <a:r>
-              <a:rPr lang="en-US" sz="1400" i="1" dirty="0"/>
-              <a:t>  </a:t>
-            </a:r>
-            <a:r>
-              <a:rPr lang="en-US" sz="1400" i="1" u="sng" dirty="0"/>
-              <a:t>username</a:t>
-            </a:r>
-          </a:p>
-        </p:txBody>
-      </p:sp>
-      <p:sp>
-        <p:nvSpPr>
-          <p:cNvPr id="18" name="TextBox 17"/>
-          <p:cNvSpPr txBox="1"/>
-          <p:nvPr/>
-        </p:nvSpPr>
-        <p:spPr>
-          <a:xfrm>
-            <a:off x="7104742" y="1497949"/>
-            <a:ext cx="3657600" cy="415498"/>
-          </a:xfrm>
-          <a:prstGeom prst="rect">
-            <a:avLst/>
-          </a:prstGeom>
-          <a:noFill/>
-        </p:spPr>
-        <p:txBody>
-          <a:bodyPr wrap="square" rtlCol="0">
-            <a:spAutoFit/>
-          </a:bodyPr>
-          <a:lstStyle/>
-          <a:p>
-            <a:pPr>
-              <a:spcBef>
-                <a:spcPts val="1000"/>
-              </a:spcBef>
-              <a:spcAft>
-                <a:spcPts val="1000"/>
-              </a:spcAft>
-            </a:pPr>
-            <a:r>
-              <a:rPr lang="en-US" sz="500" dirty="0"/>
-              <a:t> </a:t>
-            </a:r>
-            <a:br>
-              <a:rPr lang="en-US" sz="1600" dirty="0"/>
-            </a:br>
-            <a:r>
-              <a:rPr lang="en-US" sz="1600" dirty="0"/>
-              <a:t>  Account Settings</a:t>
-            </a:r>
-            <a:r>
-              <a:rPr lang="en-US" sz="800" dirty="0"/>
-              <a:t> </a:t>
-            </a:r>
-            <a:endParaRPr lang="en-US" sz="1600" dirty="0"/>
-          </a:p>
-        </p:txBody>
-      </p:sp>
-      <p:sp>
-        <p:nvSpPr>
-          <p:cNvPr id="19" name="TextBox 18"/>
-          <p:cNvSpPr txBox="1"/>
-          <p:nvPr/>
-        </p:nvSpPr>
-        <p:spPr>
-          <a:xfrm>
-            <a:off x="7141236" y="2467182"/>
-            <a:ext cx="3566160" cy="307777"/>
-          </a:xfrm>
-          <a:prstGeom prst="rect">
-            <a:avLst/>
-          </a:prstGeom>
-          <a:solidFill>
-            <a:schemeClr val="bg1">
-              <a:lumMod val="95000"/>
-            </a:schemeClr>
-          </a:solidFill>
-          <a:ln>
-            <a:solidFill>
-              <a:schemeClr val="tx1"/>
-            </a:solidFill>
-          </a:ln>
-        </p:spPr>
-        <p:txBody>
-          <a:bodyPr wrap="square" rtlCol="0">
-            <a:spAutoFit/>
-          </a:bodyPr>
-          <a:lstStyle/>
-          <a:p>
-            <a:r>
-              <a:rPr lang="en-US" sz="1400" i="1" dirty="0"/>
-              <a:t>  </a:t>
-            </a:r>
-            <a:r>
-              <a:rPr lang="en-US" sz="1400" dirty="0"/>
-              <a:t>Support</a:t>
-            </a:r>
-          </a:p>
-        </p:txBody>
-      </p:sp>
-      <p:sp>
-        <p:nvSpPr>
-          <p:cNvPr id="20" name="TextBox 19"/>
-          <p:cNvSpPr txBox="1"/>
-          <p:nvPr/>
-        </p:nvSpPr>
-        <p:spPr>
-          <a:xfrm>
-            <a:off x="7090437" y="2801103"/>
-            <a:ext cx="3657600" cy="415498"/>
-          </a:xfrm>
-          <a:prstGeom prst="rect">
-            <a:avLst/>
-          </a:prstGeom>
-          <a:noFill/>
-        </p:spPr>
-        <p:txBody>
-          <a:bodyPr wrap="square" rtlCol="0">
-            <a:spAutoFit/>
-          </a:bodyPr>
-          <a:lstStyle/>
-          <a:p>
-            <a:pPr>
-              <a:spcBef>
-                <a:spcPts val="1000"/>
-              </a:spcBef>
-              <a:spcAft>
-                <a:spcPts val="1000"/>
-              </a:spcAft>
-            </a:pPr>
-            <a:r>
-              <a:rPr lang="en-US" sz="500" dirty="0"/>
-              <a:t> </a:t>
-            </a:r>
-            <a:br>
-              <a:rPr lang="en-US" sz="1600" dirty="0"/>
-            </a:br>
-            <a:r>
-              <a:rPr lang="en-US" sz="1600" dirty="0"/>
-              <a:t>  Send Feedback</a:t>
-            </a:r>
-          </a:p>
-        </p:txBody>
-      </p:sp>
-      <p:sp>
-        <p:nvSpPr>
-          <p:cNvPr id="21" name="TextBox 20"/>
-          <p:cNvSpPr txBox="1"/>
-          <p:nvPr/>
-        </p:nvSpPr>
-        <p:spPr>
-          <a:xfrm>
-            <a:off x="7141236" y="3798927"/>
-            <a:ext cx="3566160" cy="307777"/>
-          </a:xfrm>
-          <a:prstGeom prst="rect">
-            <a:avLst/>
-          </a:prstGeom>
-          <a:solidFill>
-            <a:schemeClr val="bg1">
-              <a:lumMod val="95000"/>
-            </a:schemeClr>
-          </a:solidFill>
-          <a:ln>
-            <a:solidFill>
-              <a:schemeClr val="tx1"/>
-            </a:solidFill>
-          </a:ln>
-        </p:spPr>
-        <p:txBody>
-          <a:bodyPr wrap="square" rtlCol="0">
-            <a:spAutoFit/>
-          </a:bodyPr>
-          <a:lstStyle/>
-          <a:p>
-            <a:r>
-              <a:rPr lang="en-US" sz="1400" dirty="0"/>
-              <a:t>  About</a:t>
-            </a:r>
-          </a:p>
-        </p:txBody>
-      </p:sp>
-      <p:sp>
-        <p:nvSpPr>
-          <p:cNvPr id="22" name="TextBox 21"/>
-          <p:cNvSpPr txBox="1"/>
-          <p:nvPr/>
-        </p:nvSpPr>
-        <p:spPr>
-          <a:xfrm>
-            <a:off x="7090437" y="3299763"/>
-            <a:ext cx="3657600" cy="415498"/>
-          </a:xfrm>
-          <a:prstGeom prst="rect">
-            <a:avLst/>
-          </a:prstGeom>
-          <a:noFill/>
-          <a:ln>
-            <a:noFill/>
-          </a:ln>
-        </p:spPr>
-        <p:txBody>
-          <a:bodyPr wrap="square" rtlCol="0">
-            <a:spAutoFit/>
-          </a:bodyPr>
-          <a:lstStyle/>
-          <a:p>
-            <a:pPr>
-              <a:spcBef>
-                <a:spcPts val="1000"/>
-              </a:spcBef>
-              <a:spcAft>
-                <a:spcPts val="1000"/>
-              </a:spcAft>
-            </a:pPr>
-            <a:r>
-              <a:rPr lang="en-US" sz="500" dirty="0"/>
-              <a:t> </a:t>
-            </a:r>
-            <a:br>
-              <a:rPr lang="en-US" sz="1600" dirty="0"/>
-            </a:br>
-            <a:r>
-              <a:rPr lang="en-US" sz="1600" dirty="0"/>
-              <a:t>  Rate Us!</a:t>
-            </a:r>
-          </a:p>
-        </p:txBody>
-      </p:sp>
       <p:cxnSp>
         <p:nvCxnSpPr>
-          <p:cNvPr id="24" name="Straight Connector 23"/>
+          <p:cNvPr id="35" name="Straight Connector 34"/>
           <p:cNvCxnSpPr/>
           <p:nvPr/>
         </p:nvCxnSpPr>
         <p:spPr>
           <a:xfrm>
-            <a:off x="7090437" y="3299763"/>
-            <a:ext cx="3657600" cy="0"/>
+            <a:off x="1252589" y="2954616"/>
+            <a:ext cx="3294743" cy="14514"/>
           </a:xfrm>
           <a:prstGeom prst="line">
             <a:avLst/>
           </a:prstGeom>
-          <a:ln>
-            <a:solidFill>
-              <a:schemeClr val="bg1">
-                <a:lumMod val="75000"/>
-              </a:schemeClr>
-            </a:solidFill>
-          </a:ln>
         </p:spPr>
         <p:style>
           <a:lnRef idx="1">
@@ -8295,118 +8239,20 @@
           </a:fontRef>
         </p:style>
       </p:cxnSp>
-      <p:sp>
-        <p:nvSpPr>
-          <p:cNvPr id="25" name="TextBox 24"/>
-          <p:cNvSpPr txBox="1"/>
-          <p:nvPr/>
-        </p:nvSpPr>
-        <p:spPr>
-          <a:xfrm>
-            <a:off x="7090437" y="4123683"/>
-            <a:ext cx="3657600" cy="415498"/>
-          </a:xfrm>
-          <a:prstGeom prst="rect">
-            <a:avLst/>
-          </a:prstGeom>
-          <a:noFill/>
-        </p:spPr>
-        <p:txBody>
-          <a:bodyPr wrap="square" rtlCol="0">
-            <a:spAutoFit/>
-          </a:bodyPr>
-          <a:lstStyle/>
-          <a:p>
-            <a:pPr>
-              <a:spcBef>
-                <a:spcPts val="1000"/>
-              </a:spcBef>
-              <a:spcAft>
-                <a:spcPts val="1000"/>
-              </a:spcAft>
-            </a:pPr>
-            <a:r>
-              <a:rPr lang="en-US" sz="500" dirty="0"/>
-              <a:t> </a:t>
-            </a:r>
-            <a:br>
-              <a:rPr lang="en-US" sz="1600" dirty="0"/>
-            </a:br>
-            <a:r>
-              <a:rPr lang="en-US" sz="1600" dirty="0"/>
-              <a:t>  Privacy Policy</a:t>
-            </a:r>
-          </a:p>
-        </p:txBody>
-      </p:sp>
-      <p:sp>
-        <p:nvSpPr>
-          <p:cNvPr id="26" name="TextBox 25"/>
-          <p:cNvSpPr txBox="1"/>
-          <p:nvPr/>
-        </p:nvSpPr>
-        <p:spPr>
-          <a:xfrm>
-            <a:off x="7090437" y="4622343"/>
-            <a:ext cx="3657600" cy="415498"/>
-          </a:xfrm>
-          <a:prstGeom prst="rect">
-            <a:avLst/>
-          </a:prstGeom>
-          <a:noFill/>
-          <a:ln>
-            <a:noFill/>
-          </a:ln>
-        </p:spPr>
-        <p:txBody>
-          <a:bodyPr wrap="square" rtlCol="0">
-            <a:spAutoFit/>
-          </a:bodyPr>
-          <a:lstStyle/>
-          <a:p>
-            <a:pPr>
-              <a:spcBef>
-                <a:spcPts val="1000"/>
-              </a:spcBef>
-              <a:spcAft>
-                <a:spcPts val="1000"/>
-              </a:spcAft>
-            </a:pPr>
-            <a:r>
-              <a:rPr lang="en-US" sz="500" dirty="0"/>
-              <a:t> </a:t>
-            </a:r>
-            <a:br>
-              <a:rPr lang="en-US" sz="1600" dirty="0"/>
-            </a:br>
-            <a:r>
-              <a:rPr lang="en-US" sz="1600" dirty="0"/>
-              <a:t>  Terms of Service</a:t>
-            </a:r>
-          </a:p>
-        </p:txBody>
-      </p:sp>
       <p:cxnSp>
         <p:nvCxnSpPr>
-          <p:cNvPr id="27" name="Straight Connector 26"/>
+          <p:cNvPr id="36" name="Straight Connector 35"/>
           <p:cNvCxnSpPr/>
           <p:nvPr/>
         </p:nvCxnSpPr>
         <p:spPr>
           <a:xfrm>
-            <a:off x="7090437" y="4622343"/>
-            <a:ext cx="3657600" cy="0"/>
+            <a:off x="1230821" y="3478946"/>
+            <a:ext cx="3294743" cy="14514"/>
           </a:xfrm>
           <a:prstGeom prst="line">
             <a:avLst/>
           </a:prstGeom>
-          <a:ln>
-            <a:solidFill>
-              <a:schemeClr val="bg1">
-                <a:lumMod val="75000"/>
-              </a:schemeClr>
-            </a:solidFill>
-          </a:ln>
         </p:spPr>
         <p:style>
           <a:lnRef idx="1">
@@ -8423,78 +8269,20 @@
           </a:fontRef>
         </p:style>
       </p:cxnSp>
-      <p:sp>
-        <p:nvSpPr>
-          <p:cNvPr id="29" name="TextBox 28"/>
-          <p:cNvSpPr txBox="1"/>
-          <p:nvPr/>
-        </p:nvSpPr>
-        <p:spPr>
-          <a:xfrm>
-            <a:off x="7090437" y="1962246"/>
-            <a:ext cx="3657600" cy="415498"/>
-          </a:xfrm>
-          <a:prstGeom prst="rect">
-            <a:avLst/>
-          </a:prstGeom>
-          <a:noFill/>
-          <a:ln>
-            <a:noFill/>
-          </a:ln>
-        </p:spPr>
-        <p:txBody>
-          <a:bodyPr wrap="square" rtlCol="0">
-            <a:spAutoFit/>
-          </a:bodyPr>
-          <a:lstStyle/>
-          <a:p>
-            <a:pPr>
-              <a:spcBef>
-                <a:spcPts val="1000"/>
-              </a:spcBef>
-              <a:spcAft>
-                <a:spcPts val="1000"/>
-              </a:spcAft>
-            </a:pPr>
-            <a:r>
-              <a:rPr lang="en-US" sz="500" dirty="0"/>
-              <a:t> </a:t>
-            </a:r>
-            <a:br>
-              <a:rPr lang="en-US" sz="1600" dirty="0"/>
-            </a:br>
-            <a:r>
-              <a:rPr lang="en-US" sz="1600" dirty="0"/>
-              <a:t>  Log out of </a:t>
-            </a:r>
-            <a:r>
-              <a:rPr lang="en-US" sz="1600" i="1" u="sng" dirty="0"/>
-              <a:t>username</a:t>
-            </a:r>
-          </a:p>
-        </p:txBody>
-      </p:sp>
       <p:cxnSp>
         <p:nvCxnSpPr>
-          <p:cNvPr id="30" name="Straight Connector 29"/>
+          <p:cNvPr id="37" name="Straight Connector 36"/>
           <p:cNvCxnSpPr/>
           <p:nvPr/>
         </p:nvCxnSpPr>
         <p:spPr>
           <a:xfrm>
-            <a:off x="7104742" y="1995085"/>
-            <a:ext cx="3657600" cy="0"/>
+            <a:off x="1252589" y="4064054"/>
+            <a:ext cx="3294743" cy="14514"/>
           </a:xfrm>
           <a:prstGeom prst="line">
             <a:avLst/>
           </a:prstGeom>
-          <a:ln>
-            <a:solidFill>
-              <a:schemeClr val="bg1">
-                <a:lumMod val="75000"/>
-              </a:schemeClr>
-            </a:solidFill>
-          </a:ln>
         </p:spPr>
         <p:style>
           <a:lnRef idx="1">
@@ -8513,14 +8301,43 @@
       </p:cxnSp>
       <p:sp>
         <p:nvSpPr>
-          <p:cNvPr id="28" name="TextBox 27"/>
+          <p:cNvPr id="38" name="TextBox 37"/>
           <p:cNvSpPr txBox="1"/>
           <p:nvPr/>
         </p:nvSpPr>
         <p:spPr>
-          <a:xfrm>
-            <a:off x="2702379" y="6466959"/>
-            <a:ext cx="894972" cy="369332"/>
+          <a:xfrm rot="5400000">
+            <a:off x="4287350" y="731931"/>
+            <a:ext cx="496697" cy="461665"/>
+          </a:xfrm>
+          <a:prstGeom prst="rect">
+            <a:avLst/>
+          </a:prstGeom>
+          <a:noFill/>
+        </p:spPr>
+        <p:txBody>
+          <a:bodyPr wrap="square" rtlCol="0">
+            <a:spAutoFit/>
+          </a:bodyPr>
+          <a:lstStyle/>
+          <a:p>
+            <a:r>
+              <a:rPr lang="en-US" sz="2400" dirty="0"/>
+              <a:t>...</a:t>
+            </a:r>
+          </a:p>
+        </p:txBody>
+      </p:sp>
+      <p:sp>
+        <p:nvSpPr>
+          <p:cNvPr id="39" name="TextBox 38"/>
+          <p:cNvSpPr txBox="1"/>
+          <p:nvPr/>
+        </p:nvSpPr>
+        <p:spPr>
+          <a:xfrm>
+            <a:off x="2229841" y="6378944"/>
+            <a:ext cx="918393" cy="369332"/>
           </a:xfrm>
           <a:prstGeom prst="rect">
             <a:avLst/>
@@ -8535,21 +8352,50 @@
           <a:p>
             <a:r>
               <a:rPr lang="en-US" dirty="0"/>
-              <a:t>MATCH</a:t>
-            </a:r>
-          </a:p>
-        </p:txBody>
-      </p:sp>
-      <p:sp>
-        <p:nvSpPr>
-          <p:cNvPr id="31" name="TextBox 30"/>
+              <a:t>FOLDER</a:t>
+            </a:r>
+          </a:p>
+        </p:txBody>
+      </p:sp>
+      <p:sp>
+        <p:nvSpPr>
+          <p:cNvPr id="40" name="TextBox 39"/>
           <p:cNvSpPr txBox="1"/>
           <p:nvPr/>
         </p:nvSpPr>
         <p:spPr>
           <a:xfrm>
-            <a:off x="8883480" y="6488668"/>
-            <a:ext cx="981196" cy="369332"/>
+            <a:off x="4194939" y="1277435"/>
+            <a:ext cx="544606" cy="584775"/>
+          </a:xfrm>
+          <a:prstGeom prst="rect">
+            <a:avLst/>
+          </a:prstGeom>
+          <a:noFill/>
+        </p:spPr>
+        <p:txBody>
+          <a:bodyPr wrap="square" rtlCol="0">
+            <a:spAutoFit/>
+          </a:bodyPr>
+          <a:lstStyle/>
+          <a:p>
+            <a:r>
+              <a:rPr lang="en-US" sz="3200" dirty="0"/>
+              <a:t>+</a:t>
+            </a:r>
+          </a:p>
+        </p:txBody>
+      </p:sp>
+      <p:sp>
+        <p:nvSpPr>
+          <p:cNvPr id="41" name="TextBox 40"/>
+          <p:cNvSpPr txBox="1"/>
+          <p:nvPr/>
+        </p:nvSpPr>
+        <p:spPr>
+          <a:xfrm>
+            <a:off x="1230821" y="1499815"/>
+            <a:ext cx="1225015" cy="369332"/>
           </a:xfrm>
           <a:prstGeom prst="rect">
             <a:avLst/>
@@ -8563,16 +8409,196 @@
           <a:lstStyle/>
           <a:p>
             <a:r>
+              <a:rPr lang="en-US" i="1" dirty="0"/>
+              <a:t>User Name</a:t>
+            </a:r>
+          </a:p>
+        </p:txBody>
+      </p:sp>
+      <p:sp>
+        <p:nvSpPr>
+          <p:cNvPr id="42" name="TextBox 41"/>
+          <p:cNvSpPr txBox="1"/>
+          <p:nvPr/>
+        </p:nvSpPr>
+        <p:spPr>
+          <a:xfrm>
+            <a:off x="1238394" y="2045631"/>
+            <a:ext cx="949362" cy="369332"/>
+          </a:xfrm>
+          <a:prstGeom prst="rect">
+            <a:avLst/>
+          </a:prstGeom>
+          <a:noFill/>
+        </p:spPr>
+        <p:txBody>
+          <a:bodyPr wrap="none" rtlCol="0">
+            <a:spAutoFit/>
+          </a:bodyPr>
+          <a:lstStyle/>
+          <a:p>
+            <a:r>
               <a:rPr lang="en-US" dirty="0"/>
-              <a:t>SETTING</a:t>
-            </a:r>
+              <a:t>Folder 1</a:t>
+            </a:r>
+          </a:p>
+        </p:txBody>
+      </p:sp>
+      <p:sp>
+        <p:nvSpPr>
+          <p:cNvPr id="43" name="TextBox 42"/>
+          <p:cNvSpPr txBox="1"/>
+          <p:nvPr/>
+        </p:nvSpPr>
+        <p:spPr>
+          <a:xfrm>
+            <a:off x="1238394" y="2594314"/>
+            <a:ext cx="949362" cy="369332"/>
+          </a:xfrm>
+          <a:prstGeom prst="rect">
+            <a:avLst/>
+          </a:prstGeom>
+          <a:noFill/>
+        </p:spPr>
+        <p:txBody>
+          <a:bodyPr wrap="none" rtlCol="0">
+            <a:spAutoFit/>
+          </a:bodyPr>
+          <a:lstStyle/>
+          <a:p>
+            <a:r>
+              <a:rPr lang="en-US" dirty="0"/>
+              <a:t>Folder 2</a:t>
+            </a:r>
+          </a:p>
+        </p:txBody>
+      </p:sp>
+      <p:sp>
+        <p:nvSpPr>
+          <p:cNvPr id="44" name="TextBox 43"/>
+          <p:cNvSpPr txBox="1"/>
+          <p:nvPr/>
+        </p:nvSpPr>
+        <p:spPr>
+          <a:xfrm>
+            <a:off x="1226764" y="3125978"/>
+            <a:ext cx="949362" cy="369332"/>
+          </a:xfrm>
+          <a:prstGeom prst="rect">
+            <a:avLst/>
+          </a:prstGeom>
+          <a:noFill/>
+        </p:spPr>
+        <p:txBody>
+          <a:bodyPr wrap="none" rtlCol="0">
+            <a:spAutoFit/>
+          </a:bodyPr>
+          <a:lstStyle/>
+          <a:p>
+            <a:r>
+              <a:rPr lang="en-US" dirty="0"/>
+              <a:t>Folder 3</a:t>
+            </a:r>
+          </a:p>
+        </p:txBody>
+      </p:sp>
+      <p:sp>
+        <p:nvSpPr>
+          <p:cNvPr id="45" name="TextBox 44"/>
+          <p:cNvSpPr txBox="1"/>
+          <p:nvPr/>
+        </p:nvSpPr>
+        <p:spPr>
+          <a:xfrm>
+            <a:off x="1233819" y="3701149"/>
+            <a:ext cx="949362" cy="369332"/>
+          </a:xfrm>
+          <a:prstGeom prst="rect">
+            <a:avLst/>
+          </a:prstGeom>
+          <a:noFill/>
+        </p:spPr>
+        <p:txBody>
+          <a:bodyPr wrap="none" rtlCol="0">
+            <a:spAutoFit/>
+          </a:bodyPr>
+          <a:lstStyle/>
+          <a:p>
+            <a:r>
+              <a:rPr lang="en-US" dirty="0"/>
+              <a:t>Folder 4</a:t>
+            </a:r>
+          </a:p>
+        </p:txBody>
+      </p:sp>
+      <p:sp>
+        <p:nvSpPr>
+          <p:cNvPr id="46" name="TextBox 45"/>
+          <p:cNvSpPr txBox="1"/>
+          <p:nvPr/>
+        </p:nvSpPr>
+        <p:spPr>
+          <a:xfrm>
+            <a:off x="7128716" y="798244"/>
+            <a:ext cx="463588" cy="369332"/>
+          </a:xfrm>
+          <a:prstGeom prst="rect">
+            <a:avLst/>
+          </a:prstGeom>
+          <a:noFill/>
+        </p:spPr>
+        <p:txBody>
+          <a:bodyPr wrap="none" rtlCol="0">
+            <a:spAutoFit/>
+          </a:bodyPr>
+          <a:lstStyle/>
+          <a:p>
+            <a:r>
+              <a:rPr lang="en-US" dirty="0">
+                <a:sym typeface="Wingdings"/>
+              </a:rPr>
+              <a:t> </a:t>
+            </a:r>
+            <a:endParaRPr lang="en-US" dirty="0"/>
+          </a:p>
+        </p:txBody>
+      </p:sp>
+      <p:sp>
+        <p:nvSpPr>
+          <p:cNvPr id="47" name="TextBox 46"/>
+          <p:cNvSpPr txBox="1"/>
+          <p:nvPr/>
+        </p:nvSpPr>
+        <p:spPr>
+          <a:xfrm>
+            <a:off x="1108931" y="778097"/>
+            <a:ext cx="463588" cy="369332"/>
+          </a:xfrm>
+          <a:prstGeom prst="rect">
+            <a:avLst/>
+          </a:prstGeom>
+          <a:noFill/>
+        </p:spPr>
+        <p:txBody>
+          <a:bodyPr wrap="none" rtlCol="0">
+            <a:spAutoFit/>
+          </a:bodyPr>
+          <a:lstStyle/>
+          <a:p>
+            <a:r>
+              <a:rPr lang="en-US" dirty="0">
+                <a:sym typeface="Wingdings"/>
+              </a:rPr>
+              <a:t> </a:t>
+            </a:r>
+            <a:endParaRPr lang="en-US" dirty="0"/>
           </a:p>
         </p:txBody>
       </p:sp>
     </p:spTree>
     <p:extLst>
       <p:ext uri="{BB962C8B-B14F-4D97-AF65-F5344CB8AC3E}">
-        <p14:creationId xmlns:p14="http://schemas.microsoft.com/office/powerpoint/2010/main" val="1292690461"/>
+        <p14:creationId xmlns:p14="http://schemas.microsoft.com/office/powerpoint/2010/main" val="580768532"/>
       </p:ext>
     </p:extLst>
   </p:cSld>
@@ -8970,7 +8996,7 @@
   <a:extraClrSchemeLst/>
   <a:extLst>
     <a:ext uri="{05A4C25C-085E-4340-85A3-A5531E510DB2}">
-      <thm15:themeFamily xmlns:thm15="http://schemas.microsoft.com/office/thememl/2012/main" name="Office Theme" id="{62F939B6-93AF-4DB8-9C6B-D6C7DFDC589F}" vid="{4A3C46E8-61CC-4603-A589-7422A47A8E4A}"/>
+      <thm15:themeFamily xmlns:thm15="http://schemas.microsoft.com/office/thememl/2012/main" xmlns="" name="Office Theme" id="{62F939B6-93AF-4DB8-9C6B-D6C7DFDC589F}" vid="{4A3C46E8-61CC-4603-A589-7422A47A8E4A}"/>
     </a:ext>
   </a:extLst>
 </a:theme>

--- a/Device Screen.pptx
+++ b/Device Screen.pptx
@@ -7,10 +7,12 @@
   <p:sldIdLst>
     <p:sldId id="256" r:id="rId2"/>
     <p:sldId id="257" r:id="rId3"/>
-    <p:sldId id="258" r:id="rId4"/>
-    <p:sldId id="259" r:id="rId5"/>
-    <p:sldId id="261" r:id="rId6"/>
-    <p:sldId id="260" r:id="rId7"/>
+    <p:sldId id="262" r:id="rId4"/>
+    <p:sldId id="258" r:id="rId5"/>
+    <p:sldId id="263" r:id="rId6"/>
+    <p:sldId id="259" r:id="rId7"/>
+    <p:sldId id="261" r:id="rId8"/>
+    <p:sldId id="260" r:id="rId9"/>
   </p:sldIdLst>
   <p:sldSz cx="12192000" cy="6858000"/>
   <p:notesSz cx="6858000" cy="9144000"/>
@@ -111,7 +113,7 @@
   </p:defaultTextStyle>
   <p:extLst>
     <p:ext uri="{EFAFB233-063F-42B5-8137-9DF3F51BA10A}">
-      <p15:sldGuideLst xmlns:p15="http://schemas.microsoft.com/office/powerpoint/2012/main" xmlns="">
+      <p15:sldGuideLst xmlns:p15="http://schemas.microsoft.com/office/powerpoint/2012/main">
         <p15:guide id="1" orient="horz" pos="2160">
           <p15:clr>
             <a:srgbClr val="A4A3A4"/>
@@ -257,7 +259,7 @@
           <a:p>
             <a:fld id="{BBC792A3-0523-3F47-BDD7-FCD0014C791B}" type="datetimeFigureOut">
               <a:rPr lang="en-US" smtClean="0"/>
-              <a:t>4/10/16</a:t>
+              <a:t>4/17/16</a:t>
             </a:fld>
             <a:endParaRPr lang="en-US"/>
           </a:p>
@@ -425,7 +427,7 @@
           <a:p>
             <a:fld id="{BBC792A3-0523-3F47-BDD7-FCD0014C791B}" type="datetimeFigureOut">
               <a:rPr lang="en-US" smtClean="0"/>
-              <a:t>4/10/16</a:t>
+              <a:t>4/17/16</a:t>
             </a:fld>
             <a:endParaRPr lang="en-US"/>
           </a:p>
@@ -603,7 +605,7 @@
           <a:p>
             <a:fld id="{BBC792A3-0523-3F47-BDD7-FCD0014C791B}" type="datetimeFigureOut">
               <a:rPr lang="en-US" smtClean="0"/>
-              <a:t>4/10/16</a:t>
+              <a:t>4/17/16</a:t>
             </a:fld>
             <a:endParaRPr lang="en-US"/>
           </a:p>
@@ -771,7 +773,7 @@
           <a:p>
             <a:fld id="{BBC792A3-0523-3F47-BDD7-FCD0014C791B}" type="datetimeFigureOut">
               <a:rPr lang="en-US" smtClean="0"/>
-              <a:t>4/10/16</a:t>
+              <a:t>4/17/16</a:t>
             </a:fld>
             <a:endParaRPr lang="en-US"/>
           </a:p>
@@ -1016,7 +1018,7 @@
           <a:p>
             <a:fld id="{BBC792A3-0523-3F47-BDD7-FCD0014C791B}" type="datetimeFigureOut">
               <a:rPr lang="en-US" smtClean="0"/>
-              <a:t>4/10/16</a:t>
+              <a:t>4/17/16</a:t>
             </a:fld>
             <a:endParaRPr lang="en-US"/>
           </a:p>
@@ -1245,7 +1247,7 @@
           <a:p>
             <a:fld id="{BBC792A3-0523-3F47-BDD7-FCD0014C791B}" type="datetimeFigureOut">
               <a:rPr lang="en-US" smtClean="0"/>
-              <a:t>4/10/16</a:t>
+              <a:t>4/17/16</a:t>
             </a:fld>
             <a:endParaRPr lang="en-US"/>
           </a:p>
@@ -1609,7 +1611,7 @@
           <a:p>
             <a:fld id="{BBC792A3-0523-3F47-BDD7-FCD0014C791B}" type="datetimeFigureOut">
               <a:rPr lang="en-US" smtClean="0"/>
-              <a:t>4/10/16</a:t>
+              <a:t>4/17/16</a:t>
             </a:fld>
             <a:endParaRPr lang="en-US"/>
           </a:p>
@@ -1726,7 +1728,7 @@
           <a:p>
             <a:fld id="{BBC792A3-0523-3F47-BDD7-FCD0014C791B}" type="datetimeFigureOut">
               <a:rPr lang="en-US" smtClean="0"/>
-              <a:t>4/10/16</a:t>
+              <a:t>4/17/16</a:t>
             </a:fld>
             <a:endParaRPr lang="en-US"/>
           </a:p>
@@ -1821,7 +1823,7 @@
           <a:p>
             <a:fld id="{BBC792A3-0523-3F47-BDD7-FCD0014C791B}" type="datetimeFigureOut">
               <a:rPr lang="en-US" smtClean="0"/>
-              <a:t>4/10/16</a:t>
+              <a:t>4/17/16</a:t>
             </a:fld>
             <a:endParaRPr lang="en-US"/>
           </a:p>
@@ -2096,7 +2098,7 @@
           <a:p>
             <a:fld id="{BBC792A3-0523-3F47-BDD7-FCD0014C791B}" type="datetimeFigureOut">
               <a:rPr lang="en-US" smtClean="0"/>
-              <a:t>4/10/16</a:t>
+              <a:t>4/17/16</a:t>
             </a:fld>
             <a:endParaRPr lang="en-US"/>
           </a:p>
@@ -2348,7 +2350,7 @@
           <a:p>
             <a:fld id="{BBC792A3-0523-3F47-BDD7-FCD0014C791B}" type="datetimeFigureOut">
               <a:rPr lang="en-US" smtClean="0"/>
-              <a:t>4/10/16</a:t>
+              <a:t>4/17/16</a:t>
             </a:fld>
             <a:endParaRPr lang="en-US"/>
           </a:p>
@@ -2559,7 +2561,7 @@
           <a:p>
             <a:fld id="{BBC792A3-0523-3F47-BDD7-FCD0014C791B}" type="datetimeFigureOut">
               <a:rPr lang="en-US" smtClean="0"/>
-              <a:t>4/10/16</a:t>
+              <a:t>4/17/16</a:t>
             </a:fld>
             <a:endParaRPr lang="en-US"/>
           </a:p>
@@ -2972,7 +2974,7 @@
         </p:nvSpPr>
         <p:spPr>
           <a:xfrm>
-            <a:off x="1248228" y="478972"/>
+            <a:off x="459491" y="477868"/>
             <a:ext cx="3657600" cy="5943600"/>
           </a:xfrm>
           <a:prstGeom prst="frame">
@@ -3019,7 +3021,7 @@
         </p:nvSpPr>
         <p:spPr>
           <a:xfrm>
-            <a:off x="7104742" y="478972"/>
+            <a:off x="8180503" y="477868"/>
             <a:ext cx="3657600" cy="5943600"/>
           </a:xfrm>
           <a:prstGeom prst="frame">
@@ -3066,7 +3068,7 @@
         </p:nvSpPr>
         <p:spPr>
           <a:xfrm>
-            <a:off x="2264230" y="2815772"/>
+            <a:off x="1475493" y="2814668"/>
             <a:ext cx="2285090" cy="406400"/>
           </a:xfrm>
           <a:prstGeom prst="frame">
@@ -3112,7 +3114,7 @@
         </p:nvSpPr>
         <p:spPr>
           <a:xfrm>
-            <a:off x="2264229" y="3581401"/>
+            <a:off x="1475492" y="3580297"/>
             <a:ext cx="2285090" cy="406400"/>
           </a:xfrm>
           <a:prstGeom prst="frame">
@@ -3158,7 +3160,7 @@
         </p:nvSpPr>
         <p:spPr>
           <a:xfrm>
-            <a:off x="2264229" y="1090386"/>
+            <a:off x="1475492" y="1089282"/>
             <a:ext cx="1640114" cy="1279071"/>
           </a:xfrm>
           <a:prstGeom prst="frame">
@@ -3204,7 +3206,7 @@
         </p:nvSpPr>
         <p:spPr>
           <a:xfrm>
-            <a:off x="1657349" y="4368508"/>
+            <a:off x="868612" y="4367404"/>
             <a:ext cx="2891970" cy="452584"/>
           </a:xfrm>
           <a:prstGeom prst="frame">
@@ -3250,7 +3252,7 @@
         </p:nvSpPr>
         <p:spPr>
           <a:xfrm>
-            <a:off x="7503885" y="914400"/>
+            <a:off x="8579646" y="913296"/>
             <a:ext cx="1132115" cy="815521"/>
           </a:xfrm>
           <a:prstGeom prst="frame">
@@ -3296,7 +3298,7 @@
         </p:nvSpPr>
         <p:spPr>
           <a:xfrm>
-            <a:off x="9245601" y="914400"/>
+            <a:off x="10321362" y="913296"/>
             <a:ext cx="1150254" cy="815521"/>
           </a:xfrm>
           <a:prstGeom prst="frame">
@@ -3342,7 +3344,7 @@
         </p:nvSpPr>
         <p:spPr>
           <a:xfrm>
-            <a:off x="8178800" y="3599546"/>
+            <a:off x="9254561" y="3598442"/>
             <a:ext cx="2416627" cy="332721"/>
           </a:xfrm>
           <a:prstGeom prst="frame">
@@ -3388,7 +3390,7 @@
         </p:nvSpPr>
         <p:spPr>
           <a:xfrm>
-            <a:off x="8178800" y="3063172"/>
+            <a:off x="9254561" y="3062068"/>
             <a:ext cx="2416627" cy="315029"/>
           </a:xfrm>
           <a:prstGeom prst="frame">
@@ -3434,7 +3436,7 @@
         </p:nvSpPr>
         <p:spPr>
           <a:xfrm>
-            <a:off x="8178800" y="2547423"/>
+            <a:off x="9254561" y="2546319"/>
             <a:ext cx="2411488" cy="328753"/>
           </a:xfrm>
           <a:prstGeom prst="frame">
@@ -3480,7 +3482,7 @@
         </p:nvSpPr>
         <p:spPr>
           <a:xfrm>
-            <a:off x="8178799" y="4165606"/>
+            <a:off x="9254560" y="4164502"/>
             <a:ext cx="2416627" cy="362852"/>
           </a:xfrm>
           <a:prstGeom prst="frame">
@@ -3526,7 +3528,7 @@
         </p:nvSpPr>
         <p:spPr>
           <a:xfrm>
-            <a:off x="7561941" y="4731655"/>
+            <a:off x="8637702" y="4730551"/>
             <a:ext cx="188688" cy="181431"/>
           </a:xfrm>
           <a:prstGeom prst="frame">
@@ -3572,7 +3574,7 @@
         </p:nvSpPr>
         <p:spPr>
           <a:xfrm>
-            <a:off x="7565573" y="5152572"/>
+            <a:off x="8641334" y="5151468"/>
             <a:ext cx="185056" cy="188685"/>
           </a:xfrm>
           <a:prstGeom prst="frame">
@@ -3618,7 +3620,7 @@
         </p:nvSpPr>
         <p:spPr>
           <a:xfrm>
-            <a:off x="8100784" y="5539013"/>
+            <a:off x="9176545" y="5537909"/>
             <a:ext cx="1665515" cy="466276"/>
           </a:xfrm>
           <a:prstGeom prst="frame">
@@ -3664,7 +3666,7 @@
         </p:nvSpPr>
         <p:spPr>
           <a:xfrm>
-            <a:off x="1307195" y="2880472"/>
+            <a:off x="518458" y="2879368"/>
             <a:ext cx="986970" cy="276999"/>
           </a:xfrm>
           <a:prstGeom prst="rect">
@@ -3694,7 +3696,7 @@
         </p:nvSpPr>
         <p:spPr>
           <a:xfrm>
-            <a:off x="1300844" y="3624490"/>
+            <a:off x="512107" y="3623386"/>
             <a:ext cx="963386" cy="276999"/>
           </a:xfrm>
           <a:prstGeom prst="rect">
@@ -3724,7 +3726,7 @@
         </p:nvSpPr>
         <p:spPr>
           <a:xfrm>
-            <a:off x="7585529" y="946511"/>
+            <a:off x="8661290" y="945407"/>
             <a:ext cx="963386" cy="738664"/>
           </a:xfrm>
           <a:prstGeom prst="rect">
@@ -3754,7 +3756,7 @@
         </p:nvSpPr>
         <p:spPr>
           <a:xfrm>
-            <a:off x="8451848" y="5618262"/>
+            <a:off x="9527609" y="5617158"/>
             <a:ext cx="963386" cy="307777"/>
           </a:xfrm>
           <a:prstGeom prst="rect">
@@ -3784,7 +3786,7 @@
         </p:nvSpPr>
         <p:spPr>
           <a:xfrm>
-            <a:off x="2422524" y="1360589"/>
+            <a:off x="1633787" y="1359485"/>
             <a:ext cx="1309008" cy="738664"/>
           </a:xfrm>
           <a:prstGeom prst="rect">
@@ -3828,7 +3830,7 @@
         </p:nvSpPr>
         <p:spPr>
           <a:xfrm>
-            <a:off x="9339035" y="957117"/>
+            <a:off x="10414796" y="956013"/>
             <a:ext cx="963386" cy="738664"/>
           </a:xfrm>
           <a:prstGeom prst="rect">
@@ -3858,7 +3860,7 @@
         </p:nvCxnSpPr>
         <p:spPr>
           <a:xfrm>
-            <a:off x="7315200" y="2099253"/>
+            <a:off x="8390961" y="2098149"/>
             <a:ext cx="863599" cy="0"/>
           </a:xfrm>
           <a:prstGeom prst="line">
@@ -3888,7 +3890,7 @@
         </p:nvCxnSpPr>
         <p:spPr>
           <a:xfrm>
-            <a:off x="9766299" y="2099253"/>
+            <a:off x="10842060" y="2098149"/>
             <a:ext cx="823988" cy="0"/>
           </a:xfrm>
           <a:prstGeom prst="line">
@@ -3918,7 +3920,7 @@
         </p:nvSpPr>
         <p:spPr>
           <a:xfrm>
-            <a:off x="8178800" y="1999449"/>
+            <a:off x="9254561" y="1998345"/>
             <a:ext cx="1587500" cy="246221"/>
           </a:xfrm>
           <a:prstGeom prst="rect">
@@ -3948,7 +3950,7 @@
         </p:nvSpPr>
         <p:spPr>
           <a:xfrm>
-            <a:off x="2566306" y="4446521"/>
+            <a:off x="1777569" y="4445417"/>
             <a:ext cx="963386" cy="307777"/>
           </a:xfrm>
           <a:prstGeom prst="rect">
@@ -3979,7 +3981,7 @@
         </p:nvSpPr>
         <p:spPr>
           <a:xfrm>
-            <a:off x="7191829" y="2577779"/>
+            <a:off x="8267590" y="2576675"/>
             <a:ext cx="986970" cy="276999"/>
           </a:xfrm>
           <a:prstGeom prst="rect">
@@ -4009,7 +4011,7 @@
         </p:nvSpPr>
         <p:spPr>
           <a:xfrm>
-            <a:off x="7199086" y="3099362"/>
+            <a:off x="8274847" y="3098258"/>
             <a:ext cx="986970" cy="276999"/>
           </a:xfrm>
           <a:prstGeom prst="rect">
@@ -4039,7 +4041,7 @@
         </p:nvSpPr>
         <p:spPr>
           <a:xfrm>
-            <a:off x="7199086" y="3624490"/>
+            <a:off x="8274847" y="3623386"/>
             <a:ext cx="986970" cy="461665"/>
           </a:xfrm>
           <a:prstGeom prst="rect">
@@ -4069,7 +4071,7 @@
         </p:nvSpPr>
         <p:spPr>
           <a:xfrm>
-            <a:off x="7199086" y="4203619"/>
+            <a:off x="8274847" y="4202515"/>
             <a:ext cx="986970" cy="276999"/>
           </a:xfrm>
           <a:prstGeom prst="rect">
@@ -4099,7 +4101,7 @@
         </p:nvSpPr>
         <p:spPr>
           <a:xfrm>
-            <a:off x="8067222" y="5026334"/>
+            <a:off x="9142983" y="5025230"/>
             <a:ext cx="2680001" cy="430887"/>
           </a:xfrm>
           <a:prstGeom prst="rect">
@@ -4137,7 +4139,7 @@
         </p:nvSpPr>
         <p:spPr>
           <a:xfrm>
-            <a:off x="8075233" y="4699669"/>
+            <a:off x="9150994" y="4698565"/>
             <a:ext cx="2680001" cy="253916"/>
           </a:xfrm>
           <a:prstGeom prst="rect">
@@ -4166,7 +4168,7 @@
         </p:nvSpPr>
         <p:spPr>
           <a:xfrm>
-            <a:off x="2610041" y="129205"/>
+            <a:off x="1821304" y="128101"/>
             <a:ext cx="881075" cy="369332"/>
           </a:xfrm>
           <a:prstGeom prst="rect">
@@ -4195,7 +4197,7 @@
         </p:nvSpPr>
         <p:spPr>
           <a:xfrm>
-            <a:off x="8505563" y="133223"/>
+            <a:off x="9568764" y="169928"/>
             <a:ext cx="881075" cy="369332"/>
           </a:xfrm>
           <a:prstGeom prst="rect">
@@ -4224,7 +4226,7 @@
         </p:nvSpPr>
         <p:spPr>
           <a:xfrm>
-            <a:off x="1657349" y="5190170"/>
+            <a:off x="868612" y="5189066"/>
             <a:ext cx="1132115" cy="815521"/>
           </a:xfrm>
           <a:prstGeom prst="frame">
@@ -4270,7 +4272,7 @@
         </p:nvSpPr>
         <p:spPr>
           <a:xfrm>
-            <a:off x="3399065" y="5190170"/>
+            <a:off x="2610328" y="5189066"/>
             <a:ext cx="1150254" cy="815521"/>
           </a:xfrm>
           <a:prstGeom prst="frame">
@@ -4316,7 +4318,7 @@
         </p:nvSpPr>
         <p:spPr>
           <a:xfrm>
-            <a:off x="1738993" y="5222281"/>
+            <a:off x="950256" y="5221177"/>
             <a:ext cx="963386" cy="738664"/>
           </a:xfrm>
           <a:prstGeom prst="rect">
@@ -4353,7 +4355,7 @@
         </p:nvSpPr>
         <p:spPr>
           <a:xfrm>
-            <a:off x="3492499" y="5232887"/>
+            <a:off x="2703762" y="5231783"/>
             <a:ext cx="963386" cy="738664"/>
           </a:xfrm>
           <a:prstGeom prst="rect">
@@ -4390,7 +4392,7 @@
         </p:nvSpPr>
         <p:spPr>
           <a:xfrm>
-            <a:off x="2702379" y="6466959"/>
+            <a:off x="1894625" y="6503822"/>
             <a:ext cx="787332" cy="369332"/>
           </a:xfrm>
           <a:prstGeom prst="rect">
@@ -4419,7 +4421,7 @@
         </p:nvSpPr>
         <p:spPr>
           <a:xfrm>
-            <a:off x="8551703" y="6466959"/>
+            <a:off x="9627464" y="6465855"/>
             <a:ext cx="910864" cy="369332"/>
           </a:xfrm>
           <a:prstGeom prst="rect">
@@ -4478,7 +4480,7 @@
         </p:nvSpPr>
         <p:spPr>
           <a:xfrm>
-            <a:off x="1248228" y="478972"/>
+            <a:off x="1503529" y="498804"/>
             <a:ext cx="3657600" cy="5943600"/>
           </a:xfrm>
           <a:prstGeom prst="frame">
@@ -4519,60 +4521,13 @@
       </p:sp>
       <p:sp>
         <p:nvSpPr>
-          <p:cNvPr id="3" name="Frame 2"/>
-          <p:cNvSpPr/>
-          <p:nvPr/>
-        </p:nvSpPr>
-        <p:spPr>
-          <a:xfrm>
-            <a:off x="7090227" y="493486"/>
-            <a:ext cx="3657600" cy="5943600"/>
-          </a:xfrm>
-          <a:prstGeom prst="frame">
-            <a:avLst>
-              <a:gd name="adj1" fmla="val 992"/>
-            </a:avLst>
-          </a:prstGeom>
-          <a:ln/>
-        </p:spPr>
-        <p:style>
-          <a:lnRef idx="2">
-            <a:schemeClr val="dk1">
-              <a:shade val="50000"/>
-            </a:schemeClr>
-          </a:lnRef>
-          <a:fillRef idx="1">
-            <a:schemeClr val="dk1"/>
-          </a:fillRef>
-          <a:effectRef idx="0">
-            <a:schemeClr val="dk1"/>
-          </a:effectRef>
-          <a:fontRef idx="minor">
-            <a:schemeClr val="lt1"/>
-          </a:fontRef>
-        </p:style>
-        <p:txBody>
-          <a:bodyPr rtlCol="0" anchor="ctr"/>
-          <a:lstStyle/>
-          <a:p>
-            <a:pPr algn="ctr"/>
-            <a:endParaRPr lang="en-US">
-              <a:solidFill>
-                <a:schemeClr val="tx1"/>
-              </a:solidFill>
-            </a:endParaRPr>
-          </a:p>
-        </p:txBody>
-      </p:sp>
-      <p:sp>
-        <p:nvSpPr>
           <p:cNvPr id="4" name="TextBox 3"/>
           <p:cNvSpPr txBox="1"/>
           <p:nvPr/>
         </p:nvSpPr>
         <p:spPr>
           <a:xfrm>
-            <a:off x="2636490" y="124154"/>
+            <a:off x="2891791" y="143986"/>
             <a:ext cx="881075" cy="369332"/>
           </a:xfrm>
           <a:prstGeom prst="rect">
@@ -4601,7 +4556,7 @@
         </p:nvCxnSpPr>
         <p:spPr>
           <a:xfrm>
-            <a:off x="1248224" y="1422400"/>
+            <a:off x="1503525" y="1442232"/>
             <a:ext cx="3657602" cy="0"/>
           </a:xfrm>
           <a:prstGeom prst="line">
@@ -4631,7 +4586,7 @@
         </p:nvSpPr>
         <p:spPr>
           <a:xfrm>
-            <a:off x="1726221" y="794045"/>
+            <a:off x="1981522" y="813877"/>
             <a:ext cx="728020" cy="369332"/>
           </a:xfrm>
           <a:prstGeom prst="rect">
@@ -4660,7 +4615,7 @@
         </p:nvSpPr>
         <p:spPr>
           <a:xfrm>
-            <a:off x="4008366" y="766020"/>
+            <a:off x="4263667" y="785852"/>
             <a:ext cx="423514" cy="553998"/>
           </a:xfrm>
           <a:prstGeom prst="rect">
@@ -4696,14 +4651,14 @@
           <p:nvPr>
             <p:extLst>
               <p:ext uri="{D42A27DB-BD31-4B8C-83A1-F6EECF244321}">
-                <p14:modId xmlns:p14="http://schemas.microsoft.com/office/powerpoint/2010/main" val="1708443771"/>
+                <p14:modId xmlns:p14="http://schemas.microsoft.com/office/powerpoint/2010/main" val="592338613"/>
               </p:ext>
             </p:extLst>
           </p:nvPr>
         </p:nvGraphicFramePr>
         <p:xfrm>
-          <a:off x="1248226" y="1422399"/>
-          <a:ext cx="3657600" cy="518159"/>
+          <a:off x="1503527" y="1442231"/>
+          <a:ext cx="3657600" cy="518160"/>
         </p:xfrm>
         <a:graphic>
           <a:graphicData uri="http://schemas.openxmlformats.org/drawingml/2006/table">
@@ -4715,28 +4670,28 @@
                 <a:gridCol w="914400">
                   <a:extLst>
                     <a:ext uri="{9D8B030D-6E8A-4147-A177-3AD203B41FA5}">
-                      <a16:colId xmlns:a16="http://schemas.microsoft.com/office/drawing/2014/main" xmlns="" val="20000"/>
+                      <a16:colId xmlns="" xmlns:a16="http://schemas.microsoft.com/office/drawing/2014/main" val="20000"/>
                     </a:ext>
                   </a:extLst>
                 </a:gridCol>
                 <a:gridCol w="914400">
                   <a:extLst>
                     <a:ext uri="{9D8B030D-6E8A-4147-A177-3AD203B41FA5}">
-                      <a16:colId xmlns:a16="http://schemas.microsoft.com/office/drawing/2014/main" xmlns="" val="20001"/>
+                      <a16:colId xmlns="" xmlns:a16="http://schemas.microsoft.com/office/drawing/2014/main" val="20001"/>
                     </a:ext>
                   </a:extLst>
                 </a:gridCol>
                 <a:gridCol w="914400">
                   <a:extLst>
                     <a:ext uri="{9D8B030D-6E8A-4147-A177-3AD203B41FA5}">
-                      <a16:colId xmlns:a16="http://schemas.microsoft.com/office/drawing/2014/main" xmlns="" val="20002"/>
+                      <a16:colId xmlns="" xmlns:a16="http://schemas.microsoft.com/office/drawing/2014/main" val="20002"/>
                     </a:ext>
                   </a:extLst>
                 </a:gridCol>
                 <a:gridCol w="914400">
                   <a:extLst>
                     <a:ext uri="{9D8B030D-6E8A-4147-A177-3AD203B41FA5}">
-                      <a16:colId xmlns:a16="http://schemas.microsoft.com/office/drawing/2014/main" xmlns="" val="20003"/>
+                      <a16:colId xmlns="" xmlns:a16="http://schemas.microsoft.com/office/drawing/2014/main" val="20003"/>
                     </a:ext>
                   </a:extLst>
                 </a:gridCol>
@@ -5012,7 +4967,7 @@
                 </a:tc>
                 <a:extLst>
                   <a:ext uri="{0D108BD9-81ED-4DB2-BD59-A6C34878D82A}">
-                    <a16:rowId xmlns:a16="http://schemas.microsoft.com/office/drawing/2014/main" xmlns="" val="10000"/>
+                    <a16:rowId xmlns="" xmlns:a16="http://schemas.microsoft.com/office/drawing/2014/main" val="10000"/>
                   </a:ext>
                 </a:extLst>
               </a:tr>
@@ -5028,7 +4983,7 @@
         </p:nvCxnSpPr>
         <p:spPr>
           <a:xfrm>
-            <a:off x="1407886" y="2467429"/>
+            <a:off x="1663187" y="2487261"/>
             <a:ext cx="3294743" cy="14514"/>
           </a:xfrm>
           <a:prstGeom prst="line">
@@ -5058,7 +5013,7 @@
         </p:nvCxnSpPr>
         <p:spPr>
           <a:xfrm>
-            <a:off x="1429653" y="2997199"/>
+            <a:off x="1684954" y="3017031"/>
             <a:ext cx="3294743" cy="14514"/>
           </a:xfrm>
           <a:prstGeom prst="line">
@@ -5088,7 +5043,7 @@
         </p:nvCxnSpPr>
         <p:spPr>
           <a:xfrm>
-            <a:off x="1407885" y="3521529"/>
+            <a:off x="1663186" y="3541361"/>
             <a:ext cx="3294743" cy="14514"/>
           </a:xfrm>
           <a:prstGeom prst="line">
@@ -5118,7 +5073,7 @@
         </p:nvCxnSpPr>
         <p:spPr>
           <a:xfrm>
-            <a:off x="1429653" y="4106637"/>
+            <a:off x="1684954" y="4126469"/>
             <a:ext cx="3294743" cy="14514"/>
           </a:xfrm>
           <a:prstGeom prst="line">
@@ -5142,14 +5097,43 @@
       </p:cxnSp>
       <p:sp>
         <p:nvSpPr>
-          <p:cNvPr id="23" name="TextBox 22"/>
+          <p:cNvPr id="55" name="TextBox 54"/>
           <p:cNvSpPr txBox="1"/>
           <p:nvPr/>
         </p:nvSpPr>
         <p:spPr>
-          <a:xfrm>
-            <a:off x="8478489" y="143521"/>
-            <a:ext cx="881075" cy="369332"/>
+          <a:xfrm rot="5400000">
+            <a:off x="4719715" y="794346"/>
+            <a:ext cx="496697" cy="461665"/>
+          </a:xfrm>
+          <a:prstGeom prst="rect">
+            <a:avLst/>
+          </a:prstGeom>
+          <a:noFill/>
+        </p:spPr>
+        <p:txBody>
+          <a:bodyPr wrap="square" rtlCol="0">
+            <a:spAutoFit/>
+          </a:bodyPr>
+          <a:lstStyle/>
+          <a:p>
+            <a:r>
+              <a:rPr lang="en-US" sz="2400" dirty="0"/>
+              <a:t>...</a:t>
+            </a:r>
+          </a:p>
+        </p:txBody>
+      </p:sp>
+      <p:sp>
+        <p:nvSpPr>
+          <p:cNvPr id="30" name="TextBox 29"/>
+          <p:cNvSpPr txBox="1"/>
+          <p:nvPr/>
+        </p:nvSpPr>
+        <p:spPr>
+          <a:xfrm>
+            <a:off x="3014643" y="6488668"/>
+            <a:ext cx="791841" cy="369332"/>
           </a:xfrm>
           <a:prstGeom prst="rect">
             <a:avLst/>
@@ -5163,602 +5147,42 @@
           <a:lstStyle/>
           <a:p>
             <a:r>
-              <a:rPr lang="en-US"/>
-              <a:t>View_5</a:t>
-            </a:r>
-          </a:p>
-        </p:txBody>
-      </p:sp>
-      <p:sp>
-        <p:nvSpPr>
-          <p:cNvPr id="26" name="TextBox 25"/>
-          <p:cNvSpPr txBox="1"/>
-          <p:nvPr/>
-        </p:nvSpPr>
-        <p:spPr>
-          <a:xfrm>
-            <a:off x="7249830" y="766020"/>
-            <a:ext cx="463588" cy="369332"/>
-          </a:xfrm>
-          <a:prstGeom prst="rect">
-            <a:avLst/>
-          </a:prstGeom>
-          <a:noFill/>
-        </p:spPr>
-        <p:txBody>
-          <a:bodyPr wrap="none" rtlCol="0">
-            <a:spAutoFit/>
-          </a:bodyPr>
-          <a:lstStyle/>
-          <a:p>
-            <a:r>
-              <a:rPr lang="en-US" dirty="0">
-                <a:sym typeface="Wingdings"/>
-              </a:rPr>
-              <a:t> </a:t>
-            </a:r>
-            <a:endParaRPr lang="en-US" dirty="0"/>
-          </a:p>
-        </p:txBody>
-      </p:sp>
-      <p:sp>
-        <p:nvSpPr>
-          <p:cNvPr id="27" name="TextBox 26"/>
-          <p:cNvSpPr txBox="1"/>
-          <p:nvPr/>
-        </p:nvSpPr>
-        <p:spPr>
-          <a:xfrm>
-            <a:off x="7746536" y="935250"/>
-            <a:ext cx="2286924" cy="707886"/>
-          </a:xfrm>
-          <a:prstGeom prst="rect">
-            <a:avLst/>
-          </a:prstGeom>
-          <a:noFill/>
-        </p:spPr>
-        <p:txBody>
-          <a:bodyPr wrap="square" rtlCol="0">
-            <a:spAutoFit/>
-          </a:bodyPr>
-          <a:lstStyle/>
-          <a:p>
-            <a:pPr algn="ctr"/>
-            <a:r>
-              <a:rPr lang="en-US" sz="2400" dirty="0"/>
-              <a:t>SET TITLE</a:t>
-            </a:r>
-          </a:p>
-          <a:p>
-            <a:pPr algn="ctr"/>
-            <a:r>
-              <a:rPr lang="en-US" sz="1600" i="1" u="sng" dirty="0"/>
-              <a:t># terms</a:t>
-            </a:r>
-            <a:r>
-              <a:rPr lang="en-US" sz="1600" dirty="0"/>
-              <a:t> by </a:t>
-            </a:r>
-            <a:r>
-              <a:rPr lang="en-US" sz="1600" i="1" u="sng" dirty="0"/>
-              <a:t>creator</a:t>
-            </a:r>
-            <a:endParaRPr lang="en-US" sz="2400" i="1" u="sng" dirty="0"/>
-          </a:p>
-        </p:txBody>
-      </p:sp>
-      <p:cxnSp>
-        <p:nvCxnSpPr>
-          <p:cNvPr id="29" name="Straight Connector 28"/>
-          <p:cNvCxnSpPr/>
-          <p:nvPr/>
-        </p:nvCxnSpPr>
-        <p:spPr>
-          <a:xfrm>
-            <a:off x="7090227" y="2583543"/>
-            <a:ext cx="3657600" cy="0"/>
-          </a:xfrm>
-          <a:prstGeom prst="line">
-            <a:avLst/>
-          </a:prstGeom>
-        </p:spPr>
-        <p:style>
-          <a:lnRef idx="1">
-            <a:schemeClr val="dk1"/>
-          </a:lnRef>
-          <a:fillRef idx="0">
-            <a:schemeClr val="dk1"/>
-          </a:fillRef>
-          <a:effectRef idx="0">
-            <a:schemeClr val="dk1"/>
-          </a:effectRef>
-          <a:fontRef idx="minor">
-            <a:schemeClr val="tx1"/>
-          </a:fontRef>
-        </p:style>
-      </p:cxnSp>
-      <p:sp>
-        <p:nvSpPr>
-          <p:cNvPr id="31" name="TextBox 30"/>
-          <p:cNvSpPr txBox="1"/>
-          <p:nvPr/>
-        </p:nvSpPr>
-        <p:spPr>
-          <a:xfrm>
-            <a:off x="7344228" y="1870195"/>
-            <a:ext cx="986971" cy="523220"/>
-          </a:xfrm>
-          <a:prstGeom prst="rect">
-            <a:avLst/>
-          </a:prstGeom>
-          <a:noFill/>
-          <a:ln>
-            <a:solidFill>
-              <a:schemeClr val="tx1"/>
-            </a:solidFill>
-          </a:ln>
-        </p:spPr>
-        <p:txBody>
-          <a:bodyPr wrap="square" rtlCol="0">
-            <a:spAutoFit/>
-          </a:bodyPr>
-          <a:lstStyle/>
-          <a:p>
-            <a:pPr algn="ctr"/>
-            <a:r>
-              <a:rPr lang="en-US" sz="1400" dirty="0"/>
-              <a:t>Flashcards</a:t>
-            </a:r>
-          </a:p>
-          <a:p>
-            <a:pPr algn="ctr"/>
-            <a:r>
-              <a:rPr lang="en-US" sz="1400" dirty="0"/>
-              <a:t>B_1</a:t>
-            </a:r>
-          </a:p>
-        </p:txBody>
-      </p:sp>
-      <p:sp>
-        <p:nvSpPr>
-          <p:cNvPr id="32" name="TextBox 31"/>
-          <p:cNvSpPr txBox="1"/>
-          <p:nvPr/>
-        </p:nvSpPr>
-        <p:spPr>
-          <a:xfrm>
-            <a:off x="8449460" y="1859271"/>
-            <a:ext cx="986971" cy="523220"/>
-          </a:xfrm>
-          <a:prstGeom prst="rect">
-            <a:avLst/>
-          </a:prstGeom>
-          <a:noFill/>
-          <a:ln>
-            <a:solidFill>
-              <a:schemeClr val="tx1"/>
-            </a:solidFill>
-          </a:ln>
-        </p:spPr>
-        <p:txBody>
-          <a:bodyPr wrap="square" rtlCol="0">
-            <a:spAutoFit/>
-          </a:bodyPr>
-          <a:lstStyle/>
-          <a:p>
-            <a:pPr algn="ctr"/>
-            <a:r>
-              <a:rPr lang="en-US" sz="1400" dirty="0"/>
-              <a:t>Learn</a:t>
-            </a:r>
-          </a:p>
-          <a:p>
-            <a:pPr algn="ctr"/>
-            <a:r>
-              <a:rPr lang="en-US" sz="1400" dirty="0"/>
-              <a:t>B_2</a:t>
-            </a:r>
-          </a:p>
-        </p:txBody>
-      </p:sp>
-      <p:sp>
-        <p:nvSpPr>
-          <p:cNvPr id="33" name="TextBox 32"/>
-          <p:cNvSpPr txBox="1"/>
-          <p:nvPr/>
-        </p:nvSpPr>
-        <p:spPr>
-          <a:xfrm>
-            <a:off x="9554692" y="1859271"/>
-            <a:ext cx="986971" cy="523220"/>
-          </a:xfrm>
-          <a:prstGeom prst="rect">
-            <a:avLst/>
-          </a:prstGeom>
-          <a:noFill/>
-          <a:ln>
-            <a:solidFill>
-              <a:schemeClr val="tx1"/>
-            </a:solidFill>
-          </a:ln>
-        </p:spPr>
-        <p:txBody>
-          <a:bodyPr wrap="square" rtlCol="0">
-            <a:spAutoFit/>
-          </a:bodyPr>
-          <a:lstStyle/>
-          <a:p>
-            <a:pPr algn="ctr"/>
-            <a:r>
-              <a:rPr lang="en-US" sz="1400" dirty="0"/>
-              <a:t>Match</a:t>
-            </a:r>
-          </a:p>
-          <a:p>
-            <a:pPr algn="ctr"/>
-            <a:r>
-              <a:rPr lang="en-US" sz="1400" dirty="0"/>
-              <a:t>B_3</a:t>
-            </a:r>
-          </a:p>
-        </p:txBody>
-      </p:sp>
-      <p:sp>
-        <p:nvSpPr>
-          <p:cNvPr id="34" name="TextBox 33"/>
-          <p:cNvSpPr txBox="1"/>
-          <p:nvPr/>
-        </p:nvSpPr>
-        <p:spPr>
-          <a:xfrm rot="5400000">
-            <a:off x="10293315" y="740648"/>
-            <a:ext cx="496697" cy="461665"/>
-          </a:xfrm>
-          <a:prstGeom prst="rect">
-            <a:avLst/>
-          </a:prstGeom>
-          <a:noFill/>
-        </p:spPr>
-        <p:txBody>
-          <a:bodyPr wrap="square" rtlCol="0">
-            <a:spAutoFit/>
-          </a:bodyPr>
-          <a:lstStyle/>
-          <a:p>
-            <a:r>
-              <a:rPr lang="en-US" sz="2400" dirty="0"/>
-              <a:t>...</a:t>
-            </a:r>
-          </a:p>
-        </p:txBody>
-      </p:sp>
-      <p:cxnSp>
-        <p:nvCxnSpPr>
-          <p:cNvPr id="35" name="Straight Connector 34"/>
-          <p:cNvCxnSpPr/>
-          <p:nvPr/>
-        </p:nvCxnSpPr>
-        <p:spPr>
-          <a:xfrm>
-            <a:off x="7461060" y="3128160"/>
-            <a:ext cx="1154787" cy="3823"/>
-          </a:xfrm>
-          <a:prstGeom prst="line">
-            <a:avLst/>
-          </a:prstGeom>
-        </p:spPr>
-        <p:style>
-          <a:lnRef idx="1">
-            <a:schemeClr val="dk1"/>
-          </a:lnRef>
-          <a:fillRef idx="0">
-            <a:schemeClr val="dk1"/>
-          </a:fillRef>
-          <a:effectRef idx="0">
-            <a:schemeClr val="dk1"/>
-          </a:effectRef>
-          <a:fontRef idx="minor">
-            <a:schemeClr val="tx1"/>
-          </a:fontRef>
-        </p:style>
-      </p:cxnSp>
-      <p:cxnSp>
-        <p:nvCxnSpPr>
-          <p:cNvPr id="36" name="Straight Connector 35"/>
-          <p:cNvCxnSpPr/>
-          <p:nvPr/>
-        </p:nvCxnSpPr>
-        <p:spPr>
-          <a:xfrm>
-            <a:off x="7482827" y="3657930"/>
-            <a:ext cx="1154787" cy="3823"/>
-          </a:xfrm>
-          <a:prstGeom prst="line">
-            <a:avLst/>
-          </a:prstGeom>
-        </p:spPr>
-        <p:style>
-          <a:lnRef idx="1">
-            <a:schemeClr val="dk1"/>
-          </a:lnRef>
-          <a:fillRef idx="0">
-            <a:schemeClr val="dk1"/>
-          </a:fillRef>
-          <a:effectRef idx="0">
-            <a:schemeClr val="dk1"/>
-          </a:effectRef>
-          <a:fontRef idx="minor">
-            <a:schemeClr val="tx1"/>
-          </a:fontRef>
-        </p:style>
-      </p:cxnSp>
-      <p:cxnSp>
-        <p:nvCxnSpPr>
-          <p:cNvPr id="37" name="Straight Connector 36"/>
-          <p:cNvCxnSpPr/>
-          <p:nvPr/>
-        </p:nvCxnSpPr>
-        <p:spPr>
-          <a:xfrm>
-            <a:off x="7461059" y="4182260"/>
-            <a:ext cx="1154787" cy="3823"/>
-          </a:xfrm>
-          <a:prstGeom prst="line">
-            <a:avLst/>
-          </a:prstGeom>
-        </p:spPr>
-        <p:style>
-          <a:lnRef idx="1">
-            <a:schemeClr val="dk1"/>
-          </a:lnRef>
-          <a:fillRef idx="0">
-            <a:schemeClr val="dk1"/>
-          </a:fillRef>
-          <a:effectRef idx="0">
-            <a:schemeClr val="dk1"/>
-          </a:effectRef>
-          <a:fontRef idx="minor">
-            <a:schemeClr val="tx1"/>
-          </a:fontRef>
-        </p:style>
-      </p:cxnSp>
-      <p:cxnSp>
-        <p:nvCxnSpPr>
-          <p:cNvPr id="38" name="Straight Connector 37"/>
-          <p:cNvCxnSpPr/>
-          <p:nvPr/>
-        </p:nvCxnSpPr>
-        <p:spPr>
-          <a:xfrm>
-            <a:off x="7482827" y="4767177"/>
-            <a:ext cx="1154787" cy="4205"/>
-          </a:xfrm>
-          <a:prstGeom prst="line">
-            <a:avLst/>
-          </a:prstGeom>
-        </p:spPr>
-        <p:style>
-          <a:lnRef idx="1">
-            <a:schemeClr val="dk1"/>
-          </a:lnRef>
-          <a:fillRef idx="0">
-            <a:schemeClr val="dk1"/>
-          </a:fillRef>
-          <a:effectRef idx="0">
-            <a:schemeClr val="dk1"/>
-          </a:effectRef>
-          <a:fontRef idx="minor">
-            <a:schemeClr val="tx1"/>
-          </a:fontRef>
-        </p:style>
-      </p:cxnSp>
-      <p:cxnSp>
-        <p:nvCxnSpPr>
-          <p:cNvPr id="51" name="Straight Connector 50"/>
-          <p:cNvCxnSpPr/>
-          <p:nvPr/>
-        </p:nvCxnSpPr>
-        <p:spPr>
-          <a:xfrm>
-            <a:off x="9148791" y="3120858"/>
-            <a:ext cx="1154787" cy="6772"/>
-          </a:xfrm>
-          <a:prstGeom prst="line">
-            <a:avLst/>
-          </a:prstGeom>
-        </p:spPr>
-        <p:style>
-          <a:lnRef idx="1">
-            <a:schemeClr val="dk1"/>
-          </a:lnRef>
-          <a:fillRef idx="0">
-            <a:schemeClr val="dk1"/>
-          </a:fillRef>
-          <a:effectRef idx="0">
-            <a:schemeClr val="dk1"/>
-          </a:effectRef>
-          <a:fontRef idx="minor">
-            <a:schemeClr val="tx1"/>
-          </a:fontRef>
-        </p:style>
-      </p:cxnSp>
-      <p:cxnSp>
-        <p:nvCxnSpPr>
-          <p:cNvPr id="52" name="Straight Connector 51"/>
-          <p:cNvCxnSpPr/>
-          <p:nvPr/>
-        </p:nvCxnSpPr>
-        <p:spPr>
-          <a:xfrm>
-            <a:off x="9170558" y="3650628"/>
-            <a:ext cx="1154787" cy="6772"/>
-          </a:xfrm>
-          <a:prstGeom prst="line">
-            <a:avLst/>
-          </a:prstGeom>
-        </p:spPr>
-        <p:style>
-          <a:lnRef idx="1">
-            <a:schemeClr val="dk1"/>
-          </a:lnRef>
-          <a:fillRef idx="0">
-            <a:schemeClr val="dk1"/>
-          </a:fillRef>
-          <a:effectRef idx="0">
-            <a:schemeClr val="dk1"/>
-          </a:effectRef>
-          <a:fontRef idx="minor">
-            <a:schemeClr val="tx1"/>
-          </a:fontRef>
-        </p:style>
-      </p:cxnSp>
-      <p:cxnSp>
-        <p:nvCxnSpPr>
-          <p:cNvPr id="53" name="Straight Connector 52"/>
-          <p:cNvCxnSpPr/>
-          <p:nvPr/>
-        </p:nvCxnSpPr>
-        <p:spPr>
-          <a:xfrm>
-            <a:off x="9148790" y="4174958"/>
-            <a:ext cx="1154787" cy="6772"/>
-          </a:xfrm>
-          <a:prstGeom prst="line">
-            <a:avLst/>
-          </a:prstGeom>
-        </p:spPr>
-        <p:style>
-          <a:lnRef idx="1">
-            <a:schemeClr val="dk1"/>
-          </a:lnRef>
-          <a:fillRef idx="0">
-            <a:schemeClr val="dk1"/>
-          </a:fillRef>
-          <a:effectRef idx="0">
-            <a:schemeClr val="dk1"/>
-          </a:effectRef>
-          <a:fontRef idx="minor">
-            <a:schemeClr val="tx1"/>
-          </a:fontRef>
-        </p:style>
-      </p:cxnSp>
-      <p:cxnSp>
-        <p:nvCxnSpPr>
-          <p:cNvPr id="54" name="Straight Connector 53"/>
-          <p:cNvCxnSpPr/>
-          <p:nvPr/>
-        </p:nvCxnSpPr>
-        <p:spPr>
-          <a:xfrm>
-            <a:off x="9170558" y="4759728"/>
-            <a:ext cx="1154787" cy="7449"/>
-          </a:xfrm>
-          <a:prstGeom prst="line">
-            <a:avLst/>
-          </a:prstGeom>
-        </p:spPr>
-        <p:style>
-          <a:lnRef idx="1">
-            <a:schemeClr val="dk1"/>
-          </a:lnRef>
-          <a:fillRef idx="0">
-            <a:schemeClr val="dk1"/>
-          </a:fillRef>
-          <a:effectRef idx="0">
-            <a:schemeClr val="dk1"/>
-          </a:effectRef>
-          <a:fontRef idx="minor">
-            <a:schemeClr val="tx1"/>
-          </a:fontRef>
-        </p:style>
-      </p:cxnSp>
-      <p:sp>
-        <p:nvSpPr>
-          <p:cNvPr id="55" name="TextBox 54"/>
-          <p:cNvSpPr txBox="1"/>
-          <p:nvPr/>
-        </p:nvSpPr>
-        <p:spPr>
-          <a:xfrm rot="5400000">
-            <a:off x="4464414" y="774514"/>
-            <a:ext cx="496697" cy="461665"/>
-          </a:xfrm>
-          <a:prstGeom prst="rect">
-            <a:avLst/>
-          </a:prstGeom>
-          <a:noFill/>
-        </p:spPr>
-        <p:txBody>
-          <a:bodyPr wrap="square" rtlCol="0">
-            <a:spAutoFit/>
-          </a:bodyPr>
-          <a:lstStyle/>
-          <a:p>
-            <a:r>
-              <a:rPr lang="en-US" sz="2400" dirty="0"/>
-              <a:t>...</a:t>
-            </a:r>
-          </a:p>
-        </p:txBody>
-      </p:sp>
-      <p:sp>
-        <p:nvSpPr>
-          <p:cNvPr id="30" name="TextBox 29"/>
-          <p:cNvSpPr txBox="1"/>
-          <p:nvPr/>
-        </p:nvSpPr>
-        <p:spPr>
-          <a:xfrm>
-            <a:off x="2759342" y="6468836"/>
-            <a:ext cx="791841" cy="369332"/>
-          </a:xfrm>
-          <a:prstGeom prst="rect">
-            <a:avLst/>
-          </a:prstGeom>
-          <a:noFill/>
-        </p:spPr>
-        <p:txBody>
-          <a:bodyPr wrap="none" rtlCol="0">
-            <a:spAutoFit/>
-          </a:bodyPr>
-          <a:lstStyle/>
-          <a:p>
-            <a:r>
               <a:rPr lang="en-US" dirty="0"/>
               <a:t>MENU</a:t>
             </a:r>
           </a:p>
         </p:txBody>
       </p:sp>
-      <p:sp>
-        <p:nvSpPr>
-          <p:cNvPr id="39" name="TextBox 38"/>
-          <p:cNvSpPr txBox="1"/>
-          <p:nvPr/>
-        </p:nvSpPr>
-        <p:spPr>
-          <a:xfrm>
-            <a:off x="8280603" y="6488668"/>
-            <a:ext cx="1736373" cy="369332"/>
-          </a:xfrm>
-          <a:prstGeom prst="rect">
-            <a:avLst/>
-          </a:prstGeom>
-          <a:noFill/>
-        </p:spPr>
-        <p:txBody>
-          <a:bodyPr wrap="none" rtlCol="0">
-            <a:spAutoFit/>
-          </a:bodyPr>
-          <a:lstStyle/>
-          <a:p>
-            <a:r>
-              <a:rPr lang="en-US" dirty="0"/>
-              <a:t>WORDBOOKLIST</a:t>
-            </a:r>
-          </a:p>
-        </p:txBody>
-      </p:sp>
+      <p:pic>
+        <p:nvPicPr>
+          <p:cNvPr id="5" name="Picture 4"/>
+          <p:cNvPicPr>
+            <a:picLocks noChangeAspect="1"/>
+          </p:cNvPicPr>
+          <p:nvPr/>
+        </p:nvPicPr>
+        <p:blipFill>
+          <a:blip r:embed="rId2">
+            <a:extLst>
+              <a:ext uri="{28A0092B-C50C-407E-A947-70E740481C1C}">
+                <a14:useLocalDpi xmlns:a14="http://schemas.microsoft.com/office/drawing/2010/main" val="0"/>
+              </a:ext>
+            </a:extLst>
+          </a:blip>
+          <a:stretch>
+            <a:fillRect/>
+          </a:stretch>
+        </p:blipFill>
+        <p:spPr>
+          <a:xfrm>
+            <a:off x="7718067" y="498804"/>
+            <a:ext cx="3343275" cy="5943600"/>
+          </a:xfrm>
+          <a:prstGeom prst="rect">
+            <a:avLst/>
+          </a:prstGeom>
+        </p:spPr>
+      </p:pic>
     </p:spTree>
     <p:extLst>
       <p:ext uri="{BB962C8B-B14F-4D97-AF65-F5344CB8AC3E}">
@@ -5797,7 +5221,7 @@
         </p:nvSpPr>
         <p:spPr>
           <a:xfrm>
-            <a:off x="1248228" y="478972"/>
+            <a:off x="1747262" y="493486"/>
             <a:ext cx="3657600" cy="5943600"/>
           </a:xfrm>
           <a:prstGeom prst="frame">
@@ -5838,48 +5262,30 @@
       </p:sp>
       <p:sp>
         <p:nvSpPr>
-          <p:cNvPr id="3" name="Frame 2"/>
-          <p:cNvSpPr/>
-          <p:nvPr/>
-        </p:nvSpPr>
-        <p:spPr>
-          <a:xfrm>
-            <a:off x="7104742" y="478972"/>
-            <a:ext cx="3657600" cy="5943600"/>
-          </a:xfrm>
-          <a:prstGeom prst="frame">
-            <a:avLst>
-              <a:gd name="adj1" fmla="val 992"/>
-            </a:avLst>
-          </a:prstGeom>
-          <a:ln/>
-        </p:spPr>
-        <p:style>
-          <a:lnRef idx="2">
-            <a:schemeClr val="dk1">
-              <a:shade val="50000"/>
-            </a:schemeClr>
-          </a:lnRef>
-          <a:fillRef idx="1">
-            <a:schemeClr val="dk1"/>
-          </a:fillRef>
-          <a:effectRef idx="0">
-            <a:schemeClr val="dk1"/>
-          </a:effectRef>
-          <a:fontRef idx="minor">
-            <a:schemeClr val="lt1"/>
-          </a:fontRef>
-        </p:style>
-        <p:txBody>
-          <a:bodyPr rtlCol="0" anchor="ctr"/>
-          <a:lstStyle/>
-          <a:p>
-            <a:pPr algn="ctr"/>
-            <a:endParaRPr lang="en-US">
-              <a:solidFill>
-                <a:schemeClr val="tx1"/>
-              </a:solidFill>
-            </a:endParaRPr>
+          <p:cNvPr id="3" name="TextBox 2"/>
+          <p:cNvSpPr txBox="1"/>
+          <p:nvPr/>
+        </p:nvSpPr>
+        <p:spPr>
+          <a:xfrm>
+            <a:off x="3135524" y="143521"/>
+            <a:ext cx="881075" cy="369332"/>
+          </a:xfrm>
+          <a:prstGeom prst="rect">
+            <a:avLst/>
+          </a:prstGeom>
+          <a:noFill/>
+        </p:spPr>
+        <p:txBody>
+          <a:bodyPr wrap="none" rtlCol="0">
+            <a:spAutoFit/>
+          </a:bodyPr>
+          <a:lstStyle/>
+          <a:p>
+            <a:r>
+              <a:rPr lang="en-US"/>
+              <a:t>View_5</a:t>
+            </a:r>
           </a:p>
         </p:txBody>
       </p:sp>
@@ -5891,27 +5297,46 @@
         </p:nvSpPr>
         <p:spPr>
           <a:xfrm>
-            <a:off x="1567542" y="2111944"/>
-            <a:ext cx="3018971" cy="3323987"/>
-          </a:xfrm>
-          <a:prstGeom prst="rect">
-            <a:avLst/>
-          </a:prstGeom>
-        </p:spPr>
-        <p:style>
-          <a:lnRef idx="2">
-            <a:schemeClr val="dk1"/>
-          </a:lnRef>
-          <a:fillRef idx="1">
-            <a:schemeClr val="lt1"/>
-          </a:fillRef>
-          <a:effectRef idx="0">
-            <a:schemeClr val="dk1"/>
-          </a:effectRef>
-          <a:fontRef idx="minor">
-            <a:schemeClr val="dk1"/>
-          </a:fontRef>
-        </p:style>
+            <a:off x="1906865" y="766020"/>
+            <a:ext cx="463588" cy="369332"/>
+          </a:xfrm>
+          <a:prstGeom prst="rect">
+            <a:avLst/>
+          </a:prstGeom>
+          <a:noFill/>
+        </p:spPr>
+        <p:txBody>
+          <a:bodyPr wrap="none" rtlCol="0">
+            <a:spAutoFit/>
+          </a:bodyPr>
+          <a:lstStyle/>
+          <a:p>
+            <a:r>
+              <a:rPr lang="en-US" dirty="0">
+                <a:sym typeface="Wingdings"/>
+              </a:rPr>
+              <a:t> </a:t>
+            </a:r>
+            <a:endParaRPr lang="en-US" dirty="0"/>
+          </a:p>
+        </p:txBody>
+      </p:sp>
+      <p:sp>
+        <p:nvSpPr>
+          <p:cNvPr id="5" name="TextBox 4"/>
+          <p:cNvSpPr txBox="1"/>
+          <p:nvPr/>
+        </p:nvSpPr>
+        <p:spPr>
+          <a:xfrm>
+            <a:off x="2403571" y="935250"/>
+            <a:ext cx="2286924" cy="707886"/>
+          </a:xfrm>
+          <a:prstGeom prst="rect">
+            <a:avLst/>
+          </a:prstGeom>
+          <a:noFill/>
+        </p:spPr>
         <p:txBody>
           <a:bodyPr wrap="square" rtlCol="0">
             <a:spAutoFit/>
@@ -5919,96 +5344,80 @@
           <a:lstStyle/>
           <a:p>
             <a:pPr algn="ctr"/>
-            <a:endParaRPr lang="en-US" sz="2400" dirty="0"/>
+            <a:r>
+              <a:rPr lang="en-US" sz="2400" dirty="0"/>
+              <a:t>SET TITLE</a:t>
+            </a:r>
           </a:p>
           <a:p>
             <a:pPr algn="ctr"/>
-            <a:endParaRPr lang="en-US" sz="2400" dirty="0"/>
-          </a:p>
-          <a:p>
-            <a:pPr algn="ctr"/>
-            <a:r>
-              <a:rPr lang="en-US" sz="2400" dirty="0"/>
-              <a:t>WORD</a:t>
-            </a:r>
-          </a:p>
-          <a:p>
-            <a:pPr algn="ctr"/>
-            <a:r>
-              <a:rPr lang="en-US" sz="1200" dirty="0"/>
-              <a:t> </a:t>
-            </a:r>
-            <a:r>
-              <a:rPr lang="en-US" sz="2400" dirty="0"/>
-              <a:t> </a:t>
-            </a:r>
-          </a:p>
-          <a:p>
-            <a:pPr algn="ctr"/>
-            <a:endParaRPr lang="en-US" sz="2400" dirty="0"/>
-          </a:p>
-          <a:p>
-            <a:pPr algn="ctr"/>
-            <a:r>
-              <a:rPr lang="en-US" sz="2400" dirty="0"/>
-              <a:t> </a:t>
-            </a:r>
-            <a:r>
-              <a:rPr lang="en-US" sz="1200" dirty="0"/>
-              <a:t> </a:t>
-            </a:r>
-            <a:endParaRPr lang="en-US" sz="2400" dirty="0"/>
-          </a:p>
-          <a:p>
-            <a:pPr algn="ctr"/>
-            <a:r>
-              <a:rPr lang="en-US" sz="2400" dirty="0"/>
-              <a:t>DEFINITION</a:t>
-            </a:r>
-          </a:p>
-          <a:p>
-            <a:pPr algn="ctr"/>
-            <a:r>
-              <a:rPr lang="en-US" dirty="0"/>
-              <a:t> </a:t>
-            </a:r>
-            <a:endParaRPr lang="en-US" sz="2400" dirty="0"/>
-          </a:p>
-          <a:p>
-            <a:pPr algn="ctr"/>
-            <a:endParaRPr lang="en-US" sz="2400" dirty="0"/>
-          </a:p>
-        </p:txBody>
-      </p:sp>
-      <p:sp>
-        <p:nvSpPr>
-          <p:cNvPr id="5" name="TextBox 4"/>
-          <p:cNvSpPr txBox="1"/>
-          <p:nvPr/>
-        </p:nvSpPr>
-        <p:spPr>
-          <a:xfrm>
-            <a:off x="1567541" y="1190172"/>
-            <a:ext cx="3018971" cy="461665"/>
-          </a:xfrm>
-          <a:prstGeom prst="rect">
+            <a:r>
+              <a:rPr lang="en-US" sz="1600" i="1" u="sng" dirty="0"/>
+              <a:t># terms</a:t>
+            </a:r>
+            <a:r>
+              <a:rPr lang="en-US" sz="1600" dirty="0"/>
+              <a:t> by </a:t>
+            </a:r>
+            <a:r>
+              <a:rPr lang="en-US" sz="1600" i="1" u="sng" dirty="0"/>
+              <a:t>creator</a:t>
+            </a:r>
+            <a:endParaRPr lang="en-US" sz="2400" i="1" u="sng" dirty="0"/>
+          </a:p>
+        </p:txBody>
+      </p:sp>
+      <p:cxnSp>
+        <p:nvCxnSpPr>
+          <p:cNvPr id="6" name="Straight Connector 5"/>
+          <p:cNvCxnSpPr/>
+          <p:nvPr/>
+        </p:nvCxnSpPr>
+        <p:spPr>
+          <a:xfrm>
+            <a:off x="1747262" y="2583543"/>
+            <a:ext cx="3657600" cy="0"/>
+          </a:xfrm>
+          <a:prstGeom prst="line">
             <a:avLst/>
           </a:prstGeom>
         </p:spPr>
         <p:style>
-          <a:lnRef idx="2">
+          <a:lnRef idx="1">
             <a:schemeClr val="dk1"/>
           </a:lnRef>
-          <a:fillRef idx="1">
-            <a:schemeClr val="lt1"/>
+          <a:fillRef idx="0">
+            <a:schemeClr val="dk1"/>
           </a:fillRef>
           <a:effectRef idx="0">
             <a:schemeClr val="dk1"/>
           </a:effectRef>
           <a:fontRef idx="minor">
-            <a:schemeClr val="dk1"/>
+            <a:schemeClr val="tx1"/>
           </a:fontRef>
         </p:style>
+      </p:cxnSp>
+      <p:sp>
+        <p:nvSpPr>
+          <p:cNvPr id="7" name="TextBox 6"/>
+          <p:cNvSpPr txBox="1"/>
+          <p:nvPr/>
+        </p:nvSpPr>
+        <p:spPr>
+          <a:xfrm>
+            <a:off x="2001263" y="1870195"/>
+            <a:ext cx="986971" cy="523220"/>
+          </a:xfrm>
+          <a:prstGeom prst="rect">
+            <a:avLst/>
+          </a:prstGeom>
+          <a:noFill/>
+          <a:ln>
+            <a:solidFill>
+              <a:schemeClr val="tx1"/>
+            </a:solidFill>
+          </a:ln>
+        </p:spPr>
         <p:txBody>
           <a:bodyPr wrap="square" rtlCol="0">
             <a:spAutoFit/>
@@ -6016,20 +5425,143 @@
           <a:lstStyle/>
           <a:p>
             <a:pPr algn="ctr"/>
-            <a:endParaRPr lang="en-US" sz="2400" dirty="0"/>
+            <a:r>
+              <a:rPr lang="en-US" sz="1400" dirty="0"/>
+              <a:t>Flashcards</a:t>
+            </a:r>
+          </a:p>
+          <a:p>
+            <a:pPr algn="ctr"/>
+            <a:r>
+              <a:rPr lang="en-US" sz="1400" dirty="0"/>
+              <a:t>B_1</a:t>
+            </a:r>
+          </a:p>
+        </p:txBody>
+      </p:sp>
+      <p:sp>
+        <p:nvSpPr>
+          <p:cNvPr id="8" name="TextBox 7"/>
+          <p:cNvSpPr txBox="1"/>
+          <p:nvPr/>
+        </p:nvSpPr>
+        <p:spPr>
+          <a:xfrm>
+            <a:off x="3106495" y="1859271"/>
+            <a:ext cx="986971" cy="523220"/>
+          </a:xfrm>
+          <a:prstGeom prst="rect">
+            <a:avLst/>
+          </a:prstGeom>
+          <a:noFill/>
+          <a:ln>
+            <a:solidFill>
+              <a:schemeClr val="tx1"/>
+            </a:solidFill>
+          </a:ln>
+        </p:spPr>
+        <p:txBody>
+          <a:bodyPr wrap="square" rtlCol="0">
+            <a:spAutoFit/>
+          </a:bodyPr>
+          <a:lstStyle/>
+          <a:p>
+            <a:pPr algn="ctr"/>
+            <a:r>
+              <a:rPr lang="en-US" sz="1400" dirty="0"/>
+              <a:t>Learn</a:t>
+            </a:r>
+          </a:p>
+          <a:p>
+            <a:pPr algn="ctr"/>
+            <a:r>
+              <a:rPr lang="en-US" sz="1400" dirty="0"/>
+              <a:t>B_2</a:t>
+            </a:r>
+          </a:p>
+        </p:txBody>
+      </p:sp>
+      <p:sp>
+        <p:nvSpPr>
+          <p:cNvPr id="9" name="TextBox 8"/>
+          <p:cNvSpPr txBox="1"/>
+          <p:nvPr/>
+        </p:nvSpPr>
+        <p:spPr>
+          <a:xfrm>
+            <a:off x="4211727" y="1859271"/>
+            <a:ext cx="986971" cy="523220"/>
+          </a:xfrm>
+          <a:prstGeom prst="rect">
+            <a:avLst/>
+          </a:prstGeom>
+          <a:noFill/>
+          <a:ln>
+            <a:solidFill>
+              <a:schemeClr val="tx1"/>
+            </a:solidFill>
+          </a:ln>
+        </p:spPr>
+        <p:txBody>
+          <a:bodyPr wrap="square" rtlCol="0">
+            <a:spAutoFit/>
+          </a:bodyPr>
+          <a:lstStyle/>
+          <a:p>
+            <a:pPr algn="ctr"/>
+            <a:r>
+              <a:rPr lang="en-US" sz="1400" dirty="0"/>
+              <a:t>Match</a:t>
+            </a:r>
+          </a:p>
+          <a:p>
+            <a:pPr algn="ctr"/>
+            <a:r>
+              <a:rPr lang="en-US" sz="1400" dirty="0"/>
+              <a:t>B_3</a:t>
+            </a:r>
+          </a:p>
+        </p:txBody>
+      </p:sp>
+      <p:sp>
+        <p:nvSpPr>
+          <p:cNvPr id="10" name="TextBox 9"/>
+          <p:cNvSpPr txBox="1"/>
+          <p:nvPr/>
+        </p:nvSpPr>
+        <p:spPr>
+          <a:xfrm rot="5400000">
+            <a:off x="4950350" y="740648"/>
+            <a:ext cx="496697" cy="461665"/>
+          </a:xfrm>
+          <a:prstGeom prst="rect">
+            <a:avLst/>
+          </a:prstGeom>
+          <a:noFill/>
+        </p:spPr>
+        <p:txBody>
+          <a:bodyPr wrap="square" rtlCol="0">
+            <a:spAutoFit/>
+          </a:bodyPr>
+          <a:lstStyle/>
+          <a:p>
+            <a:r>
+              <a:rPr lang="en-US" sz="2400" dirty="0"/>
+              <a:t>...</a:t>
+            </a:r>
           </a:p>
         </p:txBody>
       </p:sp>
       <p:cxnSp>
         <p:nvCxnSpPr>
-          <p:cNvPr id="7" name="Straight Connector 6"/>
+          <p:cNvPr id="11" name="Straight Connector 10"/>
           <p:cNvCxnSpPr/>
           <p:nvPr/>
         </p:nvCxnSpPr>
         <p:spPr>
           <a:xfrm>
-            <a:off x="1248228" y="1190172"/>
-            <a:ext cx="3657600" cy="0"/>
+            <a:off x="2118095" y="3128160"/>
+            <a:ext cx="1154787" cy="3823"/>
           </a:xfrm>
           <a:prstGeom prst="line">
             <a:avLst/>
@@ -6052,17 +5584,14 @@
       </p:cxnSp>
       <p:cxnSp>
         <p:nvCxnSpPr>
-          <p:cNvPr id="8" name="Straight Connector 7"/>
-          <p:cNvCxnSpPr>
-            <a:stCxn id="4" idx="1"/>
-            <a:endCxn id="4" idx="3"/>
-          </p:cNvCxnSpPr>
+          <p:cNvPr id="12" name="Straight Connector 11"/>
+          <p:cNvCxnSpPr/>
           <p:nvPr/>
         </p:nvCxnSpPr>
         <p:spPr>
           <a:xfrm>
-            <a:off x="1567542" y="3773938"/>
-            <a:ext cx="3018971" cy="0"/>
+            <a:off x="2139862" y="3657930"/>
+            <a:ext cx="1154787" cy="3823"/>
           </a:xfrm>
           <a:prstGeom prst="line">
             <a:avLst/>
@@ -6083,117 +5612,16 @@
           </a:fontRef>
         </p:style>
       </p:cxnSp>
-      <p:sp>
-        <p:nvSpPr>
-          <p:cNvPr id="12" name="TextBox 11"/>
-          <p:cNvSpPr txBox="1"/>
-          <p:nvPr/>
-        </p:nvSpPr>
-        <p:spPr>
-          <a:xfrm>
-            <a:off x="1567540" y="5880647"/>
-            <a:ext cx="3018971" cy="502920"/>
-          </a:xfrm>
-          <a:prstGeom prst="rect">
-            <a:avLst/>
-          </a:prstGeom>
-        </p:spPr>
-        <p:style>
-          <a:lnRef idx="2">
-            <a:schemeClr val="dk1"/>
-          </a:lnRef>
-          <a:fillRef idx="1">
-            <a:schemeClr val="lt1"/>
-          </a:fillRef>
-          <a:effectRef idx="0">
-            <a:schemeClr val="dk1"/>
-          </a:effectRef>
-          <a:fontRef idx="minor">
-            <a:schemeClr val="dk1"/>
-          </a:fontRef>
-        </p:style>
-        <p:txBody>
-          <a:bodyPr wrap="square" rtlCol="0">
-            <a:spAutoFit/>
-          </a:bodyPr>
-          <a:lstStyle/>
-          <a:p>
-            <a:pPr algn="ctr"/>
-            <a:endParaRPr lang="en-US" sz="2400" dirty="0"/>
-          </a:p>
-        </p:txBody>
-      </p:sp>
-      <p:sp>
-        <p:nvSpPr>
-          <p:cNvPr id="15" name="TextBox 14"/>
-          <p:cNvSpPr txBox="1"/>
-          <p:nvPr/>
-        </p:nvSpPr>
-        <p:spPr>
-          <a:xfrm rot="5400000">
-            <a:off x="4426647" y="646122"/>
-            <a:ext cx="496697" cy="461665"/>
-          </a:xfrm>
-          <a:prstGeom prst="rect">
-            <a:avLst/>
-          </a:prstGeom>
-          <a:noFill/>
-        </p:spPr>
-        <p:txBody>
-          <a:bodyPr wrap="square" rtlCol="0">
-            <a:spAutoFit/>
-          </a:bodyPr>
-          <a:lstStyle/>
-          <a:p>
-            <a:r>
-              <a:rPr lang="en-US" sz="2400" dirty="0"/>
-              <a:t>...</a:t>
-            </a:r>
-          </a:p>
-        </p:txBody>
-      </p:sp>
-      <p:sp>
-        <p:nvSpPr>
-          <p:cNvPr id="16" name="TextBox 15"/>
-          <p:cNvSpPr txBox="1"/>
-          <p:nvPr/>
-        </p:nvSpPr>
-        <p:spPr>
-          <a:xfrm>
-            <a:off x="1437344" y="689258"/>
-            <a:ext cx="463588" cy="369332"/>
-          </a:xfrm>
-          <a:prstGeom prst="rect">
-            <a:avLst/>
-          </a:prstGeom>
-          <a:noFill/>
-        </p:spPr>
-        <p:txBody>
-          <a:bodyPr wrap="none" rtlCol="0">
-            <a:spAutoFit/>
-          </a:bodyPr>
-          <a:lstStyle/>
-          <a:p>
-            <a:r>
-              <a:rPr lang="en-US" dirty="0">
-                <a:sym typeface="Wingdings"/>
-              </a:rPr>
-              <a:t> </a:t>
-            </a:r>
-            <a:endParaRPr lang="en-US" dirty="0"/>
-          </a:p>
-        </p:txBody>
-      </p:sp>
       <p:cxnSp>
         <p:nvCxnSpPr>
-          <p:cNvPr id="17" name="Straight Connector 16"/>
+          <p:cNvPr id="13" name="Straight Connector 12"/>
           <p:cNvCxnSpPr/>
           <p:nvPr/>
         </p:nvCxnSpPr>
         <p:spPr>
           <a:xfrm>
-            <a:off x="7104742" y="1190172"/>
-            <a:ext cx="3657600" cy="0"/>
+            <a:off x="2118094" y="4182260"/>
+            <a:ext cx="1154787" cy="3823"/>
           </a:xfrm>
           <a:prstGeom prst="line">
             <a:avLst/>
@@ -6214,35 +5642,156 @@
           </a:fontRef>
         </p:style>
       </p:cxnSp>
-      <p:sp>
-        <p:nvSpPr>
-          <p:cNvPr id="18" name="TextBox 17"/>
-          <p:cNvSpPr txBox="1"/>
-          <p:nvPr/>
-        </p:nvSpPr>
-        <p:spPr>
-          <a:xfrm rot="5400000">
-            <a:off x="10283161" y="646122"/>
-            <a:ext cx="496697" cy="461665"/>
-          </a:xfrm>
-          <a:prstGeom prst="rect">
-            <a:avLst/>
-          </a:prstGeom>
-          <a:noFill/>
-        </p:spPr>
-        <p:txBody>
-          <a:bodyPr wrap="square" rtlCol="0">
-            <a:spAutoFit/>
-          </a:bodyPr>
-          <a:lstStyle/>
-          <a:p>
-            <a:r>
-              <a:rPr lang="en-US" sz="2400" dirty="0"/>
-              <a:t>...</a:t>
-            </a:r>
-          </a:p>
-        </p:txBody>
-      </p:sp>
+      <p:cxnSp>
+        <p:nvCxnSpPr>
+          <p:cNvPr id="14" name="Straight Connector 13"/>
+          <p:cNvCxnSpPr/>
+          <p:nvPr/>
+        </p:nvCxnSpPr>
+        <p:spPr>
+          <a:xfrm>
+            <a:off x="2139862" y="4767177"/>
+            <a:ext cx="1154787" cy="4205"/>
+          </a:xfrm>
+          <a:prstGeom prst="line">
+            <a:avLst/>
+          </a:prstGeom>
+        </p:spPr>
+        <p:style>
+          <a:lnRef idx="1">
+            <a:schemeClr val="dk1"/>
+          </a:lnRef>
+          <a:fillRef idx="0">
+            <a:schemeClr val="dk1"/>
+          </a:fillRef>
+          <a:effectRef idx="0">
+            <a:schemeClr val="dk1"/>
+          </a:effectRef>
+          <a:fontRef idx="minor">
+            <a:schemeClr val="tx1"/>
+          </a:fontRef>
+        </p:style>
+      </p:cxnSp>
+      <p:cxnSp>
+        <p:nvCxnSpPr>
+          <p:cNvPr id="15" name="Straight Connector 14"/>
+          <p:cNvCxnSpPr/>
+          <p:nvPr/>
+        </p:nvCxnSpPr>
+        <p:spPr>
+          <a:xfrm>
+            <a:off x="3805826" y="3120858"/>
+            <a:ext cx="1154787" cy="6772"/>
+          </a:xfrm>
+          <a:prstGeom prst="line">
+            <a:avLst/>
+          </a:prstGeom>
+        </p:spPr>
+        <p:style>
+          <a:lnRef idx="1">
+            <a:schemeClr val="dk1"/>
+          </a:lnRef>
+          <a:fillRef idx="0">
+            <a:schemeClr val="dk1"/>
+          </a:fillRef>
+          <a:effectRef idx="0">
+            <a:schemeClr val="dk1"/>
+          </a:effectRef>
+          <a:fontRef idx="minor">
+            <a:schemeClr val="tx1"/>
+          </a:fontRef>
+        </p:style>
+      </p:cxnSp>
+      <p:cxnSp>
+        <p:nvCxnSpPr>
+          <p:cNvPr id="16" name="Straight Connector 15"/>
+          <p:cNvCxnSpPr/>
+          <p:nvPr/>
+        </p:nvCxnSpPr>
+        <p:spPr>
+          <a:xfrm>
+            <a:off x="3827593" y="3650628"/>
+            <a:ext cx="1154787" cy="6772"/>
+          </a:xfrm>
+          <a:prstGeom prst="line">
+            <a:avLst/>
+          </a:prstGeom>
+        </p:spPr>
+        <p:style>
+          <a:lnRef idx="1">
+            <a:schemeClr val="dk1"/>
+          </a:lnRef>
+          <a:fillRef idx="0">
+            <a:schemeClr val="dk1"/>
+          </a:fillRef>
+          <a:effectRef idx="0">
+            <a:schemeClr val="dk1"/>
+          </a:effectRef>
+          <a:fontRef idx="minor">
+            <a:schemeClr val="tx1"/>
+          </a:fontRef>
+        </p:style>
+      </p:cxnSp>
+      <p:cxnSp>
+        <p:nvCxnSpPr>
+          <p:cNvPr id="17" name="Straight Connector 16"/>
+          <p:cNvCxnSpPr/>
+          <p:nvPr/>
+        </p:nvCxnSpPr>
+        <p:spPr>
+          <a:xfrm>
+            <a:off x="3805825" y="4174958"/>
+            <a:ext cx="1154787" cy="6772"/>
+          </a:xfrm>
+          <a:prstGeom prst="line">
+            <a:avLst/>
+          </a:prstGeom>
+        </p:spPr>
+        <p:style>
+          <a:lnRef idx="1">
+            <a:schemeClr val="dk1"/>
+          </a:lnRef>
+          <a:fillRef idx="0">
+            <a:schemeClr val="dk1"/>
+          </a:fillRef>
+          <a:effectRef idx="0">
+            <a:schemeClr val="dk1"/>
+          </a:effectRef>
+          <a:fontRef idx="minor">
+            <a:schemeClr val="tx1"/>
+          </a:fontRef>
+        </p:style>
+      </p:cxnSp>
+      <p:cxnSp>
+        <p:nvCxnSpPr>
+          <p:cNvPr id="18" name="Straight Connector 17"/>
+          <p:cNvCxnSpPr/>
+          <p:nvPr/>
+        </p:nvCxnSpPr>
+        <p:spPr>
+          <a:xfrm>
+            <a:off x="3827593" y="4759728"/>
+            <a:ext cx="1154787" cy="7449"/>
+          </a:xfrm>
+          <a:prstGeom prst="line">
+            <a:avLst/>
+          </a:prstGeom>
+        </p:spPr>
+        <p:style>
+          <a:lnRef idx="1">
+            <a:schemeClr val="dk1"/>
+          </a:lnRef>
+          <a:fillRef idx="0">
+            <a:schemeClr val="dk1"/>
+          </a:fillRef>
+          <a:effectRef idx="0">
+            <a:schemeClr val="dk1"/>
+          </a:effectRef>
+          <a:fontRef idx="minor">
+            <a:schemeClr val="tx1"/>
+          </a:fontRef>
+        </p:style>
+      </p:cxnSp>
       <p:sp>
         <p:nvSpPr>
           <p:cNvPr id="19" name="TextBox 18"/>
@@ -6251,8 +5800,8 @@
         </p:nvSpPr>
         <p:spPr>
           <a:xfrm>
-            <a:off x="7293858" y="689258"/>
-            <a:ext cx="463588" cy="369332"/>
+            <a:off x="2937638" y="6488668"/>
+            <a:ext cx="1736373" cy="369332"/>
           </a:xfrm>
           <a:prstGeom prst="rect">
             <a:avLst/>
@@ -6266,261 +5815,46 @@
           <a:lstStyle/>
           <a:p>
             <a:r>
-              <a:rPr lang="en-US" dirty="0">
-                <a:sym typeface="Wingdings"/>
-              </a:rPr>
-              <a:t> </a:t>
-            </a:r>
-            <a:endParaRPr lang="en-US" dirty="0"/>
-          </a:p>
-        </p:txBody>
-      </p:sp>
-      <p:sp>
-        <p:nvSpPr>
-          <p:cNvPr id="21" name="TextBox 20"/>
-          <p:cNvSpPr txBox="1"/>
-          <p:nvPr/>
-        </p:nvSpPr>
-        <p:spPr>
-          <a:xfrm>
-            <a:off x="8072546" y="2404533"/>
-            <a:ext cx="1721990" cy="461665"/>
-          </a:xfrm>
-          <a:prstGeom prst="rect">
-            <a:avLst/>
-          </a:prstGeom>
-          <a:noFill/>
-        </p:spPr>
-        <p:txBody>
-          <a:bodyPr wrap="square" rtlCol="0">
-            <a:spAutoFit/>
-          </a:bodyPr>
-          <a:lstStyle/>
-          <a:p>
-            <a:pPr algn="ctr"/>
-            <a:r>
-              <a:rPr lang="en-US" sz="2400" dirty="0"/>
-              <a:t>DEFINITION</a:t>
-            </a:r>
-          </a:p>
-        </p:txBody>
-      </p:sp>
-      <p:sp>
-        <p:nvSpPr>
-          <p:cNvPr id="22" name="TextBox 21"/>
-          <p:cNvSpPr txBox="1"/>
-          <p:nvPr/>
-        </p:nvSpPr>
-        <p:spPr>
-          <a:xfrm>
-            <a:off x="7314716" y="3826989"/>
-            <a:ext cx="3237651" cy="923330"/>
-          </a:xfrm>
-          <a:prstGeom prst="rect">
-            <a:avLst/>
-          </a:prstGeom>
-          <a:noFill/>
-          <a:ln>
-            <a:solidFill>
-              <a:schemeClr val="bg1">
-                <a:lumMod val="50000"/>
-              </a:schemeClr>
-            </a:solidFill>
-          </a:ln>
-        </p:spPr>
-        <p:txBody>
-          <a:bodyPr wrap="square" rtlCol="0">
-            <a:spAutoFit/>
-          </a:bodyPr>
-          <a:lstStyle/>
-          <a:p>
-            <a:endParaRPr lang="en-US" dirty="0">
-              <a:solidFill>
-                <a:schemeClr val="bg1">
-                  <a:lumMod val="50000"/>
-                </a:schemeClr>
-              </a:solidFill>
-            </a:endParaRPr>
-          </a:p>
-          <a:p>
-            <a:r>
-              <a:rPr lang="en-US" dirty="0">
-                <a:solidFill>
-                  <a:schemeClr val="bg1">
-                    <a:lumMod val="50000"/>
-                  </a:schemeClr>
-                </a:solidFill>
-              </a:rPr>
-              <a:t>Type Answer</a:t>
-            </a:r>
-          </a:p>
-          <a:p>
-            <a:endParaRPr lang="en-US" dirty="0">
-              <a:solidFill>
-                <a:schemeClr val="bg1">
-                  <a:lumMod val="50000"/>
-                </a:schemeClr>
-              </a:solidFill>
-            </a:endParaRPr>
-          </a:p>
-        </p:txBody>
-      </p:sp>
-      <p:sp>
-        <p:nvSpPr>
-          <p:cNvPr id="23" name="TextBox 22"/>
-          <p:cNvSpPr txBox="1"/>
-          <p:nvPr/>
-        </p:nvSpPr>
-        <p:spPr>
-          <a:xfrm>
-            <a:off x="9736663" y="4001906"/>
-            <a:ext cx="733344" cy="584775"/>
-          </a:xfrm>
-          <a:prstGeom prst="rect">
-            <a:avLst/>
-          </a:prstGeom>
-          <a:noFill/>
-          <a:ln>
-            <a:solidFill>
-              <a:schemeClr val="tx1"/>
-            </a:solidFill>
-          </a:ln>
-        </p:spPr>
-        <p:txBody>
-          <a:bodyPr wrap="square" rtlCol="0" anchor="ctr" anchorCtr="0">
-            <a:spAutoFit/>
-          </a:bodyPr>
-          <a:lstStyle/>
-          <a:p>
-            <a:pPr algn="ctr"/>
-            <a:r>
-              <a:rPr lang="en-US" sz="1600" dirty="0"/>
-              <a:t>Don’t Know</a:t>
-            </a:r>
-          </a:p>
-        </p:txBody>
-      </p:sp>
-      <p:sp>
-        <p:nvSpPr>
-          <p:cNvPr id="20" name="TextBox 19"/>
-          <p:cNvSpPr txBox="1"/>
-          <p:nvPr/>
-        </p:nvSpPr>
-        <p:spPr>
-          <a:xfrm>
-            <a:off x="2636490" y="124154"/>
-            <a:ext cx="881075" cy="369332"/>
-          </a:xfrm>
-          <a:prstGeom prst="rect">
-            <a:avLst/>
-          </a:prstGeom>
-          <a:noFill/>
-        </p:spPr>
-        <p:txBody>
-          <a:bodyPr wrap="none" rtlCol="0">
-            <a:spAutoFit/>
-          </a:bodyPr>
-          <a:lstStyle/>
-          <a:p>
-            <a:r>
               <a:rPr lang="en-US" dirty="0"/>
-              <a:t>View_6</a:t>
-            </a:r>
-          </a:p>
-        </p:txBody>
-      </p:sp>
-      <p:sp>
-        <p:nvSpPr>
-          <p:cNvPr id="24" name="TextBox 23"/>
-          <p:cNvSpPr txBox="1"/>
-          <p:nvPr/>
-        </p:nvSpPr>
-        <p:spPr>
-          <a:xfrm>
-            <a:off x="8493003" y="129775"/>
-            <a:ext cx="881075" cy="369332"/>
-          </a:xfrm>
-          <a:prstGeom prst="rect">
-            <a:avLst/>
-          </a:prstGeom>
-          <a:noFill/>
-        </p:spPr>
-        <p:txBody>
-          <a:bodyPr wrap="none" rtlCol="0">
-            <a:spAutoFit/>
-          </a:bodyPr>
-          <a:lstStyle/>
-          <a:p>
-            <a:r>
-              <a:rPr lang="en-US" dirty="0"/>
-              <a:t>View_7</a:t>
-            </a:r>
-          </a:p>
-        </p:txBody>
-      </p:sp>
-      <p:sp>
-        <p:nvSpPr>
-          <p:cNvPr id="26" name="TextBox 25"/>
-          <p:cNvSpPr txBox="1"/>
-          <p:nvPr/>
-        </p:nvSpPr>
-        <p:spPr>
-          <a:xfrm>
-            <a:off x="8728529" y="6511988"/>
-            <a:ext cx="813043" cy="369332"/>
-          </a:xfrm>
-          <a:prstGeom prst="rect">
-            <a:avLst/>
-          </a:prstGeom>
-          <a:noFill/>
-        </p:spPr>
-        <p:txBody>
-          <a:bodyPr wrap="none" rtlCol="0">
-            <a:spAutoFit/>
-          </a:bodyPr>
-          <a:lstStyle/>
-          <a:p>
-            <a:r>
-              <a:rPr lang="en-US" dirty="0"/>
-              <a:t>WORD</a:t>
-            </a:r>
-          </a:p>
-        </p:txBody>
-      </p:sp>
-      <p:sp>
-        <p:nvSpPr>
-          <p:cNvPr id="27" name="TextBox 26"/>
-          <p:cNvSpPr txBox="1"/>
-          <p:nvPr/>
-        </p:nvSpPr>
-        <p:spPr>
-          <a:xfrm>
-            <a:off x="2636490" y="6469681"/>
-            <a:ext cx="1361370" cy="369332"/>
-          </a:xfrm>
-          <a:prstGeom prst="rect">
-            <a:avLst/>
-          </a:prstGeom>
-          <a:noFill/>
-        </p:spPr>
-        <p:txBody>
-          <a:bodyPr wrap="none" rtlCol="0">
-            <a:spAutoFit/>
-          </a:bodyPr>
-          <a:lstStyle/>
-          <a:p>
-            <a:r>
-              <a:rPr lang="en-US"/>
-              <a:t>WORDBOOK</a:t>
-            </a:r>
-            <a:endParaRPr lang="en-US" dirty="0"/>
-          </a:p>
-        </p:txBody>
-      </p:sp>
+              <a:t>WORDBOOKLIST</a:t>
+            </a:r>
+          </a:p>
+        </p:txBody>
+      </p:sp>
+      <p:pic>
+        <p:nvPicPr>
+          <p:cNvPr id="20" name="Picture 19"/>
+          <p:cNvPicPr>
+            <a:picLocks noChangeAspect="1"/>
+          </p:cNvPicPr>
+          <p:nvPr/>
+        </p:nvPicPr>
+        <p:blipFill>
+          <a:blip r:embed="rId2">
+            <a:extLst>
+              <a:ext uri="{28A0092B-C50C-407E-A947-70E740481C1C}">
+                <a14:useLocalDpi xmlns:a14="http://schemas.microsoft.com/office/drawing/2010/main" val="0"/>
+              </a:ext>
+            </a:extLst>
+          </a:blip>
+          <a:stretch>
+            <a:fillRect/>
+          </a:stretch>
+        </p:blipFill>
+        <p:spPr>
+          <a:xfrm>
+            <a:off x="7485193" y="493486"/>
+            <a:ext cx="3332381" cy="5924234"/>
+          </a:xfrm>
+          <a:prstGeom prst="rect">
+            <a:avLst/>
+          </a:prstGeom>
+        </p:spPr>
+      </p:pic>
     </p:spTree>
     <p:extLst>
       <p:ext uri="{BB962C8B-B14F-4D97-AF65-F5344CB8AC3E}">
-        <p14:creationId xmlns:p14="http://schemas.microsoft.com/office/powerpoint/2010/main" val="576644425"/>
+        <p14:creationId xmlns:p14="http://schemas.microsoft.com/office/powerpoint/2010/main" val="2117012867"/>
       </p:ext>
     </p:extLst>
   </p:cSld>
@@ -6549,13 +5883,13 @@
       </p:grpSpPr>
       <p:sp>
         <p:nvSpPr>
-          <p:cNvPr id="6" name="Frame 5"/>
+          <p:cNvPr id="2" name="Frame 1"/>
           <p:cNvSpPr/>
           <p:nvPr/>
         </p:nvSpPr>
         <p:spPr>
           <a:xfrm>
-            <a:off x="1248228" y="478972"/>
+            <a:off x="1768181" y="497959"/>
             <a:ext cx="3657600" cy="5943600"/>
           </a:xfrm>
           <a:prstGeom prst="frame">
@@ -6596,60 +5930,150 @@
       </p:sp>
       <p:sp>
         <p:nvSpPr>
-          <p:cNvPr id="7" name="Frame 6"/>
-          <p:cNvSpPr/>
-          <p:nvPr/>
-        </p:nvSpPr>
-        <p:spPr>
-          <a:xfrm>
-            <a:off x="7104742" y="478972"/>
-            <a:ext cx="3657600" cy="5943600"/>
-          </a:xfrm>
-          <a:prstGeom prst="frame">
-            <a:avLst>
-              <a:gd name="adj1" fmla="val 992"/>
-            </a:avLst>
-          </a:prstGeom>
-          <a:ln/>
+          <p:cNvPr id="4" name="TextBox 3"/>
+          <p:cNvSpPr txBox="1"/>
+          <p:nvPr/>
+        </p:nvSpPr>
+        <p:spPr>
+          <a:xfrm>
+            <a:off x="2087495" y="2130931"/>
+            <a:ext cx="3018971" cy="3323987"/>
+          </a:xfrm>
+          <a:prstGeom prst="rect">
+            <a:avLst/>
+          </a:prstGeom>
         </p:spPr>
         <p:style>
           <a:lnRef idx="2">
-            <a:schemeClr val="dk1">
-              <a:shade val="50000"/>
-            </a:schemeClr>
+            <a:schemeClr val="dk1"/>
           </a:lnRef>
           <a:fillRef idx="1">
-            <a:schemeClr val="dk1"/>
+            <a:schemeClr val="lt1"/>
           </a:fillRef>
           <a:effectRef idx="0">
             <a:schemeClr val="dk1"/>
           </a:effectRef>
           <a:fontRef idx="minor">
-            <a:schemeClr val="lt1"/>
+            <a:schemeClr val="dk1"/>
           </a:fontRef>
         </p:style>
         <p:txBody>
-          <a:bodyPr rtlCol="0" anchor="ctr"/>
+          <a:bodyPr wrap="square" rtlCol="0">
+            <a:spAutoFit/>
+          </a:bodyPr>
           <a:lstStyle/>
           <a:p>
             <a:pPr algn="ctr"/>
-            <a:endParaRPr lang="en-US">
-              <a:solidFill>
-                <a:schemeClr val="tx1"/>
-              </a:solidFill>
-            </a:endParaRPr>
+            <a:endParaRPr lang="en-US" sz="2400" dirty="0"/>
+          </a:p>
+          <a:p>
+            <a:pPr algn="ctr"/>
+            <a:endParaRPr lang="en-US" sz="2400" dirty="0"/>
+          </a:p>
+          <a:p>
+            <a:pPr algn="ctr"/>
+            <a:r>
+              <a:rPr lang="en-US" sz="2400" dirty="0"/>
+              <a:t>WORD</a:t>
+            </a:r>
+          </a:p>
+          <a:p>
+            <a:pPr algn="ctr"/>
+            <a:r>
+              <a:rPr lang="en-US" sz="1200" dirty="0"/>
+              <a:t> </a:t>
+            </a:r>
+            <a:r>
+              <a:rPr lang="en-US" sz="2400" dirty="0"/>
+              <a:t> </a:t>
+            </a:r>
+          </a:p>
+          <a:p>
+            <a:pPr algn="ctr"/>
+            <a:endParaRPr lang="en-US" sz="2400" dirty="0"/>
+          </a:p>
+          <a:p>
+            <a:pPr algn="ctr"/>
+            <a:r>
+              <a:rPr lang="en-US" sz="2400" dirty="0"/>
+              <a:t> </a:t>
+            </a:r>
+            <a:r>
+              <a:rPr lang="en-US" sz="1200" dirty="0"/>
+              <a:t> </a:t>
+            </a:r>
+            <a:endParaRPr lang="en-US" sz="2400" dirty="0"/>
+          </a:p>
+          <a:p>
+            <a:pPr algn="ctr"/>
+            <a:r>
+              <a:rPr lang="en-US" sz="2400" dirty="0"/>
+              <a:t>DEFINITION</a:t>
+            </a:r>
+          </a:p>
+          <a:p>
+            <a:pPr algn="ctr"/>
+            <a:r>
+              <a:rPr lang="en-US" dirty="0"/>
+              <a:t> </a:t>
+            </a:r>
+            <a:endParaRPr lang="en-US" sz="2400" dirty="0"/>
+          </a:p>
+          <a:p>
+            <a:pPr algn="ctr"/>
+            <a:endParaRPr lang="en-US" sz="2400" dirty="0"/>
+          </a:p>
+        </p:txBody>
+      </p:sp>
+      <p:sp>
+        <p:nvSpPr>
+          <p:cNvPr id="5" name="TextBox 4"/>
+          <p:cNvSpPr txBox="1"/>
+          <p:nvPr/>
+        </p:nvSpPr>
+        <p:spPr>
+          <a:xfrm>
+            <a:off x="2087494" y="1209159"/>
+            <a:ext cx="3018971" cy="461665"/>
+          </a:xfrm>
+          <a:prstGeom prst="rect">
+            <a:avLst/>
+          </a:prstGeom>
+        </p:spPr>
+        <p:style>
+          <a:lnRef idx="2">
+            <a:schemeClr val="dk1"/>
+          </a:lnRef>
+          <a:fillRef idx="1">
+            <a:schemeClr val="lt1"/>
+          </a:fillRef>
+          <a:effectRef idx="0">
+            <a:schemeClr val="dk1"/>
+          </a:effectRef>
+          <a:fontRef idx="minor">
+            <a:schemeClr val="dk1"/>
+          </a:fontRef>
+        </p:style>
+        <p:txBody>
+          <a:bodyPr wrap="square" rtlCol="0">
+            <a:spAutoFit/>
+          </a:bodyPr>
+          <a:lstStyle/>
+          <a:p>
+            <a:pPr algn="ctr"/>
+            <a:endParaRPr lang="en-US" sz="2400" dirty="0"/>
           </a:p>
         </p:txBody>
       </p:sp>
       <p:cxnSp>
         <p:nvCxnSpPr>
-          <p:cNvPr id="8" name="Straight Connector 7"/>
+          <p:cNvPr id="7" name="Straight Connector 6"/>
           <p:cNvCxnSpPr/>
           <p:nvPr/>
         </p:nvCxnSpPr>
         <p:spPr>
           <a:xfrm>
-            <a:off x="1248228" y="1190172"/>
+            <a:off x="1768181" y="1209159"/>
             <a:ext cx="3657600" cy="0"/>
           </a:xfrm>
           <a:prstGeom prst="line">
@@ -6671,77 +6095,19 @@
           </a:fontRef>
         </p:style>
       </p:cxnSp>
-      <p:sp>
-        <p:nvSpPr>
-          <p:cNvPr id="9" name="TextBox 8"/>
-          <p:cNvSpPr txBox="1"/>
-          <p:nvPr/>
-        </p:nvSpPr>
-        <p:spPr>
-          <a:xfrm rot="5400000">
-            <a:off x="4426647" y="646122"/>
-            <a:ext cx="496697" cy="461665"/>
-          </a:xfrm>
-          <a:prstGeom prst="rect">
-            <a:avLst/>
-          </a:prstGeom>
-          <a:noFill/>
-        </p:spPr>
-        <p:txBody>
-          <a:bodyPr wrap="square" rtlCol="0">
-            <a:spAutoFit/>
-          </a:bodyPr>
-          <a:lstStyle/>
-          <a:p>
-            <a:r>
-              <a:rPr lang="en-US" sz="2400" dirty="0"/>
-              <a:t>...</a:t>
-            </a:r>
-          </a:p>
-        </p:txBody>
-      </p:sp>
-      <p:sp>
-        <p:nvSpPr>
-          <p:cNvPr id="10" name="TextBox 9"/>
-          <p:cNvSpPr txBox="1"/>
-          <p:nvPr/>
-        </p:nvSpPr>
-        <p:spPr>
-          <a:xfrm>
-            <a:off x="1437344" y="689258"/>
-            <a:ext cx="463588" cy="369332"/>
-          </a:xfrm>
-          <a:prstGeom prst="rect">
-            <a:avLst/>
-          </a:prstGeom>
-          <a:noFill/>
-        </p:spPr>
-        <p:txBody>
-          <a:bodyPr wrap="none" rtlCol="0">
-            <a:spAutoFit/>
-          </a:bodyPr>
-          <a:lstStyle/>
-          <a:p>
-            <a:r>
-              <a:rPr lang="en-US" dirty="0">
-                <a:sym typeface="Wingdings"/>
-              </a:rPr>
-              <a:t> </a:t>
-            </a:r>
-            <a:endParaRPr lang="en-US" dirty="0"/>
-          </a:p>
-        </p:txBody>
-      </p:sp>
       <p:cxnSp>
         <p:nvCxnSpPr>
-          <p:cNvPr id="11" name="Straight Connector 10"/>
-          <p:cNvCxnSpPr/>
+          <p:cNvPr id="8" name="Straight Connector 7"/>
+          <p:cNvCxnSpPr>
+            <a:stCxn id="4" idx="1"/>
+            <a:endCxn id="4" idx="3"/>
+          </p:cNvCxnSpPr>
           <p:nvPr/>
         </p:nvCxnSpPr>
         <p:spPr>
           <a:xfrm>
-            <a:off x="7104742" y="1190172"/>
-            <a:ext cx="3657600" cy="0"/>
+            <a:off x="2087495" y="3792925"/>
+            <a:ext cx="3018971" cy="0"/>
           </a:xfrm>
           <a:prstGeom prst="line">
             <a:avLst/>
@@ -6764,13 +6130,82 @@
       </p:cxnSp>
       <p:sp>
         <p:nvSpPr>
-          <p:cNvPr id="13" name="TextBox 12"/>
+          <p:cNvPr id="12" name="TextBox 11"/>
           <p:cNvSpPr txBox="1"/>
           <p:nvPr/>
         </p:nvSpPr>
         <p:spPr>
           <a:xfrm>
-            <a:off x="7293858" y="689258"/>
+            <a:off x="2087493" y="5899634"/>
+            <a:ext cx="3018971" cy="502920"/>
+          </a:xfrm>
+          <a:prstGeom prst="rect">
+            <a:avLst/>
+          </a:prstGeom>
+        </p:spPr>
+        <p:style>
+          <a:lnRef idx="2">
+            <a:schemeClr val="dk1"/>
+          </a:lnRef>
+          <a:fillRef idx="1">
+            <a:schemeClr val="lt1"/>
+          </a:fillRef>
+          <a:effectRef idx="0">
+            <a:schemeClr val="dk1"/>
+          </a:effectRef>
+          <a:fontRef idx="minor">
+            <a:schemeClr val="dk1"/>
+          </a:fontRef>
+        </p:style>
+        <p:txBody>
+          <a:bodyPr wrap="square" rtlCol="0">
+            <a:spAutoFit/>
+          </a:bodyPr>
+          <a:lstStyle/>
+          <a:p>
+            <a:pPr algn="ctr"/>
+            <a:endParaRPr lang="en-US" sz="2400" dirty="0"/>
+          </a:p>
+        </p:txBody>
+      </p:sp>
+      <p:sp>
+        <p:nvSpPr>
+          <p:cNvPr id="15" name="TextBox 14"/>
+          <p:cNvSpPr txBox="1"/>
+          <p:nvPr/>
+        </p:nvSpPr>
+        <p:spPr>
+          <a:xfrm rot="5400000">
+            <a:off x="4946600" y="665109"/>
+            <a:ext cx="496697" cy="461665"/>
+          </a:xfrm>
+          <a:prstGeom prst="rect">
+            <a:avLst/>
+          </a:prstGeom>
+          <a:noFill/>
+        </p:spPr>
+        <p:txBody>
+          <a:bodyPr wrap="square" rtlCol="0">
+            <a:spAutoFit/>
+          </a:bodyPr>
+          <a:lstStyle/>
+          <a:p>
+            <a:r>
+              <a:rPr lang="en-US" sz="2400" dirty="0"/>
+              <a:t>...</a:t>
+            </a:r>
+          </a:p>
+        </p:txBody>
+      </p:sp>
+      <p:sp>
+        <p:nvSpPr>
+          <p:cNvPr id="16" name="TextBox 15"/>
+          <p:cNvSpPr txBox="1"/>
+          <p:nvPr/>
+        </p:nvSpPr>
+        <p:spPr>
+          <a:xfrm>
+            <a:off x="1957297" y="708245"/>
             <a:ext cx="463588" cy="369332"/>
           </a:xfrm>
           <a:prstGeom prst="rect">
@@ -6796,13 +6231,13 @@
       </p:sp>
       <p:sp>
         <p:nvSpPr>
-          <p:cNvPr id="14" name="TextBox 13"/>
+          <p:cNvPr id="20" name="TextBox 19"/>
           <p:cNvSpPr txBox="1"/>
           <p:nvPr/>
         </p:nvSpPr>
         <p:spPr>
           <a:xfrm>
-            <a:off x="2636490" y="124154"/>
+            <a:off x="3156443" y="143141"/>
             <a:ext cx="881075" cy="369332"/>
           </a:xfrm>
           <a:prstGeom prst="rect">
@@ -6818,21 +6253,21 @@
           <a:p>
             <a:r>
               <a:rPr lang="en-US" dirty="0"/>
-              <a:t>View_8</a:t>
-            </a:r>
-          </a:p>
-        </p:txBody>
-      </p:sp>
-      <p:sp>
-        <p:nvSpPr>
-          <p:cNvPr id="15" name="TextBox 14"/>
+              <a:t>View_6</a:t>
+            </a:r>
+          </a:p>
+        </p:txBody>
+      </p:sp>
+      <p:sp>
+        <p:nvSpPr>
+          <p:cNvPr id="27" name="TextBox 26"/>
           <p:cNvSpPr txBox="1"/>
           <p:nvPr/>
         </p:nvSpPr>
         <p:spPr>
           <a:xfrm>
-            <a:off x="8493003" y="129775"/>
-            <a:ext cx="881075" cy="369332"/>
+            <a:off x="3156443" y="6488668"/>
+            <a:ext cx="1361370" cy="369332"/>
           </a:xfrm>
           <a:prstGeom prst="rect">
             <a:avLst/>
@@ -6846,654 +6281,47 @@
           <a:lstStyle/>
           <a:p>
             <a:r>
-              <a:rPr lang="en-US" dirty="0"/>
-              <a:t>View_9</a:t>
-            </a:r>
-          </a:p>
-        </p:txBody>
-      </p:sp>
-      <p:sp>
-        <p:nvSpPr>
-          <p:cNvPr id="16" name="TextBox 15"/>
-          <p:cNvSpPr txBox="1"/>
-          <p:nvPr/>
-        </p:nvSpPr>
-        <p:spPr>
-          <a:xfrm>
-            <a:off x="2179560" y="2989107"/>
-            <a:ext cx="1794933" cy="923330"/>
-          </a:xfrm>
-          <a:prstGeom prst="rect">
-            <a:avLst/>
-          </a:prstGeom>
-          <a:noFill/>
-        </p:spPr>
-        <p:txBody>
-          <a:bodyPr wrap="square" rtlCol="0">
-            <a:spAutoFit/>
-          </a:bodyPr>
-          <a:lstStyle/>
-          <a:p>
-            <a:pPr algn="ctr"/>
-            <a:r>
-              <a:rPr lang="en-US" dirty="0"/>
-              <a:t>MATCH</a:t>
-            </a:r>
-          </a:p>
-          <a:p>
-            <a:pPr algn="ctr"/>
+              <a:rPr lang="en-US"/>
+              <a:t>WORDBOOK</a:t>
+            </a:r>
             <a:endParaRPr lang="en-US" dirty="0"/>
           </a:p>
-          <a:p>
-            <a:pPr algn="ctr"/>
-            <a:r>
-              <a:rPr lang="en-US" dirty="0"/>
-              <a:t>(GAME)</a:t>
-            </a:r>
-          </a:p>
-        </p:txBody>
-      </p:sp>
-      <p:sp>
-        <p:nvSpPr>
-          <p:cNvPr id="17" name="TextBox 16"/>
-          <p:cNvSpPr txBox="1"/>
-          <p:nvPr/>
-        </p:nvSpPr>
-        <p:spPr>
-          <a:xfrm>
-            <a:off x="7155541" y="1190172"/>
-            <a:ext cx="3566160" cy="307777"/>
-          </a:xfrm>
-          <a:prstGeom prst="rect">
-            <a:avLst/>
-          </a:prstGeom>
-          <a:solidFill>
-            <a:schemeClr val="bg1">
-              <a:lumMod val="95000"/>
-            </a:schemeClr>
-          </a:solidFill>
-          <a:ln>
-            <a:solidFill>
-              <a:schemeClr val="tx1"/>
-            </a:solidFill>
-          </a:ln>
-        </p:spPr>
-        <p:txBody>
-          <a:bodyPr wrap="square" rtlCol="0">
-            <a:spAutoFit/>
-          </a:bodyPr>
-          <a:lstStyle/>
-          <a:p>
-            <a:r>
-              <a:rPr lang="en-US" sz="1400" i="1" dirty="0"/>
-              <a:t>  </a:t>
-            </a:r>
-            <a:r>
-              <a:rPr lang="en-US" sz="1400" i="1" u="sng" dirty="0"/>
-              <a:t>username</a:t>
-            </a:r>
-          </a:p>
-        </p:txBody>
-      </p:sp>
-      <p:sp>
-        <p:nvSpPr>
-          <p:cNvPr id="18" name="TextBox 17"/>
-          <p:cNvSpPr txBox="1"/>
-          <p:nvPr/>
-        </p:nvSpPr>
-        <p:spPr>
-          <a:xfrm>
-            <a:off x="7104742" y="1497949"/>
-            <a:ext cx="3657600" cy="415498"/>
-          </a:xfrm>
-          <a:prstGeom prst="rect">
-            <a:avLst/>
-          </a:prstGeom>
-          <a:noFill/>
-        </p:spPr>
-        <p:txBody>
-          <a:bodyPr wrap="square" rtlCol="0">
-            <a:spAutoFit/>
-          </a:bodyPr>
-          <a:lstStyle/>
-          <a:p>
-            <a:pPr>
-              <a:spcBef>
-                <a:spcPts val="1000"/>
-              </a:spcBef>
-              <a:spcAft>
-                <a:spcPts val="1000"/>
-              </a:spcAft>
-            </a:pPr>
-            <a:r>
-              <a:rPr lang="en-US" sz="500" dirty="0"/>
-              <a:t> </a:t>
-            </a:r>
-            <a:r>
-              <a:rPr lang="en-US" sz="1600" dirty="0"/>
-              <a:t/>
-            </a:r>
-            <a:br>
-              <a:rPr lang="en-US" sz="1600" dirty="0"/>
-            </a:br>
-            <a:r>
-              <a:rPr lang="en-US" sz="1600" dirty="0"/>
-              <a:t>  Account Settings</a:t>
-            </a:r>
-            <a:r>
-              <a:rPr lang="en-US" sz="800" dirty="0"/>
-              <a:t> </a:t>
-            </a:r>
-            <a:endParaRPr lang="en-US" sz="1600" dirty="0"/>
-          </a:p>
-        </p:txBody>
-      </p:sp>
-      <p:sp>
-        <p:nvSpPr>
-          <p:cNvPr id="19" name="TextBox 18"/>
-          <p:cNvSpPr txBox="1"/>
-          <p:nvPr/>
-        </p:nvSpPr>
-        <p:spPr>
-          <a:xfrm>
-            <a:off x="7141236" y="2467182"/>
-            <a:ext cx="3566160" cy="307777"/>
-          </a:xfrm>
-          <a:prstGeom prst="rect">
-            <a:avLst/>
-          </a:prstGeom>
-          <a:solidFill>
-            <a:schemeClr val="bg1">
-              <a:lumMod val="95000"/>
-            </a:schemeClr>
-          </a:solidFill>
-          <a:ln>
-            <a:solidFill>
-              <a:schemeClr val="tx1"/>
-            </a:solidFill>
-          </a:ln>
-        </p:spPr>
-        <p:txBody>
-          <a:bodyPr wrap="square" rtlCol="0">
-            <a:spAutoFit/>
-          </a:bodyPr>
-          <a:lstStyle/>
-          <a:p>
-            <a:r>
-              <a:rPr lang="en-US" sz="1400" i="1" dirty="0"/>
-              <a:t>  </a:t>
-            </a:r>
-            <a:r>
-              <a:rPr lang="en-US" sz="1400" dirty="0"/>
-              <a:t>Support</a:t>
-            </a:r>
-          </a:p>
-        </p:txBody>
-      </p:sp>
-      <p:sp>
-        <p:nvSpPr>
-          <p:cNvPr id="20" name="TextBox 19"/>
-          <p:cNvSpPr txBox="1"/>
-          <p:nvPr/>
-        </p:nvSpPr>
-        <p:spPr>
-          <a:xfrm>
-            <a:off x="7090437" y="2801103"/>
-            <a:ext cx="3657600" cy="415498"/>
-          </a:xfrm>
-          <a:prstGeom prst="rect">
-            <a:avLst/>
-          </a:prstGeom>
-          <a:noFill/>
-        </p:spPr>
-        <p:txBody>
-          <a:bodyPr wrap="square" rtlCol="0">
-            <a:spAutoFit/>
-          </a:bodyPr>
-          <a:lstStyle/>
-          <a:p>
-            <a:pPr>
-              <a:spcBef>
-                <a:spcPts val="1000"/>
-              </a:spcBef>
-              <a:spcAft>
-                <a:spcPts val="1000"/>
-              </a:spcAft>
-            </a:pPr>
-            <a:r>
-              <a:rPr lang="en-US" sz="500" dirty="0"/>
-              <a:t> </a:t>
-            </a:r>
-            <a:r>
-              <a:rPr lang="en-US" sz="1600" dirty="0"/>
-              <a:t/>
-            </a:r>
-            <a:br>
-              <a:rPr lang="en-US" sz="1600" dirty="0"/>
-            </a:br>
-            <a:r>
-              <a:rPr lang="en-US" sz="1600" dirty="0"/>
-              <a:t>  Send Feedback</a:t>
-            </a:r>
-          </a:p>
-        </p:txBody>
-      </p:sp>
-      <p:sp>
-        <p:nvSpPr>
-          <p:cNvPr id="21" name="TextBox 20"/>
-          <p:cNvSpPr txBox="1"/>
-          <p:nvPr/>
-        </p:nvSpPr>
-        <p:spPr>
-          <a:xfrm>
-            <a:off x="7141236" y="3798927"/>
-            <a:ext cx="3566160" cy="307777"/>
-          </a:xfrm>
-          <a:prstGeom prst="rect">
-            <a:avLst/>
-          </a:prstGeom>
-          <a:solidFill>
-            <a:schemeClr val="bg1">
-              <a:lumMod val="95000"/>
-            </a:schemeClr>
-          </a:solidFill>
-          <a:ln>
-            <a:solidFill>
-              <a:schemeClr val="tx1"/>
-            </a:solidFill>
-          </a:ln>
-        </p:spPr>
-        <p:txBody>
-          <a:bodyPr wrap="square" rtlCol="0">
-            <a:spAutoFit/>
-          </a:bodyPr>
-          <a:lstStyle/>
-          <a:p>
-            <a:r>
-              <a:rPr lang="en-US" sz="1400" dirty="0"/>
-              <a:t>  About</a:t>
-            </a:r>
-          </a:p>
-        </p:txBody>
-      </p:sp>
-      <p:sp>
-        <p:nvSpPr>
-          <p:cNvPr id="22" name="TextBox 21"/>
-          <p:cNvSpPr txBox="1"/>
-          <p:nvPr/>
-        </p:nvSpPr>
-        <p:spPr>
-          <a:xfrm>
-            <a:off x="7090437" y="3299763"/>
-            <a:ext cx="3657600" cy="415498"/>
-          </a:xfrm>
-          <a:prstGeom prst="rect">
-            <a:avLst/>
-          </a:prstGeom>
-          <a:noFill/>
-          <a:ln>
-            <a:noFill/>
-          </a:ln>
-        </p:spPr>
-        <p:txBody>
-          <a:bodyPr wrap="square" rtlCol="0">
-            <a:spAutoFit/>
-          </a:bodyPr>
-          <a:lstStyle/>
-          <a:p>
-            <a:pPr>
-              <a:spcBef>
-                <a:spcPts val="1000"/>
-              </a:spcBef>
-              <a:spcAft>
-                <a:spcPts val="1000"/>
-              </a:spcAft>
-            </a:pPr>
-            <a:r>
-              <a:rPr lang="en-US" sz="500" dirty="0"/>
-              <a:t> </a:t>
-            </a:r>
-            <a:r>
-              <a:rPr lang="en-US" sz="1600" dirty="0"/>
-              <a:t/>
-            </a:r>
-            <a:br>
-              <a:rPr lang="en-US" sz="1600" dirty="0"/>
-            </a:br>
-            <a:r>
-              <a:rPr lang="en-US" sz="1600" dirty="0"/>
-              <a:t>  Rate Us!</a:t>
-            </a:r>
-          </a:p>
-        </p:txBody>
-      </p:sp>
-      <p:cxnSp>
-        <p:nvCxnSpPr>
-          <p:cNvPr id="24" name="Straight Connector 23"/>
-          <p:cNvCxnSpPr/>
-          <p:nvPr/>
-        </p:nvCxnSpPr>
-        <p:spPr>
-          <a:xfrm>
-            <a:off x="7090437" y="3299763"/>
-            <a:ext cx="3657600" cy="0"/>
-          </a:xfrm>
-          <a:prstGeom prst="line">
-            <a:avLst/>
-          </a:prstGeom>
-          <a:ln>
-            <a:solidFill>
-              <a:schemeClr val="bg1">
-                <a:lumMod val="75000"/>
-              </a:schemeClr>
-            </a:solidFill>
-          </a:ln>
-        </p:spPr>
-        <p:style>
-          <a:lnRef idx="1">
-            <a:schemeClr val="dk1"/>
-          </a:lnRef>
-          <a:fillRef idx="0">
-            <a:schemeClr val="dk1"/>
-          </a:fillRef>
-          <a:effectRef idx="0">
-            <a:schemeClr val="dk1"/>
-          </a:effectRef>
-          <a:fontRef idx="minor">
-            <a:schemeClr val="tx1"/>
-          </a:fontRef>
-        </p:style>
-      </p:cxnSp>
-      <p:sp>
-        <p:nvSpPr>
-          <p:cNvPr id="25" name="TextBox 24"/>
-          <p:cNvSpPr txBox="1"/>
-          <p:nvPr/>
-        </p:nvSpPr>
-        <p:spPr>
-          <a:xfrm>
-            <a:off x="7090437" y="4123683"/>
-            <a:ext cx="3657600" cy="415498"/>
-          </a:xfrm>
-          <a:prstGeom prst="rect">
-            <a:avLst/>
-          </a:prstGeom>
-          <a:noFill/>
-        </p:spPr>
-        <p:txBody>
-          <a:bodyPr wrap="square" rtlCol="0">
-            <a:spAutoFit/>
-          </a:bodyPr>
-          <a:lstStyle/>
-          <a:p>
-            <a:pPr>
-              <a:spcBef>
-                <a:spcPts val="1000"/>
-              </a:spcBef>
-              <a:spcAft>
-                <a:spcPts val="1000"/>
-              </a:spcAft>
-            </a:pPr>
-            <a:r>
-              <a:rPr lang="en-US" sz="500" dirty="0"/>
-              <a:t> </a:t>
-            </a:r>
-            <a:r>
-              <a:rPr lang="en-US" sz="1600" dirty="0"/>
-              <a:t/>
-            </a:r>
-            <a:br>
-              <a:rPr lang="en-US" sz="1600" dirty="0"/>
-            </a:br>
-            <a:r>
-              <a:rPr lang="en-US" sz="1600" dirty="0"/>
-              <a:t>  Privacy Policy</a:t>
-            </a:r>
-          </a:p>
-        </p:txBody>
-      </p:sp>
-      <p:sp>
-        <p:nvSpPr>
-          <p:cNvPr id="26" name="TextBox 25"/>
-          <p:cNvSpPr txBox="1"/>
-          <p:nvPr/>
-        </p:nvSpPr>
-        <p:spPr>
-          <a:xfrm>
-            <a:off x="7090437" y="4622343"/>
-            <a:ext cx="3657600" cy="415498"/>
-          </a:xfrm>
-          <a:prstGeom prst="rect">
-            <a:avLst/>
-          </a:prstGeom>
-          <a:noFill/>
-          <a:ln>
-            <a:noFill/>
-          </a:ln>
-        </p:spPr>
-        <p:txBody>
-          <a:bodyPr wrap="square" rtlCol="0">
-            <a:spAutoFit/>
-          </a:bodyPr>
-          <a:lstStyle/>
-          <a:p>
-            <a:pPr>
-              <a:spcBef>
-                <a:spcPts val="1000"/>
-              </a:spcBef>
-              <a:spcAft>
-                <a:spcPts val="1000"/>
-              </a:spcAft>
-            </a:pPr>
-            <a:r>
-              <a:rPr lang="en-US" sz="500" dirty="0"/>
-              <a:t> </a:t>
-            </a:r>
-            <a:r>
-              <a:rPr lang="en-US" sz="1600" dirty="0"/>
-              <a:t/>
-            </a:r>
-            <a:br>
-              <a:rPr lang="en-US" sz="1600" dirty="0"/>
-            </a:br>
-            <a:r>
-              <a:rPr lang="en-US" sz="1600" dirty="0"/>
-              <a:t>  Terms of Service</a:t>
-            </a:r>
-          </a:p>
-        </p:txBody>
-      </p:sp>
-      <p:cxnSp>
-        <p:nvCxnSpPr>
-          <p:cNvPr id="27" name="Straight Connector 26"/>
-          <p:cNvCxnSpPr/>
-          <p:nvPr/>
-        </p:nvCxnSpPr>
-        <p:spPr>
-          <a:xfrm>
-            <a:off x="7090437" y="4622343"/>
-            <a:ext cx="3657600" cy="0"/>
-          </a:xfrm>
-          <a:prstGeom prst="line">
-            <a:avLst/>
-          </a:prstGeom>
-          <a:ln>
-            <a:solidFill>
-              <a:schemeClr val="bg1">
-                <a:lumMod val="75000"/>
-              </a:schemeClr>
-            </a:solidFill>
-          </a:ln>
-        </p:spPr>
-        <p:style>
-          <a:lnRef idx="1">
-            <a:schemeClr val="dk1"/>
-          </a:lnRef>
-          <a:fillRef idx="0">
-            <a:schemeClr val="dk1"/>
-          </a:fillRef>
-          <a:effectRef idx="0">
-            <a:schemeClr val="dk1"/>
-          </a:effectRef>
-          <a:fontRef idx="minor">
-            <a:schemeClr val="tx1"/>
-          </a:fontRef>
-        </p:style>
-      </p:cxnSp>
-      <p:sp>
-        <p:nvSpPr>
-          <p:cNvPr id="29" name="TextBox 28"/>
-          <p:cNvSpPr txBox="1"/>
-          <p:nvPr/>
-        </p:nvSpPr>
-        <p:spPr>
-          <a:xfrm>
-            <a:off x="7090437" y="1962246"/>
-            <a:ext cx="3657600" cy="415498"/>
-          </a:xfrm>
-          <a:prstGeom prst="rect">
-            <a:avLst/>
-          </a:prstGeom>
-          <a:noFill/>
-          <a:ln>
-            <a:noFill/>
-          </a:ln>
-        </p:spPr>
-        <p:txBody>
-          <a:bodyPr wrap="square" rtlCol="0">
-            <a:spAutoFit/>
-          </a:bodyPr>
-          <a:lstStyle/>
-          <a:p>
-            <a:pPr>
-              <a:spcBef>
-                <a:spcPts val="1000"/>
-              </a:spcBef>
-              <a:spcAft>
-                <a:spcPts val="1000"/>
-              </a:spcAft>
-            </a:pPr>
-            <a:r>
-              <a:rPr lang="en-US" sz="500" dirty="0"/>
-              <a:t> </a:t>
-            </a:r>
-            <a:r>
-              <a:rPr lang="en-US" sz="1600" dirty="0"/>
-              <a:t/>
-            </a:r>
-            <a:br>
-              <a:rPr lang="en-US" sz="1600" dirty="0"/>
-            </a:br>
-            <a:r>
-              <a:rPr lang="en-US" sz="1600" dirty="0"/>
-              <a:t>  Log out of </a:t>
-            </a:r>
-            <a:r>
-              <a:rPr lang="en-US" sz="1600" i="1" u="sng" dirty="0"/>
-              <a:t>username</a:t>
-            </a:r>
-          </a:p>
-        </p:txBody>
-      </p:sp>
-      <p:cxnSp>
-        <p:nvCxnSpPr>
-          <p:cNvPr id="30" name="Straight Connector 29"/>
-          <p:cNvCxnSpPr/>
-          <p:nvPr/>
-        </p:nvCxnSpPr>
-        <p:spPr>
-          <a:xfrm>
-            <a:off x="7104742" y="1995085"/>
-            <a:ext cx="3657600" cy="0"/>
-          </a:xfrm>
-          <a:prstGeom prst="line">
-            <a:avLst/>
-          </a:prstGeom>
-          <a:ln>
-            <a:solidFill>
-              <a:schemeClr val="bg1">
-                <a:lumMod val="75000"/>
-              </a:schemeClr>
-            </a:solidFill>
-          </a:ln>
-        </p:spPr>
-        <p:style>
-          <a:lnRef idx="1">
-            <a:schemeClr val="dk1"/>
-          </a:lnRef>
-          <a:fillRef idx="0">
-            <a:schemeClr val="dk1"/>
-          </a:fillRef>
-          <a:effectRef idx="0">
-            <a:schemeClr val="dk1"/>
-          </a:effectRef>
-          <a:fontRef idx="minor">
-            <a:schemeClr val="tx1"/>
-          </a:fontRef>
-        </p:style>
-      </p:cxnSp>
-      <p:sp>
-        <p:nvSpPr>
-          <p:cNvPr id="28" name="TextBox 27"/>
-          <p:cNvSpPr txBox="1"/>
-          <p:nvPr/>
-        </p:nvSpPr>
-        <p:spPr>
-          <a:xfrm>
-            <a:off x="2702379" y="6466959"/>
-            <a:ext cx="894972" cy="369332"/>
-          </a:xfrm>
-          <a:prstGeom prst="rect">
-            <a:avLst/>
-          </a:prstGeom>
-          <a:noFill/>
-        </p:spPr>
-        <p:txBody>
-          <a:bodyPr wrap="none" rtlCol="0">
-            <a:spAutoFit/>
-          </a:bodyPr>
-          <a:lstStyle/>
-          <a:p>
-            <a:r>
-              <a:rPr lang="en-US" dirty="0"/>
-              <a:t>MATCH</a:t>
-            </a:r>
-          </a:p>
-        </p:txBody>
-      </p:sp>
-      <p:sp>
-        <p:nvSpPr>
-          <p:cNvPr id="31" name="TextBox 30"/>
-          <p:cNvSpPr txBox="1"/>
-          <p:nvPr/>
-        </p:nvSpPr>
-        <p:spPr>
-          <a:xfrm>
-            <a:off x="8883480" y="6488668"/>
-            <a:ext cx="981196" cy="369332"/>
-          </a:xfrm>
-          <a:prstGeom prst="rect">
-            <a:avLst/>
-          </a:prstGeom>
-          <a:noFill/>
-        </p:spPr>
-        <p:txBody>
-          <a:bodyPr wrap="none" rtlCol="0">
-            <a:spAutoFit/>
-          </a:bodyPr>
-          <a:lstStyle/>
-          <a:p>
-            <a:r>
-              <a:rPr lang="en-US" dirty="0"/>
-              <a:t>SETTING</a:t>
-            </a:r>
-          </a:p>
-        </p:txBody>
-      </p:sp>
+        </p:txBody>
+      </p:sp>
+      <p:pic>
+        <p:nvPicPr>
+          <p:cNvPr id="9" name="Picture 8"/>
+          <p:cNvPicPr>
+            <a:picLocks noChangeAspect="1"/>
+          </p:cNvPicPr>
+          <p:nvPr/>
+        </p:nvPicPr>
+        <p:blipFill>
+          <a:blip r:embed="rId2">
+            <a:extLst>
+              <a:ext uri="{28A0092B-C50C-407E-A947-70E740481C1C}">
+                <a14:useLocalDpi xmlns:a14="http://schemas.microsoft.com/office/drawing/2010/main" val="0"/>
+              </a:ext>
+            </a:extLst>
+          </a:blip>
+          <a:stretch>
+            <a:fillRect/>
+          </a:stretch>
+        </p:blipFill>
+        <p:spPr>
+          <a:xfrm>
+            <a:off x="7649695" y="497959"/>
+            <a:ext cx="3343275" cy="5943600"/>
+          </a:xfrm>
+          <a:prstGeom prst="rect">
+            <a:avLst/>
+          </a:prstGeom>
+        </p:spPr>
+      </p:pic>
     </p:spTree>
     <p:extLst>
       <p:ext uri="{BB962C8B-B14F-4D97-AF65-F5344CB8AC3E}">
-        <p14:creationId xmlns:p14="http://schemas.microsoft.com/office/powerpoint/2010/main" val="1292690461"/>
+        <p14:creationId xmlns:p14="http://schemas.microsoft.com/office/powerpoint/2010/main" val="576644425"/>
       </p:ext>
     </p:extLst>
   </p:cSld>
@@ -7528,6 +6356,1360 @@
         </p:nvSpPr>
         <p:spPr>
           <a:xfrm>
+            <a:off x="1887283" y="455652"/>
+            <a:ext cx="3657600" cy="5943600"/>
+          </a:xfrm>
+          <a:prstGeom prst="frame">
+            <a:avLst>
+              <a:gd name="adj1" fmla="val 992"/>
+            </a:avLst>
+          </a:prstGeom>
+          <a:ln/>
+        </p:spPr>
+        <p:style>
+          <a:lnRef idx="2">
+            <a:schemeClr val="dk1">
+              <a:shade val="50000"/>
+            </a:schemeClr>
+          </a:lnRef>
+          <a:fillRef idx="1">
+            <a:schemeClr val="dk1"/>
+          </a:fillRef>
+          <a:effectRef idx="0">
+            <a:schemeClr val="dk1"/>
+          </a:effectRef>
+          <a:fontRef idx="minor">
+            <a:schemeClr val="lt1"/>
+          </a:fontRef>
+        </p:style>
+        <p:txBody>
+          <a:bodyPr rtlCol="0" anchor="ctr"/>
+          <a:lstStyle/>
+          <a:p>
+            <a:pPr algn="ctr"/>
+            <a:endParaRPr lang="en-US">
+              <a:solidFill>
+                <a:schemeClr val="tx1"/>
+              </a:solidFill>
+            </a:endParaRPr>
+          </a:p>
+        </p:txBody>
+      </p:sp>
+      <p:cxnSp>
+        <p:nvCxnSpPr>
+          <p:cNvPr id="3" name="Straight Connector 2"/>
+          <p:cNvCxnSpPr/>
+          <p:nvPr/>
+        </p:nvCxnSpPr>
+        <p:spPr>
+          <a:xfrm>
+            <a:off x="1887283" y="1166852"/>
+            <a:ext cx="3657600" cy="0"/>
+          </a:xfrm>
+          <a:prstGeom prst="line">
+            <a:avLst/>
+          </a:prstGeom>
+        </p:spPr>
+        <p:style>
+          <a:lnRef idx="1">
+            <a:schemeClr val="dk1"/>
+          </a:lnRef>
+          <a:fillRef idx="0">
+            <a:schemeClr val="dk1"/>
+          </a:fillRef>
+          <a:effectRef idx="0">
+            <a:schemeClr val="dk1"/>
+          </a:effectRef>
+          <a:fontRef idx="minor">
+            <a:schemeClr val="tx1"/>
+          </a:fontRef>
+        </p:style>
+      </p:cxnSp>
+      <p:sp>
+        <p:nvSpPr>
+          <p:cNvPr id="4" name="TextBox 3"/>
+          <p:cNvSpPr txBox="1"/>
+          <p:nvPr/>
+        </p:nvSpPr>
+        <p:spPr>
+          <a:xfrm rot="5400000">
+            <a:off x="5065702" y="622802"/>
+            <a:ext cx="496697" cy="461665"/>
+          </a:xfrm>
+          <a:prstGeom prst="rect">
+            <a:avLst/>
+          </a:prstGeom>
+          <a:noFill/>
+        </p:spPr>
+        <p:txBody>
+          <a:bodyPr wrap="square" rtlCol="0">
+            <a:spAutoFit/>
+          </a:bodyPr>
+          <a:lstStyle/>
+          <a:p>
+            <a:r>
+              <a:rPr lang="en-US" sz="2400" dirty="0"/>
+              <a:t>...</a:t>
+            </a:r>
+          </a:p>
+        </p:txBody>
+      </p:sp>
+      <p:sp>
+        <p:nvSpPr>
+          <p:cNvPr id="5" name="TextBox 4"/>
+          <p:cNvSpPr txBox="1"/>
+          <p:nvPr/>
+        </p:nvSpPr>
+        <p:spPr>
+          <a:xfrm>
+            <a:off x="2076399" y="665938"/>
+            <a:ext cx="463588" cy="369332"/>
+          </a:xfrm>
+          <a:prstGeom prst="rect">
+            <a:avLst/>
+          </a:prstGeom>
+          <a:noFill/>
+        </p:spPr>
+        <p:txBody>
+          <a:bodyPr wrap="none" rtlCol="0">
+            <a:spAutoFit/>
+          </a:bodyPr>
+          <a:lstStyle/>
+          <a:p>
+            <a:r>
+              <a:rPr lang="en-US" dirty="0">
+                <a:sym typeface="Wingdings"/>
+              </a:rPr>
+              <a:t> </a:t>
+            </a:r>
+            <a:endParaRPr lang="en-US" dirty="0"/>
+          </a:p>
+        </p:txBody>
+      </p:sp>
+      <p:sp>
+        <p:nvSpPr>
+          <p:cNvPr id="6" name="TextBox 5"/>
+          <p:cNvSpPr txBox="1"/>
+          <p:nvPr/>
+        </p:nvSpPr>
+        <p:spPr>
+          <a:xfrm>
+            <a:off x="2855087" y="2381213"/>
+            <a:ext cx="1721990" cy="461665"/>
+          </a:xfrm>
+          <a:prstGeom prst="rect">
+            <a:avLst/>
+          </a:prstGeom>
+          <a:noFill/>
+        </p:spPr>
+        <p:txBody>
+          <a:bodyPr wrap="square" rtlCol="0">
+            <a:spAutoFit/>
+          </a:bodyPr>
+          <a:lstStyle/>
+          <a:p>
+            <a:pPr algn="ctr"/>
+            <a:r>
+              <a:rPr lang="en-US" sz="2400" dirty="0"/>
+              <a:t>DEFINITION</a:t>
+            </a:r>
+          </a:p>
+        </p:txBody>
+      </p:sp>
+      <p:sp>
+        <p:nvSpPr>
+          <p:cNvPr id="7" name="TextBox 6"/>
+          <p:cNvSpPr txBox="1"/>
+          <p:nvPr/>
+        </p:nvSpPr>
+        <p:spPr>
+          <a:xfrm>
+            <a:off x="2097257" y="3803669"/>
+            <a:ext cx="3237651" cy="923330"/>
+          </a:xfrm>
+          <a:prstGeom prst="rect">
+            <a:avLst/>
+          </a:prstGeom>
+          <a:noFill/>
+          <a:ln>
+            <a:solidFill>
+              <a:schemeClr val="bg1">
+                <a:lumMod val="50000"/>
+              </a:schemeClr>
+            </a:solidFill>
+          </a:ln>
+        </p:spPr>
+        <p:txBody>
+          <a:bodyPr wrap="square" rtlCol="0">
+            <a:spAutoFit/>
+          </a:bodyPr>
+          <a:lstStyle/>
+          <a:p>
+            <a:endParaRPr lang="en-US" dirty="0">
+              <a:solidFill>
+                <a:schemeClr val="bg1">
+                  <a:lumMod val="50000"/>
+                </a:schemeClr>
+              </a:solidFill>
+            </a:endParaRPr>
+          </a:p>
+          <a:p>
+            <a:r>
+              <a:rPr lang="en-US" dirty="0">
+                <a:solidFill>
+                  <a:schemeClr val="bg1">
+                    <a:lumMod val="50000"/>
+                  </a:schemeClr>
+                </a:solidFill>
+              </a:rPr>
+              <a:t>Type Answer</a:t>
+            </a:r>
+          </a:p>
+          <a:p>
+            <a:endParaRPr lang="en-US" dirty="0">
+              <a:solidFill>
+                <a:schemeClr val="bg1">
+                  <a:lumMod val="50000"/>
+                </a:schemeClr>
+              </a:solidFill>
+            </a:endParaRPr>
+          </a:p>
+        </p:txBody>
+      </p:sp>
+      <p:sp>
+        <p:nvSpPr>
+          <p:cNvPr id="8" name="TextBox 7"/>
+          <p:cNvSpPr txBox="1"/>
+          <p:nvPr/>
+        </p:nvSpPr>
+        <p:spPr>
+          <a:xfrm>
+            <a:off x="4519204" y="3978586"/>
+            <a:ext cx="733344" cy="584775"/>
+          </a:xfrm>
+          <a:prstGeom prst="rect">
+            <a:avLst/>
+          </a:prstGeom>
+          <a:noFill/>
+          <a:ln>
+            <a:solidFill>
+              <a:schemeClr val="tx1"/>
+            </a:solidFill>
+          </a:ln>
+        </p:spPr>
+        <p:txBody>
+          <a:bodyPr wrap="square" rtlCol="0" anchor="ctr" anchorCtr="0">
+            <a:spAutoFit/>
+          </a:bodyPr>
+          <a:lstStyle/>
+          <a:p>
+            <a:pPr algn="ctr"/>
+            <a:r>
+              <a:rPr lang="en-US" sz="1600" dirty="0"/>
+              <a:t>Don’t Know</a:t>
+            </a:r>
+          </a:p>
+        </p:txBody>
+      </p:sp>
+      <p:sp>
+        <p:nvSpPr>
+          <p:cNvPr id="9" name="TextBox 8"/>
+          <p:cNvSpPr txBox="1"/>
+          <p:nvPr/>
+        </p:nvSpPr>
+        <p:spPr>
+          <a:xfrm>
+            <a:off x="3275544" y="106455"/>
+            <a:ext cx="881075" cy="369332"/>
+          </a:xfrm>
+          <a:prstGeom prst="rect">
+            <a:avLst/>
+          </a:prstGeom>
+          <a:noFill/>
+        </p:spPr>
+        <p:txBody>
+          <a:bodyPr wrap="none" rtlCol="0">
+            <a:spAutoFit/>
+          </a:bodyPr>
+          <a:lstStyle/>
+          <a:p>
+            <a:r>
+              <a:rPr lang="en-US" dirty="0"/>
+              <a:t>View_7</a:t>
+            </a:r>
+          </a:p>
+        </p:txBody>
+      </p:sp>
+      <p:sp>
+        <p:nvSpPr>
+          <p:cNvPr id="10" name="TextBox 9"/>
+          <p:cNvSpPr txBox="1"/>
+          <p:nvPr/>
+        </p:nvSpPr>
+        <p:spPr>
+          <a:xfrm>
+            <a:off x="3511070" y="6488668"/>
+            <a:ext cx="813043" cy="369332"/>
+          </a:xfrm>
+          <a:prstGeom prst="rect">
+            <a:avLst/>
+          </a:prstGeom>
+          <a:noFill/>
+        </p:spPr>
+        <p:txBody>
+          <a:bodyPr wrap="none" rtlCol="0">
+            <a:spAutoFit/>
+          </a:bodyPr>
+          <a:lstStyle/>
+          <a:p>
+            <a:r>
+              <a:rPr lang="en-US" dirty="0"/>
+              <a:t>WORD</a:t>
+            </a:r>
+          </a:p>
+        </p:txBody>
+      </p:sp>
+      <p:pic>
+        <p:nvPicPr>
+          <p:cNvPr id="11" name="Picture 10"/>
+          <p:cNvPicPr>
+            <a:picLocks noChangeAspect="1"/>
+          </p:cNvPicPr>
+          <p:nvPr/>
+        </p:nvPicPr>
+        <p:blipFill>
+          <a:blip r:embed="rId2">
+            <a:extLst>
+              <a:ext uri="{28A0092B-C50C-407E-A947-70E740481C1C}">
+                <a14:useLocalDpi xmlns:a14="http://schemas.microsoft.com/office/drawing/2010/main" val="0"/>
+              </a:ext>
+            </a:extLst>
+          </a:blip>
+          <a:stretch>
+            <a:fillRect/>
+          </a:stretch>
+        </p:blipFill>
+        <p:spPr>
+          <a:xfrm>
+            <a:off x="7233454" y="497959"/>
+            <a:ext cx="3369774" cy="5990709"/>
+          </a:xfrm>
+          <a:prstGeom prst="rect">
+            <a:avLst/>
+          </a:prstGeom>
+        </p:spPr>
+      </p:pic>
+    </p:spTree>
+    <p:extLst>
+      <p:ext uri="{BB962C8B-B14F-4D97-AF65-F5344CB8AC3E}">
+        <p14:creationId xmlns:p14="http://schemas.microsoft.com/office/powerpoint/2010/main" val="2024919873"/>
+      </p:ext>
+    </p:extLst>
+  </p:cSld>
+  <p:clrMapOvr>
+    <a:masterClrMapping/>
+  </p:clrMapOvr>
+</p:sld>
+</file>
+
+<file path=ppt/slides/slide6.xml><?xml version="1.0" encoding="utf-8"?>
+<p:sld xmlns:a="http://schemas.openxmlformats.org/drawingml/2006/main" xmlns:r="http://schemas.openxmlformats.org/officeDocument/2006/relationships" xmlns:p="http://schemas.openxmlformats.org/presentationml/2006/main">
+  <p:cSld>
+    <p:spTree>
+      <p:nvGrpSpPr>
+        <p:cNvPr id="1" name=""/>
+        <p:cNvGrpSpPr/>
+        <p:nvPr/>
+      </p:nvGrpSpPr>
+      <p:grpSpPr>
+        <a:xfrm>
+          <a:off x="0" y="0"/>
+          <a:ext cx="0" cy="0"/>
+          <a:chOff x="0" y="0"/>
+          <a:chExt cx="0" cy="0"/>
+        </a:xfrm>
+      </p:grpSpPr>
+      <p:sp>
+        <p:nvSpPr>
+          <p:cNvPr id="6" name="Frame 5"/>
+          <p:cNvSpPr/>
+          <p:nvPr/>
+        </p:nvSpPr>
+        <p:spPr>
+          <a:xfrm>
+            <a:off x="1248228" y="478972"/>
+            <a:ext cx="3657600" cy="5943600"/>
+          </a:xfrm>
+          <a:prstGeom prst="frame">
+            <a:avLst>
+              <a:gd name="adj1" fmla="val 992"/>
+            </a:avLst>
+          </a:prstGeom>
+          <a:ln/>
+        </p:spPr>
+        <p:style>
+          <a:lnRef idx="2">
+            <a:schemeClr val="dk1">
+              <a:shade val="50000"/>
+            </a:schemeClr>
+          </a:lnRef>
+          <a:fillRef idx="1">
+            <a:schemeClr val="dk1"/>
+          </a:fillRef>
+          <a:effectRef idx="0">
+            <a:schemeClr val="dk1"/>
+          </a:effectRef>
+          <a:fontRef idx="minor">
+            <a:schemeClr val="lt1"/>
+          </a:fontRef>
+        </p:style>
+        <p:txBody>
+          <a:bodyPr rtlCol="0" anchor="ctr"/>
+          <a:lstStyle/>
+          <a:p>
+            <a:pPr algn="ctr"/>
+            <a:endParaRPr lang="en-US">
+              <a:solidFill>
+                <a:schemeClr val="tx1"/>
+              </a:solidFill>
+            </a:endParaRPr>
+          </a:p>
+        </p:txBody>
+      </p:sp>
+      <p:sp>
+        <p:nvSpPr>
+          <p:cNvPr id="7" name="Frame 6"/>
+          <p:cNvSpPr/>
+          <p:nvPr/>
+        </p:nvSpPr>
+        <p:spPr>
+          <a:xfrm>
+            <a:off x="7104742" y="478972"/>
+            <a:ext cx="3657600" cy="5943600"/>
+          </a:xfrm>
+          <a:prstGeom prst="frame">
+            <a:avLst>
+              <a:gd name="adj1" fmla="val 992"/>
+            </a:avLst>
+          </a:prstGeom>
+          <a:ln/>
+        </p:spPr>
+        <p:style>
+          <a:lnRef idx="2">
+            <a:schemeClr val="dk1">
+              <a:shade val="50000"/>
+            </a:schemeClr>
+          </a:lnRef>
+          <a:fillRef idx="1">
+            <a:schemeClr val="dk1"/>
+          </a:fillRef>
+          <a:effectRef idx="0">
+            <a:schemeClr val="dk1"/>
+          </a:effectRef>
+          <a:fontRef idx="minor">
+            <a:schemeClr val="lt1"/>
+          </a:fontRef>
+        </p:style>
+        <p:txBody>
+          <a:bodyPr rtlCol="0" anchor="ctr"/>
+          <a:lstStyle/>
+          <a:p>
+            <a:pPr algn="ctr"/>
+            <a:endParaRPr lang="en-US">
+              <a:solidFill>
+                <a:schemeClr val="tx1"/>
+              </a:solidFill>
+            </a:endParaRPr>
+          </a:p>
+        </p:txBody>
+      </p:sp>
+      <p:cxnSp>
+        <p:nvCxnSpPr>
+          <p:cNvPr id="8" name="Straight Connector 7"/>
+          <p:cNvCxnSpPr/>
+          <p:nvPr/>
+        </p:nvCxnSpPr>
+        <p:spPr>
+          <a:xfrm>
+            <a:off x="1248228" y="1190172"/>
+            <a:ext cx="3657600" cy="0"/>
+          </a:xfrm>
+          <a:prstGeom prst="line">
+            <a:avLst/>
+          </a:prstGeom>
+        </p:spPr>
+        <p:style>
+          <a:lnRef idx="1">
+            <a:schemeClr val="dk1"/>
+          </a:lnRef>
+          <a:fillRef idx="0">
+            <a:schemeClr val="dk1"/>
+          </a:fillRef>
+          <a:effectRef idx="0">
+            <a:schemeClr val="dk1"/>
+          </a:effectRef>
+          <a:fontRef idx="minor">
+            <a:schemeClr val="tx1"/>
+          </a:fontRef>
+        </p:style>
+      </p:cxnSp>
+      <p:sp>
+        <p:nvSpPr>
+          <p:cNvPr id="9" name="TextBox 8"/>
+          <p:cNvSpPr txBox="1"/>
+          <p:nvPr/>
+        </p:nvSpPr>
+        <p:spPr>
+          <a:xfrm rot="5400000">
+            <a:off x="4426647" y="646122"/>
+            <a:ext cx="496697" cy="461665"/>
+          </a:xfrm>
+          <a:prstGeom prst="rect">
+            <a:avLst/>
+          </a:prstGeom>
+          <a:noFill/>
+        </p:spPr>
+        <p:txBody>
+          <a:bodyPr wrap="square" rtlCol="0">
+            <a:spAutoFit/>
+          </a:bodyPr>
+          <a:lstStyle/>
+          <a:p>
+            <a:r>
+              <a:rPr lang="en-US" sz="2400" dirty="0"/>
+              <a:t>...</a:t>
+            </a:r>
+          </a:p>
+        </p:txBody>
+      </p:sp>
+      <p:sp>
+        <p:nvSpPr>
+          <p:cNvPr id="10" name="TextBox 9"/>
+          <p:cNvSpPr txBox="1"/>
+          <p:nvPr/>
+        </p:nvSpPr>
+        <p:spPr>
+          <a:xfrm>
+            <a:off x="1437344" y="689258"/>
+            <a:ext cx="463588" cy="369332"/>
+          </a:xfrm>
+          <a:prstGeom prst="rect">
+            <a:avLst/>
+          </a:prstGeom>
+          <a:noFill/>
+        </p:spPr>
+        <p:txBody>
+          <a:bodyPr wrap="none" rtlCol="0">
+            <a:spAutoFit/>
+          </a:bodyPr>
+          <a:lstStyle/>
+          <a:p>
+            <a:r>
+              <a:rPr lang="en-US" dirty="0">
+                <a:sym typeface="Wingdings"/>
+              </a:rPr>
+              <a:t> </a:t>
+            </a:r>
+            <a:endParaRPr lang="en-US" dirty="0"/>
+          </a:p>
+        </p:txBody>
+      </p:sp>
+      <p:cxnSp>
+        <p:nvCxnSpPr>
+          <p:cNvPr id="11" name="Straight Connector 10"/>
+          <p:cNvCxnSpPr/>
+          <p:nvPr/>
+        </p:nvCxnSpPr>
+        <p:spPr>
+          <a:xfrm>
+            <a:off x="7104742" y="1190172"/>
+            <a:ext cx="3657600" cy="0"/>
+          </a:xfrm>
+          <a:prstGeom prst="line">
+            <a:avLst/>
+          </a:prstGeom>
+        </p:spPr>
+        <p:style>
+          <a:lnRef idx="1">
+            <a:schemeClr val="dk1"/>
+          </a:lnRef>
+          <a:fillRef idx="0">
+            <a:schemeClr val="dk1"/>
+          </a:fillRef>
+          <a:effectRef idx="0">
+            <a:schemeClr val="dk1"/>
+          </a:effectRef>
+          <a:fontRef idx="minor">
+            <a:schemeClr val="tx1"/>
+          </a:fontRef>
+        </p:style>
+      </p:cxnSp>
+      <p:sp>
+        <p:nvSpPr>
+          <p:cNvPr id="13" name="TextBox 12"/>
+          <p:cNvSpPr txBox="1"/>
+          <p:nvPr/>
+        </p:nvSpPr>
+        <p:spPr>
+          <a:xfrm>
+            <a:off x="7293858" y="689258"/>
+            <a:ext cx="463588" cy="369332"/>
+          </a:xfrm>
+          <a:prstGeom prst="rect">
+            <a:avLst/>
+          </a:prstGeom>
+          <a:noFill/>
+        </p:spPr>
+        <p:txBody>
+          <a:bodyPr wrap="none" rtlCol="0">
+            <a:spAutoFit/>
+          </a:bodyPr>
+          <a:lstStyle/>
+          <a:p>
+            <a:r>
+              <a:rPr lang="en-US" dirty="0">
+                <a:sym typeface="Wingdings"/>
+              </a:rPr>
+              <a:t> </a:t>
+            </a:r>
+            <a:endParaRPr lang="en-US" dirty="0"/>
+          </a:p>
+        </p:txBody>
+      </p:sp>
+      <p:sp>
+        <p:nvSpPr>
+          <p:cNvPr id="14" name="TextBox 13"/>
+          <p:cNvSpPr txBox="1"/>
+          <p:nvPr/>
+        </p:nvSpPr>
+        <p:spPr>
+          <a:xfrm>
+            <a:off x="2636490" y="124154"/>
+            <a:ext cx="881075" cy="369332"/>
+          </a:xfrm>
+          <a:prstGeom prst="rect">
+            <a:avLst/>
+          </a:prstGeom>
+          <a:noFill/>
+        </p:spPr>
+        <p:txBody>
+          <a:bodyPr wrap="none" rtlCol="0">
+            <a:spAutoFit/>
+          </a:bodyPr>
+          <a:lstStyle/>
+          <a:p>
+            <a:r>
+              <a:rPr lang="en-US" dirty="0"/>
+              <a:t>View_8</a:t>
+            </a:r>
+          </a:p>
+        </p:txBody>
+      </p:sp>
+      <p:sp>
+        <p:nvSpPr>
+          <p:cNvPr id="15" name="TextBox 14"/>
+          <p:cNvSpPr txBox="1"/>
+          <p:nvPr/>
+        </p:nvSpPr>
+        <p:spPr>
+          <a:xfrm>
+            <a:off x="8493003" y="129775"/>
+            <a:ext cx="881075" cy="369332"/>
+          </a:xfrm>
+          <a:prstGeom prst="rect">
+            <a:avLst/>
+          </a:prstGeom>
+          <a:noFill/>
+        </p:spPr>
+        <p:txBody>
+          <a:bodyPr wrap="none" rtlCol="0">
+            <a:spAutoFit/>
+          </a:bodyPr>
+          <a:lstStyle/>
+          <a:p>
+            <a:r>
+              <a:rPr lang="en-US" dirty="0"/>
+              <a:t>View_9</a:t>
+            </a:r>
+          </a:p>
+        </p:txBody>
+      </p:sp>
+      <p:sp>
+        <p:nvSpPr>
+          <p:cNvPr id="16" name="TextBox 15"/>
+          <p:cNvSpPr txBox="1"/>
+          <p:nvPr/>
+        </p:nvSpPr>
+        <p:spPr>
+          <a:xfrm>
+            <a:off x="2179560" y="2989107"/>
+            <a:ext cx="1794933" cy="923330"/>
+          </a:xfrm>
+          <a:prstGeom prst="rect">
+            <a:avLst/>
+          </a:prstGeom>
+          <a:noFill/>
+        </p:spPr>
+        <p:txBody>
+          <a:bodyPr wrap="square" rtlCol="0">
+            <a:spAutoFit/>
+          </a:bodyPr>
+          <a:lstStyle/>
+          <a:p>
+            <a:pPr algn="ctr"/>
+            <a:r>
+              <a:rPr lang="en-US" dirty="0"/>
+              <a:t>MATCH</a:t>
+            </a:r>
+          </a:p>
+          <a:p>
+            <a:pPr algn="ctr"/>
+            <a:endParaRPr lang="en-US" dirty="0"/>
+          </a:p>
+          <a:p>
+            <a:pPr algn="ctr"/>
+            <a:r>
+              <a:rPr lang="en-US" dirty="0"/>
+              <a:t>(GAME)</a:t>
+            </a:r>
+          </a:p>
+        </p:txBody>
+      </p:sp>
+      <p:sp>
+        <p:nvSpPr>
+          <p:cNvPr id="17" name="TextBox 16"/>
+          <p:cNvSpPr txBox="1"/>
+          <p:nvPr/>
+        </p:nvSpPr>
+        <p:spPr>
+          <a:xfrm>
+            <a:off x="7155541" y="1190172"/>
+            <a:ext cx="3566160" cy="307777"/>
+          </a:xfrm>
+          <a:prstGeom prst="rect">
+            <a:avLst/>
+          </a:prstGeom>
+          <a:solidFill>
+            <a:schemeClr val="bg1">
+              <a:lumMod val="95000"/>
+            </a:schemeClr>
+          </a:solidFill>
+          <a:ln>
+            <a:solidFill>
+              <a:schemeClr val="tx1"/>
+            </a:solidFill>
+          </a:ln>
+        </p:spPr>
+        <p:txBody>
+          <a:bodyPr wrap="square" rtlCol="0">
+            <a:spAutoFit/>
+          </a:bodyPr>
+          <a:lstStyle/>
+          <a:p>
+            <a:r>
+              <a:rPr lang="en-US" sz="1400" i="1" dirty="0"/>
+              <a:t>  </a:t>
+            </a:r>
+            <a:r>
+              <a:rPr lang="en-US" sz="1400" i="1" u="sng" dirty="0"/>
+              <a:t>username</a:t>
+            </a:r>
+          </a:p>
+        </p:txBody>
+      </p:sp>
+      <p:sp>
+        <p:nvSpPr>
+          <p:cNvPr id="18" name="TextBox 17"/>
+          <p:cNvSpPr txBox="1"/>
+          <p:nvPr/>
+        </p:nvSpPr>
+        <p:spPr>
+          <a:xfrm>
+            <a:off x="7104742" y="1497949"/>
+            <a:ext cx="3657600" cy="415498"/>
+          </a:xfrm>
+          <a:prstGeom prst="rect">
+            <a:avLst/>
+          </a:prstGeom>
+          <a:noFill/>
+        </p:spPr>
+        <p:txBody>
+          <a:bodyPr wrap="square" rtlCol="0">
+            <a:spAutoFit/>
+          </a:bodyPr>
+          <a:lstStyle/>
+          <a:p>
+            <a:pPr>
+              <a:spcBef>
+                <a:spcPts val="1000"/>
+              </a:spcBef>
+              <a:spcAft>
+                <a:spcPts val="1000"/>
+              </a:spcAft>
+            </a:pPr>
+            <a:r>
+              <a:rPr lang="en-US" sz="500" dirty="0"/>
+              <a:t> </a:t>
+            </a:r>
+            <a:r>
+              <a:rPr lang="en-US" sz="1600" dirty="0"/>
+              <a:t/>
+            </a:r>
+            <a:br>
+              <a:rPr lang="en-US" sz="1600" dirty="0"/>
+            </a:br>
+            <a:r>
+              <a:rPr lang="en-US" sz="1600" dirty="0"/>
+              <a:t>  Account Settings</a:t>
+            </a:r>
+            <a:r>
+              <a:rPr lang="en-US" sz="800" dirty="0"/>
+              <a:t> </a:t>
+            </a:r>
+            <a:endParaRPr lang="en-US" sz="1600" dirty="0"/>
+          </a:p>
+        </p:txBody>
+      </p:sp>
+      <p:sp>
+        <p:nvSpPr>
+          <p:cNvPr id="19" name="TextBox 18"/>
+          <p:cNvSpPr txBox="1"/>
+          <p:nvPr/>
+        </p:nvSpPr>
+        <p:spPr>
+          <a:xfrm>
+            <a:off x="7141236" y="2467182"/>
+            <a:ext cx="3566160" cy="307777"/>
+          </a:xfrm>
+          <a:prstGeom prst="rect">
+            <a:avLst/>
+          </a:prstGeom>
+          <a:solidFill>
+            <a:schemeClr val="bg1">
+              <a:lumMod val="95000"/>
+            </a:schemeClr>
+          </a:solidFill>
+          <a:ln>
+            <a:solidFill>
+              <a:schemeClr val="tx1"/>
+            </a:solidFill>
+          </a:ln>
+        </p:spPr>
+        <p:txBody>
+          <a:bodyPr wrap="square" rtlCol="0">
+            <a:spAutoFit/>
+          </a:bodyPr>
+          <a:lstStyle/>
+          <a:p>
+            <a:r>
+              <a:rPr lang="en-US" sz="1400" i="1" dirty="0"/>
+              <a:t>  </a:t>
+            </a:r>
+            <a:r>
+              <a:rPr lang="en-US" sz="1400" dirty="0"/>
+              <a:t>Support</a:t>
+            </a:r>
+          </a:p>
+        </p:txBody>
+      </p:sp>
+      <p:sp>
+        <p:nvSpPr>
+          <p:cNvPr id="20" name="TextBox 19"/>
+          <p:cNvSpPr txBox="1"/>
+          <p:nvPr/>
+        </p:nvSpPr>
+        <p:spPr>
+          <a:xfrm>
+            <a:off x="7090437" y="2801103"/>
+            <a:ext cx="3657600" cy="415498"/>
+          </a:xfrm>
+          <a:prstGeom prst="rect">
+            <a:avLst/>
+          </a:prstGeom>
+          <a:noFill/>
+        </p:spPr>
+        <p:txBody>
+          <a:bodyPr wrap="square" rtlCol="0">
+            <a:spAutoFit/>
+          </a:bodyPr>
+          <a:lstStyle/>
+          <a:p>
+            <a:pPr>
+              <a:spcBef>
+                <a:spcPts val="1000"/>
+              </a:spcBef>
+              <a:spcAft>
+                <a:spcPts val="1000"/>
+              </a:spcAft>
+            </a:pPr>
+            <a:r>
+              <a:rPr lang="en-US" sz="500" dirty="0"/>
+              <a:t> </a:t>
+            </a:r>
+            <a:r>
+              <a:rPr lang="en-US" sz="1600" dirty="0"/>
+              <a:t/>
+            </a:r>
+            <a:br>
+              <a:rPr lang="en-US" sz="1600" dirty="0"/>
+            </a:br>
+            <a:r>
+              <a:rPr lang="en-US" sz="1600" dirty="0"/>
+              <a:t>  Send Feedback</a:t>
+            </a:r>
+          </a:p>
+        </p:txBody>
+      </p:sp>
+      <p:sp>
+        <p:nvSpPr>
+          <p:cNvPr id="21" name="TextBox 20"/>
+          <p:cNvSpPr txBox="1"/>
+          <p:nvPr/>
+        </p:nvSpPr>
+        <p:spPr>
+          <a:xfrm>
+            <a:off x="7141236" y="3798927"/>
+            <a:ext cx="3566160" cy="307777"/>
+          </a:xfrm>
+          <a:prstGeom prst="rect">
+            <a:avLst/>
+          </a:prstGeom>
+          <a:solidFill>
+            <a:schemeClr val="bg1">
+              <a:lumMod val="95000"/>
+            </a:schemeClr>
+          </a:solidFill>
+          <a:ln>
+            <a:solidFill>
+              <a:schemeClr val="tx1"/>
+            </a:solidFill>
+          </a:ln>
+        </p:spPr>
+        <p:txBody>
+          <a:bodyPr wrap="square" rtlCol="0">
+            <a:spAutoFit/>
+          </a:bodyPr>
+          <a:lstStyle/>
+          <a:p>
+            <a:r>
+              <a:rPr lang="en-US" sz="1400" dirty="0"/>
+              <a:t>  About</a:t>
+            </a:r>
+          </a:p>
+        </p:txBody>
+      </p:sp>
+      <p:sp>
+        <p:nvSpPr>
+          <p:cNvPr id="22" name="TextBox 21"/>
+          <p:cNvSpPr txBox="1"/>
+          <p:nvPr/>
+        </p:nvSpPr>
+        <p:spPr>
+          <a:xfrm>
+            <a:off x="7090437" y="3299763"/>
+            <a:ext cx="3657600" cy="415498"/>
+          </a:xfrm>
+          <a:prstGeom prst="rect">
+            <a:avLst/>
+          </a:prstGeom>
+          <a:noFill/>
+          <a:ln>
+            <a:noFill/>
+          </a:ln>
+        </p:spPr>
+        <p:txBody>
+          <a:bodyPr wrap="square" rtlCol="0">
+            <a:spAutoFit/>
+          </a:bodyPr>
+          <a:lstStyle/>
+          <a:p>
+            <a:pPr>
+              <a:spcBef>
+                <a:spcPts val="1000"/>
+              </a:spcBef>
+              <a:spcAft>
+                <a:spcPts val="1000"/>
+              </a:spcAft>
+            </a:pPr>
+            <a:r>
+              <a:rPr lang="en-US" sz="500" dirty="0"/>
+              <a:t> </a:t>
+            </a:r>
+            <a:r>
+              <a:rPr lang="en-US" sz="1600" dirty="0"/>
+              <a:t/>
+            </a:r>
+            <a:br>
+              <a:rPr lang="en-US" sz="1600" dirty="0"/>
+            </a:br>
+            <a:r>
+              <a:rPr lang="en-US" sz="1600" dirty="0"/>
+              <a:t>  Rate Us!</a:t>
+            </a:r>
+          </a:p>
+        </p:txBody>
+      </p:sp>
+      <p:cxnSp>
+        <p:nvCxnSpPr>
+          <p:cNvPr id="24" name="Straight Connector 23"/>
+          <p:cNvCxnSpPr/>
+          <p:nvPr/>
+        </p:nvCxnSpPr>
+        <p:spPr>
+          <a:xfrm>
+            <a:off x="7090437" y="3299763"/>
+            <a:ext cx="3657600" cy="0"/>
+          </a:xfrm>
+          <a:prstGeom prst="line">
+            <a:avLst/>
+          </a:prstGeom>
+          <a:ln>
+            <a:solidFill>
+              <a:schemeClr val="bg1">
+                <a:lumMod val="75000"/>
+              </a:schemeClr>
+            </a:solidFill>
+          </a:ln>
+        </p:spPr>
+        <p:style>
+          <a:lnRef idx="1">
+            <a:schemeClr val="dk1"/>
+          </a:lnRef>
+          <a:fillRef idx="0">
+            <a:schemeClr val="dk1"/>
+          </a:fillRef>
+          <a:effectRef idx="0">
+            <a:schemeClr val="dk1"/>
+          </a:effectRef>
+          <a:fontRef idx="minor">
+            <a:schemeClr val="tx1"/>
+          </a:fontRef>
+        </p:style>
+      </p:cxnSp>
+      <p:sp>
+        <p:nvSpPr>
+          <p:cNvPr id="25" name="TextBox 24"/>
+          <p:cNvSpPr txBox="1"/>
+          <p:nvPr/>
+        </p:nvSpPr>
+        <p:spPr>
+          <a:xfrm>
+            <a:off x="7090437" y="4123683"/>
+            <a:ext cx="3657600" cy="415498"/>
+          </a:xfrm>
+          <a:prstGeom prst="rect">
+            <a:avLst/>
+          </a:prstGeom>
+          <a:noFill/>
+        </p:spPr>
+        <p:txBody>
+          <a:bodyPr wrap="square" rtlCol="0">
+            <a:spAutoFit/>
+          </a:bodyPr>
+          <a:lstStyle/>
+          <a:p>
+            <a:pPr>
+              <a:spcBef>
+                <a:spcPts val="1000"/>
+              </a:spcBef>
+              <a:spcAft>
+                <a:spcPts val="1000"/>
+              </a:spcAft>
+            </a:pPr>
+            <a:r>
+              <a:rPr lang="en-US" sz="500" dirty="0"/>
+              <a:t> </a:t>
+            </a:r>
+            <a:r>
+              <a:rPr lang="en-US" sz="1600" dirty="0"/>
+              <a:t/>
+            </a:r>
+            <a:br>
+              <a:rPr lang="en-US" sz="1600" dirty="0"/>
+            </a:br>
+            <a:r>
+              <a:rPr lang="en-US" sz="1600" dirty="0"/>
+              <a:t>  Privacy Policy</a:t>
+            </a:r>
+          </a:p>
+        </p:txBody>
+      </p:sp>
+      <p:sp>
+        <p:nvSpPr>
+          <p:cNvPr id="26" name="TextBox 25"/>
+          <p:cNvSpPr txBox="1"/>
+          <p:nvPr/>
+        </p:nvSpPr>
+        <p:spPr>
+          <a:xfrm>
+            <a:off x="7090437" y="4622343"/>
+            <a:ext cx="3657600" cy="415498"/>
+          </a:xfrm>
+          <a:prstGeom prst="rect">
+            <a:avLst/>
+          </a:prstGeom>
+          <a:noFill/>
+          <a:ln>
+            <a:noFill/>
+          </a:ln>
+        </p:spPr>
+        <p:txBody>
+          <a:bodyPr wrap="square" rtlCol="0">
+            <a:spAutoFit/>
+          </a:bodyPr>
+          <a:lstStyle/>
+          <a:p>
+            <a:pPr>
+              <a:spcBef>
+                <a:spcPts val="1000"/>
+              </a:spcBef>
+              <a:spcAft>
+                <a:spcPts val="1000"/>
+              </a:spcAft>
+            </a:pPr>
+            <a:r>
+              <a:rPr lang="en-US" sz="500" dirty="0"/>
+              <a:t> </a:t>
+            </a:r>
+            <a:r>
+              <a:rPr lang="en-US" sz="1600" dirty="0"/>
+              <a:t/>
+            </a:r>
+            <a:br>
+              <a:rPr lang="en-US" sz="1600" dirty="0"/>
+            </a:br>
+            <a:r>
+              <a:rPr lang="en-US" sz="1600" dirty="0"/>
+              <a:t>  Terms of Service</a:t>
+            </a:r>
+          </a:p>
+        </p:txBody>
+      </p:sp>
+      <p:cxnSp>
+        <p:nvCxnSpPr>
+          <p:cNvPr id="27" name="Straight Connector 26"/>
+          <p:cNvCxnSpPr/>
+          <p:nvPr/>
+        </p:nvCxnSpPr>
+        <p:spPr>
+          <a:xfrm>
+            <a:off x="7090437" y="4622343"/>
+            <a:ext cx="3657600" cy="0"/>
+          </a:xfrm>
+          <a:prstGeom prst="line">
+            <a:avLst/>
+          </a:prstGeom>
+          <a:ln>
+            <a:solidFill>
+              <a:schemeClr val="bg1">
+                <a:lumMod val="75000"/>
+              </a:schemeClr>
+            </a:solidFill>
+          </a:ln>
+        </p:spPr>
+        <p:style>
+          <a:lnRef idx="1">
+            <a:schemeClr val="dk1"/>
+          </a:lnRef>
+          <a:fillRef idx="0">
+            <a:schemeClr val="dk1"/>
+          </a:fillRef>
+          <a:effectRef idx="0">
+            <a:schemeClr val="dk1"/>
+          </a:effectRef>
+          <a:fontRef idx="minor">
+            <a:schemeClr val="tx1"/>
+          </a:fontRef>
+        </p:style>
+      </p:cxnSp>
+      <p:sp>
+        <p:nvSpPr>
+          <p:cNvPr id="29" name="TextBox 28"/>
+          <p:cNvSpPr txBox="1"/>
+          <p:nvPr/>
+        </p:nvSpPr>
+        <p:spPr>
+          <a:xfrm>
+            <a:off x="7090437" y="1962246"/>
+            <a:ext cx="3657600" cy="415498"/>
+          </a:xfrm>
+          <a:prstGeom prst="rect">
+            <a:avLst/>
+          </a:prstGeom>
+          <a:noFill/>
+          <a:ln>
+            <a:noFill/>
+          </a:ln>
+        </p:spPr>
+        <p:txBody>
+          <a:bodyPr wrap="square" rtlCol="0">
+            <a:spAutoFit/>
+          </a:bodyPr>
+          <a:lstStyle/>
+          <a:p>
+            <a:pPr>
+              <a:spcBef>
+                <a:spcPts val="1000"/>
+              </a:spcBef>
+              <a:spcAft>
+                <a:spcPts val="1000"/>
+              </a:spcAft>
+            </a:pPr>
+            <a:r>
+              <a:rPr lang="en-US" sz="500" dirty="0"/>
+              <a:t> </a:t>
+            </a:r>
+            <a:r>
+              <a:rPr lang="en-US" sz="1600" dirty="0"/>
+              <a:t/>
+            </a:r>
+            <a:br>
+              <a:rPr lang="en-US" sz="1600" dirty="0"/>
+            </a:br>
+            <a:r>
+              <a:rPr lang="en-US" sz="1600" dirty="0"/>
+              <a:t>  Log out of </a:t>
+            </a:r>
+            <a:r>
+              <a:rPr lang="en-US" sz="1600" i="1" u="sng" dirty="0"/>
+              <a:t>username</a:t>
+            </a:r>
+          </a:p>
+        </p:txBody>
+      </p:sp>
+      <p:cxnSp>
+        <p:nvCxnSpPr>
+          <p:cNvPr id="30" name="Straight Connector 29"/>
+          <p:cNvCxnSpPr/>
+          <p:nvPr/>
+        </p:nvCxnSpPr>
+        <p:spPr>
+          <a:xfrm>
+            <a:off x="7104742" y="1995085"/>
+            <a:ext cx="3657600" cy="0"/>
+          </a:xfrm>
+          <a:prstGeom prst="line">
+            <a:avLst/>
+          </a:prstGeom>
+          <a:ln>
+            <a:solidFill>
+              <a:schemeClr val="bg1">
+                <a:lumMod val="75000"/>
+              </a:schemeClr>
+            </a:solidFill>
+          </a:ln>
+        </p:spPr>
+        <p:style>
+          <a:lnRef idx="1">
+            <a:schemeClr val="dk1"/>
+          </a:lnRef>
+          <a:fillRef idx="0">
+            <a:schemeClr val="dk1"/>
+          </a:fillRef>
+          <a:effectRef idx="0">
+            <a:schemeClr val="dk1"/>
+          </a:effectRef>
+          <a:fontRef idx="minor">
+            <a:schemeClr val="tx1"/>
+          </a:fontRef>
+        </p:style>
+      </p:cxnSp>
+      <p:sp>
+        <p:nvSpPr>
+          <p:cNvPr id="28" name="TextBox 27"/>
+          <p:cNvSpPr txBox="1"/>
+          <p:nvPr/>
+        </p:nvSpPr>
+        <p:spPr>
+          <a:xfrm>
+            <a:off x="2702379" y="6466959"/>
+            <a:ext cx="894972" cy="369332"/>
+          </a:xfrm>
+          <a:prstGeom prst="rect">
+            <a:avLst/>
+          </a:prstGeom>
+          <a:noFill/>
+        </p:spPr>
+        <p:txBody>
+          <a:bodyPr wrap="none" rtlCol="0">
+            <a:spAutoFit/>
+          </a:bodyPr>
+          <a:lstStyle/>
+          <a:p>
+            <a:r>
+              <a:rPr lang="en-US" dirty="0"/>
+              <a:t>MATCH</a:t>
+            </a:r>
+          </a:p>
+        </p:txBody>
+      </p:sp>
+      <p:sp>
+        <p:nvSpPr>
+          <p:cNvPr id="31" name="TextBox 30"/>
+          <p:cNvSpPr txBox="1"/>
+          <p:nvPr/>
+        </p:nvSpPr>
+        <p:spPr>
+          <a:xfrm>
+            <a:off x="8428639" y="6492302"/>
+            <a:ext cx="981196" cy="369332"/>
+          </a:xfrm>
+          <a:prstGeom prst="rect">
+            <a:avLst/>
+          </a:prstGeom>
+          <a:noFill/>
+        </p:spPr>
+        <p:txBody>
+          <a:bodyPr wrap="none" rtlCol="0">
+            <a:spAutoFit/>
+          </a:bodyPr>
+          <a:lstStyle/>
+          <a:p>
+            <a:r>
+              <a:rPr lang="en-US" dirty="0"/>
+              <a:t>SETTING</a:t>
+            </a:r>
+          </a:p>
+        </p:txBody>
+      </p:sp>
+    </p:spTree>
+    <p:extLst>
+      <p:ext uri="{BB962C8B-B14F-4D97-AF65-F5344CB8AC3E}">
+        <p14:creationId xmlns:p14="http://schemas.microsoft.com/office/powerpoint/2010/main" val="1292690461"/>
+      </p:ext>
+    </p:extLst>
+  </p:cSld>
+  <p:clrMapOvr>
+    <a:masterClrMapping/>
+  </p:clrMapOvr>
+</p:sld>
+</file>
+
+<file path=ppt/slides/slide7.xml><?xml version="1.0" encoding="utf-8"?>
+<p:sld xmlns:a="http://schemas.openxmlformats.org/drawingml/2006/main" xmlns:r="http://schemas.openxmlformats.org/officeDocument/2006/relationships" xmlns:p="http://schemas.openxmlformats.org/presentationml/2006/main">
+  <p:cSld>
+    <p:spTree>
+      <p:nvGrpSpPr>
+        <p:cNvPr id="1" name=""/>
+        <p:cNvGrpSpPr/>
+        <p:nvPr/>
+      </p:nvGrpSpPr>
+      <p:grpSpPr>
+        <a:xfrm>
+          <a:off x="0" y="0"/>
+          <a:ext cx="0" cy="0"/>
+          <a:chOff x="0" y="0"/>
+          <a:chExt cx="0" cy="0"/>
+        </a:xfrm>
+      </p:grpSpPr>
+      <p:sp>
+        <p:nvSpPr>
+          <p:cNvPr id="2" name="Frame 1"/>
+          <p:cNvSpPr/>
+          <p:nvPr/>
+        </p:nvSpPr>
+        <p:spPr>
+          <a:xfrm>
             <a:off x="7090949" y="478972"/>
             <a:ext cx="3657600" cy="5943600"/>
           </a:xfrm>
@@ -8608,7 +8790,7 @@
 </p:sld>
 </file>
 
-<file path=ppt/slides/slide6.xml><?xml version="1.0" encoding="utf-8"?>
+<file path=ppt/slides/slide8.xml><?xml version="1.0" encoding="utf-8"?>
 <p:sld xmlns:a="http://schemas.openxmlformats.org/drawingml/2006/main" xmlns:r="http://schemas.openxmlformats.org/officeDocument/2006/relationships" xmlns:p="http://schemas.openxmlformats.org/presentationml/2006/main">
   <p:cSld>
     <p:spTree>
@@ -8996,7 +9178,7 @@
   <a:extraClrSchemeLst/>
   <a:extLst>
     <a:ext uri="{05A4C25C-085E-4340-85A3-A5531E510DB2}">
-      <thm15:themeFamily xmlns:thm15="http://schemas.microsoft.com/office/thememl/2012/main" xmlns="" name="Office Theme" id="{62F939B6-93AF-4DB8-9C6B-D6C7DFDC589F}" vid="{4A3C46E8-61CC-4603-A589-7422A47A8E4A}"/>
+      <thm15:themeFamily xmlns:thm15="http://schemas.microsoft.com/office/thememl/2012/main" name="Office Theme" id="{62F939B6-93AF-4DB8-9C6B-D6C7DFDC589F}" vid="{4A3C46E8-61CC-4603-A589-7422A47A8E4A}"/>
     </a:ext>
   </a:extLst>
 </a:theme>
